--- a/document/document/ppt/QG答辩汇报.pptx
+++ b/document/document/ppt/QG答辩汇报.pptx
@@ -13,30 +13,34 @@
     <p:sldId id="299" r:id="rId6"/>
     <p:sldId id="328" r:id="rId7"/>
     <p:sldId id="323" r:id="rId8"/>
-    <p:sldId id="329" r:id="rId9"/>
+    <p:sldId id="337" r:id="rId9"/>
     <p:sldId id="324" r:id="rId10"/>
-    <p:sldId id="325" r:id="rId11"/>
-    <p:sldId id="326" r:id="rId12"/>
-    <p:sldId id="322" r:id="rId13"/>
+    <p:sldId id="336" r:id="rId11"/>
+    <p:sldId id="339" r:id="rId12"/>
+    <p:sldId id="325" r:id="rId13"/>
+    <p:sldId id="335" r:id="rId14"/>
+    <p:sldId id="326" r:id="rId15"/>
+    <p:sldId id="338" r:id="rId16"/>
+    <p:sldId id="322" r:id="rId17"/>
   </p:sldIdLst>
   <p:sldSz cx="12192000" cy="6858000"/>
   <p:notesSz cx="6858000" cy="9144000"/>
   <p:embeddedFontLst>
     <p:embeddedFont>
       <p:font typeface="微软雅黑" panose="020B0503020204020204" pitchFamily="34" charset="-122"/>
-      <p:regular r:id="rId17"/>
+      <p:regular r:id="rId21"/>
     </p:embeddedFont>
     <p:embeddedFont>
       <p:font typeface="等线" panose="02010600030101010101" charset="-122"/>
-      <p:regular r:id="rId18"/>
+      <p:regular r:id="rId22"/>
     </p:embeddedFont>
     <p:embeddedFont>
       <p:font typeface="等线 Light" panose="02010600030101010101" charset="-122"/>
-      <p:regular r:id="rId19"/>
+      <p:regular r:id="rId23"/>
     </p:embeddedFont>
   </p:embeddedFontLst>
   <p:custDataLst>
-    <p:tags r:id="rId20"/>
+    <p:tags r:id="rId24"/>
   </p:custDataLst>
   <p:defaultTextStyle>
     <a:defPPr>
@@ -3587,52 +3591,6 @@
       </p:sp>
       <p:sp>
         <p:nvSpPr>
-          <p:cNvPr id="7" name="文本框 6"/>
-          <p:cNvSpPr txBox="1"/>
-          <p:nvPr/>
-        </p:nvSpPr>
-        <p:spPr>
-          <a:xfrm>
-            <a:off x="983847" y="3274139"/>
-            <a:ext cx="3941133" cy="523220"/>
-          </a:xfrm>
-          <a:prstGeom prst="rect">
-            <a:avLst/>
-          </a:prstGeom>
-          <a:noFill/>
-        </p:spPr>
-        <p:txBody>
-          <a:bodyPr wrap="square" rtlCol="0">
-            <a:spAutoFit/>
-          </a:bodyPr>
-          <a:lstStyle/>
-          <a:p>
-            <a:r>
-              <a:rPr lang="zh-CN" altLang="en-US" sz="2800" b="1" dirty="0">
-                <a:solidFill>
-                  <a:schemeClr val="bg1">
-                    <a:alpha val="80000"/>
-                  </a:schemeClr>
-                </a:solidFill>
-                <a:latin typeface="微软雅黑" panose="020B0503020204020204" pitchFamily="34" charset="-122"/>
-                <a:ea typeface="微软雅黑" panose="020B0503020204020204" pitchFamily="34" charset="-122"/>
-              </a:rPr>
-              <a:t>答辩汇报模板</a:t>
-            </a:r>
-            <a:endParaRPr lang="zh-CN" altLang="en-US" sz="2800" b="1" dirty="0">
-              <a:solidFill>
-                <a:schemeClr val="bg1">
-                  <a:alpha val="80000"/>
-                </a:schemeClr>
-              </a:solidFill>
-              <a:latin typeface="微软雅黑" panose="020B0503020204020204" pitchFamily="34" charset="-122"/>
-              <a:ea typeface="微软雅黑" panose="020B0503020204020204" pitchFamily="34" charset="-122"/>
-            </a:endParaRPr>
-          </a:p>
-        </p:txBody>
-      </p:sp>
-      <p:sp>
-        <p:nvSpPr>
           <p:cNvPr id="8" name="文本框 7"/>
           <p:cNvSpPr txBox="1"/>
           <p:nvPr/>
@@ -3757,7 +3715,7 @@
                 <a:latin typeface="微软雅黑" panose="020B0503020204020204" pitchFamily="34" charset="-122"/>
                 <a:ea typeface="微软雅黑" panose="020B0503020204020204" pitchFamily="34" charset="-122"/>
               </a:rPr>
-              <a:t>4</a:t>
+              <a:t>5</a:t>
             </a:r>
             <a:r>
               <a:rPr lang="zh-CN" altLang="en-US" sz="2400" dirty="0">
@@ -3781,7 +3739,7 @@
                 <a:latin typeface="微软雅黑" panose="020B0503020204020204" pitchFamily="34" charset="-122"/>
                 <a:ea typeface="微软雅黑" panose="020B0503020204020204" pitchFamily="34" charset="-122"/>
               </a:rPr>
-              <a:t>xx</a:t>
+              <a:t>5</a:t>
             </a:r>
             <a:r>
               <a:rPr lang="zh-CN" altLang="en-US" sz="2400" dirty="0">
@@ -3832,8 +3790,8 @@
         </p:blipFill>
         <p:spPr>
           <a:xfrm>
-            <a:off x="3887748" y="-2526731"/>
-            <a:ext cx="10224035" cy="10548612"/>
+            <a:off x="4053840" y="-2526665"/>
+            <a:ext cx="10057765" cy="10548620"/>
           </a:xfrm>
           <a:prstGeom prst="rect">
             <a:avLst/>
@@ -3882,9 +3840,9 @@
           <p:nvPr/>
         </p:nvSpPr>
         <p:spPr>
-          <a:xfrm>
-            <a:off x="794144" y="3423982"/>
-            <a:ext cx="176720" cy="187065"/>
+          <a:xfrm flipV="1">
+            <a:off x="842010" y="2995930"/>
+            <a:ext cx="101600" cy="433070"/>
           </a:xfrm>
           <a:prstGeom prst="rect">
             <a:avLst/>
@@ -3965,1694 +3923,6 @@
 </file>
 
 <file path=ppt/slides/slide10.xml><?xml version="1.0" encoding="utf-8"?>
-<p:sld xmlns:a="http://schemas.openxmlformats.org/drawingml/2006/main" xmlns:r="http://schemas.openxmlformats.org/officeDocument/2006/relationships" xmlns:p="http://schemas.openxmlformats.org/presentationml/2006/main">
-  <p:cSld>
-    <p:spTree>
-      <p:nvGrpSpPr>
-        <p:cNvPr id="1" name=""/>
-        <p:cNvGrpSpPr/>
-        <p:nvPr/>
-      </p:nvGrpSpPr>
-      <p:grpSpPr>
-        <a:xfrm>
-          <a:off x="0" y="0"/>
-          <a:ext cx="0" cy="0"/>
-          <a:chOff x="0" y="0"/>
-          <a:chExt cx="0" cy="0"/>
-        </a:xfrm>
-      </p:grpSpPr>
-      <p:pic>
-        <p:nvPicPr>
-          <p:cNvPr id="11" name="图形 10"/>
-          <p:cNvPicPr>
-            <a:picLocks noChangeAspect="1"/>
-          </p:cNvPicPr>
-          <p:nvPr/>
-        </p:nvPicPr>
-        <p:blipFill>
-          <a:blip r:embed="rId1">
-            <a:extLst>
-              <a:ext uri="{28A0092B-C50C-407E-A947-70E740481C1C}">
-                <a14:useLocalDpi xmlns:a14="http://schemas.microsoft.com/office/drawing/2010/main" val="0"/>
-              </a:ext>
-              <a:ext uri="{96DAC541-7B7A-43D3-8B79-37D633B846F1}">
-                <asvg:svgBlip xmlns:asvg="http://schemas.microsoft.com/office/drawing/2016/SVG/main" r:embed="rId2"/>
-              </a:ext>
-            </a:extLst>
-          </a:blip>
-          <a:stretch>
-            <a:fillRect/>
-          </a:stretch>
-        </p:blipFill>
-        <p:spPr>
-          <a:xfrm>
-            <a:off x="3457074" y="629136"/>
-            <a:ext cx="5277852" cy="5445404"/>
-          </a:xfrm>
-          <a:prstGeom prst="rect">
-            <a:avLst/>
-          </a:prstGeom>
-        </p:spPr>
-      </p:pic>
-      <p:sp>
-        <p:nvSpPr>
-          <p:cNvPr id="3" name="矩形 2"/>
-          <p:cNvSpPr/>
-          <p:nvPr/>
-        </p:nvSpPr>
-        <p:spPr>
-          <a:xfrm flipV="1">
-            <a:off x="0" y="3667956"/>
-            <a:ext cx="12192000" cy="3190043"/>
-          </a:xfrm>
-          <a:prstGeom prst="rect">
-            <a:avLst/>
-          </a:prstGeom>
-          <a:solidFill>
-            <a:srgbClr val="3843B3"/>
-          </a:solidFill>
-          <a:ln>
-            <a:noFill/>
-          </a:ln>
-        </p:spPr>
-        <p:style>
-          <a:lnRef idx="2">
-            <a:schemeClr val="accent1">
-              <a:shade val="50000"/>
-            </a:schemeClr>
-          </a:lnRef>
-          <a:fillRef idx="1">
-            <a:schemeClr val="accent1"/>
-          </a:fillRef>
-          <a:effectRef idx="0">
-            <a:schemeClr val="accent1"/>
-          </a:effectRef>
-          <a:fontRef idx="minor">
-            <a:schemeClr val="lt1"/>
-          </a:fontRef>
-        </p:style>
-        <p:txBody>
-          <a:bodyPr rtlCol="0" anchor="ctr"/>
-          <a:lstStyle/>
-          <a:p>
-            <a:pPr marL="0" marR="0" lvl="0" indent="0" algn="ctr" defTabSz="914400" rtl="0" eaLnBrk="1" fontAlgn="auto" latinLnBrk="0" hangingPunct="1">
-              <a:lnSpc>
-                <a:spcPct val="100000"/>
-              </a:lnSpc>
-              <a:spcBef>
-                <a:spcPts val="0"/>
-              </a:spcBef>
-              <a:spcAft>
-                <a:spcPts val="0"/>
-              </a:spcAft>
-              <a:buClrTx/>
-              <a:buSzTx/>
-              <a:buFontTx/>
-              <a:buNone/>
-              <a:defRPr/>
-            </a:pPr>
-            <a:endParaRPr kumimoji="0" lang="zh-CN" altLang="en-US" sz="1800" b="0" i="0" u="none" strike="noStrike" kern="1200" cap="none" spc="0" normalizeH="0" baseline="0" noProof="0">
-              <a:ln>
-                <a:noFill/>
-              </a:ln>
-              <a:solidFill>
-                <a:prstClr val="white"/>
-              </a:solidFill>
-              <a:effectLst/>
-              <a:uLnTx/>
-              <a:uFillTx/>
-              <a:latin typeface="Sitka Text"/>
-              <a:ea typeface="微软雅黑 Light" panose="020B0502040204020203" charset="-122"/>
-              <a:cs typeface="+mn-cs"/>
-            </a:endParaRPr>
-          </a:p>
-        </p:txBody>
-      </p:sp>
-      <p:pic>
-        <p:nvPicPr>
-          <p:cNvPr id="13" name="图形 12"/>
-          <p:cNvPicPr>
-            <a:picLocks noChangeAspect="1"/>
-          </p:cNvPicPr>
-          <p:nvPr/>
-        </p:nvPicPr>
-        <p:blipFill>
-          <a:blip r:embed="rId3">
-            <a:extLst>
-              <a:ext uri="{28A0092B-C50C-407E-A947-70E740481C1C}">
-                <a14:useLocalDpi xmlns:a14="http://schemas.microsoft.com/office/drawing/2010/main" val="0"/>
-              </a:ext>
-              <a:ext uri="{96DAC541-7B7A-43D3-8B79-37D633B846F1}">
-                <asvg:svgBlip xmlns:asvg="http://schemas.microsoft.com/office/drawing/2016/SVG/main" r:embed="rId4"/>
-              </a:ext>
-            </a:extLst>
-          </a:blip>
-          <a:stretch>
-            <a:fillRect/>
-          </a:stretch>
-        </p:blipFill>
-        <p:spPr>
-          <a:xfrm>
-            <a:off x="3457074" y="680577"/>
-            <a:ext cx="5277852" cy="5445404"/>
-          </a:xfrm>
-          <a:prstGeom prst="rect">
-            <a:avLst/>
-          </a:prstGeom>
-        </p:spPr>
-      </p:pic>
-      <p:sp>
-        <p:nvSpPr>
-          <p:cNvPr id="2" name="文本框 1"/>
-          <p:cNvSpPr txBox="1"/>
-          <p:nvPr/>
-        </p:nvSpPr>
-        <p:spPr>
-          <a:xfrm>
-            <a:off x="4341809" y="2836949"/>
-            <a:ext cx="3508381" cy="923330"/>
-          </a:xfrm>
-          <a:prstGeom prst="rect">
-            <a:avLst/>
-          </a:prstGeom>
-          <a:noFill/>
-        </p:spPr>
-        <p:txBody>
-          <a:bodyPr wrap="square" rtlCol="0">
-            <a:spAutoFit/>
-          </a:bodyPr>
-          <a:lstStyle/>
-          <a:p>
-            <a:pPr algn="dist"/>
-            <a:r>
-              <a:rPr lang="zh-CN" altLang="en-US" sz="5400" b="1" dirty="0">
-                <a:solidFill>
-                  <a:srgbClr val="3843B3"/>
-                </a:solidFill>
-                <a:latin typeface="微软雅黑" panose="020B0503020204020204" pitchFamily="34" charset="-122"/>
-                <a:ea typeface="微软雅黑" panose="020B0503020204020204" pitchFamily="34" charset="-122"/>
-              </a:rPr>
-              <a:t>感谢聆听</a:t>
-            </a:r>
-            <a:endParaRPr lang="zh-CN" altLang="en-US" sz="5400" b="1" dirty="0">
-              <a:solidFill>
-                <a:srgbClr val="3843B3"/>
-              </a:solidFill>
-              <a:latin typeface="微软雅黑" panose="020B0503020204020204" pitchFamily="34" charset="-122"/>
-              <a:ea typeface="微软雅黑" panose="020B0503020204020204" pitchFamily="34" charset="-122"/>
-            </a:endParaRPr>
-          </a:p>
-        </p:txBody>
-      </p:sp>
-      <p:sp>
-        <p:nvSpPr>
-          <p:cNvPr id="12" name="文本框 11"/>
-          <p:cNvSpPr txBox="1"/>
-          <p:nvPr/>
-        </p:nvSpPr>
-        <p:spPr>
-          <a:xfrm>
-            <a:off x="4341809" y="3707963"/>
-            <a:ext cx="3508381" cy="400110"/>
-          </a:xfrm>
-          <a:prstGeom prst="rect">
-            <a:avLst/>
-          </a:prstGeom>
-          <a:noFill/>
-        </p:spPr>
-        <p:txBody>
-          <a:bodyPr wrap="square" rtlCol="0">
-            <a:spAutoFit/>
-          </a:bodyPr>
-          <a:lstStyle/>
-          <a:p>
-            <a:pPr algn="dist"/>
-            <a:r>
-              <a:rPr lang="en-US" altLang="zh-CN" sz="2000" b="1" dirty="0">
-                <a:ln>
-                  <a:solidFill>
-                    <a:schemeClr val="bg1"/>
-                  </a:solidFill>
-                </a:ln>
-                <a:noFill/>
-                <a:latin typeface="Novecento wide Bold" panose="00000805000000000000" pitchFamily="50" charset="0"/>
-                <a:ea typeface="思源黑体 Medium" panose="020B0600000000000000" pitchFamily="34" charset="-122"/>
-              </a:rPr>
-              <a:t>Thanks for listening</a:t>
-            </a:r>
-            <a:endParaRPr lang="zh-CN" altLang="en-US" sz="2000" b="1" dirty="0">
-              <a:ln>
-                <a:solidFill>
-                  <a:schemeClr val="bg1"/>
-                </a:solidFill>
-              </a:ln>
-              <a:noFill/>
-              <a:latin typeface="Novecento wide Bold" panose="00000805000000000000" pitchFamily="50" charset="0"/>
-              <a:ea typeface="思源黑体 Medium" panose="020B0600000000000000" pitchFamily="34" charset="-122"/>
-            </a:endParaRPr>
-          </a:p>
-        </p:txBody>
-      </p:sp>
-    </p:spTree>
-  </p:cSld>
-  <p:clrMapOvr>
-    <a:masterClrMapping/>
-  </p:clrMapOvr>
-</p:sld>
-</file>
-
-<file path=ppt/slides/slide2.xml><?xml version="1.0" encoding="utf-8"?>
-<p:sld xmlns:a="http://schemas.openxmlformats.org/drawingml/2006/main" xmlns:r="http://schemas.openxmlformats.org/officeDocument/2006/relationships" xmlns:p="http://schemas.openxmlformats.org/presentationml/2006/main">
-  <p:cSld>
-    <p:spTree>
-      <p:nvGrpSpPr>
-        <p:cNvPr id="1" name=""/>
-        <p:cNvGrpSpPr/>
-        <p:nvPr/>
-      </p:nvGrpSpPr>
-      <p:grpSpPr>
-        <a:xfrm>
-          <a:off x="0" y="0"/>
-          <a:ext cx="0" cy="0"/>
-          <a:chOff x="0" y="0"/>
-          <a:chExt cx="0" cy="0"/>
-        </a:xfrm>
-      </p:grpSpPr>
-      <p:sp>
-        <p:nvSpPr>
-          <p:cNvPr id="2" name="椭圆 1"/>
-          <p:cNvSpPr/>
-          <p:nvPr/>
-        </p:nvSpPr>
-        <p:spPr>
-          <a:xfrm>
-            <a:off x="-142000" y="796672"/>
-            <a:ext cx="5392402" cy="5392401"/>
-          </a:xfrm>
-          <a:prstGeom prst="ellipse">
-            <a:avLst/>
-          </a:prstGeom>
-          <a:noFill/>
-          <a:ln w="6350">
-            <a:solidFill>
-              <a:schemeClr val="bg1">
-                <a:lumMod val="75000"/>
-                <a:alpha val="50000"/>
-              </a:schemeClr>
-            </a:solidFill>
-          </a:ln>
-        </p:spPr>
-        <p:style>
-          <a:lnRef idx="2">
-            <a:schemeClr val="accent1">
-              <a:shade val="50000"/>
-            </a:schemeClr>
-          </a:lnRef>
-          <a:fillRef idx="1">
-            <a:schemeClr val="accent1"/>
-          </a:fillRef>
-          <a:effectRef idx="0">
-            <a:schemeClr val="accent1"/>
-          </a:effectRef>
-          <a:fontRef idx="minor">
-            <a:schemeClr val="lt1"/>
-          </a:fontRef>
-        </p:style>
-        <p:txBody>
-          <a:bodyPr rtlCol="0" anchor="ctr"/>
-          <a:lstStyle/>
-          <a:p>
-            <a:pPr algn="ctr"/>
-            <a:endParaRPr lang="zh-CN" altLang="en-US"/>
-          </a:p>
-        </p:txBody>
-      </p:sp>
-      <p:sp>
-        <p:nvSpPr>
-          <p:cNvPr id="3" name="椭圆 2"/>
-          <p:cNvSpPr/>
-          <p:nvPr/>
-        </p:nvSpPr>
-        <p:spPr>
-          <a:xfrm>
-            <a:off x="-1189667" y="-250994"/>
-            <a:ext cx="7487735" cy="7487734"/>
-          </a:xfrm>
-          <a:prstGeom prst="ellipse">
-            <a:avLst/>
-          </a:prstGeom>
-          <a:noFill/>
-          <a:ln w="6350">
-            <a:solidFill>
-              <a:schemeClr val="bg1">
-                <a:lumMod val="75000"/>
-              </a:schemeClr>
-            </a:solidFill>
-          </a:ln>
-        </p:spPr>
-        <p:style>
-          <a:lnRef idx="2">
-            <a:schemeClr val="accent1">
-              <a:shade val="50000"/>
-            </a:schemeClr>
-          </a:lnRef>
-          <a:fillRef idx="1">
-            <a:schemeClr val="accent1"/>
-          </a:fillRef>
-          <a:effectRef idx="0">
-            <a:schemeClr val="accent1"/>
-          </a:effectRef>
-          <a:fontRef idx="minor">
-            <a:schemeClr val="lt1"/>
-          </a:fontRef>
-        </p:style>
-        <p:txBody>
-          <a:bodyPr rtlCol="0" anchor="ctr"/>
-          <a:lstStyle/>
-          <a:p>
-            <a:pPr algn="ctr"/>
-            <a:endParaRPr lang="zh-CN" altLang="en-US"/>
-          </a:p>
-        </p:txBody>
-      </p:sp>
-      <p:sp>
-        <p:nvSpPr>
-          <p:cNvPr id="4" name="椭圆 3"/>
-          <p:cNvSpPr/>
-          <p:nvPr/>
-        </p:nvSpPr>
-        <p:spPr>
-          <a:xfrm>
-            <a:off x="-100010" y="1110117"/>
-            <a:ext cx="6810228" cy="6810226"/>
-          </a:xfrm>
-          <a:prstGeom prst="ellipse">
-            <a:avLst/>
-          </a:prstGeom>
-          <a:noFill/>
-          <a:ln w="6350">
-            <a:solidFill>
-              <a:schemeClr val="bg1">
-                <a:lumMod val="75000"/>
-                <a:alpha val="50000"/>
-              </a:schemeClr>
-            </a:solidFill>
-            <a:prstDash val="dash"/>
-          </a:ln>
-        </p:spPr>
-        <p:style>
-          <a:lnRef idx="2">
-            <a:schemeClr val="accent1">
-              <a:shade val="50000"/>
-            </a:schemeClr>
-          </a:lnRef>
-          <a:fillRef idx="1">
-            <a:schemeClr val="accent1"/>
-          </a:fillRef>
-          <a:effectRef idx="0">
-            <a:schemeClr val="accent1"/>
-          </a:effectRef>
-          <a:fontRef idx="minor">
-            <a:schemeClr val="lt1"/>
-          </a:fontRef>
-        </p:style>
-        <p:txBody>
-          <a:bodyPr rtlCol="0" anchor="ctr"/>
-          <a:lstStyle/>
-          <a:p>
-            <a:pPr algn="ctr"/>
-            <a:endParaRPr lang="zh-CN" altLang="en-US" dirty="0"/>
-          </a:p>
-        </p:txBody>
-      </p:sp>
-      <p:sp>
-        <p:nvSpPr>
-          <p:cNvPr id="5" name="椭圆 4"/>
-          <p:cNvSpPr/>
-          <p:nvPr/>
-        </p:nvSpPr>
-        <p:spPr>
-          <a:xfrm>
-            <a:off x="-743543" y="-1707853"/>
-            <a:ext cx="7487735" cy="7487734"/>
-          </a:xfrm>
-          <a:prstGeom prst="ellipse">
-            <a:avLst/>
-          </a:prstGeom>
-          <a:noFill/>
-          <a:ln w="6350">
-            <a:solidFill>
-              <a:schemeClr val="bg1">
-                <a:lumMod val="75000"/>
-                <a:alpha val="50000"/>
-              </a:schemeClr>
-            </a:solidFill>
-            <a:prstDash val="dash"/>
-          </a:ln>
-        </p:spPr>
-        <p:style>
-          <a:lnRef idx="2">
-            <a:schemeClr val="accent1">
-              <a:shade val="50000"/>
-            </a:schemeClr>
-          </a:lnRef>
-          <a:fillRef idx="1">
-            <a:schemeClr val="accent1"/>
-          </a:fillRef>
-          <a:effectRef idx="0">
-            <a:schemeClr val="accent1"/>
-          </a:effectRef>
-          <a:fontRef idx="minor">
-            <a:schemeClr val="lt1"/>
-          </a:fontRef>
-        </p:style>
-        <p:txBody>
-          <a:bodyPr rtlCol="0" anchor="ctr"/>
-          <a:lstStyle/>
-          <a:p>
-            <a:pPr algn="ctr"/>
-            <a:endParaRPr lang="zh-CN" altLang="en-US"/>
-          </a:p>
-        </p:txBody>
-      </p:sp>
-      <p:sp>
-        <p:nvSpPr>
-          <p:cNvPr id="7" name="椭圆 6"/>
-          <p:cNvSpPr/>
-          <p:nvPr/>
-        </p:nvSpPr>
-        <p:spPr>
-          <a:xfrm>
-            <a:off x="785488" y="1791863"/>
-            <a:ext cx="3468634" cy="3468634"/>
-          </a:xfrm>
-          <a:prstGeom prst="ellipse">
-            <a:avLst/>
-          </a:prstGeom>
-          <a:noFill/>
-          <a:ln w="44450">
-            <a:solidFill>
-              <a:srgbClr val="3843B3">
-                <a:alpha val="25000"/>
-              </a:srgbClr>
-            </a:solidFill>
-          </a:ln>
-        </p:spPr>
-        <p:style>
-          <a:lnRef idx="2">
-            <a:schemeClr val="accent1">
-              <a:shade val="50000"/>
-            </a:schemeClr>
-          </a:lnRef>
-          <a:fillRef idx="1">
-            <a:schemeClr val="accent1"/>
-          </a:fillRef>
-          <a:effectRef idx="0">
-            <a:schemeClr val="accent1"/>
-          </a:effectRef>
-          <a:fontRef idx="minor">
-            <a:schemeClr val="lt1"/>
-          </a:fontRef>
-        </p:style>
-        <p:txBody>
-          <a:bodyPr rtlCol="0" anchor="ctr"/>
-          <a:lstStyle/>
-          <a:p>
-            <a:pPr algn="ctr"/>
-            <a:endParaRPr lang="zh-CN" altLang="en-US" dirty="0"/>
-          </a:p>
-        </p:txBody>
-      </p:sp>
-      <p:sp>
-        <p:nvSpPr>
-          <p:cNvPr id="8" name="椭圆 7"/>
-          <p:cNvSpPr/>
-          <p:nvPr/>
-        </p:nvSpPr>
-        <p:spPr>
-          <a:xfrm>
-            <a:off x="878743" y="1885118"/>
-            <a:ext cx="3282124" cy="3282124"/>
-          </a:xfrm>
-          <a:prstGeom prst="ellipse">
-            <a:avLst/>
-          </a:prstGeom>
-          <a:solidFill>
-            <a:srgbClr val="3843B3"/>
-          </a:solidFill>
-          <a:ln>
-            <a:noFill/>
-          </a:ln>
-        </p:spPr>
-        <p:style>
-          <a:lnRef idx="2">
-            <a:schemeClr val="accent1">
-              <a:shade val="50000"/>
-            </a:schemeClr>
-          </a:lnRef>
-          <a:fillRef idx="1">
-            <a:schemeClr val="accent1"/>
-          </a:fillRef>
-          <a:effectRef idx="0">
-            <a:schemeClr val="accent1"/>
-          </a:effectRef>
-          <a:fontRef idx="minor">
-            <a:schemeClr val="lt1"/>
-          </a:fontRef>
-        </p:style>
-        <p:txBody>
-          <a:bodyPr rtlCol="0" anchor="ctr"/>
-          <a:lstStyle/>
-          <a:p>
-            <a:pPr algn="ctr"/>
-            <a:endParaRPr lang="zh-CN" altLang="en-US" dirty="0"/>
-          </a:p>
-        </p:txBody>
-      </p:sp>
-      <p:sp>
-        <p:nvSpPr>
-          <p:cNvPr id="14" name="矩形 13"/>
-          <p:cNvSpPr/>
-          <p:nvPr/>
-        </p:nvSpPr>
-        <p:spPr>
-          <a:xfrm>
-            <a:off x="6106582" y="1082192"/>
-            <a:ext cx="4226560" cy="410803"/>
-          </a:xfrm>
-          <a:prstGeom prst="rect">
-            <a:avLst/>
-          </a:prstGeom>
-          <a:solidFill>
-            <a:schemeClr val="bg1">
-              <a:lumMod val="85000"/>
-              <a:alpha val="10000"/>
-            </a:schemeClr>
-          </a:solidFill>
-          <a:ln>
-            <a:noFill/>
-          </a:ln>
-        </p:spPr>
-        <p:style>
-          <a:lnRef idx="2">
-            <a:schemeClr val="accent1">
-              <a:shade val="50000"/>
-            </a:schemeClr>
-          </a:lnRef>
-          <a:fillRef idx="1">
-            <a:schemeClr val="accent1"/>
-          </a:fillRef>
-          <a:effectRef idx="0">
-            <a:schemeClr val="accent1"/>
-          </a:effectRef>
-          <a:fontRef idx="minor">
-            <a:schemeClr val="lt1"/>
-          </a:fontRef>
-        </p:style>
-        <p:txBody>
-          <a:bodyPr rtlCol="0" anchor="ctr"/>
-          <a:lstStyle/>
-          <a:p>
-            <a:pPr algn="ctr"/>
-            <a:endParaRPr lang="zh-CN" altLang="en-US"/>
-          </a:p>
-        </p:txBody>
-      </p:sp>
-      <p:sp>
-        <p:nvSpPr>
-          <p:cNvPr id="15" name="矩形 14"/>
-          <p:cNvSpPr/>
-          <p:nvPr/>
-        </p:nvSpPr>
-        <p:spPr>
-          <a:xfrm>
-            <a:off x="6621523" y="2096976"/>
-            <a:ext cx="4226560" cy="410803"/>
-          </a:xfrm>
-          <a:prstGeom prst="rect">
-            <a:avLst/>
-          </a:prstGeom>
-          <a:solidFill>
-            <a:schemeClr val="bg1">
-              <a:lumMod val="85000"/>
-              <a:alpha val="10000"/>
-            </a:schemeClr>
-          </a:solidFill>
-          <a:ln>
-            <a:noFill/>
-          </a:ln>
-        </p:spPr>
-        <p:style>
-          <a:lnRef idx="2">
-            <a:schemeClr val="accent1">
-              <a:shade val="50000"/>
-            </a:schemeClr>
-          </a:lnRef>
-          <a:fillRef idx="1">
-            <a:schemeClr val="accent1"/>
-          </a:fillRef>
-          <a:effectRef idx="0">
-            <a:schemeClr val="accent1"/>
-          </a:effectRef>
-          <a:fontRef idx="minor">
-            <a:schemeClr val="lt1"/>
-          </a:fontRef>
-        </p:style>
-        <p:txBody>
-          <a:bodyPr rtlCol="0" anchor="ctr"/>
-          <a:lstStyle/>
-          <a:p>
-            <a:pPr algn="ctr"/>
-            <a:endParaRPr lang="zh-CN" altLang="en-US"/>
-          </a:p>
-        </p:txBody>
-      </p:sp>
-      <p:sp>
-        <p:nvSpPr>
-          <p:cNvPr id="16" name="矩形 15"/>
-          <p:cNvSpPr/>
-          <p:nvPr/>
-        </p:nvSpPr>
-        <p:spPr>
-          <a:xfrm>
-            <a:off x="6773585" y="3223598"/>
-            <a:ext cx="4226560" cy="410803"/>
-          </a:xfrm>
-          <a:prstGeom prst="rect">
-            <a:avLst/>
-          </a:prstGeom>
-          <a:solidFill>
-            <a:schemeClr val="bg1">
-              <a:lumMod val="85000"/>
-              <a:alpha val="10000"/>
-            </a:schemeClr>
-          </a:solidFill>
-          <a:ln>
-            <a:noFill/>
-          </a:ln>
-        </p:spPr>
-        <p:style>
-          <a:lnRef idx="2">
-            <a:schemeClr val="accent1">
-              <a:shade val="50000"/>
-            </a:schemeClr>
-          </a:lnRef>
-          <a:fillRef idx="1">
-            <a:schemeClr val="accent1"/>
-          </a:fillRef>
-          <a:effectRef idx="0">
-            <a:schemeClr val="accent1"/>
-          </a:effectRef>
-          <a:fontRef idx="minor">
-            <a:schemeClr val="lt1"/>
-          </a:fontRef>
-        </p:style>
-        <p:txBody>
-          <a:bodyPr rtlCol="0" anchor="ctr"/>
-          <a:lstStyle/>
-          <a:p>
-            <a:pPr algn="ctr"/>
-            <a:endParaRPr lang="zh-CN" altLang="en-US"/>
-          </a:p>
-        </p:txBody>
-      </p:sp>
-      <p:sp>
-        <p:nvSpPr>
-          <p:cNvPr id="17" name="矩形 16"/>
-          <p:cNvSpPr/>
-          <p:nvPr/>
-        </p:nvSpPr>
-        <p:spPr>
-          <a:xfrm>
-            <a:off x="6621523" y="4309828"/>
-            <a:ext cx="4226560" cy="410803"/>
-          </a:xfrm>
-          <a:prstGeom prst="rect">
-            <a:avLst/>
-          </a:prstGeom>
-          <a:solidFill>
-            <a:schemeClr val="bg1">
-              <a:lumMod val="85000"/>
-              <a:alpha val="10000"/>
-            </a:schemeClr>
-          </a:solidFill>
-          <a:ln>
-            <a:noFill/>
-          </a:ln>
-        </p:spPr>
-        <p:style>
-          <a:lnRef idx="2">
-            <a:schemeClr val="accent1">
-              <a:shade val="50000"/>
-            </a:schemeClr>
-          </a:lnRef>
-          <a:fillRef idx="1">
-            <a:schemeClr val="accent1"/>
-          </a:fillRef>
-          <a:effectRef idx="0">
-            <a:schemeClr val="accent1"/>
-          </a:effectRef>
-          <a:fontRef idx="minor">
-            <a:schemeClr val="lt1"/>
-          </a:fontRef>
-        </p:style>
-        <p:txBody>
-          <a:bodyPr rtlCol="0" anchor="ctr"/>
-          <a:lstStyle/>
-          <a:p>
-            <a:pPr algn="ctr"/>
-            <a:endParaRPr lang="zh-CN" altLang="en-US"/>
-          </a:p>
-        </p:txBody>
-      </p:sp>
-      <p:grpSp>
-        <p:nvGrpSpPr>
-          <p:cNvPr id="6" name="组合 5"/>
-          <p:cNvGrpSpPr/>
-          <p:nvPr/>
-        </p:nvGrpSpPr>
-        <p:grpSpPr>
-          <a:xfrm>
-            <a:off x="5305305" y="963203"/>
-            <a:ext cx="619822" cy="634301"/>
-            <a:chOff x="5305305" y="963203"/>
-            <a:chExt cx="619822" cy="634301"/>
-          </a:xfrm>
-        </p:grpSpPr>
-        <p:sp>
-          <p:nvSpPr>
-            <p:cNvPr id="12" name="椭圆 11"/>
-            <p:cNvSpPr/>
-            <p:nvPr/>
-          </p:nvSpPr>
-          <p:spPr>
-            <a:xfrm>
-              <a:off x="5305305" y="977682"/>
-              <a:ext cx="619822" cy="619822"/>
-            </a:xfrm>
-            <a:prstGeom prst="ellipse">
-              <a:avLst/>
-            </a:prstGeom>
-            <a:solidFill>
-              <a:srgbClr val="3843B3"/>
-            </a:solidFill>
-            <a:ln w="53975">
-              <a:noFill/>
-            </a:ln>
-          </p:spPr>
-          <p:style>
-            <a:lnRef idx="2">
-              <a:schemeClr val="accent1">
-                <a:shade val="50000"/>
-              </a:schemeClr>
-            </a:lnRef>
-            <a:fillRef idx="1">
-              <a:schemeClr val="accent1"/>
-            </a:fillRef>
-            <a:effectRef idx="0">
-              <a:schemeClr val="accent1"/>
-            </a:effectRef>
-            <a:fontRef idx="minor">
-              <a:schemeClr val="lt1"/>
-            </a:fontRef>
-          </p:style>
-          <p:txBody>
-            <a:bodyPr rtlCol="0" anchor="ctr"/>
-            <a:lstStyle/>
-            <a:p>
-              <a:pPr algn="ctr"/>
-              <a:endParaRPr lang="zh-CN" altLang="en-US" sz="1400" b="1" dirty="0">
-                <a:latin typeface="Montserrat Light" panose="00000400000000000000" pitchFamily="2" charset="0"/>
-              </a:endParaRPr>
-            </a:p>
-          </p:txBody>
-        </p:sp>
-        <p:sp>
-          <p:nvSpPr>
-            <p:cNvPr id="23" name="文本框 22"/>
-            <p:cNvSpPr txBox="1"/>
-            <p:nvPr/>
-          </p:nvSpPr>
-          <p:spPr>
-            <a:xfrm>
-              <a:off x="5398921" y="963203"/>
-              <a:ext cx="453024" cy="584775"/>
-            </a:xfrm>
-            <a:prstGeom prst="rect">
-              <a:avLst/>
-            </a:prstGeom>
-            <a:noFill/>
-          </p:spPr>
-          <p:txBody>
-            <a:bodyPr wrap="square" rtlCol="0">
-              <a:spAutoFit/>
-            </a:bodyPr>
-            <a:lstStyle/>
-            <a:p>
-              <a:r>
-                <a:rPr lang="en-US" altLang="zh-CN" sz="3200" dirty="0">
-                  <a:solidFill>
-                    <a:schemeClr val="bg1"/>
-                  </a:solidFill>
-                  <a:latin typeface="Novecento wide Bold" panose="00000805000000000000" pitchFamily="50" charset="0"/>
-                </a:rPr>
-                <a:t>1</a:t>
-              </a:r>
-              <a:endParaRPr lang="zh-CN" altLang="en-US" sz="3200" dirty="0">
-                <a:solidFill>
-                  <a:schemeClr val="bg1"/>
-                </a:solidFill>
-                <a:latin typeface="Novecento wide Bold" panose="00000805000000000000" pitchFamily="50" charset="0"/>
-              </a:endParaRPr>
-            </a:p>
-          </p:txBody>
-        </p:sp>
-      </p:grpSp>
-      <p:grpSp>
-        <p:nvGrpSpPr>
-          <p:cNvPr id="24" name="组合 23"/>
-          <p:cNvGrpSpPr/>
-          <p:nvPr/>
-        </p:nvGrpSpPr>
-        <p:grpSpPr>
-          <a:xfrm>
-            <a:off x="5796671" y="1977986"/>
-            <a:ext cx="619822" cy="634301"/>
-            <a:chOff x="5305305" y="963203"/>
-            <a:chExt cx="619822" cy="634301"/>
-          </a:xfrm>
-        </p:grpSpPr>
-        <p:sp>
-          <p:nvSpPr>
-            <p:cNvPr id="25" name="椭圆 24"/>
-            <p:cNvSpPr/>
-            <p:nvPr/>
-          </p:nvSpPr>
-          <p:spPr>
-            <a:xfrm>
-              <a:off x="5305305" y="977682"/>
-              <a:ext cx="619822" cy="619822"/>
-            </a:xfrm>
-            <a:prstGeom prst="ellipse">
-              <a:avLst/>
-            </a:prstGeom>
-            <a:solidFill>
-              <a:srgbClr val="3843B3"/>
-            </a:solidFill>
-            <a:ln w="53975">
-              <a:noFill/>
-            </a:ln>
-          </p:spPr>
-          <p:style>
-            <a:lnRef idx="2">
-              <a:schemeClr val="accent1">
-                <a:shade val="50000"/>
-              </a:schemeClr>
-            </a:lnRef>
-            <a:fillRef idx="1">
-              <a:schemeClr val="accent1"/>
-            </a:fillRef>
-            <a:effectRef idx="0">
-              <a:schemeClr val="accent1"/>
-            </a:effectRef>
-            <a:fontRef idx="minor">
-              <a:schemeClr val="lt1"/>
-            </a:fontRef>
-          </p:style>
-          <p:txBody>
-            <a:bodyPr rtlCol="0" anchor="ctr"/>
-            <a:lstStyle/>
-            <a:p>
-              <a:pPr algn="ctr"/>
-              <a:endParaRPr lang="zh-CN" altLang="en-US" sz="1400" b="1" dirty="0">
-                <a:latin typeface="Montserrat Light" panose="00000400000000000000" pitchFamily="2" charset="0"/>
-              </a:endParaRPr>
-            </a:p>
-          </p:txBody>
-        </p:sp>
-        <p:sp>
-          <p:nvSpPr>
-            <p:cNvPr id="26" name="文本框 25"/>
-            <p:cNvSpPr txBox="1"/>
-            <p:nvPr/>
-          </p:nvSpPr>
-          <p:spPr>
-            <a:xfrm>
-              <a:off x="5398921" y="963203"/>
-              <a:ext cx="453024" cy="584775"/>
-            </a:xfrm>
-            <a:prstGeom prst="rect">
-              <a:avLst/>
-            </a:prstGeom>
-            <a:noFill/>
-          </p:spPr>
-          <p:txBody>
-            <a:bodyPr wrap="square" rtlCol="0">
-              <a:spAutoFit/>
-            </a:bodyPr>
-            <a:lstStyle/>
-            <a:p>
-              <a:r>
-                <a:rPr lang="en-US" altLang="zh-CN" sz="3200" dirty="0">
-                  <a:solidFill>
-                    <a:schemeClr val="bg1"/>
-                  </a:solidFill>
-                  <a:latin typeface="Novecento wide Bold" panose="00000805000000000000" pitchFamily="50" charset="0"/>
-                </a:rPr>
-                <a:t>2</a:t>
-              </a:r>
-              <a:endParaRPr lang="zh-CN" altLang="en-US" sz="3200" dirty="0">
-                <a:solidFill>
-                  <a:schemeClr val="bg1"/>
-                </a:solidFill>
-                <a:latin typeface="Novecento wide Bold" panose="00000805000000000000" pitchFamily="50" charset="0"/>
-              </a:endParaRPr>
-            </a:p>
-          </p:txBody>
-        </p:sp>
-      </p:grpSp>
-      <p:grpSp>
-        <p:nvGrpSpPr>
-          <p:cNvPr id="27" name="组合 26"/>
-          <p:cNvGrpSpPr/>
-          <p:nvPr/>
-        </p:nvGrpSpPr>
-        <p:grpSpPr>
-          <a:xfrm>
-            <a:off x="5989199" y="3126456"/>
-            <a:ext cx="619822" cy="634301"/>
-            <a:chOff x="5305305" y="963203"/>
-            <a:chExt cx="619822" cy="634301"/>
-          </a:xfrm>
-        </p:grpSpPr>
-        <p:sp>
-          <p:nvSpPr>
-            <p:cNvPr id="28" name="椭圆 27"/>
-            <p:cNvSpPr/>
-            <p:nvPr/>
-          </p:nvSpPr>
-          <p:spPr>
-            <a:xfrm>
-              <a:off x="5305305" y="977682"/>
-              <a:ext cx="619822" cy="619822"/>
-            </a:xfrm>
-            <a:prstGeom prst="ellipse">
-              <a:avLst/>
-            </a:prstGeom>
-            <a:solidFill>
-              <a:srgbClr val="3843B3"/>
-            </a:solidFill>
-            <a:ln w="53975">
-              <a:noFill/>
-            </a:ln>
-          </p:spPr>
-          <p:style>
-            <a:lnRef idx="2">
-              <a:schemeClr val="accent1">
-                <a:shade val="50000"/>
-              </a:schemeClr>
-            </a:lnRef>
-            <a:fillRef idx="1">
-              <a:schemeClr val="accent1"/>
-            </a:fillRef>
-            <a:effectRef idx="0">
-              <a:schemeClr val="accent1"/>
-            </a:effectRef>
-            <a:fontRef idx="minor">
-              <a:schemeClr val="lt1"/>
-            </a:fontRef>
-          </p:style>
-          <p:txBody>
-            <a:bodyPr rtlCol="0" anchor="ctr"/>
-            <a:lstStyle/>
-            <a:p>
-              <a:pPr algn="ctr"/>
-              <a:endParaRPr lang="zh-CN" altLang="en-US" sz="1400" b="1" dirty="0">
-                <a:latin typeface="Montserrat Light" panose="00000400000000000000" pitchFamily="2" charset="0"/>
-              </a:endParaRPr>
-            </a:p>
-          </p:txBody>
-        </p:sp>
-        <p:sp>
-          <p:nvSpPr>
-            <p:cNvPr id="29" name="文本框 28"/>
-            <p:cNvSpPr txBox="1"/>
-            <p:nvPr/>
-          </p:nvSpPr>
-          <p:spPr>
-            <a:xfrm>
-              <a:off x="5398921" y="963203"/>
-              <a:ext cx="453024" cy="584775"/>
-            </a:xfrm>
-            <a:prstGeom prst="rect">
-              <a:avLst/>
-            </a:prstGeom>
-            <a:noFill/>
-          </p:spPr>
-          <p:txBody>
-            <a:bodyPr wrap="square" rtlCol="0">
-              <a:spAutoFit/>
-            </a:bodyPr>
-            <a:lstStyle/>
-            <a:p>
-              <a:r>
-                <a:rPr lang="en-US" altLang="zh-CN" sz="3200" dirty="0">
-                  <a:solidFill>
-                    <a:schemeClr val="bg1"/>
-                  </a:solidFill>
-                  <a:latin typeface="Novecento wide Bold" panose="00000805000000000000" pitchFamily="50" charset="0"/>
-                </a:rPr>
-                <a:t>3</a:t>
-              </a:r>
-              <a:endParaRPr lang="zh-CN" altLang="en-US" sz="3200" dirty="0">
-                <a:solidFill>
-                  <a:schemeClr val="bg1"/>
-                </a:solidFill>
-                <a:latin typeface="Novecento wide Bold" panose="00000805000000000000" pitchFamily="50" charset="0"/>
-              </a:endParaRPr>
-            </a:p>
-          </p:txBody>
-        </p:sp>
-      </p:grpSp>
-      <p:grpSp>
-        <p:nvGrpSpPr>
-          <p:cNvPr id="30" name="组合 29"/>
-          <p:cNvGrpSpPr/>
-          <p:nvPr/>
-        </p:nvGrpSpPr>
-        <p:grpSpPr>
-          <a:xfrm>
-            <a:off x="5786089" y="4239680"/>
-            <a:ext cx="619822" cy="633542"/>
-            <a:chOff x="5305305" y="963962"/>
-            <a:chExt cx="619822" cy="633542"/>
-          </a:xfrm>
-        </p:grpSpPr>
-        <p:sp>
-          <p:nvSpPr>
-            <p:cNvPr id="31" name="椭圆 30"/>
-            <p:cNvSpPr/>
-            <p:nvPr/>
-          </p:nvSpPr>
-          <p:spPr>
-            <a:xfrm>
-              <a:off x="5305305" y="977682"/>
-              <a:ext cx="619822" cy="619822"/>
-            </a:xfrm>
-            <a:prstGeom prst="ellipse">
-              <a:avLst/>
-            </a:prstGeom>
-            <a:solidFill>
-              <a:srgbClr val="3843B3"/>
-            </a:solidFill>
-            <a:ln w="53975">
-              <a:noFill/>
-            </a:ln>
-          </p:spPr>
-          <p:style>
-            <a:lnRef idx="2">
-              <a:schemeClr val="accent1">
-                <a:shade val="50000"/>
-              </a:schemeClr>
-            </a:lnRef>
-            <a:fillRef idx="1">
-              <a:schemeClr val="accent1"/>
-            </a:fillRef>
-            <a:effectRef idx="0">
-              <a:schemeClr val="accent1"/>
-            </a:effectRef>
-            <a:fontRef idx="minor">
-              <a:schemeClr val="lt1"/>
-            </a:fontRef>
-          </p:style>
-          <p:txBody>
-            <a:bodyPr rtlCol="0" anchor="ctr"/>
-            <a:lstStyle/>
-            <a:p>
-              <a:pPr algn="ctr"/>
-              <a:endParaRPr lang="zh-CN" altLang="en-US" sz="1400" b="1" dirty="0">
-                <a:latin typeface="Montserrat Light" panose="00000400000000000000" pitchFamily="2" charset="0"/>
-              </a:endParaRPr>
-            </a:p>
-          </p:txBody>
-        </p:sp>
-        <p:sp>
-          <p:nvSpPr>
-            <p:cNvPr id="32" name="文本框 31"/>
-            <p:cNvSpPr txBox="1"/>
-            <p:nvPr/>
-          </p:nvSpPr>
-          <p:spPr>
-            <a:xfrm>
-              <a:off x="5360810" y="963962"/>
-              <a:ext cx="453024" cy="584775"/>
-            </a:xfrm>
-            <a:prstGeom prst="rect">
-              <a:avLst/>
-            </a:prstGeom>
-            <a:noFill/>
-          </p:spPr>
-          <p:txBody>
-            <a:bodyPr wrap="square" rtlCol="0">
-              <a:spAutoFit/>
-            </a:bodyPr>
-            <a:lstStyle/>
-            <a:p>
-              <a:r>
-                <a:rPr lang="en-US" altLang="zh-CN" sz="3200" dirty="0">
-                  <a:solidFill>
-                    <a:schemeClr val="bg1"/>
-                  </a:solidFill>
-                  <a:latin typeface="Novecento wide Bold" panose="00000805000000000000" pitchFamily="50" charset="0"/>
-                </a:rPr>
-                <a:t>4</a:t>
-              </a:r>
-              <a:endParaRPr lang="zh-CN" altLang="en-US" sz="3200" dirty="0">
-                <a:solidFill>
-                  <a:schemeClr val="bg1"/>
-                </a:solidFill>
-                <a:latin typeface="Novecento wide Bold" panose="00000805000000000000" pitchFamily="50" charset="0"/>
-              </a:endParaRPr>
-            </a:p>
-          </p:txBody>
-        </p:sp>
-      </p:grpSp>
-      <p:sp>
-        <p:nvSpPr>
-          <p:cNvPr id="36" name="文本框 35"/>
-          <p:cNvSpPr txBox="1"/>
-          <p:nvPr/>
-        </p:nvSpPr>
-        <p:spPr>
-          <a:xfrm>
-            <a:off x="1029825" y="3013500"/>
-            <a:ext cx="2979960" cy="830997"/>
-          </a:xfrm>
-          <a:prstGeom prst="rect">
-            <a:avLst/>
-          </a:prstGeom>
-          <a:noFill/>
-        </p:spPr>
-        <p:txBody>
-          <a:bodyPr wrap="square" rtlCol="0">
-            <a:spAutoFit/>
-          </a:bodyPr>
-          <a:lstStyle/>
-          <a:p>
-            <a:pPr algn="ctr"/>
-            <a:r>
-              <a:rPr lang="zh-CN" altLang="en-US" sz="4800" b="1" dirty="0">
-                <a:solidFill>
-                  <a:schemeClr val="bg1"/>
-                </a:solidFill>
-                <a:latin typeface="微软雅黑" panose="020B0503020204020204" pitchFamily="34" charset="-122"/>
-                <a:ea typeface="微软雅黑" panose="020B0503020204020204" pitchFamily="34" charset="-122"/>
-              </a:rPr>
-              <a:t>答辩目录</a:t>
-            </a:r>
-            <a:endParaRPr lang="zh-CN" altLang="en-US" sz="4800" b="1" dirty="0">
-              <a:solidFill>
-                <a:schemeClr val="bg1"/>
-              </a:solidFill>
-              <a:latin typeface="微软雅黑" panose="020B0503020204020204" pitchFamily="34" charset="-122"/>
-              <a:ea typeface="微软雅黑" panose="020B0503020204020204" pitchFamily="34" charset="-122"/>
-            </a:endParaRPr>
-          </a:p>
-        </p:txBody>
-      </p:sp>
-      <p:sp>
-        <p:nvSpPr>
-          <p:cNvPr id="41" name="文本框 40"/>
-          <p:cNvSpPr txBox="1"/>
-          <p:nvPr/>
-        </p:nvSpPr>
-        <p:spPr>
-          <a:xfrm>
-            <a:off x="6021982" y="1057196"/>
-            <a:ext cx="2126067" cy="461665"/>
-          </a:xfrm>
-          <a:prstGeom prst="rect">
-            <a:avLst/>
-          </a:prstGeom>
-          <a:noFill/>
-        </p:spPr>
-        <p:txBody>
-          <a:bodyPr wrap="square" rtlCol="0">
-            <a:spAutoFit/>
-          </a:bodyPr>
-          <a:lstStyle/>
-          <a:p>
-            <a:r>
-              <a:rPr lang="en-US" altLang="zh-CN" sz="2400" dirty="0">
-                <a:solidFill>
-                  <a:schemeClr val="bg2">
-                    <a:lumMod val="25000"/>
-                  </a:schemeClr>
-                </a:solidFill>
-                <a:latin typeface="微软雅黑" panose="020B0503020204020204" pitchFamily="34" charset="-122"/>
-                <a:ea typeface="微软雅黑" panose="020B0503020204020204" pitchFamily="34" charset="-122"/>
-              </a:rPr>
-              <a:t>XXX</a:t>
-            </a:r>
-            <a:endParaRPr lang="zh-CN" altLang="en-US" sz="2400" dirty="0">
-              <a:solidFill>
-                <a:schemeClr val="bg2">
-                  <a:lumMod val="25000"/>
-                </a:schemeClr>
-              </a:solidFill>
-              <a:latin typeface="微软雅黑" panose="020B0503020204020204" pitchFamily="34" charset="-122"/>
-              <a:ea typeface="微软雅黑" panose="020B0503020204020204" pitchFamily="34" charset="-122"/>
-            </a:endParaRPr>
-          </a:p>
-        </p:txBody>
-      </p:sp>
-      <p:sp>
-        <p:nvSpPr>
-          <p:cNvPr id="42" name="文本框 41"/>
-          <p:cNvSpPr txBox="1"/>
-          <p:nvPr/>
-        </p:nvSpPr>
-        <p:spPr>
-          <a:xfrm>
-            <a:off x="6608735" y="2071543"/>
-            <a:ext cx="2126067" cy="461665"/>
-          </a:xfrm>
-          <a:prstGeom prst="rect">
-            <a:avLst/>
-          </a:prstGeom>
-          <a:noFill/>
-        </p:spPr>
-        <p:txBody>
-          <a:bodyPr wrap="square" rtlCol="0">
-            <a:spAutoFit/>
-          </a:bodyPr>
-          <a:lstStyle/>
-          <a:p>
-            <a:r>
-              <a:rPr lang="en-US" altLang="zh-CN" sz="2400" dirty="0">
-                <a:solidFill>
-                  <a:schemeClr val="bg2">
-                    <a:lumMod val="25000"/>
-                  </a:schemeClr>
-                </a:solidFill>
-                <a:latin typeface="微软雅黑" panose="020B0503020204020204" pitchFamily="34" charset="-122"/>
-                <a:ea typeface="微软雅黑" panose="020B0503020204020204" pitchFamily="34" charset="-122"/>
-              </a:rPr>
-              <a:t>XXX</a:t>
-            </a:r>
-            <a:endParaRPr lang="en-US" altLang="zh-CN" sz="2400" dirty="0">
-              <a:solidFill>
-                <a:schemeClr val="bg2">
-                  <a:lumMod val="25000"/>
-                </a:schemeClr>
-              </a:solidFill>
-              <a:latin typeface="微软雅黑" panose="020B0503020204020204" pitchFamily="34" charset="-122"/>
-              <a:ea typeface="微软雅黑" panose="020B0503020204020204" pitchFamily="34" charset="-122"/>
-            </a:endParaRPr>
-          </a:p>
-        </p:txBody>
-      </p:sp>
-      <p:sp>
-        <p:nvSpPr>
-          <p:cNvPr id="43" name="文本框 42"/>
-          <p:cNvSpPr txBox="1"/>
-          <p:nvPr/>
-        </p:nvSpPr>
-        <p:spPr>
-          <a:xfrm>
-            <a:off x="6710218" y="3188010"/>
-            <a:ext cx="2126067" cy="461665"/>
-          </a:xfrm>
-          <a:prstGeom prst="rect">
-            <a:avLst/>
-          </a:prstGeom>
-          <a:noFill/>
-        </p:spPr>
-        <p:txBody>
-          <a:bodyPr wrap="square" rtlCol="0">
-            <a:spAutoFit/>
-          </a:bodyPr>
-          <a:lstStyle/>
-          <a:p>
-            <a:r>
-              <a:rPr lang="en-US" altLang="zh-CN" sz="2400" dirty="0">
-                <a:solidFill>
-                  <a:schemeClr val="bg2">
-                    <a:lumMod val="25000"/>
-                  </a:schemeClr>
-                </a:solidFill>
-                <a:latin typeface="微软雅黑" panose="020B0503020204020204" pitchFamily="34" charset="-122"/>
-                <a:ea typeface="微软雅黑" panose="020B0503020204020204" pitchFamily="34" charset="-122"/>
-              </a:rPr>
-              <a:t>XXX</a:t>
-            </a:r>
-            <a:endParaRPr lang="zh-CN" altLang="en-US" sz="2400" dirty="0">
-              <a:solidFill>
-                <a:schemeClr val="bg2">
-                  <a:lumMod val="25000"/>
-                </a:schemeClr>
-              </a:solidFill>
-              <a:latin typeface="微软雅黑" panose="020B0503020204020204" pitchFamily="34" charset="-122"/>
-              <a:ea typeface="微软雅黑" panose="020B0503020204020204" pitchFamily="34" charset="-122"/>
-            </a:endParaRPr>
-          </a:p>
-        </p:txBody>
-      </p:sp>
-      <p:sp>
-        <p:nvSpPr>
-          <p:cNvPr id="44" name="文本框 43"/>
-          <p:cNvSpPr txBox="1"/>
-          <p:nvPr/>
-        </p:nvSpPr>
-        <p:spPr>
-          <a:xfrm>
-            <a:off x="6608736" y="4295944"/>
-            <a:ext cx="2126067" cy="461665"/>
-          </a:xfrm>
-          <a:prstGeom prst="rect">
-            <a:avLst/>
-          </a:prstGeom>
-          <a:noFill/>
-        </p:spPr>
-        <p:txBody>
-          <a:bodyPr wrap="square" rtlCol="0">
-            <a:spAutoFit/>
-          </a:bodyPr>
-          <a:lstStyle/>
-          <a:p>
-            <a:r>
-              <a:rPr lang="en-US" altLang="zh-CN" sz="2400" dirty="0">
-                <a:solidFill>
-                  <a:schemeClr val="bg2">
-                    <a:lumMod val="25000"/>
-                  </a:schemeClr>
-                </a:solidFill>
-                <a:latin typeface="微软雅黑" panose="020B0503020204020204" pitchFamily="34" charset="-122"/>
-                <a:ea typeface="微软雅黑" panose="020B0503020204020204" pitchFamily="34" charset="-122"/>
-              </a:rPr>
-              <a:t>XXX</a:t>
-            </a:r>
-            <a:endParaRPr lang="zh-CN" altLang="en-US" sz="2400" dirty="0">
-              <a:solidFill>
-                <a:schemeClr val="bg2">
-                  <a:lumMod val="25000"/>
-                </a:schemeClr>
-              </a:solidFill>
-              <a:latin typeface="微软雅黑" panose="020B0503020204020204" pitchFamily="34" charset="-122"/>
-              <a:ea typeface="微软雅黑" panose="020B0503020204020204" pitchFamily="34" charset="-122"/>
-            </a:endParaRPr>
-          </a:p>
-        </p:txBody>
-      </p:sp>
-      <p:pic>
-        <p:nvPicPr>
-          <p:cNvPr id="47" name="图形 46"/>
-          <p:cNvPicPr>
-            <a:picLocks noChangeAspect="1"/>
-          </p:cNvPicPr>
-          <p:nvPr/>
-        </p:nvPicPr>
-        <p:blipFill>
-          <a:blip r:embed="rId1">
-            <a:extLst>
-              <a:ext uri="{28A0092B-C50C-407E-A947-70E740481C1C}">
-                <a14:useLocalDpi xmlns:a14="http://schemas.microsoft.com/office/drawing/2010/main" val="0"/>
-              </a:ext>
-              <a:ext uri="{96DAC541-7B7A-43D3-8B79-37D633B846F1}">
-                <asvg:svgBlip xmlns:asvg="http://schemas.microsoft.com/office/drawing/2016/SVG/main" r:embed="rId2"/>
-              </a:ext>
-            </a:extLst>
-          </a:blip>
-          <a:stretch>
-            <a:fillRect/>
-          </a:stretch>
-        </p:blipFill>
-        <p:spPr>
-          <a:xfrm>
-            <a:off x="1395832" y="2323777"/>
-            <a:ext cx="2197822" cy="2267595"/>
-          </a:xfrm>
-          <a:prstGeom prst="rect">
-            <a:avLst/>
-          </a:prstGeom>
-        </p:spPr>
-      </p:pic>
-      <p:sp>
-        <p:nvSpPr>
-          <p:cNvPr id="39" name="文本框 38"/>
-          <p:cNvSpPr txBox="1"/>
-          <p:nvPr/>
-        </p:nvSpPr>
-        <p:spPr>
-          <a:xfrm>
-            <a:off x="1079850" y="3707176"/>
-            <a:ext cx="2944632" cy="400110"/>
-          </a:xfrm>
-          <a:prstGeom prst="rect">
-            <a:avLst/>
-          </a:prstGeom>
-          <a:noFill/>
-        </p:spPr>
-        <p:txBody>
-          <a:bodyPr wrap="square" rtlCol="0">
-            <a:spAutoFit/>
-          </a:bodyPr>
-          <a:lstStyle/>
-          <a:p>
-            <a:pPr algn="ctr"/>
-            <a:r>
-              <a:rPr lang="en-US" altLang="zh-CN" sz="2000" dirty="0">
-                <a:ln>
-                  <a:solidFill>
-                    <a:schemeClr val="bg1"/>
-                  </a:solidFill>
-                </a:ln>
-                <a:noFill/>
-                <a:latin typeface="Novecento wide Bold" panose="00000805000000000000" pitchFamily="50" charset="0"/>
-                <a:ea typeface="思源黑体 Medium" panose="020B0600000000000000" pitchFamily="34" charset="-122"/>
-              </a:rPr>
-              <a:t>Directory</a:t>
-            </a:r>
-            <a:endParaRPr lang="zh-CN" altLang="en-US" sz="2000" dirty="0">
-              <a:ln>
-                <a:solidFill>
-                  <a:schemeClr val="bg1"/>
-                </a:solidFill>
-              </a:ln>
-              <a:noFill/>
-              <a:latin typeface="Novecento wide Bold" panose="00000805000000000000" pitchFamily="50" charset="0"/>
-              <a:ea typeface="思源黑体 Medium" panose="020B0600000000000000" pitchFamily="34" charset="-122"/>
-            </a:endParaRPr>
-          </a:p>
-        </p:txBody>
-      </p:sp>
-      <p:sp>
-        <p:nvSpPr>
-          <p:cNvPr id="33" name="矩形 32"/>
-          <p:cNvSpPr/>
-          <p:nvPr/>
-        </p:nvSpPr>
-        <p:spPr>
-          <a:xfrm>
-            <a:off x="6127826" y="5487271"/>
-            <a:ext cx="4226560" cy="410803"/>
-          </a:xfrm>
-          <a:prstGeom prst="rect">
-            <a:avLst/>
-          </a:prstGeom>
-          <a:solidFill>
-            <a:schemeClr val="bg1">
-              <a:lumMod val="85000"/>
-              <a:alpha val="10000"/>
-            </a:schemeClr>
-          </a:solidFill>
-          <a:ln>
-            <a:noFill/>
-          </a:ln>
-        </p:spPr>
-        <p:style>
-          <a:lnRef idx="2">
-            <a:schemeClr val="accent1">
-              <a:shade val="50000"/>
-            </a:schemeClr>
-          </a:lnRef>
-          <a:fillRef idx="1">
-            <a:schemeClr val="accent1"/>
-          </a:fillRef>
-          <a:effectRef idx="0">
-            <a:schemeClr val="accent1"/>
-          </a:effectRef>
-          <a:fontRef idx="minor">
-            <a:schemeClr val="lt1"/>
-          </a:fontRef>
-        </p:style>
-        <p:txBody>
-          <a:bodyPr rtlCol="0" anchor="ctr"/>
-          <a:lstStyle/>
-          <a:p>
-            <a:pPr algn="ctr"/>
-            <a:endParaRPr lang="zh-CN" altLang="en-US"/>
-          </a:p>
-        </p:txBody>
-      </p:sp>
-      <p:grpSp>
-        <p:nvGrpSpPr>
-          <p:cNvPr id="34" name="组合 33"/>
-          <p:cNvGrpSpPr/>
-          <p:nvPr/>
-        </p:nvGrpSpPr>
-        <p:grpSpPr>
-          <a:xfrm>
-            <a:off x="5292392" y="5417123"/>
-            <a:ext cx="619822" cy="633542"/>
-            <a:chOff x="5305305" y="963962"/>
-            <a:chExt cx="619822" cy="633542"/>
-          </a:xfrm>
-        </p:grpSpPr>
-        <p:sp>
-          <p:nvSpPr>
-            <p:cNvPr id="35" name="椭圆 34"/>
-            <p:cNvSpPr/>
-            <p:nvPr/>
-          </p:nvSpPr>
-          <p:spPr>
-            <a:xfrm>
-              <a:off x="5305305" y="977682"/>
-              <a:ext cx="619822" cy="619822"/>
-            </a:xfrm>
-            <a:prstGeom prst="ellipse">
-              <a:avLst/>
-            </a:prstGeom>
-            <a:solidFill>
-              <a:srgbClr val="3843B3"/>
-            </a:solidFill>
-            <a:ln w="53975">
-              <a:noFill/>
-            </a:ln>
-          </p:spPr>
-          <p:style>
-            <a:lnRef idx="2">
-              <a:schemeClr val="accent1">
-                <a:shade val="50000"/>
-              </a:schemeClr>
-            </a:lnRef>
-            <a:fillRef idx="1">
-              <a:schemeClr val="accent1"/>
-            </a:fillRef>
-            <a:effectRef idx="0">
-              <a:schemeClr val="accent1"/>
-            </a:effectRef>
-            <a:fontRef idx="minor">
-              <a:schemeClr val="lt1"/>
-            </a:fontRef>
-          </p:style>
-          <p:txBody>
-            <a:bodyPr rtlCol="0" anchor="ctr"/>
-            <a:lstStyle/>
-            <a:p>
-              <a:pPr algn="ctr"/>
-              <a:endParaRPr lang="zh-CN" altLang="en-US" sz="1400" b="1" dirty="0">
-                <a:latin typeface="Montserrat Light" panose="00000400000000000000" pitchFamily="2" charset="0"/>
-              </a:endParaRPr>
-            </a:p>
-          </p:txBody>
-        </p:sp>
-        <p:sp>
-          <p:nvSpPr>
-            <p:cNvPr id="37" name="文本框 36"/>
-            <p:cNvSpPr txBox="1"/>
-            <p:nvPr/>
-          </p:nvSpPr>
-          <p:spPr>
-            <a:xfrm>
-              <a:off x="5360810" y="963962"/>
-              <a:ext cx="453024" cy="584775"/>
-            </a:xfrm>
-            <a:prstGeom prst="rect">
-              <a:avLst/>
-            </a:prstGeom>
-            <a:noFill/>
-          </p:spPr>
-          <p:txBody>
-            <a:bodyPr wrap="square" rtlCol="0">
-              <a:spAutoFit/>
-            </a:bodyPr>
-            <a:lstStyle/>
-            <a:p>
-              <a:r>
-                <a:rPr lang="en-US" altLang="zh-CN" sz="3200" dirty="0">
-                  <a:solidFill>
-                    <a:schemeClr val="bg1"/>
-                  </a:solidFill>
-                  <a:latin typeface="Novecento wide Bold" panose="00000805000000000000" pitchFamily="50" charset="0"/>
-                </a:rPr>
-                <a:t>5</a:t>
-              </a:r>
-              <a:endParaRPr lang="zh-CN" altLang="en-US" sz="3200" dirty="0">
-                <a:solidFill>
-                  <a:schemeClr val="bg1"/>
-                </a:solidFill>
-                <a:latin typeface="Novecento wide Bold" panose="00000805000000000000" pitchFamily="50" charset="0"/>
-              </a:endParaRPr>
-            </a:p>
-          </p:txBody>
-        </p:sp>
-      </p:grpSp>
-      <p:sp>
-        <p:nvSpPr>
-          <p:cNvPr id="38" name="文本框 37"/>
-          <p:cNvSpPr txBox="1"/>
-          <p:nvPr/>
-        </p:nvSpPr>
-        <p:spPr>
-          <a:xfrm>
-            <a:off x="6115039" y="5473387"/>
-            <a:ext cx="2126067" cy="461665"/>
-          </a:xfrm>
-          <a:prstGeom prst="rect">
-            <a:avLst/>
-          </a:prstGeom>
-          <a:noFill/>
-        </p:spPr>
-        <p:txBody>
-          <a:bodyPr wrap="square" rtlCol="0">
-            <a:spAutoFit/>
-          </a:bodyPr>
-          <a:lstStyle/>
-          <a:p>
-            <a:r>
-              <a:rPr lang="en-US" altLang="zh-CN" sz="2400" dirty="0">
-                <a:solidFill>
-                  <a:schemeClr val="bg2">
-                    <a:lumMod val="25000"/>
-                  </a:schemeClr>
-                </a:solidFill>
-                <a:latin typeface="微软雅黑" panose="020B0503020204020204" pitchFamily="34" charset="-122"/>
-                <a:ea typeface="微软雅黑" panose="020B0503020204020204" pitchFamily="34" charset="-122"/>
-              </a:rPr>
-              <a:t>XXX</a:t>
-            </a:r>
-            <a:endParaRPr lang="zh-CN" altLang="en-US" sz="2400" dirty="0">
-              <a:solidFill>
-                <a:schemeClr val="bg2">
-                  <a:lumMod val="25000"/>
-                </a:schemeClr>
-              </a:solidFill>
-              <a:latin typeface="微软雅黑" panose="020B0503020204020204" pitchFamily="34" charset="-122"/>
-              <a:ea typeface="微软雅黑" panose="020B0503020204020204" pitchFamily="34" charset="-122"/>
-            </a:endParaRPr>
-          </a:p>
-        </p:txBody>
-      </p:sp>
-    </p:spTree>
-  </p:cSld>
-  <p:clrMapOvr>
-    <a:masterClrMapping/>
-  </p:clrMapOvr>
-</p:sld>
-</file>
-
-<file path=ppt/slides/slide3.xml><?xml version="1.0" encoding="utf-8"?>
 <p:sld xmlns:a="http://schemas.openxmlformats.org/drawingml/2006/main" xmlns:r="http://schemas.openxmlformats.org/officeDocument/2006/relationships" xmlns:p="http://schemas.openxmlformats.org/presentationml/2006/main">
   <p:cSld>
     <p:spTree>
@@ -5989,7 +4259,7 @@
         <p:spPr>
           <a:xfrm>
             <a:off x="5208513" y="3077373"/>
-            <a:ext cx="6454399" cy="830997"/>
+            <a:ext cx="6454399" cy="829945"/>
           </a:xfrm>
           <a:prstGeom prst="rect">
             <a:avLst/>
@@ -6010,7 +4280,17 @@
                 <a:latin typeface="微软雅黑" panose="020B0503020204020204" pitchFamily="34" charset="-122"/>
                 <a:ea typeface="微软雅黑" panose="020B0503020204020204" pitchFamily="34" charset="-122"/>
               </a:rPr>
-              <a:t>汇报题目</a:t>
+              <a:t>项目</a:t>
+            </a:r>
+            <a:r>
+              <a:rPr lang="zh-CN" altLang="en-US" sz="4800" b="1" dirty="0">
+                <a:solidFill>
+                  <a:schemeClr val="bg1"/>
+                </a:solidFill>
+                <a:latin typeface="微软雅黑" panose="020B0503020204020204" pitchFamily="34" charset="-122"/>
+                <a:ea typeface="微软雅黑" panose="020B0503020204020204" pitchFamily="34" charset="-122"/>
+              </a:rPr>
+              <a:t>难点</a:t>
             </a:r>
             <a:endParaRPr lang="zh-CN" altLang="en-US" sz="4800" b="1" dirty="0">
               <a:solidFill>
@@ -6030,7 +4310,7 @@
         </p:nvSpPr>
         <p:spPr>
           <a:xfrm>
-            <a:off x="3201861" y="2243292"/>
+            <a:off x="3090035" y="2243292"/>
             <a:ext cx="1225759" cy="2062103"/>
           </a:xfrm>
           <a:prstGeom prst="rect">
@@ -6051,7 +4331,7 @@
                 </a:solidFill>
                 <a:latin typeface="Novecento wide Bold" panose="00000805000000000000" pitchFamily="50" charset="0"/>
               </a:rPr>
-              <a:t>1</a:t>
+              <a:t>4</a:t>
             </a:r>
             <a:endParaRPr lang="zh-CN" altLang="en-US" sz="12800" dirty="0">
               <a:solidFill>
@@ -6103,7 +4383,7 @@
 </p:sld>
 </file>
 
-<file path=ppt/slides/slide4.xml><?xml version="1.0" encoding="utf-8"?>
+<file path=ppt/slides/slide11.xml><?xml version="1.0" encoding="utf-8"?>
 <p:sld xmlns:a="http://schemas.openxmlformats.org/drawingml/2006/main" xmlns:r="http://schemas.openxmlformats.org/officeDocument/2006/relationships" xmlns:p="http://schemas.openxmlformats.org/presentationml/2006/main">
   <p:cSld>
     <p:spTree>
@@ -6178,7 +4458,7 @@
         <p:spPr>
           <a:xfrm>
             <a:off x="1425004" y="509861"/>
-            <a:ext cx="2656459" cy="461665"/>
+            <a:ext cx="2656459" cy="460375"/>
           </a:xfrm>
           <a:prstGeom prst="rect">
             <a:avLst/>
@@ -6201,10 +4481,10 @@
                 <a:latin typeface="微软雅黑" panose="020B0503020204020204" pitchFamily="34" charset="-122"/>
                 <a:ea typeface="微软雅黑" panose="020B0503020204020204" pitchFamily="34" charset="-122"/>
               </a:rPr>
-              <a:t>汇报题目</a:t>
-            </a:r>
-            <a:r>
-              <a:rPr lang="en-US" altLang="zh-CN" sz="2400" b="1" dirty="0">
+              <a:t>项目</a:t>
+            </a:r>
+            <a:r>
+              <a:rPr lang="zh-CN" altLang="en-US" sz="2400" b="1" dirty="0">
                 <a:solidFill>
                   <a:schemeClr val="bg2">
                     <a:lumMod val="25000"/>
@@ -6213,7 +4493,7 @@
                 <a:latin typeface="微软雅黑" panose="020B0503020204020204" pitchFamily="34" charset="-122"/>
                 <a:ea typeface="微软雅黑" panose="020B0503020204020204" pitchFamily="34" charset="-122"/>
               </a:rPr>
-              <a:t>1</a:t>
+              <a:t>难点</a:t>
             </a:r>
             <a:endParaRPr lang="zh-CN" altLang="en-US" sz="2400" b="1" dirty="0">
               <a:solidFill>
@@ -6318,59 +4598,7 @@
         <p:spPr>
           <a:xfrm>
             <a:off x="10152185" y="2001483"/>
-            <a:ext cx="1787029" cy="461665"/>
-          </a:xfrm>
-          <a:prstGeom prst="rect">
-            <a:avLst/>
-          </a:prstGeom>
-          <a:noFill/>
-        </p:spPr>
-        <p:txBody>
-          <a:bodyPr wrap="square" rtlCol="0">
-            <a:spAutoFit/>
-          </a:bodyPr>
-          <a:lstStyle/>
-          <a:p>
-            <a:r>
-              <a:rPr lang="zh-CN" altLang="en-US" sz="2400" dirty="0">
-                <a:solidFill>
-                  <a:schemeClr val="bg1"/>
-                </a:solidFill>
-                <a:latin typeface="微软雅黑" panose="020B0503020204020204" pitchFamily="34" charset="-122"/>
-                <a:ea typeface="微软雅黑" panose="020B0503020204020204" pitchFamily="34" charset="-122"/>
-              </a:rPr>
-              <a:t>汇报题目</a:t>
-            </a:r>
-            <a:r>
-              <a:rPr lang="en-US" altLang="zh-CN" sz="2400" dirty="0">
-                <a:solidFill>
-                  <a:schemeClr val="bg1"/>
-                </a:solidFill>
-                <a:latin typeface="微软雅黑" panose="020B0503020204020204" pitchFamily="34" charset="-122"/>
-                <a:ea typeface="微软雅黑" panose="020B0503020204020204" pitchFamily="34" charset="-122"/>
-              </a:rPr>
-              <a:t>1</a:t>
-            </a:r>
-            <a:endParaRPr lang="zh-CN" altLang="en-US" sz="2400" dirty="0">
-              <a:solidFill>
-                <a:schemeClr val="bg1"/>
-              </a:solidFill>
-              <a:latin typeface="微软雅黑" panose="020B0503020204020204" pitchFamily="34" charset="-122"/>
-              <a:ea typeface="微软雅黑" panose="020B0503020204020204" pitchFamily="34" charset="-122"/>
-            </a:endParaRPr>
-          </a:p>
-        </p:txBody>
-      </p:sp>
-      <p:sp>
-        <p:nvSpPr>
-          <p:cNvPr id="9" name="文本框 8"/>
-          <p:cNvSpPr txBox="1"/>
-          <p:nvPr/>
-        </p:nvSpPr>
-        <p:spPr>
-          <a:xfrm>
-            <a:off x="10152185" y="2582349"/>
-            <a:ext cx="1787029" cy="461665"/>
+            <a:ext cx="1787029" cy="460375"/>
           </a:xfrm>
           <a:prstGeom prst="rect">
             <a:avLst/>
@@ -6393,19 +4621,7 @@
                 <a:latin typeface="微软雅黑" panose="020B0503020204020204" pitchFamily="34" charset="-122"/>
                 <a:ea typeface="微软雅黑" panose="020B0503020204020204" pitchFamily="34" charset="-122"/>
               </a:rPr>
-              <a:t>汇报题目</a:t>
-            </a:r>
-            <a:r>
-              <a:rPr lang="en-US" altLang="zh-CN" sz="2400" dirty="0">
-                <a:solidFill>
-                  <a:schemeClr val="bg1">
-                    <a:lumMod val="65000"/>
-                  </a:schemeClr>
-                </a:solidFill>
-                <a:latin typeface="微软雅黑" panose="020B0503020204020204" pitchFamily="34" charset="-122"/>
-                <a:ea typeface="微软雅黑" panose="020B0503020204020204" pitchFamily="34" charset="-122"/>
-              </a:rPr>
-              <a:t>2</a:t>
+              <a:t>项目简介</a:t>
             </a:r>
             <a:endParaRPr lang="zh-CN" altLang="en-US" sz="2400" dirty="0">
               <a:solidFill>
@@ -6421,14 +4637,14 @@
       </p:sp>
       <p:sp>
         <p:nvSpPr>
-          <p:cNvPr id="10" name="文本框 9"/>
+          <p:cNvPr id="9" name="文本框 8"/>
           <p:cNvSpPr txBox="1"/>
           <p:nvPr/>
         </p:nvSpPr>
         <p:spPr>
           <a:xfrm>
-            <a:off x="10173628" y="3163215"/>
-            <a:ext cx="1787029" cy="461665"/>
+            <a:off x="10152185" y="2582349"/>
+            <a:ext cx="1787029" cy="460375"/>
           </a:xfrm>
           <a:prstGeom prst="rect">
             <a:avLst/>
@@ -6451,19 +4667,7 @@
                 <a:latin typeface="微软雅黑" panose="020B0503020204020204" pitchFamily="34" charset="-122"/>
                 <a:ea typeface="微软雅黑" panose="020B0503020204020204" pitchFamily="34" charset="-122"/>
               </a:rPr>
-              <a:t>汇报题目</a:t>
-            </a:r>
-            <a:r>
-              <a:rPr lang="en-US" altLang="zh-CN" sz="2400" dirty="0">
-                <a:solidFill>
-                  <a:schemeClr val="bg1">
-                    <a:lumMod val="65000"/>
-                  </a:schemeClr>
-                </a:solidFill>
-                <a:latin typeface="微软雅黑" panose="020B0503020204020204" pitchFamily="34" charset="-122"/>
-                <a:ea typeface="微软雅黑" panose="020B0503020204020204" pitchFamily="34" charset="-122"/>
-              </a:rPr>
-              <a:t>3</a:t>
+              <a:t>设计思路</a:t>
             </a:r>
             <a:endParaRPr lang="zh-CN" altLang="en-US" sz="2400" dirty="0">
               <a:solidFill>
@@ -6479,14 +4683,14 @@
       </p:sp>
       <p:sp>
         <p:nvSpPr>
-          <p:cNvPr id="11" name="文本框 10"/>
+          <p:cNvPr id="10" name="文本框 9"/>
           <p:cNvSpPr txBox="1"/>
           <p:nvPr/>
         </p:nvSpPr>
         <p:spPr>
           <a:xfrm>
-            <a:off x="10173628" y="3744081"/>
-            <a:ext cx="1787029" cy="461665"/>
+            <a:off x="10173628" y="3163215"/>
+            <a:ext cx="1787029" cy="460375"/>
           </a:xfrm>
           <a:prstGeom prst="rect">
             <a:avLst/>
@@ -6509,10 +4713,10 @@
                 <a:latin typeface="微软雅黑" panose="020B0503020204020204" pitchFamily="34" charset="-122"/>
                 <a:ea typeface="微软雅黑" panose="020B0503020204020204" pitchFamily="34" charset="-122"/>
               </a:rPr>
-              <a:t>汇报题目</a:t>
-            </a:r>
-            <a:r>
-              <a:rPr lang="en-US" altLang="zh-CN" sz="2400" dirty="0">
+              <a:t>项目</a:t>
+            </a:r>
+            <a:r>
+              <a:rPr lang="zh-CN" altLang="en-US" sz="2400" dirty="0">
                 <a:solidFill>
                   <a:schemeClr val="bg1">
                     <a:lumMod val="65000"/>
@@ -6521,7 +4725,7 @@
                 <a:latin typeface="微软雅黑" panose="020B0503020204020204" pitchFamily="34" charset="-122"/>
                 <a:ea typeface="微软雅黑" panose="020B0503020204020204" pitchFamily="34" charset="-122"/>
               </a:rPr>
-              <a:t>4</a:t>
+              <a:t>亮点</a:t>
             </a:r>
             <a:endParaRPr lang="zh-CN" altLang="en-US" sz="2400" dirty="0">
               <a:solidFill>
@@ -6537,6 +4741,48 @@
       </p:sp>
       <p:sp>
         <p:nvSpPr>
+          <p:cNvPr id="11" name="文本框 10"/>
+          <p:cNvSpPr txBox="1"/>
+          <p:nvPr/>
+        </p:nvSpPr>
+        <p:spPr>
+          <a:xfrm>
+            <a:off x="10173628" y="3744081"/>
+            <a:ext cx="1787029" cy="460375"/>
+          </a:xfrm>
+          <a:prstGeom prst="rect">
+            <a:avLst/>
+          </a:prstGeom>
+          <a:noFill/>
+        </p:spPr>
+        <p:txBody>
+          <a:bodyPr wrap="square" rtlCol="0">
+            <a:spAutoFit/>
+          </a:bodyPr>
+          <a:lstStyle/>
+          <a:p>
+            <a:r>
+              <a:rPr lang="zh-CN" altLang="en-US" sz="2400" dirty="0">
+                <a:solidFill>
+                  <a:schemeClr val="bg1"/>
+                </a:solidFill>
+                <a:latin typeface="微软雅黑" panose="020B0503020204020204" pitchFamily="34" charset="-122"/>
+                <a:ea typeface="微软雅黑" panose="020B0503020204020204" pitchFamily="34" charset="-122"/>
+              </a:rPr>
+              <a:t>项目难点</a:t>
+            </a:r>
+            <a:endParaRPr lang="zh-CN" altLang="en-US" sz="2400" dirty="0">
+              <a:solidFill>
+                <a:schemeClr val="bg1"/>
+              </a:solidFill>
+              <a:latin typeface="微软雅黑" panose="020B0503020204020204" pitchFamily="34" charset="-122"/>
+              <a:ea typeface="微软雅黑" panose="020B0503020204020204" pitchFamily="34" charset="-122"/>
+            </a:endParaRPr>
+          </a:p>
+        </p:txBody>
+      </p:sp>
+      <p:sp>
+        <p:nvSpPr>
           <p:cNvPr id="12" name="文本框 11"/>
           <p:cNvSpPr txBox="1"/>
           <p:nvPr/>
@@ -6544,7 +4790,7 @@
         <p:spPr>
           <a:xfrm>
             <a:off x="10173628" y="4324947"/>
-            <a:ext cx="1787029" cy="461665"/>
+            <a:ext cx="1787029" cy="460375"/>
           </a:xfrm>
           <a:prstGeom prst="rect">
             <a:avLst/>
@@ -6567,19 +4813,7 @@
                 <a:latin typeface="微软雅黑" panose="020B0503020204020204" pitchFamily="34" charset="-122"/>
                 <a:ea typeface="微软雅黑" panose="020B0503020204020204" pitchFamily="34" charset="-122"/>
               </a:rPr>
-              <a:t>汇报题目</a:t>
-            </a:r>
-            <a:r>
-              <a:rPr lang="en-US" altLang="zh-CN" sz="2400" dirty="0">
-                <a:solidFill>
-                  <a:schemeClr val="bg1">
-                    <a:lumMod val="65000"/>
-                  </a:schemeClr>
-                </a:solidFill>
-                <a:latin typeface="微软雅黑" panose="020B0503020204020204" pitchFamily="34" charset="-122"/>
-                <a:ea typeface="微软雅黑" panose="020B0503020204020204" pitchFamily="34" charset="-122"/>
-              </a:rPr>
-              <a:t>5</a:t>
+              <a:t>心得体会</a:t>
             </a:r>
             <a:endParaRPr lang="zh-CN" altLang="en-US" sz="2400" dirty="0">
               <a:solidFill>
@@ -6593,6 +4827,203 @@
           </a:p>
         </p:txBody>
       </p:sp>
+      <p:sp>
+        <p:nvSpPr>
+          <p:cNvPr id="5" name="文本框 4"/>
+          <p:cNvSpPr txBox="1"/>
+          <p:nvPr/>
+        </p:nvSpPr>
+        <p:spPr>
+          <a:xfrm>
+            <a:off x="2032000" y="1905635"/>
+            <a:ext cx="4064000" cy="368300"/>
+          </a:xfrm>
+          <a:prstGeom prst="rect">
+            <a:avLst/>
+          </a:prstGeom>
+          <a:noFill/>
+        </p:spPr>
+        <p:txBody>
+          <a:bodyPr wrap="square" rtlCol="0">
+            <a:spAutoFit/>
+          </a:bodyPr>
+          <a:p>
+            <a:r>
+              <a:rPr lang="zh-CN" altLang="en-US"/>
+              <a:t>上传</a:t>
+            </a:r>
+            <a:r>
+              <a:rPr lang="zh-CN" altLang="en-US"/>
+              <a:t>头像</a:t>
+            </a:r>
+            <a:endParaRPr lang="zh-CN" altLang="en-US"/>
+          </a:p>
+        </p:txBody>
+      </p:sp>
+      <p:pic>
+        <p:nvPicPr>
+          <p:cNvPr id="13" name="图片 12"/>
+          <p:cNvPicPr>
+            <a:picLocks noChangeAspect="1"/>
+          </p:cNvPicPr>
+          <p:nvPr/>
+        </p:nvPicPr>
+        <p:blipFill>
+          <a:blip r:embed="rId3"/>
+          <a:stretch>
+            <a:fillRect/>
+          </a:stretch>
+        </p:blipFill>
+        <p:spPr>
+          <a:xfrm>
+            <a:off x="3373120" y="420370"/>
+            <a:ext cx="5273040" cy="4145280"/>
+          </a:xfrm>
+          <a:prstGeom prst="rect">
+            <a:avLst/>
+          </a:prstGeom>
+        </p:spPr>
+      </p:pic>
+      <p:sp>
+        <p:nvSpPr>
+          <p:cNvPr id="14" name="文本框 13"/>
+          <p:cNvSpPr txBox="1"/>
+          <p:nvPr/>
+        </p:nvSpPr>
+        <p:spPr>
+          <a:xfrm>
+            <a:off x="609600" y="2997200"/>
+            <a:ext cx="4064000" cy="368300"/>
+          </a:xfrm>
+          <a:prstGeom prst="rect">
+            <a:avLst/>
+          </a:prstGeom>
+          <a:noFill/>
+        </p:spPr>
+        <p:txBody>
+          <a:bodyPr wrap="square" rtlCol="0">
+            <a:spAutoFit/>
+          </a:bodyPr>
+          <a:p>
+            <a:r>
+              <a:rPr lang="zh-CN" altLang="en-US"/>
+              <a:t>上传至服务器</a:t>
+            </a:r>
+            <a:r>
+              <a:rPr lang="zh-CN" altLang="en-US"/>
+              <a:t>保存</a:t>
+            </a:r>
+            <a:endParaRPr lang="zh-CN" altLang="en-US"/>
+          </a:p>
+        </p:txBody>
+      </p:sp>
+      <p:sp>
+        <p:nvSpPr>
+          <p:cNvPr id="15" name="文本框 14"/>
+          <p:cNvSpPr txBox="1"/>
+          <p:nvPr/>
+        </p:nvSpPr>
+        <p:spPr>
+          <a:xfrm>
+            <a:off x="609600" y="3836035"/>
+            <a:ext cx="4064000" cy="368300"/>
+          </a:xfrm>
+          <a:prstGeom prst="rect">
+            <a:avLst/>
+          </a:prstGeom>
+          <a:noFill/>
+        </p:spPr>
+        <p:txBody>
+          <a:bodyPr wrap="square" rtlCol="0">
+            <a:spAutoFit/>
+          </a:bodyPr>
+          <a:p>
+            <a:r>
+              <a:rPr lang="zh-CN" altLang="en-US"/>
+              <a:t>返回地址到前端</a:t>
+            </a:r>
+            <a:r>
+              <a:rPr lang="zh-CN" altLang="en-US"/>
+              <a:t>显示</a:t>
+            </a:r>
+            <a:endParaRPr lang="zh-CN" altLang="en-US"/>
+          </a:p>
+        </p:txBody>
+      </p:sp>
+      <p:sp>
+        <p:nvSpPr>
+          <p:cNvPr id="16" name="文本框 15"/>
+          <p:cNvSpPr txBox="1"/>
+          <p:nvPr/>
+        </p:nvSpPr>
+        <p:spPr>
+          <a:xfrm>
+            <a:off x="753110" y="4778375"/>
+            <a:ext cx="4064000" cy="368300"/>
+          </a:xfrm>
+          <a:prstGeom prst="rect">
+            <a:avLst/>
+          </a:prstGeom>
+          <a:noFill/>
+        </p:spPr>
+        <p:txBody>
+          <a:bodyPr wrap="square" rtlCol="0">
+            <a:spAutoFit/>
+          </a:bodyPr>
+          <a:p>
+            <a:r>
+              <a:rPr lang="zh-CN" altLang="en-US"/>
+              <a:t>显示不成功，</a:t>
+            </a:r>
+            <a:r>
+              <a:rPr lang="zh-CN" altLang="en-US"/>
+              <a:t>排查原因</a:t>
+            </a:r>
+            <a:endParaRPr lang="zh-CN" altLang="en-US"/>
+          </a:p>
+        </p:txBody>
+      </p:sp>
+      <p:sp>
+        <p:nvSpPr>
+          <p:cNvPr id="17" name="文本框 16"/>
+          <p:cNvSpPr txBox="1"/>
+          <p:nvPr/>
+        </p:nvSpPr>
+        <p:spPr>
+          <a:xfrm>
+            <a:off x="887095" y="5861050"/>
+            <a:ext cx="6075045" cy="368300"/>
+          </a:xfrm>
+          <a:prstGeom prst="rect">
+            <a:avLst/>
+          </a:prstGeom>
+          <a:noFill/>
+        </p:spPr>
+        <p:txBody>
+          <a:bodyPr wrap="square" rtlCol="0">
+            <a:spAutoFit/>
+          </a:bodyPr>
+          <a:p>
+            <a:r>
+              <a:rPr lang="zh-CN" altLang="en-US"/>
+              <a:t>发现</a:t>
+            </a:r>
+            <a:r>
+              <a:rPr lang="en-US" altLang="zh-CN"/>
+              <a:t>elementui</a:t>
+            </a:r>
+            <a:r>
+              <a:rPr lang="zh-CN" altLang="en-US"/>
+              <a:t>组件有问题，以及服务器无法</a:t>
+            </a:r>
+            <a:r>
+              <a:rPr lang="zh-CN" altLang="en-US"/>
+              <a:t>实时更新资源</a:t>
+            </a:r>
+            <a:endParaRPr lang="zh-CN" altLang="en-US"/>
+          </a:p>
+        </p:txBody>
+      </p:sp>
     </p:spTree>
   </p:cSld>
   <p:clrMapOvr>
@@ -6601,7 +5032,7 @@
 </p:sld>
 </file>
 
-<file path=ppt/slides/slide5.xml><?xml version="1.0" encoding="utf-8"?>
+<file path=ppt/slides/slide12.xml><?xml version="1.0" encoding="utf-8"?>
 <p:sld xmlns:a="http://schemas.openxmlformats.org/drawingml/2006/main" xmlns:r="http://schemas.openxmlformats.org/officeDocument/2006/relationships" xmlns:p="http://schemas.openxmlformats.org/presentationml/2006/main">
   <p:cSld>
     <p:spTree>
@@ -6938,7 +5369,7 @@
         <p:spPr>
           <a:xfrm>
             <a:off x="5208513" y="3077373"/>
-            <a:ext cx="6454399" cy="830997"/>
+            <a:ext cx="6454399" cy="829945"/>
           </a:xfrm>
           <a:prstGeom prst="rect">
             <a:avLst/>
@@ -6959,7 +5390,7 @@
                 <a:latin typeface="微软雅黑" panose="020B0503020204020204" pitchFamily="34" charset="-122"/>
                 <a:ea typeface="微软雅黑" panose="020B0503020204020204" pitchFamily="34" charset="-122"/>
               </a:rPr>
-              <a:t>汇报题目</a:t>
+              <a:t>心得体会</a:t>
             </a:r>
             <a:endParaRPr lang="zh-CN" altLang="en-US" sz="4800" b="1" dirty="0">
               <a:solidFill>
@@ -7000,7 +5431,7 @@
                 </a:solidFill>
                 <a:latin typeface="Novecento wide Bold" panose="00000805000000000000" pitchFamily="50" charset="0"/>
               </a:rPr>
-              <a:t>2</a:t>
+              <a:t>5</a:t>
             </a:r>
             <a:endParaRPr lang="zh-CN" altLang="en-US" sz="12800" dirty="0">
               <a:solidFill>
@@ -7052,7 +5483,7 @@
 </p:sld>
 </file>
 
-<file path=ppt/slides/slide6.xml><?xml version="1.0" encoding="utf-8"?>
+<file path=ppt/slides/slide13.xml><?xml version="1.0" encoding="utf-8"?>
 <p:sld xmlns:a="http://schemas.openxmlformats.org/drawingml/2006/main" xmlns:r="http://schemas.openxmlformats.org/officeDocument/2006/relationships" xmlns:p="http://schemas.openxmlformats.org/presentationml/2006/main">
   <p:cSld>
     <p:spTree>
@@ -7118,64 +5549,6 @@
           </a:p>
         </p:txBody>
       </p:sp>
-      <p:sp>
-        <p:nvSpPr>
-          <p:cNvPr id="3" name="文本框 2"/>
-          <p:cNvSpPr txBox="1"/>
-          <p:nvPr/>
-        </p:nvSpPr>
-        <p:spPr>
-          <a:xfrm>
-            <a:off x="1425004" y="509861"/>
-            <a:ext cx="2656459" cy="461665"/>
-          </a:xfrm>
-          <a:prstGeom prst="rect">
-            <a:avLst/>
-          </a:prstGeom>
-          <a:noFill/>
-        </p:spPr>
-        <p:txBody>
-          <a:bodyPr wrap="square" rtlCol="0">
-            <a:spAutoFit/>
-          </a:bodyPr>
-          <a:lstStyle/>
-          <a:p>
-            <a:r>
-              <a:rPr lang="zh-CN" altLang="en-US" sz="2400" b="1" dirty="0">
-                <a:solidFill>
-                  <a:schemeClr val="bg2">
-                    <a:lumMod val="25000"/>
-                  </a:schemeClr>
-                </a:solidFill>
-                <a:latin typeface="微软雅黑" panose="020B0503020204020204" pitchFamily="34" charset="-122"/>
-                <a:ea typeface="微软雅黑" panose="020B0503020204020204" pitchFamily="34" charset="-122"/>
-              </a:rPr>
-              <a:t>汇报题目</a:t>
-            </a:r>
-            <a:r>
-              <a:rPr lang="en-US" altLang="zh-CN" sz="2400" b="1" dirty="0">
-                <a:solidFill>
-                  <a:schemeClr val="bg2">
-                    <a:lumMod val="25000"/>
-                  </a:schemeClr>
-                </a:solidFill>
-                <a:latin typeface="微软雅黑" panose="020B0503020204020204" pitchFamily="34" charset="-122"/>
-                <a:ea typeface="微软雅黑" panose="020B0503020204020204" pitchFamily="34" charset="-122"/>
-              </a:rPr>
-              <a:t>2</a:t>
-            </a:r>
-            <a:endParaRPr lang="zh-CN" altLang="en-US" sz="2400" b="1" dirty="0">
-              <a:solidFill>
-                <a:schemeClr val="bg2">
-                  <a:lumMod val="25000"/>
-                </a:schemeClr>
-              </a:solidFill>
-              <a:latin typeface="微软雅黑" panose="020B0503020204020204" pitchFamily="34" charset="-122"/>
-              <a:ea typeface="微软雅黑" panose="020B0503020204020204" pitchFamily="34" charset="-122"/>
-            </a:endParaRPr>
-          </a:p>
-        </p:txBody>
-      </p:sp>
       <p:pic>
         <p:nvPicPr>
           <p:cNvPr id="4" name="图形 3"/>
@@ -7267,7 +5640,7 @@
         <p:spPr>
           <a:xfrm>
             <a:off x="10152185" y="2001483"/>
-            <a:ext cx="1787029" cy="461665"/>
+            <a:ext cx="1787029" cy="460375"/>
           </a:xfrm>
           <a:prstGeom prst="rect">
             <a:avLst/>
@@ -7290,19 +5663,7 @@
                 <a:latin typeface="微软雅黑" panose="020B0503020204020204" pitchFamily="34" charset="-122"/>
                 <a:ea typeface="微软雅黑" panose="020B0503020204020204" pitchFamily="34" charset="-122"/>
               </a:rPr>
-              <a:t>汇报题目</a:t>
-            </a:r>
-            <a:r>
-              <a:rPr lang="en-US" altLang="zh-CN" sz="2400" dirty="0">
-                <a:solidFill>
-                  <a:schemeClr val="bg1">
-                    <a:lumMod val="65000"/>
-                  </a:schemeClr>
-                </a:solidFill>
-                <a:latin typeface="微软雅黑" panose="020B0503020204020204" pitchFamily="34" charset="-122"/>
-                <a:ea typeface="微软雅黑" panose="020B0503020204020204" pitchFamily="34" charset="-122"/>
-              </a:rPr>
-              <a:t>1</a:t>
+              <a:t>项目简介</a:t>
             </a:r>
             <a:endParaRPr lang="zh-CN" altLang="en-US" sz="2400" dirty="0">
               <a:solidFill>
@@ -7325,59 +5686,7 @@
         <p:spPr>
           <a:xfrm>
             <a:off x="10152185" y="2582349"/>
-            <a:ext cx="1787029" cy="461665"/>
-          </a:xfrm>
-          <a:prstGeom prst="rect">
-            <a:avLst/>
-          </a:prstGeom>
-          <a:noFill/>
-        </p:spPr>
-        <p:txBody>
-          <a:bodyPr wrap="square" rtlCol="0">
-            <a:spAutoFit/>
-          </a:bodyPr>
-          <a:lstStyle/>
-          <a:p>
-            <a:r>
-              <a:rPr lang="zh-CN" altLang="en-US" sz="2400" dirty="0">
-                <a:solidFill>
-                  <a:schemeClr val="bg1"/>
-                </a:solidFill>
-                <a:latin typeface="微软雅黑" panose="020B0503020204020204" pitchFamily="34" charset="-122"/>
-                <a:ea typeface="微软雅黑" panose="020B0503020204020204" pitchFamily="34" charset="-122"/>
-              </a:rPr>
-              <a:t>汇报题目</a:t>
-            </a:r>
-            <a:r>
-              <a:rPr lang="en-US" altLang="zh-CN" sz="2400" dirty="0">
-                <a:solidFill>
-                  <a:schemeClr val="bg1"/>
-                </a:solidFill>
-                <a:latin typeface="微软雅黑" panose="020B0503020204020204" pitchFamily="34" charset="-122"/>
-                <a:ea typeface="微软雅黑" panose="020B0503020204020204" pitchFamily="34" charset="-122"/>
-              </a:rPr>
-              <a:t>2</a:t>
-            </a:r>
-            <a:endParaRPr lang="zh-CN" altLang="en-US" sz="2400" dirty="0">
-              <a:solidFill>
-                <a:schemeClr val="bg1"/>
-              </a:solidFill>
-              <a:latin typeface="微软雅黑" panose="020B0503020204020204" pitchFamily="34" charset="-122"/>
-              <a:ea typeface="微软雅黑" panose="020B0503020204020204" pitchFamily="34" charset="-122"/>
-            </a:endParaRPr>
-          </a:p>
-        </p:txBody>
-      </p:sp>
-      <p:sp>
-        <p:nvSpPr>
-          <p:cNvPr id="10" name="文本框 9"/>
-          <p:cNvSpPr txBox="1"/>
-          <p:nvPr/>
-        </p:nvSpPr>
-        <p:spPr>
-          <a:xfrm>
-            <a:off x="10173628" y="3163215"/>
-            <a:ext cx="1787029" cy="461665"/>
+            <a:ext cx="1787029" cy="460375"/>
           </a:xfrm>
           <a:prstGeom prst="rect">
             <a:avLst/>
@@ -7400,19 +5709,7 @@
                 <a:latin typeface="微软雅黑" panose="020B0503020204020204" pitchFamily="34" charset="-122"/>
                 <a:ea typeface="微软雅黑" panose="020B0503020204020204" pitchFamily="34" charset="-122"/>
               </a:rPr>
-              <a:t>汇报题目</a:t>
-            </a:r>
-            <a:r>
-              <a:rPr lang="en-US" altLang="zh-CN" sz="2400" dirty="0">
-                <a:solidFill>
-                  <a:schemeClr val="bg1">
-                    <a:lumMod val="65000"/>
-                  </a:schemeClr>
-                </a:solidFill>
-                <a:latin typeface="微软雅黑" panose="020B0503020204020204" pitchFamily="34" charset="-122"/>
-                <a:ea typeface="微软雅黑" panose="020B0503020204020204" pitchFamily="34" charset="-122"/>
-              </a:rPr>
-              <a:t>3</a:t>
+              <a:t>设计思路</a:t>
             </a:r>
             <a:endParaRPr lang="zh-CN" altLang="en-US" sz="2400" dirty="0">
               <a:solidFill>
@@ -7428,14 +5725,14 @@
       </p:sp>
       <p:sp>
         <p:nvSpPr>
-          <p:cNvPr id="11" name="文本框 10"/>
+          <p:cNvPr id="10" name="文本框 9"/>
           <p:cNvSpPr txBox="1"/>
           <p:nvPr/>
         </p:nvSpPr>
         <p:spPr>
           <a:xfrm>
-            <a:off x="10173628" y="3744081"/>
-            <a:ext cx="1787029" cy="461665"/>
+            <a:off x="10173628" y="3163215"/>
+            <a:ext cx="1787029" cy="460375"/>
           </a:xfrm>
           <a:prstGeom prst="rect">
             <a:avLst/>
@@ -7458,10 +5755,10 @@
                 <a:latin typeface="微软雅黑" panose="020B0503020204020204" pitchFamily="34" charset="-122"/>
                 <a:ea typeface="微软雅黑" panose="020B0503020204020204" pitchFamily="34" charset="-122"/>
               </a:rPr>
-              <a:t>汇报题目</a:t>
-            </a:r>
-            <a:r>
-              <a:rPr lang="en-US" altLang="zh-CN" sz="2400" dirty="0">
+              <a:t>项目</a:t>
+            </a:r>
+            <a:r>
+              <a:rPr lang="zh-CN" altLang="en-US" sz="2400" dirty="0">
                 <a:solidFill>
                   <a:schemeClr val="bg1">
                     <a:lumMod val="65000"/>
@@ -7470,7 +5767,7 @@
                 <a:latin typeface="微软雅黑" panose="020B0503020204020204" pitchFamily="34" charset="-122"/>
                 <a:ea typeface="微软雅黑" panose="020B0503020204020204" pitchFamily="34" charset="-122"/>
               </a:rPr>
-              <a:t>4</a:t>
+              <a:t>亮点</a:t>
             </a:r>
             <a:endParaRPr lang="zh-CN" altLang="en-US" sz="2400" dirty="0">
               <a:solidFill>
@@ -7486,14 +5783,14 @@
       </p:sp>
       <p:sp>
         <p:nvSpPr>
-          <p:cNvPr id="12" name="文本框 11"/>
+          <p:cNvPr id="11" name="文本框 10"/>
           <p:cNvSpPr txBox="1"/>
           <p:nvPr/>
         </p:nvSpPr>
         <p:spPr>
           <a:xfrm>
-            <a:off x="10173628" y="4324947"/>
-            <a:ext cx="1787029" cy="461665"/>
+            <a:off x="10173628" y="3744081"/>
+            <a:ext cx="1787029" cy="460375"/>
           </a:xfrm>
           <a:prstGeom prst="rect">
             <a:avLst/>
@@ -7516,10 +5813,10 @@
                 <a:latin typeface="微软雅黑" panose="020B0503020204020204" pitchFamily="34" charset="-122"/>
                 <a:ea typeface="微软雅黑" panose="020B0503020204020204" pitchFamily="34" charset="-122"/>
               </a:rPr>
-              <a:t>汇报题目</a:t>
-            </a:r>
-            <a:r>
-              <a:rPr lang="en-US" altLang="zh-CN" sz="2400" dirty="0">
+              <a:t>项目</a:t>
+            </a:r>
+            <a:r>
+              <a:rPr lang="zh-CN" altLang="en-US" sz="2400" dirty="0">
                 <a:solidFill>
                   <a:schemeClr val="bg1">
                     <a:lumMod val="65000"/>
@@ -7528,7 +5825,7 @@
                 <a:latin typeface="微软雅黑" panose="020B0503020204020204" pitchFamily="34" charset="-122"/>
                 <a:ea typeface="微软雅黑" panose="020B0503020204020204" pitchFamily="34" charset="-122"/>
               </a:rPr>
-              <a:t>5</a:t>
+              <a:t>难点</a:t>
             </a:r>
             <a:endParaRPr lang="zh-CN" altLang="en-US" sz="2400" dirty="0">
               <a:solidFill>
@@ -7542,6 +5839,171 @@
           </a:p>
         </p:txBody>
       </p:sp>
+      <p:sp>
+        <p:nvSpPr>
+          <p:cNvPr id="12" name="文本框 11"/>
+          <p:cNvSpPr txBox="1"/>
+          <p:nvPr/>
+        </p:nvSpPr>
+        <p:spPr>
+          <a:xfrm>
+            <a:off x="10173628" y="4324947"/>
+            <a:ext cx="1787029" cy="460375"/>
+          </a:xfrm>
+          <a:prstGeom prst="rect">
+            <a:avLst/>
+          </a:prstGeom>
+          <a:noFill/>
+        </p:spPr>
+        <p:txBody>
+          <a:bodyPr wrap="square" rtlCol="0">
+            <a:spAutoFit/>
+          </a:bodyPr>
+          <a:lstStyle/>
+          <a:p>
+            <a:r>
+              <a:rPr lang="zh-CN" altLang="en-US" sz="2400" dirty="0">
+                <a:solidFill>
+                  <a:schemeClr val="bg1"/>
+                </a:solidFill>
+                <a:latin typeface="微软雅黑" panose="020B0503020204020204" pitchFamily="34" charset="-122"/>
+                <a:ea typeface="微软雅黑" panose="020B0503020204020204" pitchFamily="34" charset="-122"/>
+              </a:rPr>
+              <a:t>心得体会</a:t>
+            </a:r>
+            <a:endParaRPr lang="zh-CN" altLang="en-US" sz="2400" dirty="0">
+              <a:solidFill>
+                <a:schemeClr val="bg1"/>
+              </a:solidFill>
+              <a:latin typeface="微软雅黑" panose="020B0503020204020204" pitchFamily="34" charset="-122"/>
+              <a:ea typeface="微软雅黑" panose="020B0503020204020204" pitchFamily="34" charset="-122"/>
+            </a:endParaRPr>
+          </a:p>
+        </p:txBody>
+      </p:sp>
+      <p:sp>
+        <p:nvSpPr>
+          <p:cNvPr id="5" name="文本框 4"/>
+          <p:cNvSpPr txBox="1"/>
+          <p:nvPr/>
+        </p:nvSpPr>
+        <p:spPr>
+          <a:xfrm>
+            <a:off x="1425004" y="509861"/>
+            <a:ext cx="2656459" cy="460375"/>
+          </a:xfrm>
+          <a:prstGeom prst="rect">
+            <a:avLst/>
+          </a:prstGeom>
+          <a:noFill/>
+        </p:spPr>
+        <p:txBody>
+          <a:bodyPr wrap="square" rtlCol="0">
+            <a:spAutoFit/>
+          </a:bodyPr>
+          <a:p>
+            <a:r>
+              <a:rPr lang="zh-CN" altLang="en-US" sz="2400" b="1" dirty="0">
+                <a:solidFill>
+                  <a:schemeClr val="bg2">
+                    <a:lumMod val="25000"/>
+                  </a:schemeClr>
+                </a:solidFill>
+                <a:latin typeface="微软雅黑" panose="020B0503020204020204" pitchFamily="34" charset="-122"/>
+                <a:ea typeface="微软雅黑" panose="020B0503020204020204" pitchFamily="34" charset="-122"/>
+              </a:rPr>
+              <a:t>心得</a:t>
+            </a:r>
+            <a:r>
+              <a:rPr lang="zh-CN" altLang="en-US" sz="2400" b="1" dirty="0">
+                <a:solidFill>
+                  <a:schemeClr val="bg2">
+                    <a:lumMod val="25000"/>
+                  </a:schemeClr>
+                </a:solidFill>
+                <a:latin typeface="微软雅黑" panose="020B0503020204020204" pitchFamily="34" charset="-122"/>
+                <a:ea typeface="微软雅黑" panose="020B0503020204020204" pitchFamily="34" charset="-122"/>
+              </a:rPr>
+              <a:t>体会</a:t>
+            </a:r>
+            <a:endParaRPr lang="zh-CN" altLang="en-US" sz="2400" b="1" dirty="0">
+              <a:solidFill>
+                <a:schemeClr val="bg2">
+                  <a:lumMod val="25000"/>
+                </a:schemeClr>
+              </a:solidFill>
+              <a:latin typeface="微软雅黑" panose="020B0503020204020204" pitchFamily="34" charset="-122"/>
+              <a:ea typeface="微软雅黑" panose="020B0503020204020204" pitchFamily="34" charset="-122"/>
+            </a:endParaRPr>
+          </a:p>
+        </p:txBody>
+      </p:sp>
+      <p:sp>
+        <p:nvSpPr>
+          <p:cNvPr id="7" name="文本框 6"/>
+          <p:cNvSpPr txBox="1"/>
+          <p:nvPr/>
+        </p:nvSpPr>
+        <p:spPr>
+          <a:xfrm>
+            <a:off x="1738630" y="1648460"/>
+            <a:ext cx="5991860" cy="508000"/>
+          </a:xfrm>
+          <a:prstGeom prst="rect">
+            <a:avLst/>
+          </a:prstGeom>
+          <a:noFill/>
+        </p:spPr>
+        <p:txBody>
+          <a:bodyPr wrap="square" rtlCol="0">
+            <a:noAutofit/>
+          </a:bodyPr>
+          <a:p>
+            <a:r>
+              <a:rPr lang="zh-CN" altLang="en-US"/>
+              <a:t>学习一门技术</a:t>
+            </a:r>
+            <a:r>
+              <a:rPr lang="zh-CN" altLang="en-US"/>
+              <a:t>首先要一鼓作气从理论到实践一以贯之</a:t>
+            </a:r>
+            <a:endParaRPr lang="zh-CN" altLang="en-US"/>
+          </a:p>
+        </p:txBody>
+      </p:sp>
+      <p:sp>
+        <p:nvSpPr>
+          <p:cNvPr id="13" name="文本框 12"/>
+          <p:cNvSpPr txBox="1"/>
+          <p:nvPr/>
+        </p:nvSpPr>
+        <p:spPr>
+          <a:xfrm>
+            <a:off x="1873885" y="3150235"/>
+            <a:ext cx="4064000" cy="368300"/>
+          </a:xfrm>
+          <a:prstGeom prst="rect">
+            <a:avLst/>
+          </a:prstGeom>
+          <a:noFill/>
+        </p:spPr>
+        <p:txBody>
+          <a:bodyPr wrap="square" rtlCol="0">
+            <a:spAutoFit/>
+          </a:bodyPr>
+          <a:p>
+            <a:r>
+              <a:rPr lang="zh-CN" altLang="en-US"/>
+              <a:t>作息规律，保持学习</a:t>
+            </a:r>
+            <a:r>
+              <a:rPr lang="zh-CN" altLang="en-US"/>
+              <a:t>节奏</a:t>
+            </a:r>
+            <a:endParaRPr lang="zh-CN" altLang="en-US"/>
+          </a:p>
+        </p:txBody>
+      </p:sp>
     </p:spTree>
   </p:cSld>
   <p:clrMapOvr>
@@ -7550,7 +6012,1853 @@
 </p:sld>
 </file>
 
-<file path=ppt/slides/slide7.xml><?xml version="1.0" encoding="utf-8"?>
+<file path=ppt/slides/slide14.xml><?xml version="1.0" encoding="utf-8"?>
+<p:sld xmlns:a="http://schemas.openxmlformats.org/drawingml/2006/main" xmlns:r="http://schemas.openxmlformats.org/officeDocument/2006/relationships" xmlns:p="http://schemas.openxmlformats.org/presentationml/2006/main">
+  <p:cSld>
+    <p:spTree>
+      <p:nvGrpSpPr>
+        <p:cNvPr id="1" name=""/>
+        <p:cNvGrpSpPr/>
+        <p:nvPr/>
+      </p:nvGrpSpPr>
+      <p:grpSpPr>
+        <a:xfrm>
+          <a:off x="0" y="0"/>
+          <a:ext cx="0" cy="0"/>
+          <a:chOff x="0" y="0"/>
+          <a:chExt cx="0" cy="0"/>
+        </a:xfrm>
+      </p:grpSpPr>
+      <p:pic>
+        <p:nvPicPr>
+          <p:cNvPr id="11" name="图形 10"/>
+          <p:cNvPicPr>
+            <a:picLocks noChangeAspect="1"/>
+          </p:cNvPicPr>
+          <p:nvPr/>
+        </p:nvPicPr>
+        <p:blipFill>
+          <a:blip r:embed="rId1">
+            <a:extLst>
+              <a:ext uri="{28A0092B-C50C-407E-A947-70E740481C1C}">
+                <a14:useLocalDpi xmlns:a14="http://schemas.microsoft.com/office/drawing/2010/main" val="0"/>
+              </a:ext>
+              <a:ext uri="{96DAC541-7B7A-43D3-8B79-37D633B846F1}">
+                <asvg:svgBlip xmlns:asvg="http://schemas.microsoft.com/office/drawing/2016/SVG/main" r:embed="rId2"/>
+              </a:ext>
+            </a:extLst>
+          </a:blip>
+          <a:stretch>
+            <a:fillRect/>
+          </a:stretch>
+        </p:blipFill>
+        <p:spPr>
+          <a:xfrm>
+            <a:off x="3457074" y="629136"/>
+            <a:ext cx="5277852" cy="5445404"/>
+          </a:xfrm>
+          <a:prstGeom prst="rect">
+            <a:avLst/>
+          </a:prstGeom>
+        </p:spPr>
+      </p:pic>
+      <p:sp>
+        <p:nvSpPr>
+          <p:cNvPr id="3" name="矩形 2"/>
+          <p:cNvSpPr/>
+          <p:nvPr/>
+        </p:nvSpPr>
+        <p:spPr>
+          <a:xfrm flipV="1">
+            <a:off x="0" y="3667956"/>
+            <a:ext cx="12192000" cy="3190043"/>
+          </a:xfrm>
+          <a:prstGeom prst="rect">
+            <a:avLst/>
+          </a:prstGeom>
+          <a:solidFill>
+            <a:srgbClr val="3843B3"/>
+          </a:solidFill>
+          <a:ln>
+            <a:noFill/>
+          </a:ln>
+        </p:spPr>
+        <p:style>
+          <a:lnRef idx="2">
+            <a:schemeClr val="accent1">
+              <a:shade val="50000"/>
+            </a:schemeClr>
+          </a:lnRef>
+          <a:fillRef idx="1">
+            <a:schemeClr val="accent1"/>
+          </a:fillRef>
+          <a:effectRef idx="0">
+            <a:schemeClr val="accent1"/>
+          </a:effectRef>
+          <a:fontRef idx="minor">
+            <a:schemeClr val="lt1"/>
+          </a:fontRef>
+        </p:style>
+        <p:txBody>
+          <a:bodyPr rtlCol="0" anchor="ctr"/>
+          <a:lstStyle/>
+          <a:p>
+            <a:pPr marL="0" marR="0" lvl="0" indent="0" algn="ctr" defTabSz="914400" rtl="0" eaLnBrk="1" fontAlgn="auto" latinLnBrk="0" hangingPunct="1">
+              <a:lnSpc>
+                <a:spcPct val="100000"/>
+              </a:lnSpc>
+              <a:spcBef>
+                <a:spcPts val="0"/>
+              </a:spcBef>
+              <a:spcAft>
+                <a:spcPts val="0"/>
+              </a:spcAft>
+              <a:buClrTx/>
+              <a:buSzTx/>
+              <a:buFontTx/>
+              <a:buNone/>
+              <a:defRPr/>
+            </a:pPr>
+            <a:endParaRPr kumimoji="0" lang="zh-CN" altLang="en-US" sz="1800" b="0" i="0" u="none" strike="noStrike" kern="1200" cap="none" spc="0" normalizeH="0" baseline="0" noProof="0">
+              <a:ln>
+                <a:noFill/>
+              </a:ln>
+              <a:solidFill>
+                <a:prstClr val="white"/>
+              </a:solidFill>
+              <a:effectLst/>
+              <a:uLnTx/>
+              <a:uFillTx/>
+              <a:latin typeface="Sitka Text"/>
+              <a:ea typeface="微软雅黑 Light" panose="020B0502040204020203" charset="-122"/>
+              <a:cs typeface="+mn-cs"/>
+            </a:endParaRPr>
+          </a:p>
+        </p:txBody>
+      </p:sp>
+      <p:pic>
+        <p:nvPicPr>
+          <p:cNvPr id="13" name="图形 12"/>
+          <p:cNvPicPr>
+            <a:picLocks noChangeAspect="1"/>
+          </p:cNvPicPr>
+          <p:nvPr/>
+        </p:nvPicPr>
+        <p:blipFill>
+          <a:blip r:embed="rId3">
+            <a:extLst>
+              <a:ext uri="{28A0092B-C50C-407E-A947-70E740481C1C}">
+                <a14:useLocalDpi xmlns:a14="http://schemas.microsoft.com/office/drawing/2010/main" val="0"/>
+              </a:ext>
+              <a:ext uri="{96DAC541-7B7A-43D3-8B79-37D633B846F1}">
+                <asvg:svgBlip xmlns:asvg="http://schemas.microsoft.com/office/drawing/2016/SVG/main" r:embed="rId4"/>
+              </a:ext>
+            </a:extLst>
+          </a:blip>
+          <a:stretch>
+            <a:fillRect/>
+          </a:stretch>
+        </p:blipFill>
+        <p:spPr>
+          <a:xfrm>
+            <a:off x="3457074" y="680577"/>
+            <a:ext cx="5277852" cy="5445404"/>
+          </a:xfrm>
+          <a:prstGeom prst="rect">
+            <a:avLst/>
+          </a:prstGeom>
+        </p:spPr>
+      </p:pic>
+      <p:sp>
+        <p:nvSpPr>
+          <p:cNvPr id="2" name="文本框 1"/>
+          <p:cNvSpPr txBox="1"/>
+          <p:nvPr/>
+        </p:nvSpPr>
+        <p:spPr>
+          <a:xfrm>
+            <a:off x="4341809" y="2836949"/>
+            <a:ext cx="3508381" cy="922020"/>
+          </a:xfrm>
+          <a:prstGeom prst="rect">
+            <a:avLst/>
+          </a:prstGeom>
+          <a:noFill/>
+        </p:spPr>
+        <p:txBody>
+          <a:bodyPr wrap="square" rtlCol="0">
+            <a:spAutoFit/>
+          </a:bodyPr>
+          <a:lstStyle/>
+          <a:p>
+            <a:pPr algn="dist"/>
+            <a:r>
+              <a:rPr lang="zh-CN" altLang="en-US" sz="5400" b="1" dirty="0">
+                <a:solidFill>
+                  <a:srgbClr val="3843B3"/>
+                </a:solidFill>
+                <a:latin typeface="微软雅黑" panose="020B0503020204020204" pitchFamily="34" charset="-122"/>
+                <a:ea typeface="微软雅黑" panose="020B0503020204020204" pitchFamily="34" charset="-122"/>
+              </a:rPr>
+              <a:t>谢谢</a:t>
+            </a:r>
+            <a:r>
+              <a:rPr lang="zh-CN" altLang="en-US" sz="5400" b="1" dirty="0">
+                <a:solidFill>
+                  <a:srgbClr val="3843B3"/>
+                </a:solidFill>
+                <a:latin typeface="微软雅黑" panose="020B0503020204020204" pitchFamily="34" charset="-122"/>
+                <a:ea typeface="微软雅黑" panose="020B0503020204020204" pitchFamily="34" charset="-122"/>
+              </a:rPr>
+              <a:t>大家</a:t>
+            </a:r>
+            <a:endParaRPr lang="zh-CN" altLang="en-US" sz="5400" b="1" dirty="0">
+              <a:solidFill>
+                <a:srgbClr val="3843B3"/>
+              </a:solidFill>
+              <a:latin typeface="微软雅黑" panose="020B0503020204020204" pitchFamily="34" charset="-122"/>
+              <a:ea typeface="微软雅黑" panose="020B0503020204020204" pitchFamily="34" charset="-122"/>
+            </a:endParaRPr>
+          </a:p>
+        </p:txBody>
+      </p:sp>
+      <p:sp>
+        <p:nvSpPr>
+          <p:cNvPr id="12" name="文本框 11"/>
+          <p:cNvSpPr txBox="1"/>
+          <p:nvPr/>
+        </p:nvSpPr>
+        <p:spPr>
+          <a:xfrm>
+            <a:off x="4341809" y="3707963"/>
+            <a:ext cx="3508381" cy="400110"/>
+          </a:xfrm>
+          <a:prstGeom prst="rect">
+            <a:avLst/>
+          </a:prstGeom>
+          <a:noFill/>
+        </p:spPr>
+        <p:txBody>
+          <a:bodyPr wrap="square" rtlCol="0">
+            <a:spAutoFit/>
+          </a:bodyPr>
+          <a:lstStyle/>
+          <a:p>
+            <a:pPr algn="dist"/>
+            <a:r>
+              <a:rPr lang="en-US" altLang="zh-CN" sz="2000" b="1" dirty="0">
+                <a:ln>
+                  <a:solidFill>
+                    <a:schemeClr val="bg1"/>
+                  </a:solidFill>
+                </a:ln>
+                <a:noFill/>
+                <a:latin typeface="Novecento wide Bold" panose="00000805000000000000" pitchFamily="50" charset="0"/>
+                <a:ea typeface="思源黑体 Medium" panose="020B0600000000000000" pitchFamily="34" charset="-122"/>
+              </a:rPr>
+              <a:t>Thanks for listening</a:t>
+            </a:r>
+            <a:endParaRPr lang="zh-CN" altLang="en-US" sz="2000" b="1" dirty="0">
+              <a:ln>
+                <a:solidFill>
+                  <a:schemeClr val="bg1"/>
+                </a:solidFill>
+              </a:ln>
+              <a:noFill/>
+              <a:latin typeface="Novecento wide Bold" panose="00000805000000000000" pitchFamily="50" charset="0"/>
+              <a:ea typeface="思源黑体 Medium" panose="020B0600000000000000" pitchFamily="34" charset="-122"/>
+            </a:endParaRPr>
+          </a:p>
+        </p:txBody>
+      </p:sp>
+    </p:spTree>
+  </p:cSld>
+  <p:clrMapOvr>
+    <a:masterClrMapping/>
+  </p:clrMapOvr>
+</p:sld>
+</file>
+
+<file path=ppt/slides/slide2.xml><?xml version="1.0" encoding="utf-8"?>
+<p:sld xmlns:a="http://schemas.openxmlformats.org/drawingml/2006/main" xmlns:r="http://schemas.openxmlformats.org/officeDocument/2006/relationships" xmlns:p="http://schemas.openxmlformats.org/presentationml/2006/main">
+  <p:cSld>
+    <p:spTree>
+      <p:nvGrpSpPr>
+        <p:cNvPr id="1" name=""/>
+        <p:cNvGrpSpPr/>
+        <p:nvPr/>
+      </p:nvGrpSpPr>
+      <p:grpSpPr>
+        <a:xfrm>
+          <a:off x="0" y="0"/>
+          <a:ext cx="0" cy="0"/>
+          <a:chOff x="0" y="0"/>
+          <a:chExt cx="0" cy="0"/>
+        </a:xfrm>
+      </p:grpSpPr>
+      <p:sp>
+        <p:nvSpPr>
+          <p:cNvPr id="2" name="椭圆 1"/>
+          <p:cNvSpPr/>
+          <p:nvPr/>
+        </p:nvSpPr>
+        <p:spPr>
+          <a:xfrm>
+            <a:off x="-142000" y="796672"/>
+            <a:ext cx="5392402" cy="5392401"/>
+          </a:xfrm>
+          <a:prstGeom prst="ellipse">
+            <a:avLst/>
+          </a:prstGeom>
+          <a:noFill/>
+          <a:ln w="6350">
+            <a:solidFill>
+              <a:schemeClr val="bg1">
+                <a:lumMod val="75000"/>
+                <a:alpha val="50000"/>
+              </a:schemeClr>
+            </a:solidFill>
+          </a:ln>
+        </p:spPr>
+        <p:style>
+          <a:lnRef idx="2">
+            <a:schemeClr val="accent1">
+              <a:shade val="50000"/>
+            </a:schemeClr>
+          </a:lnRef>
+          <a:fillRef idx="1">
+            <a:schemeClr val="accent1"/>
+          </a:fillRef>
+          <a:effectRef idx="0">
+            <a:schemeClr val="accent1"/>
+          </a:effectRef>
+          <a:fontRef idx="minor">
+            <a:schemeClr val="lt1"/>
+          </a:fontRef>
+        </p:style>
+        <p:txBody>
+          <a:bodyPr rtlCol="0" anchor="ctr"/>
+          <a:lstStyle/>
+          <a:p>
+            <a:pPr algn="ctr"/>
+            <a:endParaRPr lang="zh-CN" altLang="en-US"/>
+          </a:p>
+        </p:txBody>
+      </p:sp>
+      <p:sp>
+        <p:nvSpPr>
+          <p:cNvPr id="3" name="椭圆 2"/>
+          <p:cNvSpPr/>
+          <p:nvPr/>
+        </p:nvSpPr>
+        <p:spPr>
+          <a:xfrm>
+            <a:off x="-1189667" y="-250994"/>
+            <a:ext cx="7487735" cy="7487734"/>
+          </a:xfrm>
+          <a:prstGeom prst="ellipse">
+            <a:avLst/>
+          </a:prstGeom>
+          <a:noFill/>
+          <a:ln w="6350">
+            <a:solidFill>
+              <a:schemeClr val="bg1">
+                <a:lumMod val="75000"/>
+              </a:schemeClr>
+            </a:solidFill>
+          </a:ln>
+        </p:spPr>
+        <p:style>
+          <a:lnRef idx="2">
+            <a:schemeClr val="accent1">
+              <a:shade val="50000"/>
+            </a:schemeClr>
+          </a:lnRef>
+          <a:fillRef idx="1">
+            <a:schemeClr val="accent1"/>
+          </a:fillRef>
+          <a:effectRef idx="0">
+            <a:schemeClr val="accent1"/>
+          </a:effectRef>
+          <a:fontRef idx="minor">
+            <a:schemeClr val="lt1"/>
+          </a:fontRef>
+        </p:style>
+        <p:txBody>
+          <a:bodyPr rtlCol="0" anchor="ctr"/>
+          <a:lstStyle/>
+          <a:p>
+            <a:pPr algn="ctr"/>
+            <a:endParaRPr lang="zh-CN" altLang="en-US"/>
+          </a:p>
+        </p:txBody>
+      </p:sp>
+      <p:sp>
+        <p:nvSpPr>
+          <p:cNvPr id="4" name="椭圆 3"/>
+          <p:cNvSpPr/>
+          <p:nvPr/>
+        </p:nvSpPr>
+        <p:spPr>
+          <a:xfrm>
+            <a:off x="-100010" y="1110117"/>
+            <a:ext cx="6810228" cy="6810226"/>
+          </a:xfrm>
+          <a:prstGeom prst="ellipse">
+            <a:avLst/>
+          </a:prstGeom>
+          <a:noFill/>
+          <a:ln w="6350">
+            <a:solidFill>
+              <a:schemeClr val="bg1">
+                <a:lumMod val="75000"/>
+                <a:alpha val="50000"/>
+              </a:schemeClr>
+            </a:solidFill>
+            <a:prstDash val="dash"/>
+          </a:ln>
+        </p:spPr>
+        <p:style>
+          <a:lnRef idx="2">
+            <a:schemeClr val="accent1">
+              <a:shade val="50000"/>
+            </a:schemeClr>
+          </a:lnRef>
+          <a:fillRef idx="1">
+            <a:schemeClr val="accent1"/>
+          </a:fillRef>
+          <a:effectRef idx="0">
+            <a:schemeClr val="accent1"/>
+          </a:effectRef>
+          <a:fontRef idx="minor">
+            <a:schemeClr val="lt1"/>
+          </a:fontRef>
+        </p:style>
+        <p:txBody>
+          <a:bodyPr rtlCol="0" anchor="ctr"/>
+          <a:lstStyle/>
+          <a:p>
+            <a:pPr algn="ctr"/>
+            <a:endParaRPr lang="zh-CN" altLang="en-US" dirty="0"/>
+          </a:p>
+        </p:txBody>
+      </p:sp>
+      <p:sp>
+        <p:nvSpPr>
+          <p:cNvPr id="5" name="椭圆 4"/>
+          <p:cNvSpPr/>
+          <p:nvPr/>
+        </p:nvSpPr>
+        <p:spPr>
+          <a:xfrm>
+            <a:off x="-743543" y="-1707853"/>
+            <a:ext cx="7487735" cy="7487734"/>
+          </a:xfrm>
+          <a:prstGeom prst="ellipse">
+            <a:avLst/>
+          </a:prstGeom>
+          <a:noFill/>
+          <a:ln w="6350">
+            <a:solidFill>
+              <a:schemeClr val="bg1">
+                <a:lumMod val="75000"/>
+                <a:alpha val="50000"/>
+              </a:schemeClr>
+            </a:solidFill>
+            <a:prstDash val="dash"/>
+          </a:ln>
+        </p:spPr>
+        <p:style>
+          <a:lnRef idx="2">
+            <a:schemeClr val="accent1">
+              <a:shade val="50000"/>
+            </a:schemeClr>
+          </a:lnRef>
+          <a:fillRef idx="1">
+            <a:schemeClr val="accent1"/>
+          </a:fillRef>
+          <a:effectRef idx="0">
+            <a:schemeClr val="accent1"/>
+          </a:effectRef>
+          <a:fontRef idx="minor">
+            <a:schemeClr val="lt1"/>
+          </a:fontRef>
+        </p:style>
+        <p:txBody>
+          <a:bodyPr rtlCol="0" anchor="ctr"/>
+          <a:lstStyle/>
+          <a:p>
+            <a:pPr algn="ctr"/>
+            <a:endParaRPr lang="zh-CN" altLang="en-US"/>
+          </a:p>
+        </p:txBody>
+      </p:sp>
+      <p:sp>
+        <p:nvSpPr>
+          <p:cNvPr id="7" name="椭圆 6"/>
+          <p:cNvSpPr/>
+          <p:nvPr/>
+        </p:nvSpPr>
+        <p:spPr>
+          <a:xfrm>
+            <a:off x="785488" y="1791863"/>
+            <a:ext cx="3468634" cy="3468634"/>
+          </a:xfrm>
+          <a:prstGeom prst="ellipse">
+            <a:avLst/>
+          </a:prstGeom>
+          <a:noFill/>
+          <a:ln w="44450">
+            <a:solidFill>
+              <a:srgbClr val="3843B3">
+                <a:alpha val="25000"/>
+              </a:srgbClr>
+            </a:solidFill>
+          </a:ln>
+        </p:spPr>
+        <p:style>
+          <a:lnRef idx="2">
+            <a:schemeClr val="accent1">
+              <a:shade val="50000"/>
+            </a:schemeClr>
+          </a:lnRef>
+          <a:fillRef idx="1">
+            <a:schemeClr val="accent1"/>
+          </a:fillRef>
+          <a:effectRef idx="0">
+            <a:schemeClr val="accent1"/>
+          </a:effectRef>
+          <a:fontRef idx="minor">
+            <a:schemeClr val="lt1"/>
+          </a:fontRef>
+        </p:style>
+        <p:txBody>
+          <a:bodyPr rtlCol="0" anchor="ctr"/>
+          <a:lstStyle/>
+          <a:p>
+            <a:pPr algn="ctr"/>
+            <a:endParaRPr lang="zh-CN" altLang="en-US" dirty="0"/>
+          </a:p>
+        </p:txBody>
+      </p:sp>
+      <p:sp>
+        <p:nvSpPr>
+          <p:cNvPr id="8" name="椭圆 7"/>
+          <p:cNvSpPr/>
+          <p:nvPr/>
+        </p:nvSpPr>
+        <p:spPr>
+          <a:xfrm>
+            <a:off x="878743" y="1885118"/>
+            <a:ext cx="3282124" cy="3282124"/>
+          </a:xfrm>
+          <a:prstGeom prst="ellipse">
+            <a:avLst/>
+          </a:prstGeom>
+          <a:solidFill>
+            <a:srgbClr val="3843B3"/>
+          </a:solidFill>
+          <a:ln>
+            <a:noFill/>
+          </a:ln>
+        </p:spPr>
+        <p:style>
+          <a:lnRef idx="2">
+            <a:schemeClr val="accent1">
+              <a:shade val="50000"/>
+            </a:schemeClr>
+          </a:lnRef>
+          <a:fillRef idx="1">
+            <a:schemeClr val="accent1"/>
+          </a:fillRef>
+          <a:effectRef idx="0">
+            <a:schemeClr val="accent1"/>
+          </a:effectRef>
+          <a:fontRef idx="minor">
+            <a:schemeClr val="lt1"/>
+          </a:fontRef>
+        </p:style>
+        <p:txBody>
+          <a:bodyPr rtlCol="0" anchor="ctr"/>
+          <a:lstStyle/>
+          <a:p>
+            <a:pPr algn="ctr"/>
+            <a:endParaRPr lang="zh-CN" altLang="en-US" dirty="0"/>
+          </a:p>
+        </p:txBody>
+      </p:sp>
+      <p:sp>
+        <p:nvSpPr>
+          <p:cNvPr id="14" name="矩形 13"/>
+          <p:cNvSpPr/>
+          <p:nvPr>
+            <p:custDataLst>
+              <p:tags r:id="rId1"/>
+            </p:custDataLst>
+          </p:nvPr>
+        </p:nvSpPr>
+        <p:spPr>
+          <a:xfrm>
+            <a:off x="6106582" y="1082192"/>
+            <a:ext cx="4226560" cy="410803"/>
+          </a:xfrm>
+          <a:prstGeom prst="rect">
+            <a:avLst/>
+          </a:prstGeom>
+          <a:solidFill>
+            <a:schemeClr val="bg1">
+              <a:lumMod val="85000"/>
+              <a:alpha val="10000"/>
+            </a:schemeClr>
+          </a:solidFill>
+          <a:ln>
+            <a:noFill/>
+          </a:ln>
+        </p:spPr>
+        <p:style>
+          <a:lnRef idx="2">
+            <a:schemeClr val="accent1">
+              <a:shade val="50000"/>
+            </a:schemeClr>
+          </a:lnRef>
+          <a:fillRef idx="1">
+            <a:schemeClr val="accent1"/>
+          </a:fillRef>
+          <a:effectRef idx="0">
+            <a:schemeClr val="accent1"/>
+          </a:effectRef>
+          <a:fontRef idx="minor">
+            <a:schemeClr val="lt1"/>
+          </a:fontRef>
+        </p:style>
+        <p:txBody>
+          <a:bodyPr rtlCol="0" anchor="ctr"/>
+          <a:lstStyle/>
+          <a:p>
+            <a:pPr algn="ctr"/>
+            <a:endParaRPr lang="zh-CN" altLang="en-US"/>
+          </a:p>
+        </p:txBody>
+      </p:sp>
+      <p:sp>
+        <p:nvSpPr>
+          <p:cNvPr id="15" name="矩形 14"/>
+          <p:cNvSpPr/>
+          <p:nvPr>
+            <p:custDataLst>
+              <p:tags r:id="rId2"/>
+            </p:custDataLst>
+          </p:nvPr>
+        </p:nvSpPr>
+        <p:spPr>
+          <a:xfrm>
+            <a:off x="6621523" y="2096976"/>
+            <a:ext cx="4226560" cy="410803"/>
+          </a:xfrm>
+          <a:prstGeom prst="rect">
+            <a:avLst/>
+          </a:prstGeom>
+          <a:solidFill>
+            <a:schemeClr val="bg1">
+              <a:lumMod val="85000"/>
+              <a:alpha val="10000"/>
+            </a:schemeClr>
+          </a:solidFill>
+          <a:ln>
+            <a:noFill/>
+          </a:ln>
+        </p:spPr>
+        <p:style>
+          <a:lnRef idx="2">
+            <a:schemeClr val="accent1">
+              <a:shade val="50000"/>
+            </a:schemeClr>
+          </a:lnRef>
+          <a:fillRef idx="1">
+            <a:schemeClr val="accent1"/>
+          </a:fillRef>
+          <a:effectRef idx="0">
+            <a:schemeClr val="accent1"/>
+          </a:effectRef>
+          <a:fontRef idx="minor">
+            <a:schemeClr val="lt1"/>
+          </a:fontRef>
+        </p:style>
+        <p:txBody>
+          <a:bodyPr rtlCol="0" anchor="ctr"/>
+          <a:lstStyle/>
+          <a:p>
+            <a:pPr algn="ctr"/>
+            <a:endParaRPr lang="zh-CN" altLang="en-US"/>
+          </a:p>
+        </p:txBody>
+      </p:sp>
+      <p:sp>
+        <p:nvSpPr>
+          <p:cNvPr id="16" name="矩形 15"/>
+          <p:cNvSpPr/>
+          <p:nvPr>
+            <p:custDataLst>
+              <p:tags r:id="rId3"/>
+            </p:custDataLst>
+          </p:nvPr>
+        </p:nvSpPr>
+        <p:spPr>
+          <a:xfrm>
+            <a:off x="6773585" y="3223598"/>
+            <a:ext cx="4226560" cy="410803"/>
+          </a:xfrm>
+          <a:prstGeom prst="rect">
+            <a:avLst/>
+          </a:prstGeom>
+          <a:solidFill>
+            <a:schemeClr val="bg1">
+              <a:lumMod val="85000"/>
+              <a:alpha val="10000"/>
+            </a:schemeClr>
+          </a:solidFill>
+          <a:ln>
+            <a:noFill/>
+          </a:ln>
+        </p:spPr>
+        <p:style>
+          <a:lnRef idx="2">
+            <a:schemeClr val="accent1">
+              <a:shade val="50000"/>
+            </a:schemeClr>
+          </a:lnRef>
+          <a:fillRef idx="1">
+            <a:schemeClr val="accent1"/>
+          </a:fillRef>
+          <a:effectRef idx="0">
+            <a:schemeClr val="accent1"/>
+          </a:effectRef>
+          <a:fontRef idx="minor">
+            <a:schemeClr val="lt1"/>
+          </a:fontRef>
+        </p:style>
+        <p:txBody>
+          <a:bodyPr rtlCol="0" anchor="ctr"/>
+          <a:lstStyle/>
+          <a:p>
+            <a:pPr algn="ctr"/>
+            <a:endParaRPr lang="zh-CN" altLang="en-US"/>
+          </a:p>
+        </p:txBody>
+      </p:sp>
+      <p:sp>
+        <p:nvSpPr>
+          <p:cNvPr id="17" name="矩形 16"/>
+          <p:cNvSpPr/>
+          <p:nvPr>
+            <p:custDataLst>
+              <p:tags r:id="rId4"/>
+            </p:custDataLst>
+          </p:nvPr>
+        </p:nvSpPr>
+        <p:spPr>
+          <a:xfrm>
+            <a:off x="6621523" y="4309828"/>
+            <a:ext cx="4226560" cy="410803"/>
+          </a:xfrm>
+          <a:prstGeom prst="rect">
+            <a:avLst/>
+          </a:prstGeom>
+          <a:solidFill>
+            <a:schemeClr val="bg1">
+              <a:lumMod val="85000"/>
+              <a:alpha val="10000"/>
+            </a:schemeClr>
+          </a:solidFill>
+          <a:ln>
+            <a:noFill/>
+          </a:ln>
+        </p:spPr>
+        <p:style>
+          <a:lnRef idx="2">
+            <a:schemeClr val="accent1">
+              <a:shade val="50000"/>
+            </a:schemeClr>
+          </a:lnRef>
+          <a:fillRef idx="1">
+            <a:schemeClr val="accent1"/>
+          </a:fillRef>
+          <a:effectRef idx="0">
+            <a:schemeClr val="accent1"/>
+          </a:effectRef>
+          <a:fontRef idx="minor">
+            <a:schemeClr val="lt1"/>
+          </a:fontRef>
+        </p:style>
+        <p:txBody>
+          <a:bodyPr rtlCol="0" anchor="ctr"/>
+          <a:lstStyle/>
+          <a:p>
+            <a:pPr algn="ctr"/>
+            <a:endParaRPr lang="zh-CN" altLang="en-US"/>
+          </a:p>
+        </p:txBody>
+      </p:sp>
+      <p:grpSp>
+        <p:nvGrpSpPr>
+          <p:cNvPr id="6" name="组合 5"/>
+          <p:cNvGrpSpPr/>
+          <p:nvPr>
+            <p:custDataLst>
+              <p:tags r:id="rId5"/>
+            </p:custDataLst>
+          </p:nvPr>
+        </p:nvGrpSpPr>
+        <p:grpSpPr>
+          <a:xfrm>
+            <a:off x="5305305" y="963203"/>
+            <a:ext cx="619822" cy="634301"/>
+            <a:chOff x="5305305" y="963203"/>
+            <a:chExt cx="619822" cy="634301"/>
+          </a:xfrm>
+        </p:grpSpPr>
+        <p:sp>
+          <p:nvSpPr>
+            <p:cNvPr id="12" name="椭圆 11"/>
+            <p:cNvSpPr/>
+            <p:nvPr>
+              <p:custDataLst>
+                <p:tags r:id="rId6"/>
+              </p:custDataLst>
+            </p:nvPr>
+          </p:nvSpPr>
+          <p:spPr>
+            <a:xfrm>
+              <a:off x="5305305" y="977682"/>
+              <a:ext cx="619822" cy="619822"/>
+            </a:xfrm>
+            <a:prstGeom prst="ellipse">
+              <a:avLst/>
+            </a:prstGeom>
+            <a:solidFill>
+              <a:srgbClr val="3843B3"/>
+            </a:solidFill>
+            <a:ln w="53975">
+              <a:noFill/>
+            </a:ln>
+          </p:spPr>
+          <p:style>
+            <a:lnRef idx="2">
+              <a:schemeClr val="accent1">
+                <a:shade val="50000"/>
+              </a:schemeClr>
+            </a:lnRef>
+            <a:fillRef idx="1">
+              <a:schemeClr val="accent1"/>
+            </a:fillRef>
+            <a:effectRef idx="0">
+              <a:schemeClr val="accent1"/>
+            </a:effectRef>
+            <a:fontRef idx="minor">
+              <a:schemeClr val="lt1"/>
+            </a:fontRef>
+          </p:style>
+          <p:txBody>
+            <a:bodyPr rtlCol="0" anchor="ctr"/>
+            <a:lstStyle/>
+            <a:p>
+              <a:pPr algn="ctr"/>
+              <a:endParaRPr lang="zh-CN" altLang="en-US" sz="1400" b="1" dirty="0">
+                <a:latin typeface="Montserrat Light" panose="00000400000000000000" pitchFamily="2" charset="0"/>
+              </a:endParaRPr>
+            </a:p>
+          </p:txBody>
+        </p:sp>
+        <p:sp>
+          <p:nvSpPr>
+            <p:cNvPr id="23" name="文本框 22"/>
+            <p:cNvSpPr txBox="1"/>
+            <p:nvPr>
+              <p:custDataLst>
+                <p:tags r:id="rId7"/>
+              </p:custDataLst>
+            </p:nvPr>
+          </p:nvSpPr>
+          <p:spPr>
+            <a:xfrm>
+              <a:off x="5398921" y="963203"/>
+              <a:ext cx="453024" cy="584775"/>
+            </a:xfrm>
+            <a:prstGeom prst="rect">
+              <a:avLst/>
+            </a:prstGeom>
+            <a:noFill/>
+          </p:spPr>
+          <p:txBody>
+            <a:bodyPr wrap="square" rtlCol="0">
+              <a:spAutoFit/>
+            </a:bodyPr>
+            <a:lstStyle/>
+            <a:p>
+              <a:r>
+                <a:rPr lang="en-US" altLang="zh-CN" sz="3200" dirty="0">
+                  <a:solidFill>
+                    <a:schemeClr val="bg1"/>
+                  </a:solidFill>
+                  <a:latin typeface="Novecento wide Bold" panose="00000805000000000000" pitchFamily="50" charset="0"/>
+                </a:rPr>
+                <a:t>1</a:t>
+              </a:r>
+              <a:endParaRPr lang="zh-CN" altLang="en-US" sz="3200" dirty="0">
+                <a:solidFill>
+                  <a:schemeClr val="bg1"/>
+                </a:solidFill>
+                <a:latin typeface="Novecento wide Bold" panose="00000805000000000000" pitchFamily="50" charset="0"/>
+              </a:endParaRPr>
+            </a:p>
+          </p:txBody>
+        </p:sp>
+      </p:grpSp>
+      <p:grpSp>
+        <p:nvGrpSpPr>
+          <p:cNvPr id="24" name="组合 23"/>
+          <p:cNvGrpSpPr/>
+          <p:nvPr>
+            <p:custDataLst>
+              <p:tags r:id="rId8"/>
+            </p:custDataLst>
+          </p:nvPr>
+        </p:nvGrpSpPr>
+        <p:grpSpPr>
+          <a:xfrm>
+            <a:off x="5796671" y="1977986"/>
+            <a:ext cx="619822" cy="634301"/>
+            <a:chOff x="5305305" y="963203"/>
+            <a:chExt cx="619822" cy="634301"/>
+          </a:xfrm>
+        </p:grpSpPr>
+        <p:sp>
+          <p:nvSpPr>
+            <p:cNvPr id="25" name="椭圆 24"/>
+            <p:cNvSpPr/>
+            <p:nvPr>
+              <p:custDataLst>
+                <p:tags r:id="rId9"/>
+              </p:custDataLst>
+            </p:nvPr>
+          </p:nvSpPr>
+          <p:spPr>
+            <a:xfrm>
+              <a:off x="5305305" y="977682"/>
+              <a:ext cx="619822" cy="619822"/>
+            </a:xfrm>
+            <a:prstGeom prst="ellipse">
+              <a:avLst/>
+            </a:prstGeom>
+            <a:solidFill>
+              <a:srgbClr val="3843B3"/>
+            </a:solidFill>
+            <a:ln w="53975">
+              <a:noFill/>
+            </a:ln>
+          </p:spPr>
+          <p:style>
+            <a:lnRef idx="2">
+              <a:schemeClr val="accent1">
+                <a:shade val="50000"/>
+              </a:schemeClr>
+            </a:lnRef>
+            <a:fillRef idx="1">
+              <a:schemeClr val="accent1"/>
+            </a:fillRef>
+            <a:effectRef idx="0">
+              <a:schemeClr val="accent1"/>
+            </a:effectRef>
+            <a:fontRef idx="minor">
+              <a:schemeClr val="lt1"/>
+            </a:fontRef>
+          </p:style>
+          <p:txBody>
+            <a:bodyPr rtlCol="0" anchor="ctr"/>
+            <a:lstStyle/>
+            <a:p>
+              <a:pPr algn="ctr"/>
+              <a:endParaRPr lang="zh-CN" altLang="en-US" sz="1400" b="1" dirty="0">
+                <a:latin typeface="Montserrat Light" panose="00000400000000000000" pitchFamily="2" charset="0"/>
+              </a:endParaRPr>
+            </a:p>
+          </p:txBody>
+        </p:sp>
+        <p:sp>
+          <p:nvSpPr>
+            <p:cNvPr id="26" name="文本框 25"/>
+            <p:cNvSpPr txBox="1"/>
+            <p:nvPr>
+              <p:custDataLst>
+                <p:tags r:id="rId10"/>
+              </p:custDataLst>
+            </p:nvPr>
+          </p:nvSpPr>
+          <p:spPr>
+            <a:xfrm>
+              <a:off x="5398921" y="963203"/>
+              <a:ext cx="453024" cy="584775"/>
+            </a:xfrm>
+            <a:prstGeom prst="rect">
+              <a:avLst/>
+            </a:prstGeom>
+            <a:noFill/>
+          </p:spPr>
+          <p:txBody>
+            <a:bodyPr wrap="square" rtlCol="0">
+              <a:spAutoFit/>
+            </a:bodyPr>
+            <a:lstStyle/>
+            <a:p>
+              <a:r>
+                <a:rPr lang="en-US" altLang="zh-CN" sz="3200" dirty="0">
+                  <a:solidFill>
+                    <a:schemeClr val="bg1"/>
+                  </a:solidFill>
+                  <a:latin typeface="Novecento wide Bold" panose="00000805000000000000" pitchFamily="50" charset="0"/>
+                </a:rPr>
+                <a:t>2</a:t>
+              </a:r>
+              <a:endParaRPr lang="zh-CN" altLang="en-US" sz="3200" dirty="0">
+                <a:solidFill>
+                  <a:schemeClr val="bg1"/>
+                </a:solidFill>
+                <a:latin typeface="Novecento wide Bold" panose="00000805000000000000" pitchFamily="50" charset="0"/>
+              </a:endParaRPr>
+            </a:p>
+          </p:txBody>
+        </p:sp>
+      </p:grpSp>
+      <p:grpSp>
+        <p:nvGrpSpPr>
+          <p:cNvPr id="27" name="组合 26"/>
+          <p:cNvGrpSpPr/>
+          <p:nvPr>
+            <p:custDataLst>
+              <p:tags r:id="rId11"/>
+            </p:custDataLst>
+          </p:nvPr>
+        </p:nvGrpSpPr>
+        <p:grpSpPr>
+          <a:xfrm>
+            <a:off x="5989199" y="3126456"/>
+            <a:ext cx="619822" cy="634301"/>
+            <a:chOff x="5305305" y="963203"/>
+            <a:chExt cx="619822" cy="634301"/>
+          </a:xfrm>
+        </p:grpSpPr>
+        <p:sp>
+          <p:nvSpPr>
+            <p:cNvPr id="28" name="椭圆 27"/>
+            <p:cNvSpPr/>
+            <p:nvPr>
+              <p:custDataLst>
+                <p:tags r:id="rId12"/>
+              </p:custDataLst>
+            </p:nvPr>
+          </p:nvSpPr>
+          <p:spPr>
+            <a:xfrm>
+              <a:off x="5305305" y="977682"/>
+              <a:ext cx="619822" cy="619822"/>
+            </a:xfrm>
+            <a:prstGeom prst="ellipse">
+              <a:avLst/>
+            </a:prstGeom>
+            <a:solidFill>
+              <a:srgbClr val="3843B3"/>
+            </a:solidFill>
+            <a:ln w="53975">
+              <a:noFill/>
+            </a:ln>
+          </p:spPr>
+          <p:style>
+            <a:lnRef idx="2">
+              <a:schemeClr val="accent1">
+                <a:shade val="50000"/>
+              </a:schemeClr>
+            </a:lnRef>
+            <a:fillRef idx="1">
+              <a:schemeClr val="accent1"/>
+            </a:fillRef>
+            <a:effectRef idx="0">
+              <a:schemeClr val="accent1"/>
+            </a:effectRef>
+            <a:fontRef idx="minor">
+              <a:schemeClr val="lt1"/>
+            </a:fontRef>
+          </p:style>
+          <p:txBody>
+            <a:bodyPr rtlCol="0" anchor="ctr"/>
+            <a:lstStyle/>
+            <a:p>
+              <a:pPr algn="ctr"/>
+              <a:endParaRPr lang="zh-CN" altLang="en-US" sz="1400" b="1" dirty="0">
+                <a:latin typeface="Montserrat Light" panose="00000400000000000000" pitchFamily="2" charset="0"/>
+              </a:endParaRPr>
+            </a:p>
+          </p:txBody>
+        </p:sp>
+        <p:sp>
+          <p:nvSpPr>
+            <p:cNvPr id="29" name="文本框 28"/>
+            <p:cNvSpPr txBox="1"/>
+            <p:nvPr>
+              <p:custDataLst>
+                <p:tags r:id="rId13"/>
+              </p:custDataLst>
+            </p:nvPr>
+          </p:nvSpPr>
+          <p:spPr>
+            <a:xfrm>
+              <a:off x="5398921" y="963203"/>
+              <a:ext cx="453024" cy="584775"/>
+            </a:xfrm>
+            <a:prstGeom prst="rect">
+              <a:avLst/>
+            </a:prstGeom>
+            <a:noFill/>
+          </p:spPr>
+          <p:txBody>
+            <a:bodyPr wrap="square" rtlCol="0">
+              <a:spAutoFit/>
+            </a:bodyPr>
+            <a:lstStyle/>
+            <a:p>
+              <a:r>
+                <a:rPr lang="en-US" altLang="zh-CN" sz="3200" dirty="0">
+                  <a:solidFill>
+                    <a:schemeClr val="bg1"/>
+                  </a:solidFill>
+                  <a:latin typeface="Novecento wide Bold" panose="00000805000000000000" pitchFamily="50" charset="0"/>
+                </a:rPr>
+                <a:t>3</a:t>
+              </a:r>
+              <a:endParaRPr lang="zh-CN" altLang="en-US" sz="3200" dirty="0">
+                <a:solidFill>
+                  <a:schemeClr val="bg1"/>
+                </a:solidFill>
+                <a:latin typeface="Novecento wide Bold" panose="00000805000000000000" pitchFamily="50" charset="0"/>
+              </a:endParaRPr>
+            </a:p>
+          </p:txBody>
+        </p:sp>
+      </p:grpSp>
+      <p:grpSp>
+        <p:nvGrpSpPr>
+          <p:cNvPr id="30" name="组合 29"/>
+          <p:cNvGrpSpPr/>
+          <p:nvPr>
+            <p:custDataLst>
+              <p:tags r:id="rId14"/>
+            </p:custDataLst>
+          </p:nvPr>
+        </p:nvGrpSpPr>
+        <p:grpSpPr>
+          <a:xfrm>
+            <a:off x="5786089" y="4239680"/>
+            <a:ext cx="619822" cy="633542"/>
+            <a:chOff x="5305305" y="963962"/>
+            <a:chExt cx="619822" cy="633542"/>
+          </a:xfrm>
+        </p:grpSpPr>
+        <p:sp>
+          <p:nvSpPr>
+            <p:cNvPr id="31" name="椭圆 30"/>
+            <p:cNvSpPr/>
+            <p:nvPr>
+              <p:custDataLst>
+                <p:tags r:id="rId15"/>
+              </p:custDataLst>
+            </p:nvPr>
+          </p:nvSpPr>
+          <p:spPr>
+            <a:xfrm>
+              <a:off x="5305305" y="977682"/>
+              <a:ext cx="619822" cy="619822"/>
+            </a:xfrm>
+            <a:prstGeom prst="ellipse">
+              <a:avLst/>
+            </a:prstGeom>
+            <a:solidFill>
+              <a:srgbClr val="3843B3"/>
+            </a:solidFill>
+            <a:ln w="53975">
+              <a:noFill/>
+            </a:ln>
+          </p:spPr>
+          <p:style>
+            <a:lnRef idx="2">
+              <a:schemeClr val="accent1">
+                <a:shade val="50000"/>
+              </a:schemeClr>
+            </a:lnRef>
+            <a:fillRef idx="1">
+              <a:schemeClr val="accent1"/>
+            </a:fillRef>
+            <a:effectRef idx="0">
+              <a:schemeClr val="accent1"/>
+            </a:effectRef>
+            <a:fontRef idx="minor">
+              <a:schemeClr val="lt1"/>
+            </a:fontRef>
+          </p:style>
+          <p:txBody>
+            <a:bodyPr rtlCol="0" anchor="ctr"/>
+            <a:lstStyle/>
+            <a:p>
+              <a:pPr algn="ctr"/>
+              <a:endParaRPr lang="zh-CN" altLang="en-US" sz="1400" b="1" dirty="0">
+                <a:latin typeface="Montserrat Light" panose="00000400000000000000" pitchFamily="2" charset="0"/>
+              </a:endParaRPr>
+            </a:p>
+          </p:txBody>
+        </p:sp>
+        <p:sp>
+          <p:nvSpPr>
+            <p:cNvPr id="32" name="文本框 31"/>
+            <p:cNvSpPr txBox="1"/>
+            <p:nvPr>
+              <p:custDataLst>
+                <p:tags r:id="rId16"/>
+              </p:custDataLst>
+            </p:nvPr>
+          </p:nvSpPr>
+          <p:spPr>
+            <a:xfrm>
+              <a:off x="5360810" y="963962"/>
+              <a:ext cx="453024" cy="584775"/>
+            </a:xfrm>
+            <a:prstGeom prst="rect">
+              <a:avLst/>
+            </a:prstGeom>
+            <a:noFill/>
+          </p:spPr>
+          <p:txBody>
+            <a:bodyPr wrap="square" rtlCol="0">
+              <a:spAutoFit/>
+            </a:bodyPr>
+            <a:lstStyle/>
+            <a:p>
+              <a:r>
+                <a:rPr lang="en-US" altLang="zh-CN" sz="3200" dirty="0">
+                  <a:solidFill>
+                    <a:schemeClr val="bg1"/>
+                  </a:solidFill>
+                  <a:latin typeface="Novecento wide Bold" panose="00000805000000000000" pitchFamily="50" charset="0"/>
+                </a:rPr>
+                <a:t>4</a:t>
+              </a:r>
+              <a:endParaRPr lang="zh-CN" altLang="en-US" sz="3200" dirty="0">
+                <a:solidFill>
+                  <a:schemeClr val="bg1"/>
+                </a:solidFill>
+                <a:latin typeface="Novecento wide Bold" panose="00000805000000000000" pitchFamily="50" charset="0"/>
+              </a:endParaRPr>
+            </a:p>
+          </p:txBody>
+        </p:sp>
+      </p:grpSp>
+      <p:sp>
+        <p:nvSpPr>
+          <p:cNvPr id="36" name="文本框 35"/>
+          <p:cNvSpPr txBox="1"/>
+          <p:nvPr/>
+        </p:nvSpPr>
+        <p:spPr>
+          <a:xfrm>
+            <a:off x="1029825" y="3013500"/>
+            <a:ext cx="2979960" cy="830997"/>
+          </a:xfrm>
+          <a:prstGeom prst="rect">
+            <a:avLst/>
+          </a:prstGeom>
+          <a:noFill/>
+        </p:spPr>
+        <p:txBody>
+          <a:bodyPr wrap="square" rtlCol="0">
+            <a:spAutoFit/>
+          </a:bodyPr>
+          <a:lstStyle/>
+          <a:p>
+            <a:pPr algn="ctr"/>
+            <a:r>
+              <a:rPr lang="zh-CN" altLang="en-US" sz="4800" b="1" dirty="0">
+                <a:solidFill>
+                  <a:schemeClr val="bg1"/>
+                </a:solidFill>
+                <a:latin typeface="微软雅黑" panose="020B0503020204020204" pitchFamily="34" charset="-122"/>
+                <a:ea typeface="微软雅黑" panose="020B0503020204020204" pitchFamily="34" charset="-122"/>
+              </a:rPr>
+              <a:t>答辩目录</a:t>
+            </a:r>
+            <a:endParaRPr lang="zh-CN" altLang="en-US" sz="4800" b="1" dirty="0">
+              <a:solidFill>
+                <a:schemeClr val="bg1"/>
+              </a:solidFill>
+              <a:latin typeface="微软雅黑" panose="020B0503020204020204" pitchFamily="34" charset="-122"/>
+              <a:ea typeface="微软雅黑" panose="020B0503020204020204" pitchFamily="34" charset="-122"/>
+            </a:endParaRPr>
+          </a:p>
+        </p:txBody>
+      </p:sp>
+      <p:sp>
+        <p:nvSpPr>
+          <p:cNvPr id="41" name="文本框 40"/>
+          <p:cNvSpPr txBox="1"/>
+          <p:nvPr>
+            <p:custDataLst>
+              <p:tags r:id="rId17"/>
+            </p:custDataLst>
+          </p:nvPr>
+        </p:nvSpPr>
+        <p:spPr>
+          <a:xfrm>
+            <a:off x="6021982" y="1057196"/>
+            <a:ext cx="2126067" cy="460375"/>
+          </a:xfrm>
+          <a:prstGeom prst="rect">
+            <a:avLst/>
+          </a:prstGeom>
+          <a:noFill/>
+        </p:spPr>
+        <p:txBody>
+          <a:bodyPr wrap="square" rtlCol="0">
+            <a:spAutoFit/>
+          </a:bodyPr>
+          <a:lstStyle/>
+          <a:p>
+            <a:r>
+              <a:rPr lang="zh-CN" altLang="en-US" sz="2400" dirty="0">
+                <a:solidFill>
+                  <a:schemeClr val="bg2">
+                    <a:lumMod val="25000"/>
+                  </a:schemeClr>
+                </a:solidFill>
+                <a:latin typeface="微软雅黑" panose="020B0503020204020204" pitchFamily="34" charset="-122"/>
+                <a:ea typeface="微软雅黑" panose="020B0503020204020204" pitchFamily="34" charset="-122"/>
+              </a:rPr>
+              <a:t>项目</a:t>
+            </a:r>
+            <a:r>
+              <a:rPr lang="zh-CN" altLang="en-US" sz="2400" dirty="0">
+                <a:solidFill>
+                  <a:schemeClr val="bg2">
+                    <a:lumMod val="25000"/>
+                  </a:schemeClr>
+                </a:solidFill>
+                <a:latin typeface="微软雅黑" panose="020B0503020204020204" pitchFamily="34" charset="-122"/>
+                <a:ea typeface="微软雅黑" panose="020B0503020204020204" pitchFamily="34" charset="-122"/>
+              </a:rPr>
+              <a:t>简介</a:t>
+            </a:r>
+            <a:endParaRPr lang="zh-CN" altLang="en-US" sz="2400" dirty="0">
+              <a:solidFill>
+                <a:schemeClr val="bg2">
+                  <a:lumMod val="25000"/>
+                </a:schemeClr>
+              </a:solidFill>
+              <a:latin typeface="微软雅黑" panose="020B0503020204020204" pitchFamily="34" charset="-122"/>
+              <a:ea typeface="微软雅黑" panose="020B0503020204020204" pitchFamily="34" charset="-122"/>
+            </a:endParaRPr>
+          </a:p>
+        </p:txBody>
+      </p:sp>
+      <p:sp>
+        <p:nvSpPr>
+          <p:cNvPr id="42" name="文本框 41"/>
+          <p:cNvSpPr txBox="1"/>
+          <p:nvPr>
+            <p:custDataLst>
+              <p:tags r:id="rId18"/>
+            </p:custDataLst>
+          </p:nvPr>
+        </p:nvSpPr>
+        <p:spPr>
+          <a:xfrm>
+            <a:off x="6608735" y="2071543"/>
+            <a:ext cx="2126067" cy="460375"/>
+          </a:xfrm>
+          <a:prstGeom prst="rect">
+            <a:avLst/>
+          </a:prstGeom>
+          <a:noFill/>
+        </p:spPr>
+        <p:txBody>
+          <a:bodyPr wrap="square" rtlCol="0">
+            <a:spAutoFit/>
+          </a:bodyPr>
+          <a:lstStyle/>
+          <a:p>
+            <a:r>
+              <a:rPr lang="zh-CN" altLang="en-US" sz="2400" dirty="0">
+                <a:solidFill>
+                  <a:schemeClr val="bg2">
+                    <a:lumMod val="25000"/>
+                  </a:schemeClr>
+                </a:solidFill>
+                <a:latin typeface="微软雅黑" panose="020B0503020204020204" pitchFamily="34" charset="-122"/>
+                <a:ea typeface="微软雅黑" panose="020B0503020204020204" pitchFamily="34" charset="-122"/>
+              </a:rPr>
+              <a:t>设计</a:t>
+            </a:r>
+            <a:r>
+              <a:rPr lang="zh-CN" altLang="en-US" sz="2400" dirty="0">
+                <a:solidFill>
+                  <a:schemeClr val="bg2">
+                    <a:lumMod val="25000"/>
+                  </a:schemeClr>
+                </a:solidFill>
+                <a:latin typeface="微软雅黑" panose="020B0503020204020204" pitchFamily="34" charset="-122"/>
+                <a:ea typeface="微软雅黑" panose="020B0503020204020204" pitchFamily="34" charset="-122"/>
+              </a:rPr>
+              <a:t>思路</a:t>
+            </a:r>
+            <a:endParaRPr lang="zh-CN" altLang="en-US" sz="2400" dirty="0">
+              <a:solidFill>
+                <a:schemeClr val="bg2">
+                  <a:lumMod val="25000"/>
+                </a:schemeClr>
+              </a:solidFill>
+              <a:latin typeface="微软雅黑" panose="020B0503020204020204" pitchFamily="34" charset="-122"/>
+              <a:ea typeface="微软雅黑" panose="020B0503020204020204" pitchFamily="34" charset="-122"/>
+            </a:endParaRPr>
+          </a:p>
+        </p:txBody>
+      </p:sp>
+      <p:sp>
+        <p:nvSpPr>
+          <p:cNvPr id="43" name="文本框 42"/>
+          <p:cNvSpPr txBox="1"/>
+          <p:nvPr>
+            <p:custDataLst>
+              <p:tags r:id="rId19"/>
+            </p:custDataLst>
+          </p:nvPr>
+        </p:nvSpPr>
+        <p:spPr>
+          <a:xfrm>
+            <a:off x="6710218" y="3188010"/>
+            <a:ext cx="2126067" cy="460375"/>
+          </a:xfrm>
+          <a:prstGeom prst="rect">
+            <a:avLst/>
+          </a:prstGeom>
+          <a:noFill/>
+        </p:spPr>
+        <p:txBody>
+          <a:bodyPr wrap="square" rtlCol="0">
+            <a:spAutoFit/>
+          </a:bodyPr>
+          <a:lstStyle/>
+          <a:p>
+            <a:r>
+              <a:rPr lang="zh-CN" altLang="en-US" sz="2400" dirty="0">
+                <a:solidFill>
+                  <a:schemeClr val="bg2">
+                    <a:lumMod val="25000"/>
+                  </a:schemeClr>
+                </a:solidFill>
+                <a:latin typeface="微软雅黑" panose="020B0503020204020204" pitchFamily="34" charset="-122"/>
+                <a:ea typeface="微软雅黑" panose="020B0503020204020204" pitchFamily="34" charset="-122"/>
+              </a:rPr>
+              <a:t>项目</a:t>
+            </a:r>
+            <a:r>
+              <a:rPr lang="zh-CN" altLang="en-US" sz="2400" dirty="0">
+                <a:solidFill>
+                  <a:schemeClr val="bg2">
+                    <a:lumMod val="25000"/>
+                  </a:schemeClr>
+                </a:solidFill>
+                <a:latin typeface="微软雅黑" panose="020B0503020204020204" pitchFamily="34" charset="-122"/>
+                <a:ea typeface="微软雅黑" panose="020B0503020204020204" pitchFamily="34" charset="-122"/>
+              </a:rPr>
+              <a:t>亮点</a:t>
+            </a:r>
+            <a:endParaRPr lang="zh-CN" altLang="en-US" sz="2400" dirty="0">
+              <a:solidFill>
+                <a:schemeClr val="bg2">
+                  <a:lumMod val="25000"/>
+                </a:schemeClr>
+              </a:solidFill>
+              <a:latin typeface="微软雅黑" panose="020B0503020204020204" pitchFamily="34" charset="-122"/>
+              <a:ea typeface="微软雅黑" panose="020B0503020204020204" pitchFamily="34" charset="-122"/>
+            </a:endParaRPr>
+          </a:p>
+        </p:txBody>
+      </p:sp>
+      <p:sp>
+        <p:nvSpPr>
+          <p:cNvPr id="44" name="文本框 43"/>
+          <p:cNvSpPr txBox="1"/>
+          <p:nvPr>
+            <p:custDataLst>
+              <p:tags r:id="rId20"/>
+            </p:custDataLst>
+          </p:nvPr>
+        </p:nvSpPr>
+        <p:spPr>
+          <a:xfrm>
+            <a:off x="6608736" y="4295944"/>
+            <a:ext cx="2126067" cy="460375"/>
+          </a:xfrm>
+          <a:prstGeom prst="rect">
+            <a:avLst/>
+          </a:prstGeom>
+          <a:noFill/>
+        </p:spPr>
+        <p:txBody>
+          <a:bodyPr wrap="square" rtlCol="0">
+            <a:spAutoFit/>
+          </a:bodyPr>
+          <a:lstStyle/>
+          <a:p>
+            <a:r>
+              <a:rPr lang="zh-CN" altLang="en-US" sz="2400" dirty="0">
+                <a:solidFill>
+                  <a:schemeClr val="bg2">
+                    <a:lumMod val="25000"/>
+                  </a:schemeClr>
+                </a:solidFill>
+                <a:latin typeface="微软雅黑" panose="020B0503020204020204" pitchFamily="34" charset="-122"/>
+                <a:ea typeface="微软雅黑" panose="020B0503020204020204" pitchFamily="34" charset="-122"/>
+              </a:rPr>
+              <a:t>项目</a:t>
+            </a:r>
+            <a:r>
+              <a:rPr lang="zh-CN" altLang="en-US" sz="2400" dirty="0">
+                <a:solidFill>
+                  <a:schemeClr val="bg2">
+                    <a:lumMod val="25000"/>
+                  </a:schemeClr>
+                </a:solidFill>
+                <a:latin typeface="微软雅黑" panose="020B0503020204020204" pitchFamily="34" charset="-122"/>
+                <a:ea typeface="微软雅黑" panose="020B0503020204020204" pitchFamily="34" charset="-122"/>
+              </a:rPr>
+              <a:t>难点</a:t>
+            </a:r>
+            <a:endParaRPr lang="zh-CN" altLang="en-US" sz="2400" dirty="0">
+              <a:solidFill>
+                <a:schemeClr val="bg2">
+                  <a:lumMod val="25000"/>
+                </a:schemeClr>
+              </a:solidFill>
+              <a:latin typeface="微软雅黑" panose="020B0503020204020204" pitchFamily="34" charset="-122"/>
+              <a:ea typeface="微软雅黑" panose="020B0503020204020204" pitchFamily="34" charset="-122"/>
+            </a:endParaRPr>
+          </a:p>
+        </p:txBody>
+      </p:sp>
+      <p:pic>
+        <p:nvPicPr>
+          <p:cNvPr id="47" name="图形 46"/>
+          <p:cNvPicPr>
+            <a:picLocks noChangeAspect="1"/>
+          </p:cNvPicPr>
+          <p:nvPr/>
+        </p:nvPicPr>
+        <p:blipFill>
+          <a:blip r:embed="rId21">
+            <a:extLst>
+              <a:ext uri="{28A0092B-C50C-407E-A947-70E740481C1C}">
+                <a14:useLocalDpi xmlns:a14="http://schemas.microsoft.com/office/drawing/2010/main" val="0"/>
+              </a:ext>
+              <a:ext uri="{96DAC541-7B7A-43D3-8B79-37D633B846F1}">
+                <asvg:svgBlip xmlns:asvg="http://schemas.microsoft.com/office/drawing/2016/SVG/main" r:embed="rId22"/>
+              </a:ext>
+            </a:extLst>
+          </a:blip>
+          <a:stretch>
+            <a:fillRect/>
+          </a:stretch>
+        </p:blipFill>
+        <p:spPr>
+          <a:xfrm>
+            <a:off x="1395832" y="2323777"/>
+            <a:ext cx="2197822" cy="2267595"/>
+          </a:xfrm>
+          <a:prstGeom prst="rect">
+            <a:avLst/>
+          </a:prstGeom>
+        </p:spPr>
+      </p:pic>
+      <p:sp>
+        <p:nvSpPr>
+          <p:cNvPr id="39" name="文本框 38"/>
+          <p:cNvSpPr txBox="1"/>
+          <p:nvPr/>
+        </p:nvSpPr>
+        <p:spPr>
+          <a:xfrm>
+            <a:off x="1079850" y="3707176"/>
+            <a:ext cx="2944632" cy="400110"/>
+          </a:xfrm>
+          <a:prstGeom prst="rect">
+            <a:avLst/>
+          </a:prstGeom>
+          <a:noFill/>
+        </p:spPr>
+        <p:txBody>
+          <a:bodyPr wrap="square" rtlCol="0">
+            <a:spAutoFit/>
+          </a:bodyPr>
+          <a:lstStyle/>
+          <a:p>
+            <a:pPr algn="ctr"/>
+            <a:r>
+              <a:rPr lang="en-US" altLang="zh-CN" sz="2000" dirty="0">
+                <a:ln>
+                  <a:solidFill>
+                    <a:schemeClr val="bg1"/>
+                  </a:solidFill>
+                </a:ln>
+                <a:noFill/>
+                <a:latin typeface="Novecento wide Bold" panose="00000805000000000000" pitchFamily="50" charset="0"/>
+                <a:ea typeface="思源黑体 Medium" panose="020B0600000000000000" pitchFamily="34" charset="-122"/>
+              </a:rPr>
+              <a:t>Directory</a:t>
+            </a:r>
+            <a:endParaRPr lang="zh-CN" altLang="en-US" sz="2000" dirty="0">
+              <a:ln>
+                <a:solidFill>
+                  <a:schemeClr val="bg1"/>
+                </a:solidFill>
+              </a:ln>
+              <a:noFill/>
+              <a:latin typeface="Novecento wide Bold" panose="00000805000000000000" pitchFamily="50" charset="0"/>
+              <a:ea typeface="思源黑体 Medium" panose="020B0600000000000000" pitchFamily="34" charset="-122"/>
+            </a:endParaRPr>
+          </a:p>
+        </p:txBody>
+      </p:sp>
+      <p:sp>
+        <p:nvSpPr>
+          <p:cNvPr id="33" name="矩形 32"/>
+          <p:cNvSpPr/>
+          <p:nvPr>
+            <p:custDataLst>
+              <p:tags r:id="rId23"/>
+            </p:custDataLst>
+          </p:nvPr>
+        </p:nvSpPr>
+        <p:spPr>
+          <a:xfrm>
+            <a:off x="6127826" y="5487271"/>
+            <a:ext cx="4226560" cy="410803"/>
+          </a:xfrm>
+          <a:prstGeom prst="rect">
+            <a:avLst/>
+          </a:prstGeom>
+          <a:solidFill>
+            <a:schemeClr val="bg1">
+              <a:lumMod val="85000"/>
+              <a:alpha val="10000"/>
+            </a:schemeClr>
+          </a:solidFill>
+          <a:ln>
+            <a:noFill/>
+          </a:ln>
+        </p:spPr>
+        <p:style>
+          <a:lnRef idx="2">
+            <a:schemeClr val="accent1">
+              <a:shade val="50000"/>
+            </a:schemeClr>
+          </a:lnRef>
+          <a:fillRef idx="1">
+            <a:schemeClr val="accent1"/>
+          </a:fillRef>
+          <a:effectRef idx="0">
+            <a:schemeClr val="accent1"/>
+          </a:effectRef>
+          <a:fontRef idx="minor">
+            <a:schemeClr val="lt1"/>
+          </a:fontRef>
+        </p:style>
+        <p:txBody>
+          <a:bodyPr rtlCol="0" anchor="ctr"/>
+          <a:lstStyle/>
+          <a:p>
+            <a:pPr algn="ctr"/>
+            <a:endParaRPr lang="zh-CN" altLang="en-US"/>
+          </a:p>
+        </p:txBody>
+      </p:sp>
+      <p:grpSp>
+        <p:nvGrpSpPr>
+          <p:cNvPr id="34" name="组合 33"/>
+          <p:cNvGrpSpPr/>
+          <p:nvPr>
+            <p:custDataLst>
+              <p:tags r:id="rId24"/>
+            </p:custDataLst>
+          </p:nvPr>
+        </p:nvGrpSpPr>
+        <p:grpSpPr>
+          <a:xfrm>
+            <a:off x="5292392" y="5417123"/>
+            <a:ext cx="619822" cy="633542"/>
+            <a:chOff x="5305305" y="963962"/>
+            <a:chExt cx="619822" cy="633542"/>
+          </a:xfrm>
+        </p:grpSpPr>
+        <p:sp>
+          <p:nvSpPr>
+            <p:cNvPr id="35" name="椭圆 34"/>
+            <p:cNvSpPr/>
+            <p:nvPr>
+              <p:custDataLst>
+                <p:tags r:id="rId25"/>
+              </p:custDataLst>
+            </p:nvPr>
+          </p:nvSpPr>
+          <p:spPr>
+            <a:xfrm>
+              <a:off x="5305305" y="977682"/>
+              <a:ext cx="619822" cy="619822"/>
+            </a:xfrm>
+            <a:prstGeom prst="ellipse">
+              <a:avLst/>
+            </a:prstGeom>
+            <a:solidFill>
+              <a:srgbClr val="3843B3"/>
+            </a:solidFill>
+            <a:ln w="53975">
+              <a:noFill/>
+            </a:ln>
+          </p:spPr>
+          <p:style>
+            <a:lnRef idx="2">
+              <a:schemeClr val="accent1">
+                <a:shade val="50000"/>
+              </a:schemeClr>
+            </a:lnRef>
+            <a:fillRef idx="1">
+              <a:schemeClr val="accent1"/>
+            </a:fillRef>
+            <a:effectRef idx="0">
+              <a:schemeClr val="accent1"/>
+            </a:effectRef>
+            <a:fontRef idx="minor">
+              <a:schemeClr val="lt1"/>
+            </a:fontRef>
+          </p:style>
+          <p:txBody>
+            <a:bodyPr rtlCol="0" anchor="ctr"/>
+            <a:lstStyle/>
+            <a:p>
+              <a:pPr algn="ctr"/>
+              <a:endParaRPr lang="zh-CN" altLang="en-US" sz="1400" b="1" dirty="0">
+                <a:latin typeface="Montserrat Light" panose="00000400000000000000" pitchFamily="2" charset="0"/>
+              </a:endParaRPr>
+            </a:p>
+          </p:txBody>
+        </p:sp>
+        <p:sp>
+          <p:nvSpPr>
+            <p:cNvPr id="37" name="文本框 36"/>
+            <p:cNvSpPr txBox="1"/>
+            <p:nvPr>
+              <p:custDataLst>
+                <p:tags r:id="rId26"/>
+              </p:custDataLst>
+            </p:nvPr>
+          </p:nvSpPr>
+          <p:spPr>
+            <a:xfrm>
+              <a:off x="5360810" y="963962"/>
+              <a:ext cx="453024" cy="584775"/>
+            </a:xfrm>
+            <a:prstGeom prst="rect">
+              <a:avLst/>
+            </a:prstGeom>
+            <a:noFill/>
+          </p:spPr>
+          <p:txBody>
+            <a:bodyPr wrap="square" rtlCol="0">
+              <a:spAutoFit/>
+            </a:bodyPr>
+            <a:lstStyle/>
+            <a:p>
+              <a:r>
+                <a:rPr lang="en-US" altLang="zh-CN" sz="3200" dirty="0">
+                  <a:solidFill>
+                    <a:schemeClr val="bg1"/>
+                  </a:solidFill>
+                  <a:latin typeface="Novecento wide Bold" panose="00000805000000000000" pitchFamily="50" charset="0"/>
+                </a:rPr>
+                <a:t>5</a:t>
+              </a:r>
+              <a:endParaRPr lang="zh-CN" altLang="en-US" sz="3200" dirty="0">
+                <a:solidFill>
+                  <a:schemeClr val="bg1"/>
+                </a:solidFill>
+                <a:latin typeface="Novecento wide Bold" panose="00000805000000000000" pitchFamily="50" charset="0"/>
+              </a:endParaRPr>
+            </a:p>
+          </p:txBody>
+        </p:sp>
+      </p:grpSp>
+      <p:sp>
+        <p:nvSpPr>
+          <p:cNvPr id="38" name="文本框 37"/>
+          <p:cNvSpPr txBox="1"/>
+          <p:nvPr>
+            <p:custDataLst>
+              <p:tags r:id="rId27"/>
+            </p:custDataLst>
+          </p:nvPr>
+        </p:nvSpPr>
+        <p:spPr>
+          <a:xfrm>
+            <a:off x="6082654" y="5486722"/>
+            <a:ext cx="2126067" cy="460375"/>
+          </a:xfrm>
+          <a:prstGeom prst="rect">
+            <a:avLst/>
+          </a:prstGeom>
+          <a:noFill/>
+        </p:spPr>
+        <p:txBody>
+          <a:bodyPr wrap="square" rtlCol="0">
+            <a:spAutoFit/>
+          </a:bodyPr>
+          <a:lstStyle/>
+          <a:p>
+            <a:r>
+              <a:rPr lang="zh-CN" altLang="en-US" sz="2400" dirty="0">
+                <a:solidFill>
+                  <a:schemeClr val="bg2">
+                    <a:lumMod val="25000"/>
+                  </a:schemeClr>
+                </a:solidFill>
+                <a:latin typeface="微软雅黑" panose="020B0503020204020204" pitchFamily="34" charset="-122"/>
+                <a:ea typeface="微软雅黑" panose="020B0503020204020204" pitchFamily="34" charset="-122"/>
+              </a:rPr>
+              <a:t>心得体会</a:t>
+            </a:r>
+            <a:endParaRPr lang="zh-CN" altLang="en-US" sz="2400" dirty="0">
+              <a:solidFill>
+                <a:schemeClr val="bg2">
+                  <a:lumMod val="25000"/>
+                </a:schemeClr>
+              </a:solidFill>
+              <a:latin typeface="微软雅黑" panose="020B0503020204020204" pitchFamily="34" charset="-122"/>
+              <a:ea typeface="微软雅黑" panose="020B0503020204020204" pitchFamily="34" charset="-122"/>
+            </a:endParaRPr>
+          </a:p>
+        </p:txBody>
+      </p:sp>
+    </p:spTree>
+  </p:cSld>
+  <p:clrMapOvr>
+    <a:masterClrMapping/>
+  </p:clrMapOvr>
+</p:sld>
+</file>
+
+<file path=ppt/slides/slide3.xml><?xml version="1.0" encoding="utf-8"?>
 <p:sld xmlns:a="http://schemas.openxmlformats.org/drawingml/2006/main" xmlns:r="http://schemas.openxmlformats.org/officeDocument/2006/relationships" xmlns:p="http://schemas.openxmlformats.org/presentationml/2006/main">
   <p:cSld>
     <p:spTree>
@@ -7887,7 +8195,7 @@
         <p:spPr>
           <a:xfrm>
             <a:off x="5208513" y="3077373"/>
-            <a:ext cx="6454399" cy="830997"/>
+            <a:ext cx="6454399" cy="829945"/>
           </a:xfrm>
           <a:prstGeom prst="rect">
             <a:avLst/>
@@ -7908,7 +8216,17 @@
                 <a:latin typeface="微软雅黑" panose="020B0503020204020204" pitchFamily="34" charset="-122"/>
                 <a:ea typeface="微软雅黑" panose="020B0503020204020204" pitchFamily="34" charset="-122"/>
               </a:rPr>
-              <a:t>汇报题目</a:t>
+              <a:t>项目</a:t>
+            </a:r>
+            <a:r>
+              <a:rPr lang="zh-CN" altLang="en-US" sz="4800" b="1" dirty="0">
+                <a:solidFill>
+                  <a:schemeClr val="bg1"/>
+                </a:solidFill>
+                <a:latin typeface="微软雅黑" panose="020B0503020204020204" pitchFamily="34" charset="-122"/>
+                <a:ea typeface="微软雅黑" panose="020B0503020204020204" pitchFamily="34" charset="-122"/>
+              </a:rPr>
+              <a:t>简介</a:t>
             </a:r>
             <a:endParaRPr lang="zh-CN" altLang="en-US" sz="4800" b="1" dirty="0">
               <a:solidFill>
@@ -7949,7 +8267,7 @@
                 </a:solidFill>
                 <a:latin typeface="Novecento wide Bold" panose="00000805000000000000" pitchFamily="50" charset="0"/>
               </a:rPr>
-              <a:t>3</a:t>
+              <a:t>1</a:t>
             </a:r>
             <a:endParaRPr lang="zh-CN" altLang="en-US" sz="12800" dirty="0">
               <a:solidFill>
@@ -8001,7 +8319,535 @@
 </p:sld>
 </file>
 
-<file path=ppt/slides/slide8.xml><?xml version="1.0" encoding="utf-8"?>
+<file path=ppt/slides/slide4.xml><?xml version="1.0" encoding="utf-8"?>
+<p:sld xmlns:a="http://schemas.openxmlformats.org/drawingml/2006/main" xmlns:r="http://schemas.openxmlformats.org/officeDocument/2006/relationships" xmlns:p="http://schemas.openxmlformats.org/presentationml/2006/main">
+  <p:cSld>
+    <p:spTree>
+      <p:nvGrpSpPr>
+        <p:cNvPr id="1" name=""/>
+        <p:cNvGrpSpPr/>
+        <p:nvPr/>
+      </p:nvGrpSpPr>
+      <p:grpSpPr>
+        <a:xfrm>
+          <a:off x="0" y="0"/>
+          <a:ext cx="0" cy="0"/>
+          <a:chOff x="0" y="0"/>
+          <a:chExt cx="0" cy="0"/>
+        </a:xfrm>
+      </p:grpSpPr>
+      <p:sp>
+        <p:nvSpPr>
+          <p:cNvPr id="2" name="矩形 1"/>
+          <p:cNvSpPr/>
+          <p:nvPr/>
+        </p:nvSpPr>
+        <p:spPr>
+          <a:xfrm>
+            <a:off x="9942286" y="0"/>
+            <a:ext cx="2249715" cy="6858000"/>
+          </a:xfrm>
+          <a:prstGeom prst="rect">
+            <a:avLst/>
+          </a:prstGeom>
+          <a:solidFill>
+            <a:srgbClr val="3843B3"/>
+          </a:solidFill>
+          <a:ln>
+            <a:noFill/>
+          </a:ln>
+        </p:spPr>
+        <p:style>
+          <a:lnRef idx="2">
+            <a:schemeClr val="accent1">
+              <a:shade val="50000"/>
+            </a:schemeClr>
+          </a:lnRef>
+          <a:fillRef idx="1">
+            <a:schemeClr val="accent1"/>
+          </a:fillRef>
+          <a:effectRef idx="0">
+            <a:schemeClr val="accent1"/>
+          </a:effectRef>
+          <a:fontRef idx="minor">
+            <a:schemeClr val="lt1"/>
+          </a:fontRef>
+        </p:style>
+        <p:txBody>
+          <a:bodyPr rtlCol="0" anchor="ctr"/>
+          <a:lstStyle/>
+          <a:p>
+            <a:pPr algn="ctr"/>
+            <a:endParaRPr lang="zh-CN" altLang="en-US" dirty="0">
+              <a:latin typeface="微软雅黑" panose="020B0503020204020204" pitchFamily="34" charset="-122"/>
+              <a:ea typeface="微软雅黑" panose="020B0503020204020204" pitchFamily="34" charset="-122"/>
+            </a:endParaRPr>
+          </a:p>
+        </p:txBody>
+      </p:sp>
+      <p:sp>
+        <p:nvSpPr>
+          <p:cNvPr id="3" name="文本框 2"/>
+          <p:cNvSpPr txBox="1"/>
+          <p:nvPr/>
+        </p:nvSpPr>
+        <p:spPr>
+          <a:xfrm>
+            <a:off x="1425004" y="509861"/>
+            <a:ext cx="2656459" cy="460375"/>
+          </a:xfrm>
+          <a:prstGeom prst="rect">
+            <a:avLst/>
+          </a:prstGeom>
+          <a:noFill/>
+        </p:spPr>
+        <p:txBody>
+          <a:bodyPr wrap="square" rtlCol="0">
+            <a:spAutoFit/>
+          </a:bodyPr>
+          <a:lstStyle/>
+          <a:p>
+            <a:r>
+              <a:rPr lang="zh-CN" altLang="en-US" sz="2400" b="1" dirty="0">
+                <a:solidFill>
+                  <a:schemeClr val="bg2">
+                    <a:lumMod val="25000"/>
+                  </a:schemeClr>
+                </a:solidFill>
+                <a:latin typeface="微软雅黑" panose="020B0503020204020204" pitchFamily="34" charset="-122"/>
+                <a:ea typeface="微软雅黑" panose="020B0503020204020204" pitchFamily="34" charset="-122"/>
+              </a:rPr>
+              <a:t>项目简介</a:t>
+            </a:r>
+            <a:endParaRPr lang="zh-CN" altLang="en-US" sz="2400" b="1" dirty="0">
+              <a:solidFill>
+                <a:schemeClr val="bg2">
+                  <a:lumMod val="25000"/>
+                </a:schemeClr>
+              </a:solidFill>
+              <a:latin typeface="微软雅黑" panose="020B0503020204020204" pitchFamily="34" charset="-122"/>
+              <a:ea typeface="微软雅黑" panose="020B0503020204020204" pitchFamily="34" charset="-122"/>
+            </a:endParaRPr>
+          </a:p>
+        </p:txBody>
+      </p:sp>
+      <p:pic>
+        <p:nvPicPr>
+          <p:cNvPr id="4" name="图形 3"/>
+          <p:cNvPicPr>
+            <a:picLocks noChangeAspect="1"/>
+          </p:cNvPicPr>
+          <p:nvPr/>
+        </p:nvPicPr>
+        <p:blipFill>
+          <a:blip r:embed="rId1">
+            <a:extLst>
+              <a:ext uri="{28A0092B-C50C-407E-A947-70E740481C1C}">
+                <a14:useLocalDpi xmlns:a14="http://schemas.microsoft.com/office/drawing/2010/main" val="0"/>
+              </a:ext>
+              <a:ext uri="{96DAC541-7B7A-43D3-8B79-37D633B846F1}">
+                <asvg:svgBlip xmlns:asvg="http://schemas.microsoft.com/office/drawing/2016/SVG/main" r:embed="rId2"/>
+              </a:ext>
+            </a:extLst>
+          </a:blip>
+          <a:stretch>
+            <a:fillRect/>
+          </a:stretch>
+        </p:blipFill>
+        <p:spPr>
+          <a:xfrm>
+            <a:off x="10516998" y="420430"/>
+            <a:ext cx="1068278" cy="1102192"/>
+          </a:xfrm>
+          <a:prstGeom prst="rect">
+            <a:avLst/>
+          </a:prstGeom>
+        </p:spPr>
+      </p:pic>
+      <p:sp>
+        <p:nvSpPr>
+          <p:cNvPr id="6" name="椭圆 5"/>
+          <p:cNvSpPr/>
+          <p:nvPr/>
+        </p:nvSpPr>
+        <p:spPr>
+          <a:xfrm>
+            <a:off x="968457" y="577043"/>
+            <a:ext cx="327299" cy="327299"/>
+          </a:xfrm>
+          <a:prstGeom prst="ellipse">
+            <a:avLst/>
+          </a:prstGeom>
+          <a:solidFill>
+            <a:srgbClr val="3843B3"/>
+          </a:solidFill>
+          <a:ln w="53975">
+            <a:noFill/>
+          </a:ln>
+        </p:spPr>
+        <p:style>
+          <a:lnRef idx="2">
+            <a:schemeClr val="accent1">
+              <a:shade val="50000"/>
+            </a:schemeClr>
+          </a:lnRef>
+          <a:fillRef idx="1">
+            <a:schemeClr val="accent1"/>
+          </a:fillRef>
+          <a:effectRef idx="0">
+            <a:schemeClr val="accent1"/>
+          </a:effectRef>
+          <a:fontRef idx="minor">
+            <a:schemeClr val="lt1"/>
+          </a:fontRef>
+        </p:style>
+        <p:txBody>
+          <a:bodyPr rtlCol="0" anchor="ctr"/>
+          <a:lstStyle/>
+          <a:p>
+            <a:pPr algn="ctr"/>
+            <a:endParaRPr lang="zh-CN" altLang="en-US" sz="1400" b="1" dirty="0">
+              <a:latin typeface="微软雅黑" panose="020B0503020204020204" pitchFamily="34" charset="-122"/>
+              <a:ea typeface="微软雅黑" panose="020B0503020204020204" pitchFamily="34" charset="-122"/>
+            </a:endParaRPr>
+          </a:p>
+        </p:txBody>
+      </p:sp>
+      <p:sp>
+        <p:nvSpPr>
+          <p:cNvPr id="8" name="文本框 7"/>
+          <p:cNvSpPr txBox="1"/>
+          <p:nvPr/>
+        </p:nvSpPr>
+        <p:spPr>
+          <a:xfrm>
+            <a:off x="10152185" y="2001483"/>
+            <a:ext cx="1787029" cy="460375"/>
+          </a:xfrm>
+          <a:prstGeom prst="rect">
+            <a:avLst/>
+          </a:prstGeom>
+          <a:noFill/>
+        </p:spPr>
+        <p:txBody>
+          <a:bodyPr wrap="square" rtlCol="0">
+            <a:spAutoFit/>
+          </a:bodyPr>
+          <a:lstStyle/>
+          <a:p>
+            <a:r>
+              <a:rPr lang="zh-CN" altLang="en-US" sz="2400" dirty="0">
+                <a:solidFill>
+                  <a:schemeClr val="bg1"/>
+                </a:solidFill>
+                <a:latin typeface="微软雅黑" panose="020B0503020204020204" pitchFamily="34" charset="-122"/>
+                <a:ea typeface="微软雅黑" panose="020B0503020204020204" pitchFamily="34" charset="-122"/>
+              </a:rPr>
+              <a:t>项目</a:t>
+            </a:r>
+            <a:r>
+              <a:rPr lang="zh-CN" altLang="en-US" sz="2400" dirty="0">
+                <a:solidFill>
+                  <a:schemeClr val="bg1"/>
+                </a:solidFill>
+                <a:latin typeface="微软雅黑" panose="020B0503020204020204" pitchFamily="34" charset="-122"/>
+                <a:ea typeface="微软雅黑" panose="020B0503020204020204" pitchFamily="34" charset="-122"/>
+              </a:rPr>
+              <a:t>简介</a:t>
+            </a:r>
+            <a:endParaRPr lang="zh-CN" altLang="en-US" sz="2400" dirty="0">
+              <a:solidFill>
+                <a:schemeClr val="bg1"/>
+              </a:solidFill>
+              <a:latin typeface="微软雅黑" panose="020B0503020204020204" pitchFamily="34" charset="-122"/>
+              <a:ea typeface="微软雅黑" panose="020B0503020204020204" pitchFamily="34" charset="-122"/>
+            </a:endParaRPr>
+          </a:p>
+        </p:txBody>
+      </p:sp>
+      <p:sp>
+        <p:nvSpPr>
+          <p:cNvPr id="9" name="文本框 8"/>
+          <p:cNvSpPr txBox="1"/>
+          <p:nvPr/>
+        </p:nvSpPr>
+        <p:spPr>
+          <a:xfrm>
+            <a:off x="10152185" y="2582349"/>
+            <a:ext cx="1787029" cy="460375"/>
+          </a:xfrm>
+          <a:prstGeom prst="rect">
+            <a:avLst/>
+          </a:prstGeom>
+          <a:noFill/>
+        </p:spPr>
+        <p:txBody>
+          <a:bodyPr wrap="square" rtlCol="0">
+            <a:spAutoFit/>
+          </a:bodyPr>
+          <a:lstStyle/>
+          <a:p>
+            <a:r>
+              <a:rPr lang="zh-CN" altLang="en-US" sz="2400" dirty="0">
+                <a:solidFill>
+                  <a:schemeClr val="bg1">
+                    <a:lumMod val="65000"/>
+                  </a:schemeClr>
+                </a:solidFill>
+                <a:latin typeface="微软雅黑" panose="020B0503020204020204" pitchFamily="34" charset="-122"/>
+                <a:ea typeface="微软雅黑" panose="020B0503020204020204" pitchFamily="34" charset="-122"/>
+              </a:rPr>
+              <a:t>设计思路</a:t>
+            </a:r>
+            <a:endParaRPr lang="zh-CN" altLang="en-US" sz="2400" dirty="0">
+              <a:solidFill>
+                <a:schemeClr val="bg1">
+                  <a:lumMod val="65000"/>
+                </a:schemeClr>
+              </a:solidFill>
+              <a:latin typeface="微软雅黑" panose="020B0503020204020204" pitchFamily="34" charset="-122"/>
+              <a:ea typeface="微软雅黑" panose="020B0503020204020204" pitchFamily="34" charset="-122"/>
+            </a:endParaRPr>
+          </a:p>
+        </p:txBody>
+      </p:sp>
+      <p:sp>
+        <p:nvSpPr>
+          <p:cNvPr id="10" name="文本框 9"/>
+          <p:cNvSpPr txBox="1"/>
+          <p:nvPr/>
+        </p:nvSpPr>
+        <p:spPr>
+          <a:xfrm>
+            <a:off x="10173628" y="3163215"/>
+            <a:ext cx="1787029" cy="460375"/>
+          </a:xfrm>
+          <a:prstGeom prst="rect">
+            <a:avLst/>
+          </a:prstGeom>
+          <a:noFill/>
+        </p:spPr>
+        <p:txBody>
+          <a:bodyPr wrap="square" rtlCol="0">
+            <a:spAutoFit/>
+          </a:bodyPr>
+          <a:lstStyle/>
+          <a:p>
+            <a:r>
+              <a:rPr lang="zh-CN" altLang="en-US" sz="2400" dirty="0">
+                <a:solidFill>
+                  <a:schemeClr val="bg1">
+                    <a:lumMod val="65000"/>
+                  </a:schemeClr>
+                </a:solidFill>
+                <a:latin typeface="微软雅黑" panose="020B0503020204020204" pitchFamily="34" charset="-122"/>
+                <a:ea typeface="微软雅黑" panose="020B0503020204020204" pitchFamily="34" charset="-122"/>
+              </a:rPr>
+              <a:t>项目</a:t>
+            </a:r>
+            <a:r>
+              <a:rPr lang="zh-CN" altLang="en-US" sz="2400" dirty="0">
+                <a:solidFill>
+                  <a:schemeClr val="bg1">
+                    <a:lumMod val="65000"/>
+                  </a:schemeClr>
+                </a:solidFill>
+                <a:latin typeface="微软雅黑" panose="020B0503020204020204" pitchFamily="34" charset="-122"/>
+                <a:ea typeface="微软雅黑" panose="020B0503020204020204" pitchFamily="34" charset="-122"/>
+              </a:rPr>
+              <a:t>亮点</a:t>
+            </a:r>
+            <a:endParaRPr lang="zh-CN" altLang="en-US" sz="2400" dirty="0">
+              <a:solidFill>
+                <a:schemeClr val="bg1">
+                  <a:lumMod val="65000"/>
+                </a:schemeClr>
+              </a:solidFill>
+              <a:latin typeface="微软雅黑" panose="020B0503020204020204" pitchFamily="34" charset="-122"/>
+              <a:ea typeface="微软雅黑" panose="020B0503020204020204" pitchFamily="34" charset="-122"/>
+            </a:endParaRPr>
+          </a:p>
+        </p:txBody>
+      </p:sp>
+      <p:sp>
+        <p:nvSpPr>
+          <p:cNvPr id="11" name="文本框 10"/>
+          <p:cNvSpPr txBox="1"/>
+          <p:nvPr/>
+        </p:nvSpPr>
+        <p:spPr>
+          <a:xfrm>
+            <a:off x="10173628" y="3744081"/>
+            <a:ext cx="1787029" cy="460375"/>
+          </a:xfrm>
+          <a:prstGeom prst="rect">
+            <a:avLst/>
+          </a:prstGeom>
+          <a:noFill/>
+        </p:spPr>
+        <p:txBody>
+          <a:bodyPr wrap="square" rtlCol="0">
+            <a:spAutoFit/>
+          </a:bodyPr>
+          <a:lstStyle/>
+          <a:p>
+            <a:r>
+              <a:rPr lang="zh-CN" altLang="en-US" sz="2400" dirty="0">
+                <a:solidFill>
+                  <a:schemeClr val="bg1">
+                    <a:lumMod val="65000"/>
+                  </a:schemeClr>
+                </a:solidFill>
+                <a:latin typeface="微软雅黑" panose="020B0503020204020204" pitchFamily="34" charset="-122"/>
+                <a:ea typeface="微软雅黑" panose="020B0503020204020204" pitchFamily="34" charset="-122"/>
+              </a:rPr>
+              <a:t>项目</a:t>
+            </a:r>
+            <a:r>
+              <a:rPr lang="zh-CN" altLang="en-US" sz="2400" dirty="0">
+                <a:solidFill>
+                  <a:schemeClr val="bg1">
+                    <a:lumMod val="65000"/>
+                  </a:schemeClr>
+                </a:solidFill>
+                <a:latin typeface="微软雅黑" panose="020B0503020204020204" pitchFamily="34" charset="-122"/>
+                <a:ea typeface="微软雅黑" panose="020B0503020204020204" pitchFamily="34" charset="-122"/>
+              </a:rPr>
+              <a:t>难点</a:t>
+            </a:r>
+            <a:endParaRPr lang="zh-CN" altLang="en-US" sz="2400" dirty="0">
+              <a:solidFill>
+                <a:schemeClr val="bg1">
+                  <a:lumMod val="65000"/>
+                </a:schemeClr>
+              </a:solidFill>
+              <a:latin typeface="微软雅黑" panose="020B0503020204020204" pitchFamily="34" charset="-122"/>
+              <a:ea typeface="微软雅黑" panose="020B0503020204020204" pitchFamily="34" charset="-122"/>
+            </a:endParaRPr>
+          </a:p>
+        </p:txBody>
+      </p:sp>
+      <p:sp>
+        <p:nvSpPr>
+          <p:cNvPr id="12" name="文本框 11"/>
+          <p:cNvSpPr txBox="1"/>
+          <p:nvPr/>
+        </p:nvSpPr>
+        <p:spPr>
+          <a:xfrm>
+            <a:off x="10173628" y="4324947"/>
+            <a:ext cx="1787029" cy="460375"/>
+          </a:xfrm>
+          <a:prstGeom prst="rect">
+            <a:avLst/>
+          </a:prstGeom>
+          <a:noFill/>
+        </p:spPr>
+        <p:txBody>
+          <a:bodyPr wrap="square" rtlCol="0">
+            <a:spAutoFit/>
+          </a:bodyPr>
+          <a:lstStyle/>
+          <a:p>
+            <a:r>
+              <a:rPr lang="zh-CN" altLang="en-US" sz="2400" dirty="0">
+                <a:solidFill>
+                  <a:schemeClr val="bg1">
+                    <a:lumMod val="65000"/>
+                  </a:schemeClr>
+                </a:solidFill>
+                <a:latin typeface="微软雅黑" panose="020B0503020204020204" pitchFamily="34" charset="-122"/>
+                <a:ea typeface="微软雅黑" panose="020B0503020204020204" pitchFamily="34" charset="-122"/>
+              </a:rPr>
+              <a:t>心得体会</a:t>
+            </a:r>
+            <a:endParaRPr lang="zh-CN" altLang="en-US" sz="2400" dirty="0">
+              <a:solidFill>
+                <a:schemeClr val="bg1">
+                  <a:lumMod val="65000"/>
+                </a:schemeClr>
+              </a:solidFill>
+              <a:latin typeface="微软雅黑" panose="020B0503020204020204" pitchFamily="34" charset="-122"/>
+              <a:ea typeface="微软雅黑" panose="020B0503020204020204" pitchFamily="34" charset="-122"/>
+            </a:endParaRPr>
+          </a:p>
+        </p:txBody>
+      </p:sp>
+      <p:sp>
+        <p:nvSpPr>
+          <p:cNvPr id="5" name="文本框 4"/>
+          <p:cNvSpPr txBox="1"/>
+          <p:nvPr/>
+        </p:nvSpPr>
+        <p:spPr>
+          <a:xfrm>
+            <a:off x="3769995" y="970280"/>
+            <a:ext cx="4064000" cy="583565"/>
+          </a:xfrm>
+          <a:prstGeom prst="rect">
+            <a:avLst/>
+          </a:prstGeom>
+          <a:noFill/>
+        </p:spPr>
+        <p:txBody>
+          <a:bodyPr wrap="square" rtlCol="0">
+            <a:spAutoFit/>
+          </a:bodyPr>
+          <a:p>
+            <a:r>
+              <a:rPr lang="zh-CN" altLang="en-US" sz="3200">
+                <a:latin typeface="微软雅黑" panose="020B0503020204020204" pitchFamily="34" charset="-122"/>
+                <a:ea typeface="微软雅黑" panose="020B0503020204020204" pitchFamily="34" charset="-122"/>
+              </a:rPr>
+              <a:t>资金管理</a:t>
+            </a:r>
+            <a:r>
+              <a:rPr lang="zh-CN" altLang="en-US" sz="3200">
+                <a:latin typeface="微软雅黑" panose="020B0503020204020204" pitchFamily="34" charset="-122"/>
+                <a:ea typeface="微软雅黑" panose="020B0503020204020204" pitchFamily="34" charset="-122"/>
+              </a:rPr>
+              <a:t>系统</a:t>
+            </a:r>
+            <a:endParaRPr lang="zh-CN" altLang="en-US" sz="3200">
+              <a:latin typeface="微软雅黑" panose="020B0503020204020204" pitchFamily="34" charset="-122"/>
+              <a:ea typeface="微软雅黑" panose="020B0503020204020204" pitchFamily="34" charset="-122"/>
+            </a:endParaRPr>
+          </a:p>
+        </p:txBody>
+      </p:sp>
+      <p:pic>
+        <p:nvPicPr>
+          <p:cNvPr id="14" name="图片 13"/>
+          <p:cNvPicPr>
+            <a:picLocks noChangeAspect="1"/>
+          </p:cNvPicPr>
+          <p:nvPr/>
+        </p:nvPicPr>
+        <p:blipFill>
+          <a:blip r:embed="rId3"/>
+          <a:stretch>
+            <a:fillRect/>
+          </a:stretch>
+        </p:blipFill>
+        <p:spPr>
+          <a:xfrm>
+            <a:off x="648335" y="1703705"/>
+            <a:ext cx="8435975" cy="4208780"/>
+          </a:xfrm>
+          <a:prstGeom prst="rect">
+            <a:avLst/>
+          </a:prstGeom>
+        </p:spPr>
+      </p:pic>
+    </p:spTree>
+  </p:cSld>
+  <p:clrMapOvr>
+    <a:masterClrMapping/>
+  </p:clrMapOvr>
+</p:sld>
+</file>
+
+<file path=ppt/slides/slide5.xml><?xml version="1.0" encoding="utf-8"?>
 <p:sld xmlns:a="http://schemas.openxmlformats.org/drawingml/2006/main" xmlns:r="http://schemas.openxmlformats.org/officeDocument/2006/relationships" xmlns:p="http://schemas.openxmlformats.org/presentationml/2006/main">
   <p:cSld>
     <p:spTree>
@@ -8338,7 +9184,7 @@
         <p:spPr>
           <a:xfrm>
             <a:off x="5208513" y="3077373"/>
-            <a:ext cx="6454399" cy="830997"/>
+            <a:ext cx="6454399" cy="829945"/>
           </a:xfrm>
           <a:prstGeom prst="rect">
             <a:avLst/>
@@ -8359,7 +9205,17 @@
                 <a:latin typeface="微软雅黑" panose="020B0503020204020204" pitchFamily="34" charset="-122"/>
                 <a:ea typeface="微软雅黑" panose="020B0503020204020204" pitchFamily="34" charset="-122"/>
               </a:rPr>
-              <a:t>汇报题目</a:t>
+              <a:t>设计</a:t>
+            </a:r>
+            <a:r>
+              <a:rPr lang="zh-CN" altLang="en-US" sz="4800" b="1" dirty="0">
+                <a:solidFill>
+                  <a:schemeClr val="bg1"/>
+                </a:solidFill>
+                <a:latin typeface="微软雅黑" panose="020B0503020204020204" pitchFamily="34" charset="-122"/>
+                <a:ea typeface="微软雅黑" panose="020B0503020204020204" pitchFamily="34" charset="-122"/>
+              </a:rPr>
+              <a:t>思路</a:t>
             </a:r>
             <a:endParaRPr lang="zh-CN" altLang="en-US" sz="4800" b="1" dirty="0">
               <a:solidFill>
@@ -8379,7 +9235,7 @@
         </p:nvSpPr>
         <p:spPr>
           <a:xfrm>
-            <a:off x="3090035" y="2243292"/>
+            <a:off x="3201861" y="2243292"/>
             <a:ext cx="1225759" cy="2062103"/>
           </a:xfrm>
           <a:prstGeom prst="rect">
@@ -8400,7 +9256,7 @@
                 </a:solidFill>
                 <a:latin typeface="Novecento wide Bold" panose="00000805000000000000" pitchFamily="50" charset="0"/>
               </a:rPr>
-              <a:t>4</a:t>
+              <a:t>2</a:t>
             </a:r>
             <a:endParaRPr lang="zh-CN" altLang="en-US" sz="12800" dirty="0">
               <a:solidFill>
@@ -8452,7 +9308,676 @@
 </p:sld>
 </file>
 
-<file path=ppt/slides/slide9.xml><?xml version="1.0" encoding="utf-8"?>
+<file path=ppt/slides/slide6.xml><?xml version="1.0" encoding="utf-8"?>
+<p:sld xmlns:a="http://schemas.openxmlformats.org/drawingml/2006/main" xmlns:r="http://schemas.openxmlformats.org/officeDocument/2006/relationships" xmlns:p="http://schemas.openxmlformats.org/presentationml/2006/main">
+  <p:cSld>
+    <p:spTree>
+      <p:nvGrpSpPr>
+        <p:cNvPr id="1" name=""/>
+        <p:cNvGrpSpPr/>
+        <p:nvPr/>
+      </p:nvGrpSpPr>
+      <p:grpSpPr>
+        <a:xfrm>
+          <a:off x="0" y="0"/>
+          <a:ext cx="0" cy="0"/>
+          <a:chOff x="0" y="0"/>
+          <a:chExt cx="0" cy="0"/>
+        </a:xfrm>
+      </p:grpSpPr>
+      <p:sp>
+        <p:nvSpPr>
+          <p:cNvPr id="2" name="矩形 1"/>
+          <p:cNvSpPr/>
+          <p:nvPr/>
+        </p:nvSpPr>
+        <p:spPr>
+          <a:xfrm>
+            <a:off x="9942286" y="0"/>
+            <a:ext cx="2249715" cy="6858000"/>
+          </a:xfrm>
+          <a:prstGeom prst="rect">
+            <a:avLst/>
+          </a:prstGeom>
+          <a:solidFill>
+            <a:srgbClr val="3843B3"/>
+          </a:solidFill>
+          <a:ln>
+            <a:noFill/>
+          </a:ln>
+        </p:spPr>
+        <p:style>
+          <a:lnRef idx="2">
+            <a:schemeClr val="accent1">
+              <a:shade val="50000"/>
+            </a:schemeClr>
+          </a:lnRef>
+          <a:fillRef idx="1">
+            <a:schemeClr val="accent1"/>
+          </a:fillRef>
+          <a:effectRef idx="0">
+            <a:schemeClr val="accent1"/>
+          </a:effectRef>
+          <a:fontRef idx="minor">
+            <a:schemeClr val="lt1"/>
+          </a:fontRef>
+        </p:style>
+        <p:txBody>
+          <a:bodyPr rtlCol="0" anchor="ctr"/>
+          <a:lstStyle/>
+          <a:p>
+            <a:pPr algn="ctr"/>
+            <a:endParaRPr lang="zh-CN" altLang="en-US" dirty="0">
+              <a:latin typeface="微软雅黑" panose="020B0503020204020204" pitchFamily="34" charset="-122"/>
+              <a:ea typeface="微软雅黑" panose="020B0503020204020204" pitchFamily="34" charset="-122"/>
+            </a:endParaRPr>
+          </a:p>
+        </p:txBody>
+      </p:sp>
+      <p:sp>
+        <p:nvSpPr>
+          <p:cNvPr id="3" name="文本框 2"/>
+          <p:cNvSpPr txBox="1"/>
+          <p:nvPr/>
+        </p:nvSpPr>
+        <p:spPr>
+          <a:xfrm>
+            <a:off x="1425004" y="509861"/>
+            <a:ext cx="2656459" cy="460375"/>
+          </a:xfrm>
+          <a:prstGeom prst="rect">
+            <a:avLst/>
+          </a:prstGeom>
+          <a:noFill/>
+        </p:spPr>
+        <p:txBody>
+          <a:bodyPr wrap="square" rtlCol="0">
+            <a:spAutoFit/>
+          </a:bodyPr>
+          <a:lstStyle/>
+          <a:p>
+            <a:r>
+              <a:rPr lang="zh-CN" altLang="en-US" sz="2400" b="1" dirty="0">
+                <a:solidFill>
+                  <a:schemeClr val="bg2">
+                    <a:lumMod val="25000"/>
+                  </a:schemeClr>
+                </a:solidFill>
+                <a:latin typeface="微软雅黑" panose="020B0503020204020204" pitchFamily="34" charset="-122"/>
+                <a:ea typeface="微软雅黑" panose="020B0503020204020204" pitchFamily="34" charset="-122"/>
+              </a:rPr>
+              <a:t>设计</a:t>
+            </a:r>
+            <a:r>
+              <a:rPr lang="zh-CN" altLang="en-US" sz="2400" b="1" dirty="0">
+                <a:solidFill>
+                  <a:schemeClr val="bg2">
+                    <a:lumMod val="25000"/>
+                  </a:schemeClr>
+                </a:solidFill>
+                <a:latin typeface="微软雅黑" panose="020B0503020204020204" pitchFamily="34" charset="-122"/>
+                <a:ea typeface="微软雅黑" panose="020B0503020204020204" pitchFamily="34" charset="-122"/>
+              </a:rPr>
+              <a:t>思路</a:t>
+            </a:r>
+            <a:endParaRPr lang="zh-CN" altLang="en-US" sz="2400" b="1" dirty="0">
+              <a:solidFill>
+                <a:schemeClr val="bg2">
+                  <a:lumMod val="25000"/>
+                </a:schemeClr>
+              </a:solidFill>
+              <a:latin typeface="微软雅黑" panose="020B0503020204020204" pitchFamily="34" charset="-122"/>
+              <a:ea typeface="微软雅黑" panose="020B0503020204020204" pitchFamily="34" charset="-122"/>
+            </a:endParaRPr>
+          </a:p>
+        </p:txBody>
+      </p:sp>
+      <p:pic>
+        <p:nvPicPr>
+          <p:cNvPr id="4" name="图形 3"/>
+          <p:cNvPicPr>
+            <a:picLocks noChangeAspect="1"/>
+          </p:cNvPicPr>
+          <p:nvPr/>
+        </p:nvPicPr>
+        <p:blipFill>
+          <a:blip r:embed="rId1">
+            <a:extLst>
+              <a:ext uri="{28A0092B-C50C-407E-A947-70E740481C1C}">
+                <a14:useLocalDpi xmlns:a14="http://schemas.microsoft.com/office/drawing/2010/main" val="0"/>
+              </a:ext>
+              <a:ext uri="{96DAC541-7B7A-43D3-8B79-37D633B846F1}">
+                <asvg:svgBlip xmlns:asvg="http://schemas.microsoft.com/office/drawing/2016/SVG/main" r:embed="rId2"/>
+              </a:ext>
+            </a:extLst>
+          </a:blip>
+          <a:stretch>
+            <a:fillRect/>
+          </a:stretch>
+        </p:blipFill>
+        <p:spPr>
+          <a:xfrm>
+            <a:off x="10516998" y="420430"/>
+            <a:ext cx="1068278" cy="1102192"/>
+          </a:xfrm>
+          <a:prstGeom prst="rect">
+            <a:avLst/>
+          </a:prstGeom>
+        </p:spPr>
+      </p:pic>
+      <p:sp>
+        <p:nvSpPr>
+          <p:cNvPr id="6" name="椭圆 5"/>
+          <p:cNvSpPr/>
+          <p:nvPr/>
+        </p:nvSpPr>
+        <p:spPr>
+          <a:xfrm>
+            <a:off x="968457" y="577043"/>
+            <a:ext cx="327299" cy="327299"/>
+          </a:xfrm>
+          <a:prstGeom prst="ellipse">
+            <a:avLst/>
+          </a:prstGeom>
+          <a:solidFill>
+            <a:srgbClr val="3843B3"/>
+          </a:solidFill>
+          <a:ln w="53975">
+            <a:noFill/>
+          </a:ln>
+        </p:spPr>
+        <p:style>
+          <a:lnRef idx="2">
+            <a:schemeClr val="accent1">
+              <a:shade val="50000"/>
+            </a:schemeClr>
+          </a:lnRef>
+          <a:fillRef idx="1">
+            <a:schemeClr val="accent1"/>
+          </a:fillRef>
+          <a:effectRef idx="0">
+            <a:schemeClr val="accent1"/>
+          </a:effectRef>
+          <a:fontRef idx="minor">
+            <a:schemeClr val="lt1"/>
+          </a:fontRef>
+        </p:style>
+        <p:txBody>
+          <a:bodyPr rtlCol="0" anchor="ctr"/>
+          <a:lstStyle/>
+          <a:p>
+            <a:pPr algn="ctr"/>
+            <a:endParaRPr lang="zh-CN" altLang="en-US" sz="1400" b="1" dirty="0">
+              <a:latin typeface="微软雅黑" panose="020B0503020204020204" pitchFamily="34" charset="-122"/>
+              <a:ea typeface="微软雅黑" panose="020B0503020204020204" pitchFamily="34" charset="-122"/>
+            </a:endParaRPr>
+          </a:p>
+        </p:txBody>
+      </p:sp>
+      <p:sp>
+        <p:nvSpPr>
+          <p:cNvPr id="8" name="文本框 7"/>
+          <p:cNvSpPr txBox="1"/>
+          <p:nvPr/>
+        </p:nvSpPr>
+        <p:spPr>
+          <a:xfrm>
+            <a:off x="10152185" y="2001483"/>
+            <a:ext cx="1787029" cy="460375"/>
+          </a:xfrm>
+          <a:prstGeom prst="rect">
+            <a:avLst/>
+          </a:prstGeom>
+          <a:noFill/>
+        </p:spPr>
+        <p:txBody>
+          <a:bodyPr wrap="square" rtlCol="0">
+            <a:spAutoFit/>
+          </a:bodyPr>
+          <a:lstStyle/>
+          <a:p>
+            <a:r>
+              <a:rPr lang="zh-CN" altLang="en-US" sz="2400" dirty="0">
+                <a:solidFill>
+                  <a:schemeClr val="bg1">
+                    <a:lumMod val="65000"/>
+                  </a:schemeClr>
+                </a:solidFill>
+                <a:latin typeface="微软雅黑" panose="020B0503020204020204" pitchFamily="34" charset="-122"/>
+                <a:ea typeface="微软雅黑" panose="020B0503020204020204" pitchFamily="34" charset="-122"/>
+              </a:rPr>
+              <a:t>项目简介</a:t>
+            </a:r>
+            <a:endParaRPr lang="zh-CN" altLang="en-US" sz="2400" dirty="0">
+              <a:solidFill>
+                <a:schemeClr val="bg1">
+                  <a:lumMod val="65000"/>
+                </a:schemeClr>
+              </a:solidFill>
+              <a:latin typeface="微软雅黑" panose="020B0503020204020204" pitchFamily="34" charset="-122"/>
+              <a:ea typeface="微软雅黑" panose="020B0503020204020204" pitchFamily="34" charset="-122"/>
+            </a:endParaRPr>
+          </a:p>
+        </p:txBody>
+      </p:sp>
+      <p:sp>
+        <p:nvSpPr>
+          <p:cNvPr id="9" name="文本框 8"/>
+          <p:cNvSpPr txBox="1"/>
+          <p:nvPr/>
+        </p:nvSpPr>
+        <p:spPr>
+          <a:xfrm>
+            <a:off x="10152185" y="2582349"/>
+            <a:ext cx="1787029" cy="460375"/>
+          </a:xfrm>
+          <a:prstGeom prst="rect">
+            <a:avLst/>
+          </a:prstGeom>
+          <a:noFill/>
+        </p:spPr>
+        <p:txBody>
+          <a:bodyPr wrap="square" rtlCol="0">
+            <a:spAutoFit/>
+          </a:bodyPr>
+          <a:lstStyle/>
+          <a:p>
+            <a:r>
+              <a:rPr lang="zh-CN" altLang="en-US" sz="2400" dirty="0">
+                <a:solidFill>
+                  <a:schemeClr val="bg1"/>
+                </a:solidFill>
+                <a:latin typeface="微软雅黑" panose="020B0503020204020204" pitchFamily="34" charset="-122"/>
+                <a:ea typeface="微软雅黑" panose="020B0503020204020204" pitchFamily="34" charset="-122"/>
+              </a:rPr>
+              <a:t>设计思路</a:t>
+            </a:r>
+            <a:endParaRPr lang="zh-CN" altLang="en-US" sz="2400" dirty="0">
+              <a:solidFill>
+                <a:schemeClr val="bg1"/>
+              </a:solidFill>
+              <a:latin typeface="微软雅黑" panose="020B0503020204020204" pitchFamily="34" charset="-122"/>
+              <a:ea typeface="微软雅黑" panose="020B0503020204020204" pitchFamily="34" charset="-122"/>
+            </a:endParaRPr>
+          </a:p>
+        </p:txBody>
+      </p:sp>
+      <p:sp>
+        <p:nvSpPr>
+          <p:cNvPr id="10" name="文本框 9"/>
+          <p:cNvSpPr txBox="1"/>
+          <p:nvPr/>
+        </p:nvSpPr>
+        <p:spPr>
+          <a:xfrm>
+            <a:off x="10173628" y="3163215"/>
+            <a:ext cx="1787029" cy="460375"/>
+          </a:xfrm>
+          <a:prstGeom prst="rect">
+            <a:avLst/>
+          </a:prstGeom>
+          <a:noFill/>
+        </p:spPr>
+        <p:txBody>
+          <a:bodyPr wrap="square" rtlCol="0">
+            <a:spAutoFit/>
+          </a:bodyPr>
+          <a:lstStyle/>
+          <a:p>
+            <a:r>
+              <a:rPr lang="zh-CN" altLang="en-US" sz="2400" dirty="0">
+                <a:solidFill>
+                  <a:schemeClr val="bg1">
+                    <a:lumMod val="65000"/>
+                  </a:schemeClr>
+                </a:solidFill>
+                <a:latin typeface="微软雅黑" panose="020B0503020204020204" pitchFamily="34" charset="-122"/>
+                <a:ea typeface="微软雅黑" panose="020B0503020204020204" pitchFamily="34" charset="-122"/>
+              </a:rPr>
+              <a:t>项目</a:t>
+            </a:r>
+            <a:r>
+              <a:rPr lang="zh-CN" altLang="en-US" sz="2400" dirty="0">
+                <a:solidFill>
+                  <a:schemeClr val="bg1">
+                    <a:lumMod val="65000"/>
+                  </a:schemeClr>
+                </a:solidFill>
+                <a:latin typeface="微软雅黑" panose="020B0503020204020204" pitchFamily="34" charset="-122"/>
+                <a:ea typeface="微软雅黑" panose="020B0503020204020204" pitchFamily="34" charset="-122"/>
+              </a:rPr>
+              <a:t>亮点</a:t>
+            </a:r>
+            <a:endParaRPr lang="zh-CN" altLang="en-US" sz="2400" dirty="0">
+              <a:solidFill>
+                <a:schemeClr val="bg1">
+                  <a:lumMod val="65000"/>
+                </a:schemeClr>
+              </a:solidFill>
+              <a:latin typeface="微软雅黑" panose="020B0503020204020204" pitchFamily="34" charset="-122"/>
+              <a:ea typeface="微软雅黑" panose="020B0503020204020204" pitchFamily="34" charset="-122"/>
+            </a:endParaRPr>
+          </a:p>
+        </p:txBody>
+      </p:sp>
+      <p:sp>
+        <p:nvSpPr>
+          <p:cNvPr id="11" name="文本框 10"/>
+          <p:cNvSpPr txBox="1"/>
+          <p:nvPr/>
+        </p:nvSpPr>
+        <p:spPr>
+          <a:xfrm>
+            <a:off x="10173628" y="3744081"/>
+            <a:ext cx="1787029" cy="460375"/>
+          </a:xfrm>
+          <a:prstGeom prst="rect">
+            <a:avLst/>
+          </a:prstGeom>
+          <a:noFill/>
+        </p:spPr>
+        <p:txBody>
+          <a:bodyPr wrap="square" rtlCol="0">
+            <a:spAutoFit/>
+          </a:bodyPr>
+          <a:lstStyle/>
+          <a:p>
+            <a:r>
+              <a:rPr lang="zh-CN" altLang="en-US" sz="2400" dirty="0">
+                <a:solidFill>
+                  <a:schemeClr val="bg1">
+                    <a:lumMod val="65000"/>
+                  </a:schemeClr>
+                </a:solidFill>
+                <a:latin typeface="微软雅黑" panose="020B0503020204020204" pitchFamily="34" charset="-122"/>
+                <a:ea typeface="微软雅黑" panose="020B0503020204020204" pitchFamily="34" charset="-122"/>
+              </a:rPr>
+              <a:t>项目</a:t>
+            </a:r>
+            <a:r>
+              <a:rPr lang="zh-CN" altLang="en-US" sz="2400" dirty="0">
+                <a:solidFill>
+                  <a:schemeClr val="bg1">
+                    <a:lumMod val="65000"/>
+                  </a:schemeClr>
+                </a:solidFill>
+                <a:latin typeface="微软雅黑" panose="020B0503020204020204" pitchFamily="34" charset="-122"/>
+                <a:ea typeface="微软雅黑" panose="020B0503020204020204" pitchFamily="34" charset="-122"/>
+              </a:rPr>
+              <a:t>难点</a:t>
+            </a:r>
+            <a:endParaRPr lang="zh-CN" altLang="en-US" sz="2400" dirty="0">
+              <a:solidFill>
+                <a:schemeClr val="bg1">
+                  <a:lumMod val="65000"/>
+                </a:schemeClr>
+              </a:solidFill>
+              <a:latin typeface="微软雅黑" panose="020B0503020204020204" pitchFamily="34" charset="-122"/>
+              <a:ea typeface="微软雅黑" panose="020B0503020204020204" pitchFamily="34" charset="-122"/>
+            </a:endParaRPr>
+          </a:p>
+        </p:txBody>
+      </p:sp>
+      <p:sp>
+        <p:nvSpPr>
+          <p:cNvPr id="12" name="文本框 11"/>
+          <p:cNvSpPr txBox="1"/>
+          <p:nvPr/>
+        </p:nvSpPr>
+        <p:spPr>
+          <a:xfrm>
+            <a:off x="10173628" y="4324947"/>
+            <a:ext cx="1787029" cy="460375"/>
+          </a:xfrm>
+          <a:prstGeom prst="rect">
+            <a:avLst/>
+          </a:prstGeom>
+          <a:noFill/>
+        </p:spPr>
+        <p:txBody>
+          <a:bodyPr wrap="square" rtlCol="0">
+            <a:spAutoFit/>
+          </a:bodyPr>
+          <a:lstStyle/>
+          <a:p>
+            <a:r>
+              <a:rPr lang="zh-CN" altLang="en-US" sz="2400" dirty="0">
+                <a:solidFill>
+                  <a:schemeClr val="bg1">
+                    <a:lumMod val="65000"/>
+                  </a:schemeClr>
+                </a:solidFill>
+                <a:latin typeface="微软雅黑" panose="020B0503020204020204" pitchFamily="34" charset="-122"/>
+                <a:ea typeface="微软雅黑" panose="020B0503020204020204" pitchFamily="34" charset="-122"/>
+              </a:rPr>
+              <a:t>心得体会</a:t>
+            </a:r>
+            <a:endParaRPr lang="zh-CN" altLang="en-US" sz="2400" dirty="0">
+              <a:solidFill>
+                <a:schemeClr val="bg1">
+                  <a:lumMod val="65000"/>
+                </a:schemeClr>
+              </a:solidFill>
+              <a:latin typeface="微软雅黑" panose="020B0503020204020204" pitchFamily="34" charset="-122"/>
+              <a:ea typeface="微软雅黑" panose="020B0503020204020204" pitchFamily="34" charset="-122"/>
+            </a:endParaRPr>
+          </a:p>
+        </p:txBody>
+      </p:sp>
+      <p:sp>
+        <p:nvSpPr>
+          <p:cNvPr id="5" name="文本框 4"/>
+          <p:cNvSpPr txBox="1"/>
+          <p:nvPr/>
+        </p:nvSpPr>
+        <p:spPr>
+          <a:xfrm>
+            <a:off x="968375" y="1339850"/>
+            <a:ext cx="4064000" cy="368300"/>
+          </a:xfrm>
+          <a:prstGeom prst="rect">
+            <a:avLst/>
+          </a:prstGeom>
+          <a:noFill/>
+        </p:spPr>
+        <p:txBody>
+          <a:bodyPr wrap="square" rtlCol="0">
+            <a:spAutoFit/>
+          </a:bodyPr>
+          <a:p>
+            <a:r>
+              <a:rPr lang="zh-CN" altLang="en-US"/>
+              <a:t>分为三个模块，个人，群组，</a:t>
+            </a:r>
+            <a:r>
+              <a:rPr lang="zh-CN" altLang="en-US"/>
+              <a:t>资金</a:t>
+            </a:r>
+            <a:endParaRPr lang="zh-CN" altLang="en-US"/>
+          </a:p>
+        </p:txBody>
+      </p:sp>
+      <p:graphicFrame>
+        <p:nvGraphicFramePr>
+          <p:cNvPr id="13" name="对象 12">
+            <a:hlinkClick r:id="rId3" action="ppaction://hlinkfile"/>
+          </p:cNvPr>
+          <p:cNvGraphicFramePr>
+            <a:graphicFrameLocks noChangeAspect="1"/>
+          </p:cNvGraphicFramePr>
+          <p:nvPr/>
+        </p:nvGraphicFramePr>
+        <p:xfrm>
+          <a:off x="6080125" y="3242310"/>
+          <a:ext cx="1651000" cy="1360170"/>
+        </p:xfrm>
+        <a:graphic>
+          <a:graphicData uri="http://schemas.openxmlformats.org/presentationml/2006/ole">
+            <mc:AlternateContent xmlns:mc="http://schemas.openxmlformats.org/markup-compatibility/2006">
+              <mc:Choice xmlns:v="urn:schemas-microsoft-com:vml" Requires="v">
+                <p:oleObj spid="_x0000_s1026" name="" showAsIcon="1" r:id="rId4" imgW="971550" imgH="800100" progId="Package">
+                  <p:embed/>
+                </p:oleObj>
+              </mc:Choice>
+              <mc:Fallback>
+                <p:oleObj name="" showAsIcon="1" r:id="rId4" imgW="971550" imgH="800100" progId="Package">
+                  <p:embed/>
+                  <p:pic>
+                    <p:nvPicPr>
+                      <p:cNvPr id="0" name="图片 1025"/>
+                      <p:cNvPicPr/>
+                      <p:nvPr/>
+                    </p:nvPicPr>
+                    <p:blipFill>
+                      <a:blip r:embed="rId5"/>
+                      <a:stretch>
+                        <a:fillRect/>
+                      </a:stretch>
+                    </p:blipFill>
+                    <p:spPr>
+                      <a:xfrm>
+                        <a:off x="6080125" y="3242310"/>
+                        <a:ext cx="1651000" cy="1360170"/>
+                      </a:xfrm>
+                      <a:prstGeom prst="rect">
+                        <a:avLst/>
+                      </a:prstGeom>
+                    </p:spPr>
+                  </p:pic>
+                </p:oleObj>
+              </mc:Fallback>
+            </mc:AlternateContent>
+          </a:graphicData>
+        </a:graphic>
+      </p:graphicFrame>
+      <p:sp>
+        <p:nvSpPr>
+          <p:cNvPr id="14" name="文本框 13"/>
+          <p:cNvSpPr txBox="1"/>
+          <p:nvPr/>
+        </p:nvSpPr>
+        <p:spPr>
+          <a:xfrm>
+            <a:off x="1519555" y="2537460"/>
+            <a:ext cx="4064000" cy="368300"/>
+          </a:xfrm>
+          <a:prstGeom prst="rect">
+            <a:avLst/>
+          </a:prstGeom>
+          <a:noFill/>
+        </p:spPr>
+        <p:txBody>
+          <a:bodyPr wrap="square" rtlCol="0">
+            <a:spAutoFit/>
+          </a:bodyPr>
+          <a:p>
+            <a:r>
+              <a:rPr lang="zh-CN" altLang="en-US"/>
+              <a:t>功能</a:t>
+            </a:r>
+            <a:r>
+              <a:rPr lang="zh-CN" altLang="en-US"/>
+              <a:t>设计</a:t>
+            </a:r>
+            <a:endParaRPr lang="zh-CN" altLang="en-US"/>
+          </a:p>
+        </p:txBody>
+      </p:sp>
+      <p:sp>
+        <p:nvSpPr>
+          <p:cNvPr id="15" name="文本框 14"/>
+          <p:cNvSpPr txBox="1"/>
+          <p:nvPr/>
+        </p:nvSpPr>
+        <p:spPr>
+          <a:xfrm>
+            <a:off x="6241415" y="2719070"/>
+            <a:ext cx="4064000" cy="368300"/>
+          </a:xfrm>
+          <a:prstGeom prst="rect">
+            <a:avLst/>
+          </a:prstGeom>
+          <a:noFill/>
+        </p:spPr>
+        <p:txBody>
+          <a:bodyPr wrap="square" rtlCol="0">
+            <a:spAutoFit/>
+          </a:bodyPr>
+          <a:p>
+            <a:r>
+              <a:rPr lang="zh-CN" altLang="en-US"/>
+              <a:t>表</a:t>
+            </a:r>
+            <a:r>
+              <a:rPr lang="zh-CN" altLang="en-US"/>
+              <a:t>设计</a:t>
+            </a:r>
+            <a:endParaRPr lang="zh-CN" altLang="en-US"/>
+          </a:p>
+        </p:txBody>
+      </p:sp>
+      <p:graphicFrame>
+        <p:nvGraphicFramePr>
+          <p:cNvPr id="16" name="对象 15">
+            <a:hlinkClick r:id="" action="ppaction://ole?verb="/>
+          </p:cNvPr>
+          <p:cNvGraphicFramePr>
+            <a:graphicFrameLocks noChangeAspect="1"/>
+          </p:cNvGraphicFramePr>
+          <p:nvPr/>
+        </p:nvGraphicFramePr>
+        <p:xfrm>
+          <a:off x="1519555" y="3162935"/>
+          <a:ext cx="1383665" cy="1139825"/>
+        </p:xfrm>
+        <a:graphic>
+          <a:graphicData uri="http://schemas.openxmlformats.org/presentationml/2006/ole">
+            <mc:AlternateContent xmlns:mc="http://schemas.openxmlformats.org/markup-compatibility/2006">
+              <mc:Choice xmlns:v="urn:schemas-microsoft-com:vml" Requires="v">
+                <p:oleObj spid="_x0000_s1027" name="" showAsIcon="1" r:id="rId6" imgW="971550" imgH="800100" progId="Package">
+                  <p:embed/>
+                </p:oleObj>
+              </mc:Choice>
+              <mc:Fallback>
+                <p:oleObj name="" showAsIcon="1" r:id="rId6" imgW="971550" imgH="800100" progId="Package">
+                  <p:embed/>
+                  <p:pic>
+                    <p:nvPicPr>
+                      <p:cNvPr id="0" name="图片 1026"/>
+                      <p:cNvPicPr/>
+                      <p:nvPr/>
+                    </p:nvPicPr>
+                    <p:blipFill>
+                      <a:blip r:embed="rId7"/>
+                      <a:stretch>
+                        <a:fillRect/>
+                      </a:stretch>
+                    </p:blipFill>
+                    <p:spPr>
+                      <a:xfrm>
+                        <a:off x="1519555" y="3162935"/>
+                        <a:ext cx="1383665" cy="1139825"/>
+                      </a:xfrm>
+                      <a:prstGeom prst="rect">
+                        <a:avLst/>
+                      </a:prstGeom>
+                    </p:spPr>
+                  </p:pic>
+                </p:oleObj>
+              </mc:Fallback>
+            </mc:AlternateContent>
+          </a:graphicData>
+        </a:graphic>
+      </p:graphicFrame>
+    </p:spTree>
+  </p:cSld>
+  <p:clrMapOvr>
+    <a:masterClrMapping/>
+  </p:clrMapOvr>
+</p:sld>
+</file>
+
+<file path=ppt/slides/slide7.xml><?xml version="1.0" encoding="utf-8"?>
 <p:sld xmlns:a="http://schemas.openxmlformats.org/drawingml/2006/main" xmlns:r="http://schemas.openxmlformats.org/officeDocument/2006/relationships" xmlns:p="http://schemas.openxmlformats.org/presentationml/2006/main">
   <p:cSld>
     <p:spTree>
@@ -8789,7 +10314,7 @@
         <p:spPr>
           <a:xfrm>
             <a:off x="5208513" y="3077373"/>
-            <a:ext cx="6454399" cy="830997"/>
+            <a:ext cx="6454399" cy="829945"/>
           </a:xfrm>
           <a:prstGeom prst="rect">
             <a:avLst/>
@@ -8810,7 +10335,17 @@
                 <a:latin typeface="微软雅黑" panose="020B0503020204020204" pitchFamily="34" charset="-122"/>
                 <a:ea typeface="微软雅黑" panose="020B0503020204020204" pitchFamily="34" charset="-122"/>
               </a:rPr>
-              <a:t>汇报题目</a:t>
+              <a:t>项目</a:t>
+            </a:r>
+            <a:r>
+              <a:rPr lang="zh-CN" altLang="en-US" sz="4800" b="1" dirty="0">
+                <a:solidFill>
+                  <a:schemeClr val="bg1"/>
+                </a:solidFill>
+                <a:latin typeface="微软雅黑" panose="020B0503020204020204" pitchFamily="34" charset="-122"/>
+                <a:ea typeface="微软雅黑" panose="020B0503020204020204" pitchFamily="34" charset="-122"/>
+              </a:rPr>
+              <a:t>亮点</a:t>
             </a:r>
             <a:endParaRPr lang="zh-CN" altLang="en-US" sz="4800" b="1" dirty="0">
               <a:solidFill>
@@ -8851,7 +10386,7 @@
                 </a:solidFill>
                 <a:latin typeface="Novecento wide Bold" panose="00000805000000000000" pitchFamily="50" charset="0"/>
               </a:rPr>
-              <a:t>5</a:t>
+              <a:t>3</a:t>
             </a:r>
             <a:endParaRPr lang="zh-CN" altLang="en-US" sz="12800" dirty="0">
               <a:solidFill>
@@ -8903,9 +10438,1378 @@
 </p:sld>
 </file>
 
+<file path=ppt/slides/slide8.xml><?xml version="1.0" encoding="utf-8"?>
+<p:sld xmlns:a="http://schemas.openxmlformats.org/drawingml/2006/main" xmlns:r="http://schemas.openxmlformats.org/officeDocument/2006/relationships" xmlns:p="http://schemas.openxmlformats.org/presentationml/2006/main">
+  <p:cSld>
+    <p:spTree>
+      <p:nvGrpSpPr>
+        <p:cNvPr id="1" name=""/>
+        <p:cNvGrpSpPr/>
+        <p:nvPr/>
+      </p:nvGrpSpPr>
+      <p:grpSpPr>
+        <a:xfrm>
+          <a:off x="0" y="0"/>
+          <a:ext cx="0" cy="0"/>
+          <a:chOff x="0" y="0"/>
+          <a:chExt cx="0" cy="0"/>
+        </a:xfrm>
+      </p:grpSpPr>
+      <p:sp>
+        <p:nvSpPr>
+          <p:cNvPr id="2" name="矩形 1"/>
+          <p:cNvSpPr/>
+          <p:nvPr/>
+        </p:nvSpPr>
+        <p:spPr>
+          <a:xfrm>
+            <a:off x="9942286" y="0"/>
+            <a:ext cx="2249715" cy="6858000"/>
+          </a:xfrm>
+          <a:prstGeom prst="rect">
+            <a:avLst/>
+          </a:prstGeom>
+          <a:solidFill>
+            <a:srgbClr val="3843B3"/>
+          </a:solidFill>
+          <a:ln>
+            <a:noFill/>
+          </a:ln>
+        </p:spPr>
+        <p:style>
+          <a:lnRef idx="2">
+            <a:schemeClr val="accent1">
+              <a:shade val="50000"/>
+            </a:schemeClr>
+          </a:lnRef>
+          <a:fillRef idx="1">
+            <a:schemeClr val="accent1"/>
+          </a:fillRef>
+          <a:effectRef idx="0">
+            <a:schemeClr val="accent1"/>
+          </a:effectRef>
+          <a:fontRef idx="minor">
+            <a:schemeClr val="lt1"/>
+          </a:fontRef>
+        </p:style>
+        <p:txBody>
+          <a:bodyPr rtlCol="0" anchor="ctr"/>
+          <a:lstStyle/>
+          <a:p>
+            <a:pPr algn="ctr"/>
+            <a:endParaRPr lang="zh-CN" altLang="en-US" dirty="0">
+              <a:latin typeface="微软雅黑" panose="020B0503020204020204" pitchFamily="34" charset="-122"/>
+              <a:ea typeface="微软雅黑" panose="020B0503020204020204" pitchFamily="34" charset="-122"/>
+            </a:endParaRPr>
+          </a:p>
+        </p:txBody>
+      </p:sp>
+      <p:sp>
+        <p:nvSpPr>
+          <p:cNvPr id="3" name="文本框 2"/>
+          <p:cNvSpPr txBox="1"/>
+          <p:nvPr/>
+        </p:nvSpPr>
+        <p:spPr>
+          <a:xfrm>
+            <a:off x="1425004" y="509861"/>
+            <a:ext cx="2656459" cy="460375"/>
+          </a:xfrm>
+          <a:prstGeom prst="rect">
+            <a:avLst/>
+          </a:prstGeom>
+          <a:noFill/>
+        </p:spPr>
+        <p:txBody>
+          <a:bodyPr wrap="square" rtlCol="0">
+            <a:spAutoFit/>
+          </a:bodyPr>
+          <a:lstStyle/>
+          <a:p>
+            <a:r>
+              <a:rPr lang="zh-CN" altLang="en-US" sz="2400" b="1" dirty="0">
+                <a:solidFill>
+                  <a:schemeClr val="bg2">
+                    <a:lumMod val="25000"/>
+                  </a:schemeClr>
+                </a:solidFill>
+                <a:latin typeface="微软雅黑" panose="020B0503020204020204" pitchFamily="34" charset="-122"/>
+                <a:ea typeface="微软雅黑" panose="020B0503020204020204" pitchFamily="34" charset="-122"/>
+              </a:rPr>
+              <a:t>项目</a:t>
+            </a:r>
+            <a:r>
+              <a:rPr lang="zh-CN" altLang="en-US" sz="2400" b="1" dirty="0">
+                <a:solidFill>
+                  <a:schemeClr val="bg2">
+                    <a:lumMod val="25000"/>
+                  </a:schemeClr>
+                </a:solidFill>
+                <a:latin typeface="微软雅黑" panose="020B0503020204020204" pitchFamily="34" charset="-122"/>
+                <a:ea typeface="微软雅黑" panose="020B0503020204020204" pitchFamily="34" charset="-122"/>
+              </a:rPr>
+              <a:t>亮点</a:t>
+            </a:r>
+            <a:endParaRPr lang="zh-CN" altLang="en-US" sz="2400" b="1" dirty="0">
+              <a:solidFill>
+                <a:schemeClr val="bg2">
+                  <a:lumMod val="25000"/>
+                </a:schemeClr>
+              </a:solidFill>
+              <a:latin typeface="微软雅黑" panose="020B0503020204020204" pitchFamily="34" charset="-122"/>
+              <a:ea typeface="微软雅黑" panose="020B0503020204020204" pitchFamily="34" charset="-122"/>
+            </a:endParaRPr>
+          </a:p>
+        </p:txBody>
+      </p:sp>
+      <p:pic>
+        <p:nvPicPr>
+          <p:cNvPr id="4" name="图形 3"/>
+          <p:cNvPicPr>
+            <a:picLocks noChangeAspect="1"/>
+          </p:cNvPicPr>
+          <p:nvPr/>
+        </p:nvPicPr>
+        <p:blipFill>
+          <a:blip r:embed="rId1">
+            <a:extLst>
+              <a:ext uri="{28A0092B-C50C-407E-A947-70E740481C1C}">
+                <a14:useLocalDpi xmlns:a14="http://schemas.microsoft.com/office/drawing/2010/main" val="0"/>
+              </a:ext>
+              <a:ext uri="{96DAC541-7B7A-43D3-8B79-37D633B846F1}">
+                <asvg:svgBlip xmlns:asvg="http://schemas.microsoft.com/office/drawing/2016/SVG/main" r:embed="rId2"/>
+              </a:ext>
+            </a:extLst>
+          </a:blip>
+          <a:stretch>
+            <a:fillRect/>
+          </a:stretch>
+        </p:blipFill>
+        <p:spPr>
+          <a:xfrm>
+            <a:off x="10516998" y="420430"/>
+            <a:ext cx="1068278" cy="1102192"/>
+          </a:xfrm>
+          <a:prstGeom prst="rect">
+            <a:avLst/>
+          </a:prstGeom>
+        </p:spPr>
+      </p:pic>
+      <p:sp>
+        <p:nvSpPr>
+          <p:cNvPr id="6" name="椭圆 5"/>
+          <p:cNvSpPr/>
+          <p:nvPr/>
+        </p:nvSpPr>
+        <p:spPr>
+          <a:xfrm>
+            <a:off x="968457" y="577043"/>
+            <a:ext cx="327299" cy="327299"/>
+          </a:xfrm>
+          <a:prstGeom prst="ellipse">
+            <a:avLst/>
+          </a:prstGeom>
+          <a:solidFill>
+            <a:srgbClr val="3843B3"/>
+          </a:solidFill>
+          <a:ln w="53975">
+            <a:noFill/>
+          </a:ln>
+        </p:spPr>
+        <p:style>
+          <a:lnRef idx="2">
+            <a:schemeClr val="accent1">
+              <a:shade val="50000"/>
+            </a:schemeClr>
+          </a:lnRef>
+          <a:fillRef idx="1">
+            <a:schemeClr val="accent1"/>
+          </a:fillRef>
+          <a:effectRef idx="0">
+            <a:schemeClr val="accent1"/>
+          </a:effectRef>
+          <a:fontRef idx="minor">
+            <a:schemeClr val="lt1"/>
+          </a:fontRef>
+        </p:style>
+        <p:txBody>
+          <a:bodyPr rtlCol="0" anchor="ctr"/>
+          <a:lstStyle/>
+          <a:p>
+            <a:pPr algn="ctr"/>
+            <a:endParaRPr lang="zh-CN" altLang="en-US" sz="1400" b="1" dirty="0">
+              <a:latin typeface="微软雅黑" panose="020B0503020204020204" pitchFamily="34" charset="-122"/>
+              <a:ea typeface="微软雅黑" panose="020B0503020204020204" pitchFamily="34" charset="-122"/>
+            </a:endParaRPr>
+          </a:p>
+        </p:txBody>
+      </p:sp>
+      <p:sp>
+        <p:nvSpPr>
+          <p:cNvPr id="8" name="文本框 7"/>
+          <p:cNvSpPr txBox="1"/>
+          <p:nvPr/>
+        </p:nvSpPr>
+        <p:spPr>
+          <a:xfrm>
+            <a:off x="10152185" y="2001483"/>
+            <a:ext cx="1787029" cy="460375"/>
+          </a:xfrm>
+          <a:prstGeom prst="rect">
+            <a:avLst/>
+          </a:prstGeom>
+          <a:noFill/>
+        </p:spPr>
+        <p:txBody>
+          <a:bodyPr wrap="square" rtlCol="0">
+            <a:spAutoFit/>
+          </a:bodyPr>
+          <a:lstStyle/>
+          <a:p>
+            <a:r>
+              <a:rPr lang="zh-CN" altLang="en-US" sz="2400" dirty="0">
+                <a:solidFill>
+                  <a:schemeClr val="bg1">
+                    <a:lumMod val="65000"/>
+                  </a:schemeClr>
+                </a:solidFill>
+                <a:latin typeface="微软雅黑" panose="020B0503020204020204" pitchFamily="34" charset="-122"/>
+                <a:ea typeface="微软雅黑" panose="020B0503020204020204" pitchFamily="34" charset="-122"/>
+              </a:rPr>
+              <a:t>项目简介</a:t>
+            </a:r>
+            <a:endParaRPr lang="zh-CN" altLang="en-US" sz="2400" dirty="0">
+              <a:solidFill>
+                <a:schemeClr val="bg1">
+                  <a:lumMod val="65000"/>
+                </a:schemeClr>
+              </a:solidFill>
+              <a:latin typeface="微软雅黑" panose="020B0503020204020204" pitchFamily="34" charset="-122"/>
+              <a:ea typeface="微软雅黑" panose="020B0503020204020204" pitchFamily="34" charset="-122"/>
+            </a:endParaRPr>
+          </a:p>
+        </p:txBody>
+      </p:sp>
+      <p:sp>
+        <p:nvSpPr>
+          <p:cNvPr id="9" name="文本框 8"/>
+          <p:cNvSpPr txBox="1"/>
+          <p:nvPr/>
+        </p:nvSpPr>
+        <p:spPr>
+          <a:xfrm>
+            <a:off x="10152185" y="2582349"/>
+            <a:ext cx="1787029" cy="460375"/>
+          </a:xfrm>
+          <a:prstGeom prst="rect">
+            <a:avLst/>
+          </a:prstGeom>
+          <a:noFill/>
+        </p:spPr>
+        <p:txBody>
+          <a:bodyPr wrap="square" rtlCol="0">
+            <a:spAutoFit/>
+          </a:bodyPr>
+          <a:lstStyle/>
+          <a:p>
+            <a:r>
+              <a:rPr lang="zh-CN" altLang="en-US" sz="2400" dirty="0">
+                <a:solidFill>
+                  <a:schemeClr val="bg1">
+                    <a:lumMod val="65000"/>
+                  </a:schemeClr>
+                </a:solidFill>
+                <a:latin typeface="微软雅黑" panose="020B0503020204020204" pitchFamily="34" charset="-122"/>
+                <a:ea typeface="微软雅黑" panose="020B0503020204020204" pitchFamily="34" charset="-122"/>
+              </a:rPr>
+              <a:t>设计思路</a:t>
+            </a:r>
+            <a:endParaRPr lang="zh-CN" altLang="en-US" sz="2400" dirty="0">
+              <a:solidFill>
+                <a:schemeClr val="bg1">
+                  <a:lumMod val="65000"/>
+                </a:schemeClr>
+              </a:solidFill>
+              <a:latin typeface="微软雅黑" panose="020B0503020204020204" pitchFamily="34" charset="-122"/>
+              <a:ea typeface="微软雅黑" panose="020B0503020204020204" pitchFamily="34" charset="-122"/>
+            </a:endParaRPr>
+          </a:p>
+        </p:txBody>
+      </p:sp>
+      <p:sp>
+        <p:nvSpPr>
+          <p:cNvPr id="10" name="文本框 9"/>
+          <p:cNvSpPr txBox="1"/>
+          <p:nvPr/>
+        </p:nvSpPr>
+        <p:spPr>
+          <a:xfrm>
+            <a:off x="10173628" y="3163215"/>
+            <a:ext cx="1787029" cy="460375"/>
+          </a:xfrm>
+          <a:prstGeom prst="rect">
+            <a:avLst/>
+          </a:prstGeom>
+          <a:noFill/>
+        </p:spPr>
+        <p:txBody>
+          <a:bodyPr wrap="square" rtlCol="0">
+            <a:spAutoFit/>
+          </a:bodyPr>
+          <a:lstStyle/>
+          <a:p>
+            <a:r>
+              <a:rPr lang="zh-CN" altLang="en-US" sz="2400" dirty="0">
+                <a:solidFill>
+                  <a:schemeClr val="bg1"/>
+                </a:solidFill>
+                <a:latin typeface="微软雅黑" panose="020B0503020204020204" pitchFamily="34" charset="-122"/>
+                <a:ea typeface="微软雅黑" panose="020B0503020204020204" pitchFamily="34" charset="-122"/>
+              </a:rPr>
+              <a:t>项目亮点</a:t>
+            </a:r>
+            <a:endParaRPr lang="zh-CN" altLang="en-US" sz="2400" dirty="0">
+              <a:solidFill>
+                <a:schemeClr val="bg1"/>
+              </a:solidFill>
+              <a:latin typeface="微软雅黑" panose="020B0503020204020204" pitchFamily="34" charset="-122"/>
+              <a:ea typeface="微软雅黑" panose="020B0503020204020204" pitchFamily="34" charset="-122"/>
+            </a:endParaRPr>
+          </a:p>
+        </p:txBody>
+      </p:sp>
+      <p:sp>
+        <p:nvSpPr>
+          <p:cNvPr id="11" name="文本框 10"/>
+          <p:cNvSpPr txBox="1"/>
+          <p:nvPr/>
+        </p:nvSpPr>
+        <p:spPr>
+          <a:xfrm>
+            <a:off x="10173628" y="3744081"/>
+            <a:ext cx="1787029" cy="460375"/>
+          </a:xfrm>
+          <a:prstGeom prst="rect">
+            <a:avLst/>
+          </a:prstGeom>
+          <a:noFill/>
+        </p:spPr>
+        <p:txBody>
+          <a:bodyPr wrap="square" rtlCol="0">
+            <a:spAutoFit/>
+          </a:bodyPr>
+          <a:lstStyle/>
+          <a:p>
+            <a:r>
+              <a:rPr lang="zh-CN" altLang="en-US" sz="2400" dirty="0">
+                <a:solidFill>
+                  <a:schemeClr val="bg1">
+                    <a:lumMod val="65000"/>
+                  </a:schemeClr>
+                </a:solidFill>
+                <a:latin typeface="微软雅黑" panose="020B0503020204020204" pitchFamily="34" charset="-122"/>
+                <a:ea typeface="微软雅黑" panose="020B0503020204020204" pitchFamily="34" charset="-122"/>
+              </a:rPr>
+              <a:t>项目</a:t>
+            </a:r>
+            <a:r>
+              <a:rPr lang="zh-CN" altLang="en-US" sz="2400" dirty="0">
+                <a:solidFill>
+                  <a:schemeClr val="bg1">
+                    <a:lumMod val="65000"/>
+                  </a:schemeClr>
+                </a:solidFill>
+                <a:latin typeface="微软雅黑" panose="020B0503020204020204" pitchFamily="34" charset="-122"/>
+                <a:ea typeface="微软雅黑" panose="020B0503020204020204" pitchFamily="34" charset="-122"/>
+              </a:rPr>
+              <a:t>难点</a:t>
+            </a:r>
+            <a:endParaRPr lang="zh-CN" altLang="en-US" sz="2400" dirty="0">
+              <a:solidFill>
+                <a:schemeClr val="bg1">
+                  <a:lumMod val="65000"/>
+                </a:schemeClr>
+              </a:solidFill>
+              <a:latin typeface="微软雅黑" panose="020B0503020204020204" pitchFamily="34" charset="-122"/>
+              <a:ea typeface="微软雅黑" panose="020B0503020204020204" pitchFamily="34" charset="-122"/>
+            </a:endParaRPr>
+          </a:p>
+        </p:txBody>
+      </p:sp>
+      <p:sp>
+        <p:nvSpPr>
+          <p:cNvPr id="12" name="文本框 11"/>
+          <p:cNvSpPr txBox="1"/>
+          <p:nvPr/>
+        </p:nvSpPr>
+        <p:spPr>
+          <a:xfrm>
+            <a:off x="10173628" y="4324947"/>
+            <a:ext cx="1787029" cy="460375"/>
+          </a:xfrm>
+          <a:prstGeom prst="rect">
+            <a:avLst/>
+          </a:prstGeom>
+          <a:noFill/>
+        </p:spPr>
+        <p:txBody>
+          <a:bodyPr wrap="square" rtlCol="0">
+            <a:spAutoFit/>
+          </a:bodyPr>
+          <a:lstStyle/>
+          <a:p>
+            <a:r>
+              <a:rPr lang="zh-CN" altLang="en-US" sz="2400" dirty="0">
+                <a:solidFill>
+                  <a:schemeClr val="bg1">
+                    <a:lumMod val="65000"/>
+                  </a:schemeClr>
+                </a:solidFill>
+                <a:latin typeface="微软雅黑" panose="020B0503020204020204" pitchFamily="34" charset="-122"/>
+                <a:ea typeface="微软雅黑" panose="020B0503020204020204" pitchFamily="34" charset="-122"/>
+              </a:rPr>
+              <a:t>心得体会</a:t>
+            </a:r>
+            <a:endParaRPr lang="zh-CN" altLang="en-US" sz="2400" dirty="0">
+              <a:solidFill>
+                <a:schemeClr val="bg1">
+                  <a:lumMod val="65000"/>
+                </a:schemeClr>
+              </a:solidFill>
+              <a:latin typeface="微软雅黑" panose="020B0503020204020204" pitchFamily="34" charset="-122"/>
+              <a:ea typeface="微软雅黑" panose="020B0503020204020204" pitchFamily="34" charset="-122"/>
+            </a:endParaRPr>
+          </a:p>
+        </p:txBody>
+      </p:sp>
+      <p:sp>
+        <p:nvSpPr>
+          <p:cNvPr id="5" name="文本框 4"/>
+          <p:cNvSpPr txBox="1"/>
+          <p:nvPr/>
+        </p:nvSpPr>
+        <p:spPr>
+          <a:xfrm>
+            <a:off x="1424940" y="1263650"/>
+            <a:ext cx="4064000" cy="368300"/>
+          </a:xfrm>
+          <a:prstGeom prst="rect">
+            <a:avLst/>
+          </a:prstGeom>
+          <a:noFill/>
+        </p:spPr>
+        <p:txBody>
+          <a:bodyPr wrap="square" rtlCol="0">
+            <a:spAutoFit/>
+          </a:bodyPr>
+          <a:p>
+            <a:r>
+              <a:rPr lang="zh-CN" altLang="en-US"/>
+              <a:t>使用数据库</a:t>
+            </a:r>
+            <a:r>
+              <a:rPr lang="zh-CN" altLang="en-US"/>
+              <a:t>连接池</a:t>
+            </a:r>
+            <a:endParaRPr lang="zh-CN" altLang="en-US"/>
+          </a:p>
+        </p:txBody>
+      </p:sp>
+      <p:sp>
+        <p:nvSpPr>
+          <p:cNvPr id="7" name="文本框 6"/>
+          <p:cNvSpPr txBox="1"/>
+          <p:nvPr/>
+        </p:nvSpPr>
+        <p:spPr>
+          <a:xfrm>
+            <a:off x="1083310" y="1816735"/>
+            <a:ext cx="5605780" cy="645160"/>
+          </a:xfrm>
+          <a:prstGeom prst="rect">
+            <a:avLst/>
+          </a:prstGeom>
+          <a:noFill/>
+        </p:spPr>
+        <p:txBody>
+          <a:bodyPr wrap="square" rtlCol="0">
+            <a:spAutoFit/>
+          </a:bodyPr>
+          <a:p>
+            <a:r>
+              <a:rPr lang="zh-CN" altLang="en-US"/>
+              <a:t>通过复用数据库连接，</a:t>
+            </a:r>
+            <a:r>
+              <a:rPr lang="zh-CN" altLang="en-US"/>
+              <a:t>避免了资源频繁创建销毁，提高了资源利用率和数据库</a:t>
+            </a:r>
+            <a:r>
+              <a:rPr lang="zh-CN" altLang="en-US"/>
+              <a:t>交互性能</a:t>
+            </a:r>
+            <a:endParaRPr lang="zh-CN" altLang="en-US"/>
+          </a:p>
+        </p:txBody>
+      </p:sp>
+      <p:grpSp>
+        <p:nvGrpSpPr>
+          <p:cNvPr id="17" name="组合 16"/>
+          <p:cNvGrpSpPr/>
+          <p:nvPr/>
+        </p:nvGrpSpPr>
+        <p:grpSpPr>
+          <a:xfrm>
+            <a:off x="1083310" y="4113530"/>
+            <a:ext cx="5720080" cy="1131570"/>
+            <a:chOff x="1706" y="6478"/>
+            <a:chExt cx="9008" cy="1782"/>
+          </a:xfrm>
+        </p:grpSpPr>
+        <p:sp>
+          <p:nvSpPr>
+            <p:cNvPr id="14" name="文本框 13"/>
+            <p:cNvSpPr txBox="1"/>
+            <p:nvPr/>
+          </p:nvSpPr>
+          <p:spPr>
+            <a:xfrm>
+              <a:off x="1895" y="6478"/>
+              <a:ext cx="6400" cy="580"/>
+            </a:xfrm>
+            <a:prstGeom prst="rect">
+              <a:avLst/>
+            </a:prstGeom>
+            <a:noFill/>
+          </p:spPr>
+          <p:txBody>
+            <a:bodyPr wrap="square" rtlCol="0">
+              <a:spAutoFit/>
+            </a:bodyPr>
+            <a:p>
+              <a:r>
+                <a:rPr lang="zh-CN" altLang="en-US"/>
+                <a:t>单例模式</a:t>
+              </a:r>
+              <a:endParaRPr lang="zh-CN" altLang="en-US"/>
+            </a:p>
+          </p:txBody>
+        </p:sp>
+        <p:sp>
+          <p:nvSpPr>
+            <p:cNvPr id="15" name="文本框 14"/>
+            <p:cNvSpPr txBox="1"/>
+            <p:nvPr/>
+          </p:nvSpPr>
+          <p:spPr>
+            <a:xfrm>
+              <a:off x="1706" y="7244"/>
+              <a:ext cx="9009" cy="1016"/>
+            </a:xfrm>
+            <a:prstGeom prst="rect">
+              <a:avLst/>
+            </a:prstGeom>
+            <a:noFill/>
+          </p:spPr>
+          <p:txBody>
+            <a:bodyPr wrap="square" rtlCol="0">
+              <a:spAutoFit/>
+            </a:bodyPr>
+            <a:p>
+              <a:r>
+                <a:rPr lang="zh-CN" altLang="en-US"/>
+                <a:t>为</a:t>
+              </a:r>
+              <a:r>
+                <a:rPr lang="en-US" altLang="zh-CN"/>
+                <a:t>service</a:t>
+              </a:r>
+              <a:r>
+                <a:rPr lang="zh-CN" altLang="en-US"/>
+                <a:t>类和</a:t>
+              </a:r>
+              <a:r>
+                <a:rPr lang="en-US" altLang="zh-CN"/>
+                <a:t>dao</a:t>
+              </a:r>
+              <a:r>
+                <a:rPr lang="zh-CN" altLang="en-US"/>
+                <a:t>类创建了唯一实例以及全局访问点，提高了资源利用率</a:t>
+              </a:r>
+              <a:endParaRPr lang="zh-CN" altLang="en-US"/>
+            </a:p>
+          </p:txBody>
+        </p:sp>
+      </p:grpSp>
+    </p:spTree>
+  </p:cSld>
+  <p:clrMapOvr>
+    <a:masterClrMapping/>
+  </p:clrMapOvr>
+</p:sld>
+</file>
+
+<file path=ppt/slides/slide9.xml><?xml version="1.0" encoding="utf-8"?>
+<p:sld xmlns:a="http://schemas.openxmlformats.org/drawingml/2006/main" xmlns:r="http://schemas.openxmlformats.org/officeDocument/2006/relationships" xmlns:p="http://schemas.openxmlformats.org/presentationml/2006/main">
+  <p:cSld>
+    <p:spTree>
+      <p:nvGrpSpPr>
+        <p:cNvPr id="1" name=""/>
+        <p:cNvGrpSpPr/>
+        <p:nvPr/>
+      </p:nvGrpSpPr>
+      <p:grpSpPr>
+        <a:xfrm>
+          <a:off x="0" y="0"/>
+          <a:ext cx="0" cy="0"/>
+          <a:chOff x="0" y="0"/>
+          <a:chExt cx="0" cy="0"/>
+        </a:xfrm>
+      </p:grpSpPr>
+      <p:sp>
+        <p:nvSpPr>
+          <p:cNvPr id="2" name="矩形 1"/>
+          <p:cNvSpPr/>
+          <p:nvPr/>
+        </p:nvSpPr>
+        <p:spPr>
+          <a:xfrm>
+            <a:off x="9942286" y="0"/>
+            <a:ext cx="2249715" cy="6858000"/>
+          </a:xfrm>
+          <a:prstGeom prst="rect">
+            <a:avLst/>
+          </a:prstGeom>
+          <a:solidFill>
+            <a:srgbClr val="3843B3"/>
+          </a:solidFill>
+          <a:ln>
+            <a:noFill/>
+          </a:ln>
+        </p:spPr>
+        <p:style>
+          <a:lnRef idx="2">
+            <a:schemeClr val="accent1">
+              <a:shade val="50000"/>
+            </a:schemeClr>
+          </a:lnRef>
+          <a:fillRef idx="1">
+            <a:schemeClr val="accent1"/>
+          </a:fillRef>
+          <a:effectRef idx="0">
+            <a:schemeClr val="accent1"/>
+          </a:effectRef>
+          <a:fontRef idx="minor">
+            <a:schemeClr val="lt1"/>
+          </a:fontRef>
+        </p:style>
+        <p:txBody>
+          <a:bodyPr rtlCol="0" anchor="ctr"/>
+          <a:lstStyle/>
+          <a:p>
+            <a:pPr algn="ctr"/>
+            <a:endParaRPr lang="zh-CN" altLang="en-US" dirty="0">
+              <a:latin typeface="微软雅黑" panose="020B0503020204020204" pitchFamily="34" charset="-122"/>
+              <a:ea typeface="微软雅黑" panose="020B0503020204020204" pitchFamily="34" charset="-122"/>
+            </a:endParaRPr>
+          </a:p>
+        </p:txBody>
+      </p:sp>
+      <p:sp>
+        <p:nvSpPr>
+          <p:cNvPr id="3" name="文本框 2"/>
+          <p:cNvSpPr txBox="1"/>
+          <p:nvPr/>
+        </p:nvSpPr>
+        <p:spPr>
+          <a:xfrm>
+            <a:off x="1425004" y="509861"/>
+            <a:ext cx="2656459" cy="460375"/>
+          </a:xfrm>
+          <a:prstGeom prst="rect">
+            <a:avLst/>
+          </a:prstGeom>
+          <a:noFill/>
+        </p:spPr>
+        <p:txBody>
+          <a:bodyPr wrap="square" rtlCol="0">
+            <a:spAutoFit/>
+          </a:bodyPr>
+          <a:lstStyle/>
+          <a:p>
+            <a:r>
+              <a:rPr lang="zh-CN" altLang="en-US" sz="2400" b="1" dirty="0">
+                <a:solidFill>
+                  <a:schemeClr val="bg2">
+                    <a:lumMod val="25000"/>
+                  </a:schemeClr>
+                </a:solidFill>
+                <a:latin typeface="微软雅黑" panose="020B0503020204020204" pitchFamily="34" charset="-122"/>
+                <a:ea typeface="微软雅黑" panose="020B0503020204020204" pitchFamily="34" charset="-122"/>
+              </a:rPr>
+              <a:t>项目</a:t>
+            </a:r>
+            <a:r>
+              <a:rPr lang="zh-CN" altLang="en-US" sz="2400" b="1" dirty="0">
+                <a:solidFill>
+                  <a:schemeClr val="bg2">
+                    <a:lumMod val="25000"/>
+                  </a:schemeClr>
+                </a:solidFill>
+                <a:latin typeface="微软雅黑" panose="020B0503020204020204" pitchFamily="34" charset="-122"/>
+                <a:ea typeface="微软雅黑" panose="020B0503020204020204" pitchFamily="34" charset="-122"/>
+              </a:rPr>
+              <a:t>亮点</a:t>
+            </a:r>
+            <a:endParaRPr lang="zh-CN" altLang="en-US" sz="2400" b="1" dirty="0">
+              <a:solidFill>
+                <a:schemeClr val="bg2">
+                  <a:lumMod val="25000"/>
+                </a:schemeClr>
+              </a:solidFill>
+              <a:latin typeface="微软雅黑" panose="020B0503020204020204" pitchFamily="34" charset="-122"/>
+              <a:ea typeface="微软雅黑" panose="020B0503020204020204" pitchFamily="34" charset="-122"/>
+            </a:endParaRPr>
+          </a:p>
+        </p:txBody>
+      </p:sp>
+      <p:pic>
+        <p:nvPicPr>
+          <p:cNvPr id="4" name="图形 3"/>
+          <p:cNvPicPr>
+            <a:picLocks noChangeAspect="1"/>
+          </p:cNvPicPr>
+          <p:nvPr/>
+        </p:nvPicPr>
+        <p:blipFill>
+          <a:blip r:embed="rId1">
+            <a:extLst>
+              <a:ext uri="{28A0092B-C50C-407E-A947-70E740481C1C}">
+                <a14:useLocalDpi xmlns:a14="http://schemas.microsoft.com/office/drawing/2010/main" val="0"/>
+              </a:ext>
+              <a:ext uri="{96DAC541-7B7A-43D3-8B79-37D633B846F1}">
+                <asvg:svgBlip xmlns:asvg="http://schemas.microsoft.com/office/drawing/2016/SVG/main" r:embed="rId2"/>
+              </a:ext>
+            </a:extLst>
+          </a:blip>
+          <a:stretch>
+            <a:fillRect/>
+          </a:stretch>
+        </p:blipFill>
+        <p:spPr>
+          <a:xfrm>
+            <a:off x="10516998" y="420430"/>
+            <a:ext cx="1068278" cy="1102192"/>
+          </a:xfrm>
+          <a:prstGeom prst="rect">
+            <a:avLst/>
+          </a:prstGeom>
+        </p:spPr>
+      </p:pic>
+      <p:sp>
+        <p:nvSpPr>
+          <p:cNvPr id="6" name="椭圆 5"/>
+          <p:cNvSpPr/>
+          <p:nvPr/>
+        </p:nvSpPr>
+        <p:spPr>
+          <a:xfrm>
+            <a:off x="968457" y="577043"/>
+            <a:ext cx="327299" cy="327299"/>
+          </a:xfrm>
+          <a:prstGeom prst="ellipse">
+            <a:avLst/>
+          </a:prstGeom>
+          <a:solidFill>
+            <a:srgbClr val="3843B3"/>
+          </a:solidFill>
+          <a:ln w="53975">
+            <a:noFill/>
+          </a:ln>
+        </p:spPr>
+        <p:style>
+          <a:lnRef idx="2">
+            <a:schemeClr val="accent1">
+              <a:shade val="50000"/>
+            </a:schemeClr>
+          </a:lnRef>
+          <a:fillRef idx="1">
+            <a:schemeClr val="accent1"/>
+          </a:fillRef>
+          <a:effectRef idx="0">
+            <a:schemeClr val="accent1"/>
+          </a:effectRef>
+          <a:fontRef idx="minor">
+            <a:schemeClr val="lt1"/>
+          </a:fontRef>
+        </p:style>
+        <p:txBody>
+          <a:bodyPr rtlCol="0" anchor="ctr"/>
+          <a:lstStyle/>
+          <a:p>
+            <a:pPr algn="ctr"/>
+            <a:endParaRPr lang="zh-CN" altLang="en-US" sz="1400" b="1" dirty="0">
+              <a:latin typeface="微软雅黑" panose="020B0503020204020204" pitchFamily="34" charset="-122"/>
+              <a:ea typeface="微软雅黑" panose="020B0503020204020204" pitchFamily="34" charset="-122"/>
+            </a:endParaRPr>
+          </a:p>
+        </p:txBody>
+      </p:sp>
+      <p:sp>
+        <p:nvSpPr>
+          <p:cNvPr id="8" name="文本框 7"/>
+          <p:cNvSpPr txBox="1"/>
+          <p:nvPr/>
+        </p:nvSpPr>
+        <p:spPr>
+          <a:xfrm>
+            <a:off x="10152185" y="2001483"/>
+            <a:ext cx="1787029" cy="460375"/>
+          </a:xfrm>
+          <a:prstGeom prst="rect">
+            <a:avLst/>
+          </a:prstGeom>
+          <a:noFill/>
+        </p:spPr>
+        <p:txBody>
+          <a:bodyPr wrap="square" rtlCol="0">
+            <a:spAutoFit/>
+          </a:bodyPr>
+          <a:lstStyle/>
+          <a:p>
+            <a:r>
+              <a:rPr lang="zh-CN" altLang="en-US" sz="2400" dirty="0">
+                <a:solidFill>
+                  <a:schemeClr val="bg1">
+                    <a:lumMod val="65000"/>
+                  </a:schemeClr>
+                </a:solidFill>
+                <a:latin typeface="微软雅黑" panose="020B0503020204020204" pitchFamily="34" charset="-122"/>
+                <a:ea typeface="微软雅黑" panose="020B0503020204020204" pitchFamily="34" charset="-122"/>
+              </a:rPr>
+              <a:t>项目简介</a:t>
+            </a:r>
+            <a:endParaRPr lang="zh-CN" altLang="en-US" sz="2400" dirty="0">
+              <a:solidFill>
+                <a:schemeClr val="bg1">
+                  <a:lumMod val="65000"/>
+                </a:schemeClr>
+              </a:solidFill>
+              <a:latin typeface="微软雅黑" panose="020B0503020204020204" pitchFamily="34" charset="-122"/>
+              <a:ea typeface="微软雅黑" panose="020B0503020204020204" pitchFamily="34" charset="-122"/>
+            </a:endParaRPr>
+          </a:p>
+        </p:txBody>
+      </p:sp>
+      <p:sp>
+        <p:nvSpPr>
+          <p:cNvPr id="9" name="文本框 8"/>
+          <p:cNvSpPr txBox="1"/>
+          <p:nvPr/>
+        </p:nvSpPr>
+        <p:spPr>
+          <a:xfrm>
+            <a:off x="10152185" y="2582349"/>
+            <a:ext cx="1787029" cy="460375"/>
+          </a:xfrm>
+          <a:prstGeom prst="rect">
+            <a:avLst/>
+          </a:prstGeom>
+          <a:noFill/>
+        </p:spPr>
+        <p:txBody>
+          <a:bodyPr wrap="square" rtlCol="0">
+            <a:spAutoFit/>
+          </a:bodyPr>
+          <a:lstStyle/>
+          <a:p>
+            <a:r>
+              <a:rPr lang="zh-CN" altLang="en-US" sz="2400" dirty="0">
+                <a:solidFill>
+                  <a:schemeClr val="bg1">
+                    <a:lumMod val="65000"/>
+                  </a:schemeClr>
+                </a:solidFill>
+                <a:latin typeface="微软雅黑" panose="020B0503020204020204" pitchFamily="34" charset="-122"/>
+                <a:ea typeface="微软雅黑" panose="020B0503020204020204" pitchFamily="34" charset="-122"/>
+              </a:rPr>
+              <a:t>设计思路</a:t>
+            </a:r>
+            <a:endParaRPr lang="zh-CN" altLang="en-US" sz="2400" dirty="0">
+              <a:solidFill>
+                <a:schemeClr val="bg1">
+                  <a:lumMod val="65000"/>
+                </a:schemeClr>
+              </a:solidFill>
+              <a:latin typeface="微软雅黑" panose="020B0503020204020204" pitchFamily="34" charset="-122"/>
+              <a:ea typeface="微软雅黑" panose="020B0503020204020204" pitchFamily="34" charset="-122"/>
+            </a:endParaRPr>
+          </a:p>
+        </p:txBody>
+      </p:sp>
+      <p:sp>
+        <p:nvSpPr>
+          <p:cNvPr id="10" name="文本框 9"/>
+          <p:cNvSpPr txBox="1"/>
+          <p:nvPr/>
+        </p:nvSpPr>
+        <p:spPr>
+          <a:xfrm>
+            <a:off x="10173628" y="3163215"/>
+            <a:ext cx="1787029" cy="460375"/>
+          </a:xfrm>
+          <a:prstGeom prst="rect">
+            <a:avLst/>
+          </a:prstGeom>
+          <a:noFill/>
+        </p:spPr>
+        <p:txBody>
+          <a:bodyPr wrap="square" rtlCol="0">
+            <a:spAutoFit/>
+          </a:bodyPr>
+          <a:lstStyle/>
+          <a:p>
+            <a:r>
+              <a:rPr lang="zh-CN" altLang="en-US" sz="2400" dirty="0">
+                <a:solidFill>
+                  <a:schemeClr val="bg1"/>
+                </a:solidFill>
+                <a:latin typeface="微软雅黑" panose="020B0503020204020204" pitchFamily="34" charset="-122"/>
+                <a:ea typeface="微软雅黑" panose="020B0503020204020204" pitchFamily="34" charset="-122"/>
+              </a:rPr>
+              <a:t>项目亮点</a:t>
+            </a:r>
+            <a:endParaRPr lang="zh-CN" altLang="en-US" sz="2400" dirty="0">
+              <a:solidFill>
+                <a:schemeClr val="bg1"/>
+              </a:solidFill>
+              <a:latin typeface="微软雅黑" panose="020B0503020204020204" pitchFamily="34" charset="-122"/>
+              <a:ea typeface="微软雅黑" panose="020B0503020204020204" pitchFamily="34" charset="-122"/>
+            </a:endParaRPr>
+          </a:p>
+        </p:txBody>
+      </p:sp>
+      <p:sp>
+        <p:nvSpPr>
+          <p:cNvPr id="11" name="文本框 10"/>
+          <p:cNvSpPr txBox="1"/>
+          <p:nvPr/>
+        </p:nvSpPr>
+        <p:spPr>
+          <a:xfrm>
+            <a:off x="10173628" y="3744081"/>
+            <a:ext cx="1787029" cy="460375"/>
+          </a:xfrm>
+          <a:prstGeom prst="rect">
+            <a:avLst/>
+          </a:prstGeom>
+          <a:noFill/>
+        </p:spPr>
+        <p:txBody>
+          <a:bodyPr wrap="square" rtlCol="0">
+            <a:spAutoFit/>
+          </a:bodyPr>
+          <a:lstStyle/>
+          <a:p>
+            <a:r>
+              <a:rPr lang="zh-CN" altLang="en-US" sz="2400" dirty="0">
+                <a:solidFill>
+                  <a:schemeClr val="bg1">
+                    <a:lumMod val="65000"/>
+                  </a:schemeClr>
+                </a:solidFill>
+                <a:latin typeface="微软雅黑" panose="020B0503020204020204" pitchFamily="34" charset="-122"/>
+                <a:ea typeface="微软雅黑" panose="020B0503020204020204" pitchFamily="34" charset="-122"/>
+              </a:rPr>
+              <a:t>项目</a:t>
+            </a:r>
+            <a:r>
+              <a:rPr lang="zh-CN" altLang="en-US" sz="2400" dirty="0">
+                <a:solidFill>
+                  <a:schemeClr val="bg1">
+                    <a:lumMod val="65000"/>
+                  </a:schemeClr>
+                </a:solidFill>
+                <a:latin typeface="微软雅黑" panose="020B0503020204020204" pitchFamily="34" charset="-122"/>
+                <a:ea typeface="微软雅黑" panose="020B0503020204020204" pitchFamily="34" charset="-122"/>
+              </a:rPr>
+              <a:t>难点</a:t>
+            </a:r>
+            <a:endParaRPr lang="zh-CN" altLang="en-US" sz="2400" dirty="0">
+              <a:solidFill>
+                <a:schemeClr val="bg1">
+                  <a:lumMod val="65000"/>
+                </a:schemeClr>
+              </a:solidFill>
+              <a:latin typeface="微软雅黑" panose="020B0503020204020204" pitchFamily="34" charset="-122"/>
+              <a:ea typeface="微软雅黑" panose="020B0503020204020204" pitchFamily="34" charset="-122"/>
+            </a:endParaRPr>
+          </a:p>
+        </p:txBody>
+      </p:sp>
+      <p:sp>
+        <p:nvSpPr>
+          <p:cNvPr id="12" name="文本框 11"/>
+          <p:cNvSpPr txBox="1"/>
+          <p:nvPr/>
+        </p:nvSpPr>
+        <p:spPr>
+          <a:xfrm>
+            <a:off x="10173628" y="4324947"/>
+            <a:ext cx="1787029" cy="460375"/>
+          </a:xfrm>
+          <a:prstGeom prst="rect">
+            <a:avLst/>
+          </a:prstGeom>
+          <a:noFill/>
+        </p:spPr>
+        <p:txBody>
+          <a:bodyPr wrap="square" rtlCol="0">
+            <a:spAutoFit/>
+          </a:bodyPr>
+          <a:lstStyle/>
+          <a:p>
+            <a:r>
+              <a:rPr lang="zh-CN" altLang="en-US" sz="2400" dirty="0">
+                <a:solidFill>
+                  <a:schemeClr val="bg1">
+                    <a:lumMod val="65000"/>
+                  </a:schemeClr>
+                </a:solidFill>
+                <a:latin typeface="微软雅黑" panose="020B0503020204020204" pitchFamily="34" charset="-122"/>
+                <a:ea typeface="微软雅黑" panose="020B0503020204020204" pitchFamily="34" charset="-122"/>
+              </a:rPr>
+              <a:t>心得体会</a:t>
+            </a:r>
+            <a:endParaRPr lang="zh-CN" altLang="en-US" sz="2400" dirty="0">
+              <a:solidFill>
+                <a:schemeClr val="bg1">
+                  <a:lumMod val="65000"/>
+                </a:schemeClr>
+              </a:solidFill>
+              <a:latin typeface="微软雅黑" panose="020B0503020204020204" pitchFamily="34" charset="-122"/>
+              <a:ea typeface="微软雅黑" panose="020B0503020204020204" pitchFamily="34" charset="-122"/>
+            </a:endParaRPr>
+          </a:p>
+        </p:txBody>
+      </p:sp>
+      <p:sp>
+        <p:nvSpPr>
+          <p:cNvPr id="5" name="文本框 4"/>
+          <p:cNvSpPr txBox="1"/>
+          <p:nvPr/>
+        </p:nvSpPr>
+        <p:spPr>
+          <a:xfrm>
+            <a:off x="1615440" y="1656080"/>
+            <a:ext cx="4064000" cy="368300"/>
+          </a:xfrm>
+          <a:prstGeom prst="rect">
+            <a:avLst/>
+          </a:prstGeom>
+          <a:noFill/>
+        </p:spPr>
+        <p:txBody>
+          <a:bodyPr wrap="square" rtlCol="0">
+            <a:spAutoFit/>
+          </a:bodyPr>
+          <a:p>
+            <a:r>
+              <a:rPr lang="zh-CN" altLang="en-US"/>
+              <a:t>使用自定义的</a:t>
+            </a:r>
+            <a:r>
+              <a:rPr lang="en-US" altLang="zh-CN"/>
+              <a:t>Servlet</a:t>
+            </a:r>
+            <a:r>
+              <a:rPr lang="zh-CN" altLang="en-US"/>
+              <a:t>基类</a:t>
+            </a:r>
+            <a:endParaRPr lang="zh-CN" altLang="en-US"/>
+          </a:p>
+        </p:txBody>
+      </p:sp>
+      <p:sp>
+        <p:nvSpPr>
+          <p:cNvPr id="7" name="文本框 6"/>
+          <p:cNvSpPr txBox="1"/>
+          <p:nvPr/>
+        </p:nvSpPr>
+        <p:spPr>
+          <a:xfrm>
+            <a:off x="1318260" y="2383790"/>
+            <a:ext cx="6553200" cy="922020"/>
+          </a:xfrm>
+          <a:prstGeom prst="rect">
+            <a:avLst/>
+          </a:prstGeom>
+          <a:noFill/>
+        </p:spPr>
+        <p:txBody>
+          <a:bodyPr wrap="square" rtlCol="0">
+            <a:spAutoFit/>
+          </a:bodyPr>
+          <a:p>
+            <a:r>
+              <a:rPr lang="zh-CN" altLang="en-US"/>
+              <a:t>基类接受了所有前端的请求，解析后将</a:t>
+            </a:r>
+            <a:r>
+              <a:rPr lang="zh-CN" altLang="en-US"/>
+              <a:t>请求导航到相应</a:t>
+            </a:r>
+            <a:r>
+              <a:rPr lang="en-US" altLang="zh-CN"/>
+              <a:t>Servlet</a:t>
+            </a:r>
+            <a:r>
+              <a:rPr lang="zh-CN" altLang="en-US"/>
+              <a:t>类的相应方法中，避免了创建过多的</a:t>
+            </a:r>
+            <a:r>
+              <a:rPr lang="en-US" altLang="zh-CN"/>
+              <a:t>Servlet</a:t>
+            </a:r>
+            <a:r>
+              <a:rPr lang="zh-CN" altLang="en-US"/>
+              <a:t>类，增加了代码的可维护性和</a:t>
+            </a:r>
+            <a:r>
+              <a:rPr lang="zh-CN" altLang="en-US"/>
+              <a:t>可读性</a:t>
+            </a:r>
+            <a:endParaRPr lang="zh-CN" altLang="en-US"/>
+          </a:p>
+        </p:txBody>
+      </p:sp>
+      <p:sp>
+        <p:nvSpPr>
+          <p:cNvPr id="13" name="文本框 12"/>
+          <p:cNvSpPr txBox="1"/>
+          <p:nvPr/>
+        </p:nvSpPr>
+        <p:spPr>
+          <a:xfrm>
+            <a:off x="1615440" y="4138295"/>
+            <a:ext cx="4064000" cy="368300"/>
+          </a:xfrm>
+          <a:prstGeom prst="rect">
+            <a:avLst/>
+          </a:prstGeom>
+          <a:noFill/>
+        </p:spPr>
+        <p:txBody>
+          <a:bodyPr wrap="square" rtlCol="0">
+            <a:spAutoFit/>
+          </a:bodyPr>
+          <a:p>
+            <a:r>
+              <a:rPr lang="zh-CN" altLang="en-US"/>
+              <a:t>使用锁和事务保证资金交易</a:t>
+            </a:r>
+            <a:r>
+              <a:rPr lang="zh-CN" altLang="en-US"/>
+              <a:t>安全</a:t>
+            </a:r>
+            <a:endParaRPr lang="zh-CN" altLang="en-US"/>
+          </a:p>
+        </p:txBody>
+      </p:sp>
+      <p:sp>
+        <p:nvSpPr>
+          <p:cNvPr id="15" name="文本框 14"/>
+          <p:cNvSpPr txBox="1"/>
+          <p:nvPr/>
+        </p:nvSpPr>
+        <p:spPr>
+          <a:xfrm>
+            <a:off x="968375" y="4785360"/>
+            <a:ext cx="7700010" cy="922020"/>
+          </a:xfrm>
+          <a:prstGeom prst="rect">
+            <a:avLst/>
+          </a:prstGeom>
+          <a:noFill/>
+        </p:spPr>
+        <p:txBody>
+          <a:bodyPr wrap="square" rtlCol="0">
+            <a:spAutoFit/>
+          </a:bodyPr>
+          <a:p>
+            <a:r>
+              <a:rPr lang="zh-CN" altLang="en-US"/>
+              <a:t>使用锁使交易过程中校验余额和扣款具备原子性，避免了多线程下的脏读问题导致扣款扣成负数，事务保证了扣款同时生成订单暂存金额，避免因服务器波动导致资金</a:t>
+            </a:r>
+            <a:r>
+              <a:rPr lang="zh-CN" altLang="en-US"/>
+              <a:t>丢失</a:t>
+            </a:r>
+            <a:endParaRPr lang="zh-CN" altLang="en-US"/>
+          </a:p>
+        </p:txBody>
+      </p:sp>
+    </p:spTree>
+  </p:cSld>
+  <p:clrMapOvr>
+    <a:masterClrMapping/>
+  </p:clrMapOvr>
+</p:sld>
+</file>
+
 <file path=ppt/tags/tag1.xml><?xml version="1.0" encoding="utf-8"?>
 <p:tagLst xmlns:p="http://schemas.openxmlformats.org/presentationml/2006/main">
+  <p:tag name="KSO_WM_DIAGRAM_VIRTUALLY_FRAME" val="{&quot;height&quot;:400.58755905511816,&quot;left&quot;:416.72377952755903,&quot;top&quot;:75.84275590551181,&quot;width&quot;:449.4293700787401}"/>
+</p:tagLst>
+</file>
+
+<file path=ppt/tags/tag10.xml><?xml version="1.0" encoding="utf-8"?>
+<p:tagLst xmlns:p="http://schemas.openxmlformats.org/presentationml/2006/main">
+  <p:tag name="KSO_WM_DIAGRAM_VIRTUALLY_FRAME" val="{&quot;height&quot;:400.58755905511816,&quot;left&quot;:416.72377952755903,&quot;top&quot;:75.84275590551181,&quot;width&quot;:449.4293700787401}"/>
+</p:tagLst>
+</file>
+
+<file path=ppt/tags/tag11.xml><?xml version="1.0" encoding="utf-8"?>
+<p:tagLst xmlns:p="http://schemas.openxmlformats.org/presentationml/2006/main">
+  <p:tag name="KSO_WM_DIAGRAM_VIRTUALLY_FRAME" val="{&quot;height&quot;:400.58755905511816,&quot;left&quot;:416.72377952755903,&quot;top&quot;:75.84275590551181,&quot;width&quot;:449.4293700787401}"/>
+</p:tagLst>
+</file>
+
+<file path=ppt/tags/tag12.xml><?xml version="1.0" encoding="utf-8"?>
+<p:tagLst xmlns:p="http://schemas.openxmlformats.org/presentationml/2006/main">
+  <p:tag name="KSO_WM_DIAGRAM_VIRTUALLY_FRAME" val="{&quot;height&quot;:400.58755905511816,&quot;left&quot;:416.72377952755903,&quot;top&quot;:75.84275590551181,&quot;width&quot;:449.4293700787401}"/>
+</p:tagLst>
+</file>
+
+<file path=ppt/tags/tag13.xml><?xml version="1.0" encoding="utf-8"?>
+<p:tagLst xmlns:p="http://schemas.openxmlformats.org/presentationml/2006/main">
+  <p:tag name="KSO_WM_DIAGRAM_VIRTUALLY_FRAME" val="{&quot;height&quot;:400.58755905511816,&quot;left&quot;:416.72377952755903,&quot;top&quot;:75.84275590551181,&quot;width&quot;:449.4293700787401}"/>
+</p:tagLst>
+</file>
+
+<file path=ppt/tags/tag14.xml><?xml version="1.0" encoding="utf-8"?>
+<p:tagLst xmlns:p="http://schemas.openxmlformats.org/presentationml/2006/main">
+  <p:tag name="KSO_WM_DIAGRAM_VIRTUALLY_FRAME" val="{&quot;height&quot;:400.58755905511816,&quot;left&quot;:416.72377952755903,&quot;top&quot;:75.84275590551181,&quot;width&quot;:449.4293700787401}"/>
+</p:tagLst>
+</file>
+
+<file path=ppt/tags/tag15.xml><?xml version="1.0" encoding="utf-8"?>
+<p:tagLst xmlns:p="http://schemas.openxmlformats.org/presentationml/2006/main">
+  <p:tag name="KSO_WM_DIAGRAM_VIRTUALLY_FRAME" val="{&quot;height&quot;:400.58755905511816,&quot;left&quot;:416.72377952755903,&quot;top&quot;:75.84275590551181,&quot;width&quot;:449.4293700787401}"/>
+</p:tagLst>
+</file>
+
+<file path=ppt/tags/tag16.xml><?xml version="1.0" encoding="utf-8"?>
+<p:tagLst xmlns:p="http://schemas.openxmlformats.org/presentationml/2006/main">
+  <p:tag name="KSO_WM_DIAGRAM_VIRTUALLY_FRAME" val="{&quot;height&quot;:400.58755905511816,&quot;left&quot;:416.72377952755903,&quot;top&quot;:75.84275590551181,&quot;width&quot;:449.4293700787401}"/>
+</p:tagLst>
+</file>
+
+<file path=ppt/tags/tag17.xml><?xml version="1.0" encoding="utf-8"?>
+<p:tagLst xmlns:p="http://schemas.openxmlformats.org/presentationml/2006/main">
+  <p:tag name="KSO_WM_DIAGRAM_VIRTUALLY_FRAME" val="{&quot;height&quot;:400.58755905511816,&quot;left&quot;:416.72377952755903,&quot;top&quot;:75.84275590551181,&quot;width&quot;:449.4293700787401}"/>
+</p:tagLst>
+</file>
+
+<file path=ppt/tags/tag18.xml><?xml version="1.0" encoding="utf-8"?>
+<p:tagLst xmlns:p="http://schemas.openxmlformats.org/presentationml/2006/main">
+  <p:tag name="KSO_WM_DIAGRAM_VIRTUALLY_FRAME" val="{&quot;height&quot;:400.58755905511816,&quot;left&quot;:416.72377952755903,&quot;top&quot;:75.84275590551181,&quot;width&quot;:449.4293700787401}"/>
+</p:tagLst>
+</file>
+
+<file path=ppt/tags/tag19.xml><?xml version="1.0" encoding="utf-8"?>
+<p:tagLst xmlns:p="http://schemas.openxmlformats.org/presentationml/2006/main">
+  <p:tag name="KSO_WM_DIAGRAM_VIRTUALLY_FRAME" val="{&quot;height&quot;:400.58755905511816,&quot;left&quot;:416.72377952755903,&quot;top&quot;:75.84275590551181,&quot;width&quot;:449.4293700787401}"/>
+</p:tagLst>
+</file>
+
+<file path=ppt/tags/tag2.xml><?xml version="1.0" encoding="utf-8"?>
+<p:tagLst xmlns:p="http://schemas.openxmlformats.org/presentationml/2006/main">
+  <p:tag name="KSO_WM_DIAGRAM_VIRTUALLY_FRAME" val="{&quot;height&quot;:400.58755905511816,&quot;left&quot;:416.72377952755903,&quot;top&quot;:75.84275590551181,&quot;width&quot;:449.4293700787401}"/>
+</p:tagLst>
+</file>
+
+<file path=ppt/tags/tag20.xml><?xml version="1.0" encoding="utf-8"?>
+<p:tagLst xmlns:p="http://schemas.openxmlformats.org/presentationml/2006/main">
+  <p:tag name="KSO_WM_DIAGRAM_VIRTUALLY_FRAME" val="{&quot;height&quot;:400.58755905511816,&quot;left&quot;:416.72377952755903,&quot;top&quot;:75.84275590551181,&quot;width&quot;:449.4293700787401}"/>
+</p:tagLst>
+</file>
+
+<file path=ppt/tags/tag21.xml><?xml version="1.0" encoding="utf-8"?>
+<p:tagLst xmlns:p="http://schemas.openxmlformats.org/presentationml/2006/main">
+  <p:tag name="KSO_WM_DIAGRAM_VIRTUALLY_FRAME" val="{&quot;height&quot;:400.58755905511816,&quot;left&quot;:416.72377952755903,&quot;top&quot;:75.84275590551181,&quot;width&quot;:449.4293700787401}"/>
+</p:tagLst>
+</file>
+
+<file path=ppt/tags/tag22.xml><?xml version="1.0" encoding="utf-8"?>
+<p:tagLst xmlns:p="http://schemas.openxmlformats.org/presentationml/2006/main">
+  <p:tag name="KSO_WM_DIAGRAM_VIRTUALLY_FRAME" val="{&quot;height&quot;:400.58755905511816,&quot;left&quot;:416.72377952755903,&quot;top&quot;:75.84275590551181,&quot;width&quot;:449.4293700787401}"/>
+</p:tagLst>
+</file>
+
+<file path=ppt/tags/tag23.xml><?xml version="1.0" encoding="utf-8"?>
+<p:tagLst xmlns:p="http://schemas.openxmlformats.org/presentationml/2006/main">
+  <p:tag name="KSO_WM_DIAGRAM_VIRTUALLY_FRAME" val="{&quot;height&quot;:400.58755905511816,&quot;left&quot;:416.72377952755903,&quot;top&quot;:75.84275590551181,&quot;width&quot;:449.4293700787401}"/>
+</p:tagLst>
+</file>
+
+<file path=ppt/tags/tag24.xml><?xml version="1.0" encoding="utf-8"?>
+<p:tagLst xmlns:p="http://schemas.openxmlformats.org/presentationml/2006/main">
+  <p:tag name="KSO_WM_DIAGRAM_VIRTUALLY_FRAME" val="{&quot;height&quot;:400.58755905511816,&quot;left&quot;:416.72377952755903,&quot;top&quot;:75.84275590551181,&quot;width&quot;:449.4293700787401}"/>
+</p:tagLst>
+</file>
+
+<file path=ppt/tags/tag25.xml><?xml version="1.0" encoding="utf-8"?>
+<p:tagLst xmlns:p="http://schemas.openxmlformats.org/presentationml/2006/main">
+  <p:tag name="KSO_WM_DIAGRAM_VIRTUALLY_FRAME" val="{&quot;height&quot;:400.58755905511816,&quot;left&quot;:416.72377952755903,&quot;top&quot;:75.84275590551181,&quot;width&quot;:449.4293700787401}"/>
+</p:tagLst>
+</file>
+
+<file path=ppt/tags/tag26.xml><?xml version="1.0" encoding="utf-8"?>
+<p:tagLst xmlns:p="http://schemas.openxmlformats.org/presentationml/2006/main">
   <p:tag name="commondata" val="eyJoZGlkIjoiMDZjOWI2MTg0NGZmOGU3ZGI5OWFhMmU0MTk1ZjUzOTMifQ=="/>
+</p:tagLst>
+</file>
+
+<file path=ppt/tags/tag3.xml><?xml version="1.0" encoding="utf-8"?>
+<p:tagLst xmlns:p="http://schemas.openxmlformats.org/presentationml/2006/main">
+  <p:tag name="KSO_WM_DIAGRAM_VIRTUALLY_FRAME" val="{&quot;height&quot;:400.58755905511816,&quot;left&quot;:416.72377952755903,&quot;top&quot;:75.84275590551181,&quot;width&quot;:449.4293700787401}"/>
+</p:tagLst>
+</file>
+
+<file path=ppt/tags/tag4.xml><?xml version="1.0" encoding="utf-8"?>
+<p:tagLst xmlns:p="http://schemas.openxmlformats.org/presentationml/2006/main">
+  <p:tag name="KSO_WM_DIAGRAM_VIRTUALLY_FRAME" val="{&quot;height&quot;:400.58755905511816,&quot;left&quot;:416.72377952755903,&quot;top&quot;:75.84275590551181,&quot;width&quot;:449.4293700787401}"/>
+</p:tagLst>
+</file>
+
+<file path=ppt/tags/tag5.xml><?xml version="1.0" encoding="utf-8"?>
+<p:tagLst xmlns:p="http://schemas.openxmlformats.org/presentationml/2006/main">
+  <p:tag name="KSO_WM_DIAGRAM_VIRTUALLY_FRAME" val="{&quot;height&quot;:400.58755905511816,&quot;left&quot;:416.72377952755903,&quot;top&quot;:75.84275590551181,&quot;width&quot;:449.4293700787401}"/>
+</p:tagLst>
+</file>
+
+<file path=ppt/tags/tag6.xml><?xml version="1.0" encoding="utf-8"?>
+<p:tagLst xmlns:p="http://schemas.openxmlformats.org/presentationml/2006/main">
+  <p:tag name="KSO_WM_DIAGRAM_VIRTUALLY_FRAME" val="{&quot;height&quot;:400.58755905511816,&quot;left&quot;:416.72377952755903,&quot;top&quot;:75.84275590551181,&quot;width&quot;:449.4293700787401}"/>
+</p:tagLst>
+</file>
+
+<file path=ppt/tags/tag7.xml><?xml version="1.0" encoding="utf-8"?>
+<p:tagLst xmlns:p="http://schemas.openxmlformats.org/presentationml/2006/main">
+  <p:tag name="KSO_WM_DIAGRAM_VIRTUALLY_FRAME" val="{&quot;height&quot;:400.58755905511816,&quot;left&quot;:416.72377952755903,&quot;top&quot;:75.84275590551181,&quot;width&quot;:449.4293700787401}"/>
+</p:tagLst>
+</file>
+
+<file path=ppt/tags/tag8.xml><?xml version="1.0" encoding="utf-8"?>
+<p:tagLst xmlns:p="http://schemas.openxmlformats.org/presentationml/2006/main">
+  <p:tag name="KSO_WM_DIAGRAM_VIRTUALLY_FRAME" val="{&quot;height&quot;:400.58755905511816,&quot;left&quot;:416.72377952755903,&quot;top&quot;:75.84275590551181,&quot;width&quot;:449.4293700787401}"/>
+</p:tagLst>
+</file>
+
+<file path=ppt/tags/tag9.xml><?xml version="1.0" encoding="utf-8"?>
+<p:tagLst xmlns:p="http://schemas.openxmlformats.org/presentationml/2006/main">
+  <p:tag name="KSO_WM_DIAGRAM_VIRTUALLY_FRAME" val="{&quot;height&quot;:400.58755905511816,&quot;left&quot;:416.72377952755903,&quot;top&quot;:75.84275590551181,&quot;width&quot;:449.4293700787401}"/>
 </p:tagLst>
 </file>
 

--- a/document/document/ppt/QG答辩汇报.pptx
+++ b/document/document/ppt/QG答辩汇报.pptx
@@ -13,34 +13,37 @@
     <p:sldId id="299" r:id="rId6"/>
     <p:sldId id="328" r:id="rId7"/>
     <p:sldId id="323" r:id="rId8"/>
-    <p:sldId id="337" r:id="rId9"/>
-    <p:sldId id="324" r:id="rId10"/>
-    <p:sldId id="336" r:id="rId11"/>
-    <p:sldId id="339" r:id="rId12"/>
-    <p:sldId id="325" r:id="rId13"/>
-    <p:sldId id="335" r:id="rId14"/>
-    <p:sldId id="326" r:id="rId15"/>
-    <p:sldId id="338" r:id="rId16"/>
-    <p:sldId id="322" r:id="rId17"/>
+    <p:sldId id="347" r:id="rId9"/>
+    <p:sldId id="346" r:id="rId10"/>
+    <p:sldId id="324" r:id="rId11"/>
+    <p:sldId id="336" r:id="rId12"/>
+    <p:sldId id="348" r:id="rId13"/>
+    <p:sldId id="349" r:id="rId14"/>
+    <p:sldId id="339" r:id="rId15"/>
+    <p:sldId id="325" r:id="rId16"/>
+    <p:sldId id="350" r:id="rId17"/>
+    <p:sldId id="326" r:id="rId18"/>
+    <p:sldId id="338" r:id="rId19"/>
+    <p:sldId id="322" r:id="rId20"/>
   </p:sldIdLst>
   <p:sldSz cx="12192000" cy="6858000"/>
   <p:notesSz cx="6858000" cy="9144000"/>
   <p:embeddedFontLst>
     <p:embeddedFont>
       <p:font typeface="微软雅黑" panose="020B0503020204020204" pitchFamily="34" charset="-122"/>
-      <p:regular r:id="rId21"/>
+      <p:regular r:id="rId24"/>
     </p:embeddedFont>
     <p:embeddedFont>
       <p:font typeface="等线" panose="02010600030101010101" charset="-122"/>
-      <p:regular r:id="rId22"/>
+      <p:regular r:id="rId25"/>
     </p:embeddedFont>
     <p:embeddedFont>
       <p:font typeface="等线 Light" panose="02010600030101010101" charset="-122"/>
-      <p:regular r:id="rId23"/>
+      <p:regular r:id="rId26"/>
     </p:embeddedFont>
   </p:embeddedFontLst>
   <p:custDataLst>
-    <p:tags r:id="rId24"/>
+    <p:tags r:id="rId27"/>
   </p:custDataLst>
   <p:defaultTextStyle>
     <a:defPPr>
@@ -145,7 +148,7 @@
             <a:srgbClr val="A4A3A4"/>
           </p15:clr>
         </p15:guide>
-        <p15:guide id="2" pos="3840" userDrawn="1">
+        <p15:guide id="2" pos="3907" userDrawn="1">
           <p15:clr>
             <a:srgbClr val="A4A3A4"/>
           </p15:clr>
@@ -3691,7 +3694,7 @@
                 <a:latin typeface="微软雅黑" panose="020B0503020204020204" pitchFamily="34" charset="-122"/>
                 <a:ea typeface="微软雅黑" panose="020B0503020204020204" pitchFamily="34" charset="-122"/>
               </a:rPr>
-              <a:t>2022</a:t>
+              <a:t>2024</a:t>
             </a:r>
             <a:r>
               <a:rPr lang="zh-CN" altLang="en-US" sz="2400" dirty="0">
@@ -3923,6 +3926,3209 @@
 </file>
 
 <file path=ppt/slides/slide10.xml><?xml version="1.0" encoding="utf-8"?>
+<p:sld xmlns:a="http://schemas.openxmlformats.org/drawingml/2006/main" xmlns:r="http://schemas.openxmlformats.org/officeDocument/2006/relationships" xmlns:p="http://schemas.openxmlformats.org/presentationml/2006/main">
+  <p:cSld>
+    <p:spTree>
+      <p:nvGrpSpPr>
+        <p:cNvPr id="1" name=""/>
+        <p:cNvGrpSpPr/>
+        <p:nvPr/>
+      </p:nvGrpSpPr>
+      <p:grpSpPr>
+        <a:xfrm>
+          <a:off x="0" y="0"/>
+          <a:ext cx="0" cy="0"/>
+          <a:chOff x="0" y="0"/>
+          <a:chExt cx="0" cy="0"/>
+        </a:xfrm>
+      </p:grpSpPr>
+      <p:sp>
+        <p:nvSpPr>
+          <p:cNvPr id="2" name="矩形 1"/>
+          <p:cNvSpPr/>
+          <p:nvPr/>
+        </p:nvSpPr>
+        <p:spPr>
+          <a:xfrm>
+            <a:off x="9942286" y="0"/>
+            <a:ext cx="2249715" cy="6858000"/>
+          </a:xfrm>
+          <a:prstGeom prst="rect">
+            <a:avLst/>
+          </a:prstGeom>
+          <a:solidFill>
+            <a:srgbClr val="3843B3"/>
+          </a:solidFill>
+          <a:ln>
+            <a:noFill/>
+          </a:ln>
+        </p:spPr>
+        <p:style>
+          <a:lnRef idx="2">
+            <a:schemeClr val="accent1">
+              <a:shade val="50000"/>
+            </a:schemeClr>
+          </a:lnRef>
+          <a:fillRef idx="1">
+            <a:schemeClr val="accent1"/>
+          </a:fillRef>
+          <a:effectRef idx="0">
+            <a:schemeClr val="accent1"/>
+          </a:effectRef>
+          <a:fontRef idx="minor">
+            <a:schemeClr val="lt1"/>
+          </a:fontRef>
+        </p:style>
+        <p:txBody>
+          <a:bodyPr rtlCol="0" anchor="ctr"/>
+          <a:lstStyle/>
+          <a:p>
+            <a:pPr algn="ctr"/>
+            <a:endParaRPr lang="zh-CN" altLang="en-US" dirty="0">
+              <a:latin typeface="微软雅黑" panose="020B0503020204020204" pitchFamily="34" charset="-122"/>
+              <a:ea typeface="微软雅黑" panose="020B0503020204020204" pitchFamily="34" charset="-122"/>
+            </a:endParaRPr>
+          </a:p>
+        </p:txBody>
+      </p:sp>
+      <p:sp>
+        <p:nvSpPr>
+          <p:cNvPr id="3" name="文本框 2"/>
+          <p:cNvSpPr txBox="1"/>
+          <p:nvPr/>
+        </p:nvSpPr>
+        <p:spPr>
+          <a:xfrm>
+            <a:off x="1425004" y="509861"/>
+            <a:ext cx="2656459" cy="460375"/>
+          </a:xfrm>
+          <a:prstGeom prst="rect">
+            <a:avLst/>
+          </a:prstGeom>
+          <a:noFill/>
+        </p:spPr>
+        <p:txBody>
+          <a:bodyPr wrap="square" rtlCol="0">
+            <a:spAutoFit/>
+          </a:bodyPr>
+          <a:lstStyle/>
+          <a:p>
+            <a:r>
+              <a:rPr lang="zh-CN" altLang="en-US" sz="2400" b="1" dirty="0">
+                <a:solidFill>
+                  <a:schemeClr val="bg2">
+                    <a:lumMod val="25000"/>
+                  </a:schemeClr>
+                </a:solidFill>
+                <a:latin typeface="微软雅黑" panose="020B0503020204020204" pitchFamily="34" charset="-122"/>
+                <a:ea typeface="微软雅黑" panose="020B0503020204020204" pitchFamily="34" charset="-122"/>
+              </a:rPr>
+              <a:t>项目</a:t>
+            </a:r>
+            <a:r>
+              <a:rPr lang="zh-CN" altLang="en-US" sz="2400" b="1" dirty="0">
+                <a:solidFill>
+                  <a:schemeClr val="bg2">
+                    <a:lumMod val="25000"/>
+                  </a:schemeClr>
+                </a:solidFill>
+                <a:latin typeface="微软雅黑" panose="020B0503020204020204" pitchFamily="34" charset="-122"/>
+                <a:ea typeface="微软雅黑" panose="020B0503020204020204" pitchFamily="34" charset="-122"/>
+              </a:rPr>
+              <a:t>亮点</a:t>
+            </a:r>
+            <a:endParaRPr lang="zh-CN" altLang="en-US" sz="2400" b="1" dirty="0">
+              <a:solidFill>
+                <a:schemeClr val="bg2">
+                  <a:lumMod val="25000"/>
+                </a:schemeClr>
+              </a:solidFill>
+              <a:latin typeface="微软雅黑" panose="020B0503020204020204" pitchFamily="34" charset="-122"/>
+              <a:ea typeface="微软雅黑" panose="020B0503020204020204" pitchFamily="34" charset="-122"/>
+            </a:endParaRPr>
+          </a:p>
+        </p:txBody>
+      </p:sp>
+      <p:pic>
+        <p:nvPicPr>
+          <p:cNvPr id="4" name="图形 3"/>
+          <p:cNvPicPr>
+            <a:picLocks noChangeAspect="1"/>
+          </p:cNvPicPr>
+          <p:nvPr/>
+        </p:nvPicPr>
+        <p:blipFill>
+          <a:blip r:embed="rId1">
+            <a:extLst>
+              <a:ext uri="{28A0092B-C50C-407E-A947-70E740481C1C}">
+                <a14:useLocalDpi xmlns:a14="http://schemas.microsoft.com/office/drawing/2010/main" val="0"/>
+              </a:ext>
+              <a:ext uri="{96DAC541-7B7A-43D3-8B79-37D633B846F1}">
+                <asvg:svgBlip xmlns:asvg="http://schemas.microsoft.com/office/drawing/2016/SVG/main" r:embed="rId2"/>
+              </a:ext>
+            </a:extLst>
+          </a:blip>
+          <a:stretch>
+            <a:fillRect/>
+          </a:stretch>
+        </p:blipFill>
+        <p:spPr>
+          <a:xfrm>
+            <a:off x="10516998" y="420430"/>
+            <a:ext cx="1068278" cy="1102192"/>
+          </a:xfrm>
+          <a:prstGeom prst="rect">
+            <a:avLst/>
+          </a:prstGeom>
+        </p:spPr>
+      </p:pic>
+      <p:sp>
+        <p:nvSpPr>
+          <p:cNvPr id="6" name="椭圆 5"/>
+          <p:cNvSpPr/>
+          <p:nvPr/>
+        </p:nvSpPr>
+        <p:spPr>
+          <a:xfrm>
+            <a:off x="968457" y="577043"/>
+            <a:ext cx="327299" cy="327299"/>
+          </a:xfrm>
+          <a:prstGeom prst="ellipse">
+            <a:avLst/>
+          </a:prstGeom>
+          <a:solidFill>
+            <a:srgbClr val="3843B3"/>
+          </a:solidFill>
+          <a:ln w="53975">
+            <a:noFill/>
+          </a:ln>
+        </p:spPr>
+        <p:style>
+          <a:lnRef idx="2">
+            <a:schemeClr val="accent1">
+              <a:shade val="50000"/>
+            </a:schemeClr>
+          </a:lnRef>
+          <a:fillRef idx="1">
+            <a:schemeClr val="accent1"/>
+          </a:fillRef>
+          <a:effectRef idx="0">
+            <a:schemeClr val="accent1"/>
+          </a:effectRef>
+          <a:fontRef idx="minor">
+            <a:schemeClr val="lt1"/>
+          </a:fontRef>
+        </p:style>
+        <p:txBody>
+          <a:bodyPr rtlCol="0" anchor="ctr"/>
+          <a:lstStyle/>
+          <a:p>
+            <a:pPr algn="ctr"/>
+            <a:endParaRPr lang="zh-CN" altLang="en-US" sz="1400" b="1" dirty="0">
+              <a:latin typeface="微软雅黑" panose="020B0503020204020204" pitchFamily="34" charset="-122"/>
+              <a:ea typeface="微软雅黑" panose="020B0503020204020204" pitchFamily="34" charset="-122"/>
+            </a:endParaRPr>
+          </a:p>
+        </p:txBody>
+      </p:sp>
+      <p:sp>
+        <p:nvSpPr>
+          <p:cNvPr id="8" name="文本框 7"/>
+          <p:cNvSpPr txBox="1"/>
+          <p:nvPr/>
+        </p:nvSpPr>
+        <p:spPr>
+          <a:xfrm>
+            <a:off x="10152185" y="2001483"/>
+            <a:ext cx="1787029" cy="460375"/>
+          </a:xfrm>
+          <a:prstGeom prst="rect">
+            <a:avLst/>
+          </a:prstGeom>
+          <a:noFill/>
+        </p:spPr>
+        <p:txBody>
+          <a:bodyPr wrap="square" rtlCol="0">
+            <a:spAutoFit/>
+          </a:bodyPr>
+          <a:lstStyle/>
+          <a:p>
+            <a:r>
+              <a:rPr lang="zh-CN" altLang="en-US" sz="2400" dirty="0">
+                <a:solidFill>
+                  <a:schemeClr val="bg1">
+                    <a:lumMod val="65000"/>
+                  </a:schemeClr>
+                </a:solidFill>
+                <a:latin typeface="微软雅黑" panose="020B0503020204020204" pitchFamily="34" charset="-122"/>
+                <a:ea typeface="微软雅黑" panose="020B0503020204020204" pitchFamily="34" charset="-122"/>
+              </a:rPr>
+              <a:t>项目简介</a:t>
+            </a:r>
+            <a:endParaRPr lang="zh-CN" altLang="en-US" sz="2400" dirty="0">
+              <a:solidFill>
+                <a:schemeClr val="bg1">
+                  <a:lumMod val="65000"/>
+                </a:schemeClr>
+              </a:solidFill>
+              <a:latin typeface="微软雅黑" panose="020B0503020204020204" pitchFamily="34" charset="-122"/>
+              <a:ea typeface="微软雅黑" panose="020B0503020204020204" pitchFamily="34" charset="-122"/>
+            </a:endParaRPr>
+          </a:p>
+        </p:txBody>
+      </p:sp>
+      <p:sp>
+        <p:nvSpPr>
+          <p:cNvPr id="9" name="文本框 8"/>
+          <p:cNvSpPr txBox="1"/>
+          <p:nvPr/>
+        </p:nvSpPr>
+        <p:spPr>
+          <a:xfrm>
+            <a:off x="10152185" y="2582349"/>
+            <a:ext cx="1787029" cy="460375"/>
+          </a:xfrm>
+          <a:prstGeom prst="rect">
+            <a:avLst/>
+          </a:prstGeom>
+          <a:noFill/>
+        </p:spPr>
+        <p:txBody>
+          <a:bodyPr wrap="square" rtlCol="0">
+            <a:spAutoFit/>
+          </a:bodyPr>
+          <a:lstStyle/>
+          <a:p>
+            <a:r>
+              <a:rPr lang="zh-CN" altLang="en-US" sz="2400" dirty="0">
+                <a:solidFill>
+                  <a:schemeClr val="bg1">
+                    <a:lumMod val="65000"/>
+                  </a:schemeClr>
+                </a:solidFill>
+                <a:latin typeface="微软雅黑" panose="020B0503020204020204" pitchFamily="34" charset="-122"/>
+                <a:ea typeface="微软雅黑" panose="020B0503020204020204" pitchFamily="34" charset="-122"/>
+              </a:rPr>
+              <a:t>设计思路</a:t>
+            </a:r>
+            <a:endParaRPr lang="zh-CN" altLang="en-US" sz="2400" dirty="0">
+              <a:solidFill>
+                <a:schemeClr val="bg1">
+                  <a:lumMod val="65000"/>
+                </a:schemeClr>
+              </a:solidFill>
+              <a:latin typeface="微软雅黑" panose="020B0503020204020204" pitchFamily="34" charset="-122"/>
+              <a:ea typeface="微软雅黑" panose="020B0503020204020204" pitchFamily="34" charset="-122"/>
+            </a:endParaRPr>
+          </a:p>
+        </p:txBody>
+      </p:sp>
+      <p:sp>
+        <p:nvSpPr>
+          <p:cNvPr id="10" name="文本框 9"/>
+          <p:cNvSpPr txBox="1"/>
+          <p:nvPr/>
+        </p:nvSpPr>
+        <p:spPr>
+          <a:xfrm>
+            <a:off x="10173628" y="3163215"/>
+            <a:ext cx="1787029" cy="460375"/>
+          </a:xfrm>
+          <a:prstGeom prst="rect">
+            <a:avLst/>
+          </a:prstGeom>
+          <a:noFill/>
+        </p:spPr>
+        <p:txBody>
+          <a:bodyPr wrap="square" rtlCol="0">
+            <a:spAutoFit/>
+          </a:bodyPr>
+          <a:lstStyle/>
+          <a:p>
+            <a:r>
+              <a:rPr lang="zh-CN" altLang="en-US" sz="2400" dirty="0">
+                <a:solidFill>
+                  <a:schemeClr val="bg1"/>
+                </a:solidFill>
+                <a:latin typeface="微软雅黑" panose="020B0503020204020204" pitchFamily="34" charset="-122"/>
+                <a:ea typeface="微软雅黑" panose="020B0503020204020204" pitchFamily="34" charset="-122"/>
+              </a:rPr>
+              <a:t>项目亮点</a:t>
+            </a:r>
+            <a:endParaRPr lang="zh-CN" altLang="en-US" sz="2400" dirty="0">
+              <a:solidFill>
+                <a:schemeClr val="bg1"/>
+              </a:solidFill>
+              <a:latin typeface="微软雅黑" panose="020B0503020204020204" pitchFamily="34" charset="-122"/>
+              <a:ea typeface="微软雅黑" panose="020B0503020204020204" pitchFamily="34" charset="-122"/>
+            </a:endParaRPr>
+          </a:p>
+        </p:txBody>
+      </p:sp>
+      <p:sp>
+        <p:nvSpPr>
+          <p:cNvPr id="11" name="文本框 10"/>
+          <p:cNvSpPr txBox="1"/>
+          <p:nvPr/>
+        </p:nvSpPr>
+        <p:spPr>
+          <a:xfrm>
+            <a:off x="10173628" y="3744081"/>
+            <a:ext cx="1787029" cy="460375"/>
+          </a:xfrm>
+          <a:prstGeom prst="rect">
+            <a:avLst/>
+          </a:prstGeom>
+          <a:noFill/>
+        </p:spPr>
+        <p:txBody>
+          <a:bodyPr wrap="square" rtlCol="0">
+            <a:spAutoFit/>
+          </a:bodyPr>
+          <a:lstStyle/>
+          <a:p>
+            <a:r>
+              <a:rPr lang="zh-CN" altLang="en-US" sz="2400" dirty="0">
+                <a:solidFill>
+                  <a:schemeClr val="bg1">
+                    <a:lumMod val="65000"/>
+                  </a:schemeClr>
+                </a:solidFill>
+                <a:latin typeface="微软雅黑" panose="020B0503020204020204" pitchFamily="34" charset="-122"/>
+                <a:ea typeface="微软雅黑" panose="020B0503020204020204" pitchFamily="34" charset="-122"/>
+              </a:rPr>
+              <a:t>项目</a:t>
+            </a:r>
+            <a:r>
+              <a:rPr lang="zh-CN" altLang="en-US" sz="2400" dirty="0">
+                <a:solidFill>
+                  <a:schemeClr val="bg1">
+                    <a:lumMod val="65000"/>
+                  </a:schemeClr>
+                </a:solidFill>
+                <a:latin typeface="微软雅黑" panose="020B0503020204020204" pitchFamily="34" charset="-122"/>
+                <a:ea typeface="微软雅黑" panose="020B0503020204020204" pitchFamily="34" charset="-122"/>
+              </a:rPr>
+              <a:t>难点</a:t>
+            </a:r>
+            <a:endParaRPr lang="zh-CN" altLang="en-US" sz="2400" dirty="0">
+              <a:solidFill>
+                <a:schemeClr val="bg1">
+                  <a:lumMod val="65000"/>
+                </a:schemeClr>
+              </a:solidFill>
+              <a:latin typeface="微软雅黑" panose="020B0503020204020204" pitchFamily="34" charset="-122"/>
+              <a:ea typeface="微软雅黑" panose="020B0503020204020204" pitchFamily="34" charset="-122"/>
+            </a:endParaRPr>
+          </a:p>
+        </p:txBody>
+      </p:sp>
+      <p:sp>
+        <p:nvSpPr>
+          <p:cNvPr id="12" name="文本框 11"/>
+          <p:cNvSpPr txBox="1"/>
+          <p:nvPr/>
+        </p:nvSpPr>
+        <p:spPr>
+          <a:xfrm>
+            <a:off x="10173628" y="4324947"/>
+            <a:ext cx="1787029" cy="460375"/>
+          </a:xfrm>
+          <a:prstGeom prst="rect">
+            <a:avLst/>
+          </a:prstGeom>
+          <a:noFill/>
+        </p:spPr>
+        <p:txBody>
+          <a:bodyPr wrap="square" rtlCol="0">
+            <a:spAutoFit/>
+          </a:bodyPr>
+          <a:lstStyle/>
+          <a:p>
+            <a:r>
+              <a:rPr lang="zh-CN" altLang="en-US" sz="2400" dirty="0">
+                <a:solidFill>
+                  <a:schemeClr val="bg1">
+                    <a:lumMod val="65000"/>
+                  </a:schemeClr>
+                </a:solidFill>
+                <a:latin typeface="微软雅黑" panose="020B0503020204020204" pitchFamily="34" charset="-122"/>
+                <a:ea typeface="微软雅黑" panose="020B0503020204020204" pitchFamily="34" charset="-122"/>
+              </a:rPr>
+              <a:t>心得体会</a:t>
+            </a:r>
+            <a:endParaRPr lang="zh-CN" altLang="en-US" sz="2400" dirty="0">
+              <a:solidFill>
+                <a:schemeClr val="bg1">
+                  <a:lumMod val="65000"/>
+                </a:schemeClr>
+              </a:solidFill>
+              <a:latin typeface="微软雅黑" panose="020B0503020204020204" pitchFamily="34" charset="-122"/>
+              <a:ea typeface="微软雅黑" panose="020B0503020204020204" pitchFamily="34" charset="-122"/>
+            </a:endParaRPr>
+          </a:p>
+        </p:txBody>
+      </p:sp>
+      <p:grpSp>
+        <p:nvGrpSpPr>
+          <p:cNvPr id="17" name="组合 16"/>
+          <p:cNvGrpSpPr/>
+          <p:nvPr/>
+        </p:nvGrpSpPr>
+        <p:grpSpPr>
+          <a:xfrm>
+            <a:off x="968375" y="1253490"/>
+            <a:ext cx="7482205" cy="854710"/>
+            <a:chOff x="1706" y="6478"/>
+            <a:chExt cx="11783" cy="1346"/>
+          </a:xfrm>
+        </p:grpSpPr>
+        <p:sp>
+          <p:nvSpPr>
+            <p:cNvPr id="14" name="文本框 13"/>
+            <p:cNvSpPr txBox="1"/>
+            <p:nvPr/>
+          </p:nvSpPr>
+          <p:spPr>
+            <a:xfrm>
+              <a:off x="1706" y="6478"/>
+              <a:ext cx="6400" cy="580"/>
+            </a:xfrm>
+            <a:prstGeom prst="rect">
+              <a:avLst/>
+            </a:prstGeom>
+            <a:noFill/>
+          </p:spPr>
+          <p:txBody>
+            <a:bodyPr wrap="square" rtlCol="0">
+              <a:spAutoFit/>
+            </a:bodyPr>
+            <a:p>
+              <a:r>
+                <a:rPr lang="en-US" altLang="zh-CN" b="1"/>
+                <a:t>2.</a:t>
+              </a:r>
+              <a:r>
+                <a:rPr lang="zh-CN" altLang="en-US" b="1"/>
+                <a:t>单例模式：</a:t>
+              </a:r>
+              <a:endParaRPr lang="zh-CN" altLang="en-US" b="1"/>
+            </a:p>
+          </p:txBody>
+        </p:sp>
+        <p:sp>
+          <p:nvSpPr>
+            <p:cNvPr id="15" name="文本框 14"/>
+            <p:cNvSpPr txBox="1"/>
+            <p:nvPr/>
+          </p:nvSpPr>
+          <p:spPr>
+            <a:xfrm>
+              <a:off x="1706" y="7244"/>
+              <a:ext cx="11783" cy="580"/>
+            </a:xfrm>
+            <a:prstGeom prst="rect">
+              <a:avLst/>
+            </a:prstGeom>
+            <a:noFill/>
+          </p:spPr>
+          <p:txBody>
+            <a:bodyPr wrap="square" rtlCol="0">
+              <a:spAutoFit/>
+            </a:bodyPr>
+            <a:p>
+              <a:r>
+                <a:rPr lang="zh-CN" altLang="en-US"/>
+                <a:t>为</a:t>
+              </a:r>
+              <a:r>
+                <a:rPr lang="en-US" altLang="zh-CN"/>
+                <a:t>service</a:t>
+              </a:r>
+              <a:r>
+                <a:rPr lang="zh-CN" altLang="en-US"/>
+                <a:t>类和</a:t>
+              </a:r>
+              <a:r>
+                <a:rPr lang="en-US" altLang="zh-CN"/>
+                <a:t>dao</a:t>
+              </a:r>
+              <a:r>
+                <a:rPr lang="zh-CN" altLang="en-US"/>
+                <a:t>类创建了唯一实例以及全局访问点，提高了资源利用率</a:t>
+              </a:r>
+              <a:endParaRPr lang="zh-CN" altLang="en-US"/>
+            </a:p>
+          </p:txBody>
+        </p:sp>
+      </p:grpSp>
+      <p:sp>
+        <p:nvSpPr>
+          <p:cNvPr id="18" name="矩形 17"/>
+          <p:cNvSpPr/>
+          <p:nvPr/>
+        </p:nvSpPr>
+        <p:spPr>
+          <a:xfrm>
+            <a:off x="857250" y="2811145"/>
+            <a:ext cx="2407920" cy="2860040"/>
+          </a:xfrm>
+          <a:prstGeom prst="rect">
+            <a:avLst/>
+          </a:prstGeom>
+          <a:solidFill>
+            <a:schemeClr val="accent2">
+              <a:lumMod val="60000"/>
+              <a:lumOff val="40000"/>
+            </a:schemeClr>
+          </a:solidFill>
+        </p:spPr>
+        <p:style>
+          <a:lnRef idx="2">
+            <a:schemeClr val="accent1">
+              <a:lumMod val="75000"/>
+            </a:schemeClr>
+          </a:lnRef>
+          <a:fillRef idx="1">
+            <a:schemeClr val="accent1"/>
+          </a:fillRef>
+          <a:effectRef idx="0">
+            <a:srgbClr val="FFFFFF"/>
+          </a:effectRef>
+          <a:fontRef idx="minor">
+            <a:schemeClr val="lt1"/>
+          </a:fontRef>
+        </p:style>
+        <p:txBody>
+          <a:bodyPr rtlCol="0" anchor="ctr"/>
+          <a:p>
+            <a:pPr algn="ctr"/>
+            <a:r>
+              <a:rPr lang="zh-CN" altLang="en-US">
+                <a:solidFill>
+                  <a:schemeClr val="tx1"/>
+                </a:solidFill>
+              </a:rPr>
+              <a:t>单例类</a:t>
+            </a:r>
+            <a:endParaRPr lang="zh-CN" altLang="en-US">
+              <a:solidFill>
+                <a:schemeClr val="tx1"/>
+              </a:solidFill>
+            </a:endParaRPr>
+          </a:p>
+          <a:p>
+            <a:pPr algn="ctr"/>
+            <a:endParaRPr lang="zh-CN" altLang="en-US">
+              <a:solidFill>
+                <a:schemeClr val="bg1"/>
+              </a:solidFill>
+            </a:endParaRPr>
+          </a:p>
+          <a:p>
+            <a:pPr algn="ctr"/>
+            <a:r>
+              <a:rPr lang="zh-CN" altLang="en-US">
+                <a:solidFill>
+                  <a:schemeClr val="tx1"/>
+                </a:solidFill>
+              </a:rPr>
+              <a:t>成员变量装载众多</a:t>
+            </a:r>
+            <a:endParaRPr lang="zh-CN" altLang="en-US">
+              <a:solidFill>
+                <a:schemeClr val="tx1"/>
+              </a:solidFill>
+            </a:endParaRPr>
+          </a:p>
+          <a:p>
+            <a:pPr algn="ctr"/>
+            <a:endParaRPr lang="zh-CN" altLang="en-US">
+              <a:solidFill>
+                <a:schemeClr val="bg1"/>
+              </a:solidFill>
+            </a:endParaRPr>
+          </a:p>
+          <a:p>
+            <a:pPr algn="ctr"/>
+            <a:r>
+              <a:rPr lang="en-US" altLang="zh-CN">
+                <a:solidFill>
+                  <a:schemeClr val="tx1"/>
+                </a:solidFill>
+              </a:rPr>
+              <a:t>service</a:t>
+            </a:r>
+            <a:r>
+              <a:rPr lang="zh-CN" altLang="en-US">
+                <a:solidFill>
+                  <a:schemeClr val="tx1"/>
+                </a:solidFill>
+              </a:rPr>
+              <a:t>、</a:t>
+            </a:r>
+            <a:r>
+              <a:rPr lang="en-US" altLang="zh-CN">
+                <a:solidFill>
+                  <a:schemeClr val="tx1"/>
+                </a:solidFill>
+              </a:rPr>
+              <a:t>dao</a:t>
+            </a:r>
+            <a:r>
+              <a:rPr lang="zh-CN" altLang="en-US">
+                <a:solidFill>
+                  <a:schemeClr val="tx1"/>
+                </a:solidFill>
+              </a:rPr>
+              <a:t>类</a:t>
+            </a:r>
+            <a:endParaRPr lang="zh-CN" altLang="en-US">
+              <a:solidFill>
+                <a:schemeClr val="tx1"/>
+              </a:solidFill>
+            </a:endParaRPr>
+          </a:p>
+          <a:p>
+            <a:pPr algn="ctr"/>
+            <a:endParaRPr lang="zh-CN" altLang="en-US">
+              <a:solidFill>
+                <a:schemeClr val="tx1"/>
+              </a:solidFill>
+            </a:endParaRPr>
+          </a:p>
+          <a:p>
+            <a:pPr algn="ctr"/>
+            <a:endParaRPr lang="zh-CN" altLang="en-US">
+              <a:solidFill>
+                <a:schemeClr val="tx1"/>
+              </a:solidFill>
+            </a:endParaRPr>
+          </a:p>
+        </p:txBody>
+      </p:sp>
+      <p:sp>
+        <p:nvSpPr>
+          <p:cNvPr id="19" name="矩形 18"/>
+          <p:cNvSpPr/>
+          <p:nvPr/>
+        </p:nvSpPr>
+        <p:spPr>
+          <a:xfrm>
+            <a:off x="4772025" y="2518410"/>
+            <a:ext cx="2508885" cy="1570355"/>
+          </a:xfrm>
+          <a:prstGeom prst="rect">
+            <a:avLst/>
+          </a:prstGeom>
+          <a:solidFill>
+            <a:schemeClr val="accent1">
+              <a:lumMod val="60000"/>
+              <a:lumOff val="40000"/>
+            </a:schemeClr>
+          </a:solidFill>
+        </p:spPr>
+        <p:style>
+          <a:lnRef idx="2">
+            <a:schemeClr val="accent1">
+              <a:lumMod val="75000"/>
+            </a:schemeClr>
+          </a:lnRef>
+          <a:fillRef idx="1">
+            <a:schemeClr val="accent1"/>
+          </a:fillRef>
+          <a:effectRef idx="0">
+            <a:srgbClr val="FFFFFF"/>
+          </a:effectRef>
+          <a:fontRef idx="minor">
+            <a:schemeClr val="lt1"/>
+          </a:fontRef>
+        </p:style>
+        <p:txBody>
+          <a:bodyPr rtlCol="0" anchor="ctr"/>
+          <a:p>
+            <a:pPr algn="ctr"/>
+            <a:r>
+              <a:rPr lang="en-US" altLang="zh-CN">
+                <a:solidFill>
+                  <a:schemeClr val="tx1"/>
+                </a:solidFill>
+              </a:rPr>
+              <a:t>servlet</a:t>
+            </a:r>
+            <a:r>
+              <a:rPr lang="zh-CN" altLang="en-US">
+                <a:solidFill>
+                  <a:schemeClr val="tx1"/>
+                </a:solidFill>
+              </a:rPr>
+              <a:t>类</a:t>
+            </a:r>
+            <a:endParaRPr lang="zh-CN" altLang="en-US">
+              <a:solidFill>
+                <a:schemeClr val="tx1"/>
+              </a:solidFill>
+            </a:endParaRPr>
+          </a:p>
+        </p:txBody>
+      </p:sp>
+      <p:sp>
+        <p:nvSpPr>
+          <p:cNvPr id="21" name="矩形 20"/>
+          <p:cNvSpPr/>
+          <p:nvPr/>
+        </p:nvSpPr>
+        <p:spPr>
+          <a:xfrm>
+            <a:off x="4772025" y="4498975"/>
+            <a:ext cx="2508885" cy="1570355"/>
+          </a:xfrm>
+          <a:prstGeom prst="rect">
+            <a:avLst/>
+          </a:prstGeom>
+          <a:solidFill>
+            <a:schemeClr val="accent1">
+              <a:lumMod val="60000"/>
+              <a:lumOff val="40000"/>
+            </a:schemeClr>
+          </a:solidFill>
+        </p:spPr>
+        <p:style>
+          <a:lnRef idx="2">
+            <a:schemeClr val="accent1">
+              <a:lumMod val="75000"/>
+            </a:schemeClr>
+          </a:lnRef>
+          <a:fillRef idx="1">
+            <a:schemeClr val="accent1"/>
+          </a:fillRef>
+          <a:effectRef idx="0">
+            <a:srgbClr val="FFFFFF"/>
+          </a:effectRef>
+          <a:fontRef idx="minor">
+            <a:schemeClr val="lt1"/>
+          </a:fontRef>
+        </p:style>
+        <p:txBody>
+          <a:bodyPr rtlCol="0" anchor="ctr"/>
+          <a:p>
+            <a:pPr algn="ctr"/>
+            <a:r>
+              <a:rPr lang="en-US" altLang="zh-CN">
+                <a:solidFill>
+                  <a:schemeClr val="tx1"/>
+                </a:solidFill>
+              </a:rPr>
+              <a:t>service</a:t>
+            </a:r>
+            <a:r>
+              <a:rPr lang="zh-CN" altLang="en-US">
+                <a:solidFill>
+                  <a:schemeClr val="tx1"/>
+                </a:solidFill>
+              </a:rPr>
+              <a:t>类</a:t>
+            </a:r>
+            <a:endParaRPr lang="zh-CN" altLang="en-US">
+              <a:solidFill>
+                <a:schemeClr val="tx1"/>
+              </a:solidFill>
+            </a:endParaRPr>
+          </a:p>
+        </p:txBody>
+      </p:sp>
+      <p:sp>
+        <p:nvSpPr>
+          <p:cNvPr id="25" name="右箭头 24"/>
+          <p:cNvSpPr/>
+          <p:nvPr/>
+        </p:nvSpPr>
+        <p:spPr>
+          <a:xfrm>
+            <a:off x="3404870" y="3221990"/>
+            <a:ext cx="1021080" cy="239395"/>
+          </a:xfrm>
+          <a:prstGeom prst="rightArrow">
+            <a:avLst/>
+          </a:prstGeom>
+        </p:spPr>
+        <p:style>
+          <a:lnRef idx="2">
+            <a:schemeClr val="accent1">
+              <a:lumMod val="75000"/>
+            </a:schemeClr>
+          </a:lnRef>
+          <a:fillRef idx="1">
+            <a:schemeClr val="accent1"/>
+          </a:fillRef>
+          <a:effectRef idx="0">
+            <a:srgbClr val="FFFFFF"/>
+          </a:effectRef>
+          <a:fontRef idx="minor">
+            <a:schemeClr val="lt1"/>
+          </a:fontRef>
+        </p:style>
+        <p:txBody>
+          <a:bodyPr rtlCol="0" anchor="ctr"/>
+          <a:p>
+            <a:pPr algn="ctr"/>
+            <a:endParaRPr lang="zh-CN" altLang="en-US"/>
+          </a:p>
+        </p:txBody>
+      </p:sp>
+      <p:sp>
+        <p:nvSpPr>
+          <p:cNvPr id="26" name="右箭头 25"/>
+          <p:cNvSpPr/>
+          <p:nvPr/>
+        </p:nvSpPr>
+        <p:spPr>
+          <a:xfrm>
+            <a:off x="3404870" y="4864100"/>
+            <a:ext cx="1021080" cy="274320"/>
+          </a:xfrm>
+          <a:prstGeom prst="rightArrow">
+            <a:avLst/>
+          </a:prstGeom>
+        </p:spPr>
+        <p:style>
+          <a:lnRef idx="2">
+            <a:schemeClr val="accent1">
+              <a:lumMod val="75000"/>
+            </a:schemeClr>
+          </a:lnRef>
+          <a:fillRef idx="1">
+            <a:schemeClr val="accent1"/>
+          </a:fillRef>
+          <a:effectRef idx="0">
+            <a:srgbClr val="FFFFFF"/>
+          </a:effectRef>
+          <a:fontRef idx="minor">
+            <a:schemeClr val="lt1"/>
+          </a:fontRef>
+        </p:style>
+        <p:txBody>
+          <a:bodyPr rtlCol="0" anchor="ctr"/>
+          <a:p>
+            <a:pPr algn="ctr"/>
+            <a:endParaRPr lang="zh-CN" altLang="en-US"/>
+          </a:p>
+        </p:txBody>
+      </p:sp>
+      <p:sp>
+        <p:nvSpPr>
+          <p:cNvPr id="27" name="文本框 26"/>
+          <p:cNvSpPr txBox="1"/>
+          <p:nvPr/>
+        </p:nvSpPr>
+        <p:spPr>
+          <a:xfrm>
+            <a:off x="3265170" y="2877820"/>
+            <a:ext cx="1576070" cy="368300"/>
+          </a:xfrm>
+          <a:prstGeom prst="rect">
+            <a:avLst/>
+          </a:prstGeom>
+          <a:noFill/>
+        </p:spPr>
+        <p:txBody>
+          <a:bodyPr wrap="square" rtlCol="0">
+            <a:spAutoFit/>
+          </a:bodyPr>
+          <a:p>
+            <a:r>
+              <a:rPr lang="zh-CN" altLang="en-US"/>
+              <a:t>获取</a:t>
+            </a:r>
+            <a:r>
+              <a:rPr lang="en-US" altLang="zh-CN"/>
+              <a:t>service</a:t>
+            </a:r>
+            <a:r>
+              <a:rPr lang="zh-CN" altLang="en-US"/>
+              <a:t>类</a:t>
+            </a:r>
+            <a:endParaRPr lang="zh-CN" altLang="en-US"/>
+          </a:p>
+        </p:txBody>
+      </p:sp>
+      <p:sp>
+        <p:nvSpPr>
+          <p:cNvPr id="28" name="文本框 27"/>
+          <p:cNvSpPr txBox="1"/>
+          <p:nvPr/>
+        </p:nvSpPr>
+        <p:spPr>
+          <a:xfrm>
+            <a:off x="3404870" y="4449445"/>
+            <a:ext cx="4064000" cy="368300"/>
+          </a:xfrm>
+          <a:prstGeom prst="rect">
+            <a:avLst/>
+          </a:prstGeom>
+          <a:noFill/>
+        </p:spPr>
+        <p:txBody>
+          <a:bodyPr wrap="square" rtlCol="0">
+            <a:spAutoFit/>
+          </a:bodyPr>
+          <a:p>
+            <a:r>
+              <a:rPr lang="zh-CN" altLang="en-US"/>
+              <a:t>获取</a:t>
+            </a:r>
+            <a:r>
+              <a:rPr lang="en-US" altLang="zh-CN"/>
+              <a:t>dao</a:t>
+            </a:r>
+            <a:r>
+              <a:rPr lang="zh-CN" altLang="en-US"/>
+              <a:t>类</a:t>
+            </a:r>
+            <a:endParaRPr lang="zh-CN" altLang="en-US"/>
+          </a:p>
+        </p:txBody>
+      </p:sp>
+    </p:spTree>
+  </p:cSld>
+  <p:clrMapOvr>
+    <a:masterClrMapping/>
+  </p:clrMapOvr>
+</p:sld>
+</file>
+
+<file path=ppt/slides/slide11.xml><?xml version="1.0" encoding="utf-8"?>
+<p:sld xmlns:a="http://schemas.openxmlformats.org/drawingml/2006/main" xmlns:r="http://schemas.openxmlformats.org/officeDocument/2006/relationships" xmlns:p="http://schemas.openxmlformats.org/presentationml/2006/main">
+  <p:cSld>
+    <p:spTree>
+      <p:nvGrpSpPr>
+        <p:cNvPr id="1" name=""/>
+        <p:cNvGrpSpPr/>
+        <p:nvPr/>
+      </p:nvGrpSpPr>
+      <p:grpSpPr>
+        <a:xfrm>
+          <a:off x="0" y="0"/>
+          <a:ext cx="0" cy="0"/>
+          <a:chOff x="0" y="0"/>
+          <a:chExt cx="0" cy="0"/>
+        </a:xfrm>
+      </p:grpSpPr>
+      <p:sp>
+        <p:nvSpPr>
+          <p:cNvPr id="2" name="矩形 1"/>
+          <p:cNvSpPr/>
+          <p:nvPr/>
+        </p:nvSpPr>
+        <p:spPr>
+          <a:xfrm>
+            <a:off x="9942286" y="0"/>
+            <a:ext cx="2249715" cy="6858000"/>
+          </a:xfrm>
+          <a:prstGeom prst="rect">
+            <a:avLst/>
+          </a:prstGeom>
+          <a:solidFill>
+            <a:srgbClr val="3843B3"/>
+          </a:solidFill>
+          <a:ln>
+            <a:noFill/>
+          </a:ln>
+        </p:spPr>
+        <p:style>
+          <a:lnRef idx="2">
+            <a:schemeClr val="accent1">
+              <a:shade val="50000"/>
+            </a:schemeClr>
+          </a:lnRef>
+          <a:fillRef idx="1">
+            <a:schemeClr val="accent1"/>
+          </a:fillRef>
+          <a:effectRef idx="0">
+            <a:schemeClr val="accent1"/>
+          </a:effectRef>
+          <a:fontRef idx="minor">
+            <a:schemeClr val="lt1"/>
+          </a:fontRef>
+        </p:style>
+        <p:txBody>
+          <a:bodyPr rtlCol="0" anchor="ctr"/>
+          <a:lstStyle/>
+          <a:p>
+            <a:pPr algn="ctr"/>
+            <a:endParaRPr lang="zh-CN" altLang="en-US" dirty="0">
+              <a:latin typeface="微软雅黑" panose="020B0503020204020204" pitchFamily="34" charset="-122"/>
+              <a:ea typeface="微软雅黑" panose="020B0503020204020204" pitchFamily="34" charset="-122"/>
+            </a:endParaRPr>
+          </a:p>
+        </p:txBody>
+      </p:sp>
+      <p:sp>
+        <p:nvSpPr>
+          <p:cNvPr id="3" name="文本框 2"/>
+          <p:cNvSpPr txBox="1"/>
+          <p:nvPr/>
+        </p:nvSpPr>
+        <p:spPr>
+          <a:xfrm>
+            <a:off x="1425004" y="509861"/>
+            <a:ext cx="2656459" cy="460375"/>
+          </a:xfrm>
+          <a:prstGeom prst="rect">
+            <a:avLst/>
+          </a:prstGeom>
+          <a:noFill/>
+        </p:spPr>
+        <p:txBody>
+          <a:bodyPr wrap="square" rtlCol="0">
+            <a:spAutoFit/>
+          </a:bodyPr>
+          <a:lstStyle/>
+          <a:p>
+            <a:r>
+              <a:rPr lang="zh-CN" altLang="en-US" sz="2400" b="1" dirty="0">
+                <a:solidFill>
+                  <a:schemeClr val="bg2">
+                    <a:lumMod val="25000"/>
+                  </a:schemeClr>
+                </a:solidFill>
+                <a:latin typeface="微软雅黑" panose="020B0503020204020204" pitchFamily="34" charset="-122"/>
+                <a:ea typeface="微软雅黑" panose="020B0503020204020204" pitchFamily="34" charset="-122"/>
+              </a:rPr>
+              <a:t>项目</a:t>
+            </a:r>
+            <a:r>
+              <a:rPr lang="zh-CN" altLang="en-US" sz="2400" b="1" dirty="0">
+                <a:solidFill>
+                  <a:schemeClr val="bg2">
+                    <a:lumMod val="25000"/>
+                  </a:schemeClr>
+                </a:solidFill>
+                <a:latin typeface="微软雅黑" panose="020B0503020204020204" pitchFamily="34" charset="-122"/>
+                <a:ea typeface="微软雅黑" panose="020B0503020204020204" pitchFamily="34" charset="-122"/>
+              </a:rPr>
+              <a:t>亮点</a:t>
+            </a:r>
+            <a:endParaRPr lang="zh-CN" altLang="en-US" sz="2400" b="1" dirty="0">
+              <a:solidFill>
+                <a:schemeClr val="bg2">
+                  <a:lumMod val="25000"/>
+                </a:schemeClr>
+              </a:solidFill>
+              <a:latin typeface="微软雅黑" panose="020B0503020204020204" pitchFamily="34" charset="-122"/>
+              <a:ea typeface="微软雅黑" panose="020B0503020204020204" pitchFamily="34" charset="-122"/>
+            </a:endParaRPr>
+          </a:p>
+        </p:txBody>
+      </p:sp>
+      <p:pic>
+        <p:nvPicPr>
+          <p:cNvPr id="4" name="图形 3"/>
+          <p:cNvPicPr>
+            <a:picLocks noChangeAspect="1"/>
+          </p:cNvPicPr>
+          <p:nvPr/>
+        </p:nvPicPr>
+        <p:blipFill>
+          <a:blip r:embed="rId1">
+            <a:extLst>
+              <a:ext uri="{28A0092B-C50C-407E-A947-70E740481C1C}">
+                <a14:useLocalDpi xmlns:a14="http://schemas.microsoft.com/office/drawing/2010/main" val="0"/>
+              </a:ext>
+              <a:ext uri="{96DAC541-7B7A-43D3-8B79-37D633B846F1}">
+                <asvg:svgBlip xmlns:asvg="http://schemas.microsoft.com/office/drawing/2016/SVG/main" r:embed="rId2"/>
+              </a:ext>
+            </a:extLst>
+          </a:blip>
+          <a:stretch>
+            <a:fillRect/>
+          </a:stretch>
+        </p:blipFill>
+        <p:spPr>
+          <a:xfrm>
+            <a:off x="10516998" y="420430"/>
+            <a:ext cx="1068278" cy="1102192"/>
+          </a:xfrm>
+          <a:prstGeom prst="rect">
+            <a:avLst/>
+          </a:prstGeom>
+        </p:spPr>
+      </p:pic>
+      <p:sp>
+        <p:nvSpPr>
+          <p:cNvPr id="6" name="椭圆 5"/>
+          <p:cNvSpPr/>
+          <p:nvPr/>
+        </p:nvSpPr>
+        <p:spPr>
+          <a:xfrm>
+            <a:off x="968457" y="577043"/>
+            <a:ext cx="327299" cy="327299"/>
+          </a:xfrm>
+          <a:prstGeom prst="ellipse">
+            <a:avLst/>
+          </a:prstGeom>
+          <a:solidFill>
+            <a:srgbClr val="3843B3"/>
+          </a:solidFill>
+          <a:ln w="53975">
+            <a:noFill/>
+          </a:ln>
+        </p:spPr>
+        <p:style>
+          <a:lnRef idx="2">
+            <a:schemeClr val="accent1">
+              <a:shade val="50000"/>
+            </a:schemeClr>
+          </a:lnRef>
+          <a:fillRef idx="1">
+            <a:schemeClr val="accent1"/>
+          </a:fillRef>
+          <a:effectRef idx="0">
+            <a:schemeClr val="accent1"/>
+          </a:effectRef>
+          <a:fontRef idx="minor">
+            <a:schemeClr val="lt1"/>
+          </a:fontRef>
+        </p:style>
+        <p:txBody>
+          <a:bodyPr rtlCol="0" anchor="ctr"/>
+          <a:lstStyle/>
+          <a:p>
+            <a:pPr algn="ctr"/>
+            <a:endParaRPr lang="zh-CN" altLang="en-US" sz="1400" b="1" dirty="0">
+              <a:latin typeface="微软雅黑" panose="020B0503020204020204" pitchFamily="34" charset="-122"/>
+              <a:ea typeface="微软雅黑" panose="020B0503020204020204" pitchFamily="34" charset="-122"/>
+            </a:endParaRPr>
+          </a:p>
+        </p:txBody>
+      </p:sp>
+      <p:sp>
+        <p:nvSpPr>
+          <p:cNvPr id="8" name="文本框 7"/>
+          <p:cNvSpPr txBox="1"/>
+          <p:nvPr/>
+        </p:nvSpPr>
+        <p:spPr>
+          <a:xfrm>
+            <a:off x="10152185" y="2001483"/>
+            <a:ext cx="1787029" cy="460375"/>
+          </a:xfrm>
+          <a:prstGeom prst="rect">
+            <a:avLst/>
+          </a:prstGeom>
+          <a:noFill/>
+        </p:spPr>
+        <p:txBody>
+          <a:bodyPr wrap="square" rtlCol="0">
+            <a:spAutoFit/>
+          </a:bodyPr>
+          <a:lstStyle/>
+          <a:p>
+            <a:r>
+              <a:rPr lang="zh-CN" altLang="en-US" sz="2400" dirty="0">
+                <a:solidFill>
+                  <a:schemeClr val="bg1">
+                    <a:lumMod val="65000"/>
+                  </a:schemeClr>
+                </a:solidFill>
+                <a:latin typeface="微软雅黑" panose="020B0503020204020204" pitchFamily="34" charset="-122"/>
+                <a:ea typeface="微软雅黑" panose="020B0503020204020204" pitchFamily="34" charset="-122"/>
+              </a:rPr>
+              <a:t>项目简介</a:t>
+            </a:r>
+            <a:endParaRPr lang="zh-CN" altLang="en-US" sz="2400" dirty="0">
+              <a:solidFill>
+                <a:schemeClr val="bg1">
+                  <a:lumMod val="65000"/>
+                </a:schemeClr>
+              </a:solidFill>
+              <a:latin typeface="微软雅黑" panose="020B0503020204020204" pitchFamily="34" charset="-122"/>
+              <a:ea typeface="微软雅黑" panose="020B0503020204020204" pitchFamily="34" charset="-122"/>
+            </a:endParaRPr>
+          </a:p>
+        </p:txBody>
+      </p:sp>
+      <p:sp>
+        <p:nvSpPr>
+          <p:cNvPr id="9" name="文本框 8"/>
+          <p:cNvSpPr txBox="1"/>
+          <p:nvPr/>
+        </p:nvSpPr>
+        <p:spPr>
+          <a:xfrm>
+            <a:off x="10152185" y="2582349"/>
+            <a:ext cx="1787029" cy="460375"/>
+          </a:xfrm>
+          <a:prstGeom prst="rect">
+            <a:avLst/>
+          </a:prstGeom>
+          <a:noFill/>
+        </p:spPr>
+        <p:txBody>
+          <a:bodyPr wrap="square" rtlCol="0">
+            <a:spAutoFit/>
+          </a:bodyPr>
+          <a:lstStyle/>
+          <a:p>
+            <a:r>
+              <a:rPr lang="zh-CN" altLang="en-US" sz="2400" dirty="0">
+                <a:solidFill>
+                  <a:schemeClr val="bg1">
+                    <a:lumMod val="65000"/>
+                  </a:schemeClr>
+                </a:solidFill>
+                <a:latin typeface="微软雅黑" panose="020B0503020204020204" pitchFamily="34" charset="-122"/>
+                <a:ea typeface="微软雅黑" panose="020B0503020204020204" pitchFamily="34" charset="-122"/>
+              </a:rPr>
+              <a:t>设计思路</a:t>
+            </a:r>
+            <a:endParaRPr lang="zh-CN" altLang="en-US" sz="2400" dirty="0">
+              <a:solidFill>
+                <a:schemeClr val="bg1">
+                  <a:lumMod val="65000"/>
+                </a:schemeClr>
+              </a:solidFill>
+              <a:latin typeface="微软雅黑" panose="020B0503020204020204" pitchFamily="34" charset="-122"/>
+              <a:ea typeface="微软雅黑" panose="020B0503020204020204" pitchFamily="34" charset="-122"/>
+            </a:endParaRPr>
+          </a:p>
+        </p:txBody>
+      </p:sp>
+      <p:sp>
+        <p:nvSpPr>
+          <p:cNvPr id="10" name="文本框 9"/>
+          <p:cNvSpPr txBox="1"/>
+          <p:nvPr/>
+        </p:nvSpPr>
+        <p:spPr>
+          <a:xfrm>
+            <a:off x="10173628" y="3163215"/>
+            <a:ext cx="1787029" cy="460375"/>
+          </a:xfrm>
+          <a:prstGeom prst="rect">
+            <a:avLst/>
+          </a:prstGeom>
+          <a:noFill/>
+        </p:spPr>
+        <p:txBody>
+          <a:bodyPr wrap="square" rtlCol="0">
+            <a:spAutoFit/>
+          </a:bodyPr>
+          <a:lstStyle/>
+          <a:p>
+            <a:r>
+              <a:rPr lang="zh-CN" altLang="en-US" sz="2400" dirty="0">
+                <a:solidFill>
+                  <a:schemeClr val="bg1"/>
+                </a:solidFill>
+                <a:latin typeface="微软雅黑" panose="020B0503020204020204" pitchFamily="34" charset="-122"/>
+                <a:ea typeface="微软雅黑" panose="020B0503020204020204" pitchFamily="34" charset="-122"/>
+              </a:rPr>
+              <a:t>项目亮点</a:t>
+            </a:r>
+            <a:endParaRPr lang="zh-CN" altLang="en-US" sz="2400" dirty="0">
+              <a:solidFill>
+                <a:schemeClr val="bg1"/>
+              </a:solidFill>
+              <a:latin typeface="微软雅黑" panose="020B0503020204020204" pitchFamily="34" charset="-122"/>
+              <a:ea typeface="微软雅黑" panose="020B0503020204020204" pitchFamily="34" charset="-122"/>
+            </a:endParaRPr>
+          </a:p>
+        </p:txBody>
+      </p:sp>
+      <p:sp>
+        <p:nvSpPr>
+          <p:cNvPr id="11" name="文本框 10"/>
+          <p:cNvSpPr txBox="1"/>
+          <p:nvPr/>
+        </p:nvSpPr>
+        <p:spPr>
+          <a:xfrm>
+            <a:off x="10173628" y="3744081"/>
+            <a:ext cx="1787029" cy="460375"/>
+          </a:xfrm>
+          <a:prstGeom prst="rect">
+            <a:avLst/>
+          </a:prstGeom>
+          <a:noFill/>
+        </p:spPr>
+        <p:txBody>
+          <a:bodyPr wrap="square" rtlCol="0">
+            <a:spAutoFit/>
+          </a:bodyPr>
+          <a:lstStyle/>
+          <a:p>
+            <a:r>
+              <a:rPr lang="zh-CN" altLang="en-US" sz="2400" dirty="0">
+                <a:solidFill>
+                  <a:schemeClr val="bg1">
+                    <a:lumMod val="65000"/>
+                  </a:schemeClr>
+                </a:solidFill>
+                <a:latin typeface="微软雅黑" panose="020B0503020204020204" pitchFamily="34" charset="-122"/>
+                <a:ea typeface="微软雅黑" panose="020B0503020204020204" pitchFamily="34" charset="-122"/>
+              </a:rPr>
+              <a:t>项目</a:t>
+            </a:r>
+            <a:r>
+              <a:rPr lang="zh-CN" altLang="en-US" sz="2400" dirty="0">
+                <a:solidFill>
+                  <a:schemeClr val="bg1">
+                    <a:lumMod val="65000"/>
+                  </a:schemeClr>
+                </a:solidFill>
+                <a:latin typeface="微软雅黑" panose="020B0503020204020204" pitchFamily="34" charset="-122"/>
+                <a:ea typeface="微软雅黑" panose="020B0503020204020204" pitchFamily="34" charset="-122"/>
+              </a:rPr>
+              <a:t>难点</a:t>
+            </a:r>
+            <a:endParaRPr lang="zh-CN" altLang="en-US" sz="2400" dirty="0">
+              <a:solidFill>
+                <a:schemeClr val="bg1">
+                  <a:lumMod val="65000"/>
+                </a:schemeClr>
+              </a:solidFill>
+              <a:latin typeface="微软雅黑" panose="020B0503020204020204" pitchFamily="34" charset="-122"/>
+              <a:ea typeface="微软雅黑" panose="020B0503020204020204" pitchFamily="34" charset="-122"/>
+            </a:endParaRPr>
+          </a:p>
+        </p:txBody>
+      </p:sp>
+      <p:sp>
+        <p:nvSpPr>
+          <p:cNvPr id="12" name="文本框 11"/>
+          <p:cNvSpPr txBox="1"/>
+          <p:nvPr/>
+        </p:nvSpPr>
+        <p:spPr>
+          <a:xfrm>
+            <a:off x="10173628" y="4324947"/>
+            <a:ext cx="1787029" cy="460375"/>
+          </a:xfrm>
+          <a:prstGeom prst="rect">
+            <a:avLst/>
+          </a:prstGeom>
+          <a:noFill/>
+        </p:spPr>
+        <p:txBody>
+          <a:bodyPr wrap="square" rtlCol="0">
+            <a:spAutoFit/>
+          </a:bodyPr>
+          <a:lstStyle/>
+          <a:p>
+            <a:r>
+              <a:rPr lang="zh-CN" altLang="en-US" sz="2400" dirty="0">
+                <a:solidFill>
+                  <a:schemeClr val="bg1">
+                    <a:lumMod val="65000"/>
+                  </a:schemeClr>
+                </a:solidFill>
+                <a:latin typeface="微软雅黑" panose="020B0503020204020204" pitchFamily="34" charset="-122"/>
+                <a:ea typeface="微软雅黑" panose="020B0503020204020204" pitchFamily="34" charset="-122"/>
+              </a:rPr>
+              <a:t>心得体会</a:t>
+            </a:r>
+            <a:endParaRPr lang="zh-CN" altLang="en-US" sz="2400" dirty="0">
+              <a:solidFill>
+                <a:schemeClr val="bg1">
+                  <a:lumMod val="65000"/>
+                </a:schemeClr>
+              </a:solidFill>
+              <a:latin typeface="微软雅黑" panose="020B0503020204020204" pitchFamily="34" charset="-122"/>
+              <a:ea typeface="微软雅黑" panose="020B0503020204020204" pitchFamily="34" charset="-122"/>
+            </a:endParaRPr>
+          </a:p>
+        </p:txBody>
+      </p:sp>
+      <p:sp>
+        <p:nvSpPr>
+          <p:cNvPr id="5" name="文本框 4"/>
+          <p:cNvSpPr txBox="1"/>
+          <p:nvPr/>
+        </p:nvSpPr>
+        <p:spPr>
+          <a:xfrm>
+            <a:off x="968375" y="1375410"/>
+            <a:ext cx="4064000" cy="368300"/>
+          </a:xfrm>
+          <a:prstGeom prst="rect">
+            <a:avLst/>
+          </a:prstGeom>
+          <a:noFill/>
+        </p:spPr>
+        <p:txBody>
+          <a:bodyPr wrap="square" rtlCol="0">
+            <a:spAutoFit/>
+          </a:bodyPr>
+          <a:p>
+            <a:r>
+              <a:rPr lang="en-US" altLang="zh-CN" b="1"/>
+              <a:t>3.</a:t>
+            </a:r>
+            <a:r>
+              <a:rPr lang="zh-CN" altLang="en-US" b="1"/>
+              <a:t>使用自定义的</a:t>
+            </a:r>
+            <a:r>
+              <a:rPr lang="en-US" altLang="zh-CN" b="1"/>
+              <a:t>Servlet</a:t>
+            </a:r>
+            <a:r>
+              <a:rPr lang="zh-CN" altLang="en-US" b="1"/>
+              <a:t>基类</a:t>
+            </a:r>
+            <a:endParaRPr lang="zh-CN" altLang="en-US" b="1"/>
+          </a:p>
+        </p:txBody>
+      </p:sp>
+      <p:sp>
+        <p:nvSpPr>
+          <p:cNvPr id="7" name="文本框 6"/>
+          <p:cNvSpPr txBox="1"/>
+          <p:nvPr/>
+        </p:nvSpPr>
+        <p:spPr>
+          <a:xfrm>
+            <a:off x="968375" y="1937385"/>
+            <a:ext cx="8182610" cy="645160"/>
+          </a:xfrm>
+          <a:prstGeom prst="rect">
+            <a:avLst/>
+          </a:prstGeom>
+          <a:noFill/>
+        </p:spPr>
+        <p:txBody>
+          <a:bodyPr wrap="square" rtlCol="0">
+            <a:spAutoFit/>
+          </a:bodyPr>
+          <a:p>
+            <a:r>
+              <a:rPr lang="zh-CN" altLang="en-US"/>
+              <a:t>基类接受了所有前端的请求，解析后将</a:t>
+            </a:r>
+            <a:r>
+              <a:rPr lang="zh-CN" altLang="en-US"/>
+              <a:t>请求导航到相应</a:t>
+            </a:r>
+            <a:r>
+              <a:rPr lang="en-US" altLang="zh-CN"/>
+              <a:t>Servlet</a:t>
+            </a:r>
+            <a:r>
+              <a:rPr lang="zh-CN" altLang="en-US"/>
+              <a:t>类的相应方法中，避免了创建过多的</a:t>
+            </a:r>
+            <a:r>
+              <a:rPr lang="en-US" altLang="zh-CN"/>
+              <a:t>Servlet</a:t>
+            </a:r>
+            <a:r>
+              <a:rPr lang="zh-CN" altLang="en-US"/>
+              <a:t>类，增加了代码的可维护性和</a:t>
+            </a:r>
+            <a:r>
+              <a:rPr lang="zh-CN" altLang="en-US"/>
+              <a:t>可读性</a:t>
+            </a:r>
+            <a:endParaRPr lang="zh-CN" altLang="en-US"/>
+          </a:p>
+        </p:txBody>
+      </p:sp>
+      <p:sp>
+        <p:nvSpPr>
+          <p:cNvPr id="14" name="矩形 13"/>
+          <p:cNvSpPr/>
+          <p:nvPr/>
+        </p:nvSpPr>
+        <p:spPr>
+          <a:xfrm>
+            <a:off x="968375" y="2881630"/>
+            <a:ext cx="2117090" cy="3161030"/>
+          </a:xfrm>
+          <a:prstGeom prst="rect">
+            <a:avLst/>
+          </a:prstGeom>
+          <a:solidFill>
+            <a:schemeClr val="accent2">
+              <a:lumMod val="60000"/>
+              <a:lumOff val="40000"/>
+            </a:schemeClr>
+          </a:solidFill>
+        </p:spPr>
+        <p:style>
+          <a:lnRef idx="2">
+            <a:schemeClr val="accent1">
+              <a:lumMod val="75000"/>
+            </a:schemeClr>
+          </a:lnRef>
+          <a:fillRef idx="1">
+            <a:schemeClr val="accent1"/>
+          </a:fillRef>
+          <a:effectRef idx="0">
+            <a:srgbClr val="FFFFFF"/>
+          </a:effectRef>
+          <a:fontRef idx="minor">
+            <a:schemeClr val="lt1"/>
+          </a:fontRef>
+        </p:style>
+        <p:txBody>
+          <a:bodyPr rtlCol="0" anchor="ctr"/>
+          <a:p>
+            <a:pPr algn="ctr"/>
+            <a:r>
+              <a:rPr lang="zh-CN" altLang="en-US">
+                <a:solidFill>
+                  <a:schemeClr val="tx1"/>
+                </a:solidFill>
+              </a:rPr>
+              <a:t>前端</a:t>
+            </a:r>
+            <a:endParaRPr lang="zh-CN" altLang="en-US">
+              <a:solidFill>
+                <a:schemeClr val="tx1"/>
+              </a:solidFill>
+            </a:endParaRPr>
+          </a:p>
+        </p:txBody>
+      </p:sp>
+      <p:sp>
+        <p:nvSpPr>
+          <p:cNvPr id="16" name="矩形 15"/>
+          <p:cNvSpPr/>
+          <p:nvPr/>
+        </p:nvSpPr>
+        <p:spPr>
+          <a:xfrm>
+            <a:off x="4384675" y="3315335"/>
+            <a:ext cx="1717675" cy="2294255"/>
+          </a:xfrm>
+          <a:prstGeom prst="rect">
+            <a:avLst/>
+          </a:prstGeom>
+          <a:solidFill>
+            <a:schemeClr val="accent1">
+              <a:lumMod val="60000"/>
+              <a:lumOff val="40000"/>
+            </a:schemeClr>
+          </a:solidFill>
+        </p:spPr>
+        <p:style>
+          <a:lnRef idx="0">
+            <a:srgbClr val="FFFFFF"/>
+          </a:lnRef>
+          <a:fillRef idx="2">
+            <a:schemeClr val="accent2"/>
+          </a:fillRef>
+          <a:effectRef idx="0">
+            <a:srgbClr val="FFFFFF"/>
+          </a:effectRef>
+          <a:fontRef idx="minor">
+            <a:schemeClr val="lt1"/>
+          </a:fontRef>
+        </p:style>
+        <p:txBody>
+          <a:bodyPr rtlCol="0" anchor="ctr"/>
+          <a:p>
+            <a:pPr algn="ctr"/>
+            <a:r>
+              <a:rPr lang="en-US" altLang="zh-CN">
+                <a:solidFill>
+                  <a:schemeClr val="tx1"/>
+                </a:solidFill>
+              </a:rPr>
+              <a:t>servlet</a:t>
+            </a:r>
+            <a:r>
+              <a:rPr lang="zh-CN" altLang="en-US">
+                <a:solidFill>
+                  <a:schemeClr val="tx1"/>
+                </a:solidFill>
+              </a:rPr>
+              <a:t>基类</a:t>
+            </a:r>
+            <a:endParaRPr lang="zh-CN" altLang="en-US">
+              <a:solidFill>
+                <a:schemeClr val="tx1"/>
+              </a:solidFill>
+            </a:endParaRPr>
+          </a:p>
+        </p:txBody>
+      </p:sp>
+      <p:sp>
+        <p:nvSpPr>
+          <p:cNvPr id="17" name="矩形 16"/>
+          <p:cNvSpPr/>
+          <p:nvPr/>
+        </p:nvSpPr>
+        <p:spPr>
+          <a:xfrm>
+            <a:off x="7401560" y="3315335"/>
+            <a:ext cx="1749425" cy="2294255"/>
+          </a:xfrm>
+          <a:prstGeom prst="rect">
+            <a:avLst/>
+          </a:prstGeom>
+          <a:solidFill>
+            <a:schemeClr val="accent3">
+              <a:lumMod val="60000"/>
+              <a:lumOff val="40000"/>
+            </a:schemeClr>
+          </a:solidFill>
+        </p:spPr>
+        <p:style>
+          <a:lnRef idx="2">
+            <a:schemeClr val="accent1">
+              <a:lumMod val="75000"/>
+            </a:schemeClr>
+          </a:lnRef>
+          <a:fillRef idx="1">
+            <a:schemeClr val="accent1"/>
+          </a:fillRef>
+          <a:effectRef idx="0">
+            <a:srgbClr val="FFFFFF"/>
+          </a:effectRef>
+          <a:fontRef idx="minor">
+            <a:schemeClr val="lt1"/>
+          </a:fontRef>
+        </p:style>
+        <p:txBody>
+          <a:bodyPr rtlCol="0" anchor="ctr"/>
+          <a:p>
+            <a:pPr algn="ctr"/>
+            <a:r>
+              <a:rPr lang="zh-CN" altLang="en-US">
+                <a:solidFill>
+                  <a:schemeClr val="tx1"/>
+                </a:solidFill>
+              </a:rPr>
+              <a:t>其他</a:t>
+            </a:r>
+            <a:r>
+              <a:rPr lang="en-US" altLang="zh-CN">
+                <a:solidFill>
+                  <a:schemeClr val="tx1"/>
+                </a:solidFill>
+              </a:rPr>
+              <a:t>servlet</a:t>
+            </a:r>
+            <a:r>
+              <a:rPr lang="zh-CN" altLang="en-US">
+                <a:solidFill>
+                  <a:schemeClr val="tx1"/>
+                </a:solidFill>
+              </a:rPr>
+              <a:t>类</a:t>
+            </a:r>
+            <a:endParaRPr lang="zh-CN" altLang="en-US">
+              <a:solidFill>
+                <a:schemeClr val="tx1"/>
+              </a:solidFill>
+            </a:endParaRPr>
+          </a:p>
+        </p:txBody>
+      </p:sp>
+      <p:sp>
+        <p:nvSpPr>
+          <p:cNvPr id="18" name="右箭头 17"/>
+          <p:cNvSpPr/>
+          <p:nvPr/>
+        </p:nvSpPr>
+        <p:spPr>
+          <a:xfrm>
+            <a:off x="3291840" y="4038600"/>
+            <a:ext cx="979170" cy="485775"/>
+          </a:xfrm>
+          <a:prstGeom prst="rightArrow">
+            <a:avLst/>
+          </a:prstGeom>
+        </p:spPr>
+        <p:style>
+          <a:lnRef idx="2">
+            <a:schemeClr val="accent1">
+              <a:lumMod val="75000"/>
+            </a:schemeClr>
+          </a:lnRef>
+          <a:fillRef idx="1">
+            <a:schemeClr val="accent1"/>
+          </a:fillRef>
+          <a:effectRef idx="0">
+            <a:srgbClr val="FFFFFF"/>
+          </a:effectRef>
+          <a:fontRef idx="minor">
+            <a:schemeClr val="lt1"/>
+          </a:fontRef>
+        </p:style>
+        <p:txBody>
+          <a:bodyPr rtlCol="0" anchor="ctr"/>
+          <a:p>
+            <a:pPr algn="ctr"/>
+            <a:endParaRPr lang="zh-CN" altLang="en-US"/>
+          </a:p>
+        </p:txBody>
+      </p:sp>
+      <p:sp>
+        <p:nvSpPr>
+          <p:cNvPr id="19" name="右箭头 18"/>
+          <p:cNvSpPr/>
+          <p:nvPr/>
+        </p:nvSpPr>
+        <p:spPr>
+          <a:xfrm>
+            <a:off x="6216015" y="4038600"/>
+            <a:ext cx="979170" cy="485775"/>
+          </a:xfrm>
+          <a:prstGeom prst="rightArrow">
+            <a:avLst/>
+          </a:prstGeom>
+        </p:spPr>
+        <p:style>
+          <a:lnRef idx="2">
+            <a:schemeClr val="accent1">
+              <a:lumMod val="75000"/>
+            </a:schemeClr>
+          </a:lnRef>
+          <a:fillRef idx="1">
+            <a:schemeClr val="accent1"/>
+          </a:fillRef>
+          <a:effectRef idx="0">
+            <a:srgbClr val="FFFFFF"/>
+          </a:effectRef>
+          <a:fontRef idx="minor">
+            <a:schemeClr val="lt1"/>
+          </a:fontRef>
+        </p:style>
+        <p:txBody>
+          <a:bodyPr rtlCol="0" anchor="ctr"/>
+          <a:p>
+            <a:pPr algn="ctr"/>
+            <a:endParaRPr lang="zh-CN" altLang="en-US"/>
+          </a:p>
+        </p:txBody>
+      </p:sp>
+      <p:sp>
+        <p:nvSpPr>
+          <p:cNvPr id="20" name="文本框 19"/>
+          <p:cNvSpPr txBox="1"/>
+          <p:nvPr/>
+        </p:nvSpPr>
+        <p:spPr>
+          <a:xfrm>
+            <a:off x="3291840" y="3615690"/>
+            <a:ext cx="4064000" cy="368300"/>
+          </a:xfrm>
+          <a:prstGeom prst="rect">
+            <a:avLst/>
+          </a:prstGeom>
+          <a:noFill/>
+        </p:spPr>
+        <p:txBody>
+          <a:bodyPr wrap="square" rtlCol="0">
+            <a:spAutoFit/>
+          </a:bodyPr>
+          <a:p>
+            <a:r>
+              <a:rPr lang="zh-CN" altLang="en-US"/>
+              <a:t>发送请求</a:t>
+            </a:r>
+            <a:endParaRPr lang="zh-CN" altLang="en-US"/>
+          </a:p>
+        </p:txBody>
+      </p:sp>
+      <p:sp>
+        <p:nvSpPr>
+          <p:cNvPr id="21" name="文本框 20"/>
+          <p:cNvSpPr txBox="1"/>
+          <p:nvPr/>
+        </p:nvSpPr>
+        <p:spPr>
+          <a:xfrm>
+            <a:off x="6244590" y="3615690"/>
+            <a:ext cx="4064000" cy="368300"/>
+          </a:xfrm>
+          <a:prstGeom prst="rect">
+            <a:avLst/>
+          </a:prstGeom>
+          <a:noFill/>
+        </p:spPr>
+        <p:txBody>
+          <a:bodyPr wrap="square" rtlCol="0">
+            <a:spAutoFit/>
+          </a:bodyPr>
+          <a:p>
+            <a:r>
+              <a:rPr lang="zh-CN" altLang="en-US"/>
+              <a:t>分发</a:t>
+            </a:r>
+            <a:r>
+              <a:rPr lang="zh-CN" altLang="en-US"/>
+              <a:t>请求</a:t>
+            </a:r>
+            <a:endParaRPr lang="zh-CN" altLang="en-US"/>
+          </a:p>
+        </p:txBody>
+      </p:sp>
+    </p:spTree>
+  </p:cSld>
+  <p:clrMapOvr>
+    <a:masterClrMapping/>
+  </p:clrMapOvr>
+</p:sld>
+</file>
+
+<file path=ppt/slides/slide12.xml><?xml version="1.0" encoding="utf-8"?>
+<p:sld xmlns:a="http://schemas.openxmlformats.org/drawingml/2006/main" xmlns:r="http://schemas.openxmlformats.org/officeDocument/2006/relationships" xmlns:p="http://schemas.openxmlformats.org/presentationml/2006/main">
+  <p:cSld>
+    <p:spTree>
+      <p:nvGrpSpPr>
+        <p:cNvPr id="1" name=""/>
+        <p:cNvGrpSpPr/>
+        <p:nvPr/>
+      </p:nvGrpSpPr>
+      <p:grpSpPr>
+        <a:xfrm>
+          <a:off x="0" y="0"/>
+          <a:ext cx="0" cy="0"/>
+          <a:chOff x="0" y="0"/>
+          <a:chExt cx="0" cy="0"/>
+        </a:xfrm>
+      </p:grpSpPr>
+      <p:sp>
+        <p:nvSpPr>
+          <p:cNvPr id="2" name="矩形 1"/>
+          <p:cNvSpPr/>
+          <p:nvPr/>
+        </p:nvSpPr>
+        <p:spPr>
+          <a:xfrm>
+            <a:off x="9942286" y="0"/>
+            <a:ext cx="2249715" cy="6858000"/>
+          </a:xfrm>
+          <a:prstGeom prst="rect">
+            <a:avLst/>
+          </a:prstGeom>
+          <a:solidFill>
+            <a:srgbClr val="3843B3"/>
+          </a:solidFill>
+          <a:ln>
+            <a:noFill/>
+          </a:ln>
+        </p:spPr>
+        <p:style>
+          <a:lnRef idx="2">
+            <a:schemeClr val="accent1">
+              <a:shade val="50000"/>
+            </a:schemeClr>
+          </a:lnRef>
+          <a:fillRef idx="1">
+            <a:schemeClr val="accent1"/>
+          </a:fillRef>
+          <a:effectRef idx="0">
+            <a:schemeClr val="accent1"/>
+          </a:effectRef>
+          <a:fontRef idx="minor">
+            <a:schemeClr val="lt1"/>
+          </a:fontRef>
+        </p:style>
+        <p:txBody>
+          <a:bodyPr rtlCol="0" anchor="ctr"/>
+          <a:lstStyle/>
+          <a:p>
+            <a:pPr algn="ctr"/>
+            <a:endParaRPr lang="zh-CN" altLang="en-US" dirty="0">
+              <a:latin typeface="微软雅黑" panose="020B0503020204020204" pitchFamily="34" charset="-122"/>
+              <a:ea typeface="微软雅黑" panose="020B0503020204020204" pitchFamily="34" charset="-122"/>
+            </a:endParaRPr>
+          </a:p>
+        </p:txBody>
+      </p:sp>
+      <p:sp>
+        <p:nvSpPr>
+          <p:cNvPr id="3" name="文本框 2"/>
+          <p:cNvSpPr txBox="1"/>
+          <p:nvPr/>
+        </p:nvSpPr>
+        <p:spPr>
+          <a:xfrm>
+            <a:off x="1425004" y="509861"/>
+            <a:ext cx="2656459" cy="460375"/>
+          </a:xfrm>
+          <a:prstGeom prst="rect">
+            <a:avLst/>
+          </a:prstGeom>
+          <a:noFill/>
+        </p:spPr>
+        <p:txBody>
+          <a:bodyPr wrap="square" rtlCol="0">
+            <a:spAutoFit/>
+          </a:bodyPr>
+          <a:lstStyle/>
+          <a:p>
+            <a:r>
+              <a:rPr lang="zh-CN" altLang="en-US" sz="2400" b="1" dirty="0">
+                <a:solidFill>
+                  <a:schemeClr val="bg2">
+                    <a:lumMod val="25000"/>
+                  </a:schemeClr>
+                </a:solidFill>
+                <a:latin typeface="微软雅黑" panose="020B0503020204020204" pitchFamily="34" charset="-122"/>
+                <a:ea typeface="微软雅黑" panose="020B0503020204020204" pitchFamily="34" charset="-122"/>
+              </a:rPr>
+              <a:t>项目</a:t>
+            </a:r>
+            <a:r>
+              <a:rPr lang="zh-CN" altLang="en-US" sz="2400" b="1" dirty="0">
+                <a:solidFill>
+                  <a:schemeClr val="bg2">
+                    <a:lumMod val="25000"/>
+                  </a:schemeClr>
+                </a:solidFill>
+                <a:latin typeface="微软雅黑" panose="020B0503020204020204" pitchFamily="34" charset="-122"/>
+                <a:ea typeface="微软雅黑" panose="020B0503020204020204" pitchFamily="34" charset="-122"/>
+              </a:rPr>
+              <a:t>亮点</a:t>
+            </a:r>
+            <a:endParaRPr lang="zh-CN" altLang="en-US" sz="2400" b="1" dirty="0">
+              <a:solidFill>
+                <a:schemeClr val="bg2">
+                  <a:lumMod val="25000"/>
+                </a:schemeClr>
+              </a:solidFill>
+              <a:latin typeface="微软雅黑" panose="020B0503020204020204" pitchFamily="34" charset="-122"/>
+              <a:ea typeface="微软雅黑" panose="020B0503020204020204" pitchFamily="34" charset="-122"/>
+            </a:endParaRPr>
+          </a:p>
+        </p:txBody>
+      </p:sp>
+      <p:pic>
+        <p:nvPicPr>
+          <p:cNvPr id="4" name="图形 3"/>
+          <p:cNvPicPr>
+            <a:picLocks noChangeAspect="1"/>
+          </p:cNvPicPr>
+          <p:nvPr/>
+        </p:nvPicPr>
+        <p:blipFill>
+          <a:blip r:embed="rId1">
+            <a:extLst>
+              <a:ext uri="{28A0092B-C50C-407E-A947-70E740481C1C}">
+                <a14:useLocalDpi xmlns:a14="http://schemas.microsoft.com/office/drawing/2010/main" val="0"/>
+              </a:ext>
+              <a:ext uri="{96DAC541-7B7A-43D3-8B79-37D633B846F1}">
+                <asvg:svgBlip xmlns:asvg="http://schemas.microsoft.com/office/drawing/2016/SVG/main" r:embed="rId2"/>
+              </a:ext>
+            </a:extLst>
+          </a:blip>
+          <a:stretch>
+            <a:fillRect/>
+          </a:stretch>
+        </p:blipFill>
+        <p:spPr>
+          <a:xfrm>
+            <a:off x="10516998" y="420430"/>
+            <a:ext cx="1068278" cy="1102192"/>
+          </a:xfrm>
+          <a:prstGeom prst="rect">
+            <a:avLst/>
+          </a:prstGeom>
+        </p:spPr>
+      </p:pic>
+      <p:sp>
+        <p:nvSpPr>
+          <p:cNvPr id="6" name="椭圆 5"/>
+          <p:cNvSpPr/>
+          <p:nvPr/>
+        </p:nvSpPr>
+        <p:spPr>
+          <a:xfrm>
+            <a:off x="968457" y="577043"/>
+            <a:ext cx="327299" cy="327299"/>
+          </a:xfrm>
+          <a:prstGeom prst="ellipse">
+            <a:avLst/>
+          </a:prstGeom>
+          <a:solidFill>
+            <a:srgbClr val="3843B3"/>
+          </a:solidFill>
+          <a:ln w="53975">
+            <a:noFill/>
+          </a:ln>
+        </p:spPr>
+        <p:style>
+          <a:lnRef idx="2">
+            <a:schemeClr val="accent1">
+              <a:shade val="50000"/>
+            </a:schemeClr>
+          </a:lnRef>
+          <a:fillRef idx="1">
+            <a:schemeClr val="accent1"/>
+          </a:fillRef>
+          <a:effectRef idx="0">
+            <a:schemeClr val="accent1"/>
+          </a:effectRef>
+          <a:fontRef idx="minor">
+            <a:schemeClr val="lt1"/>
+          </a:fontRef>
+        </p:style>
+        <p:txBody>
+          <a:bodyPr rtlCol="0" anchor="ctr"/>
+          <a:lstStyle/>
+          <a:p>
+            <a:pPr algn="ctr"/>
+            <a:endParaRPr lang="zh-CN" altLang="en-US" sz="1400" b="1" dirty="0">
+              <a:latin typeface="微软雅黑" panose="020B0503020204020204" pitchFamily="34" charset="-122"/>
+              <a:ea typeface="微软雅黑" panose="020B0503020204020204" pitchFamily="34" charset="-122"/>
+            </a:endParaRPr>
+          </a:p>
+        </p:txBody>
+      </p:sp>
+      <p:sp>
+        <p:nvSpPr>
+          <p:cNvPr id="8" name="文本框 7"/>
+          <p:cNvSpPr txBox="1"/>
+          <p:nvPr/>
+        </p:nvSpPr>
+        <p:spPr>
+          <a:xfrm>
+            <a:off x="10152185" y="2001483"/>
+            <a:ext cx="1787029" cy="460375"/>
+          </a:xfrm>
+          <a:prstGeom prst="rect">
+            <a:avLst/>
+          </a:prstGeom>
+          <a:noFill/>
+        </p:spPr>
+        <p:txBody>
+          <a:bodyPr wrap="square" rtlCol="0">
+            <a:spAutoFit/>
+          </a:bodyPr>
+          <a:lstStyle/>
+          <a:p>
+            <a:r>
+              <a:rPr lang="zh-CN" altLang="en-US" sz="2400" dirty="0">
+                <a:solidFill>
+                  <a:schemeClr val="bg1">
+                    <a:lumMod val="65000"/>
+                  </a:schemeClr>
+                </a:solidFill>
+                <a:latin typeface="微软雅黑" panose="020B0503020204020204" pitchFamily="34" charset="-122"/>
+                <a:ea typeface="微软雅黑" panose="020B0503020204020204" pitchFamily="34" charset="-122"/>
+              </a:rPr>
+              <a:t>项目简介</a:t>
+            </a:r>
+            <a:endParaRPr lang="zh-CN" altLang="en-US" sz="2400" dirty="0">
+              <a:solidFill>
+                <a:schemeClr val="bg1">
+                  <a:lumMod val="65000"/>
+                </a:schemeClr>
+              </a:solidFill>
+              <a:latin typeface="微软雅黑" panose="020B0503020204020204" pitchFamily="34" charset="-122"/>
+              <a:ea typeface="微软雅黑" panose="020B0503020204020204" pitchFamily="34" charset="-122"/>
+            </a:endParaRPr>
+          </a:p>
+        </p:txBody>
+      </p:sp>
+      <p:sp>
+        <p:nvSpPr>
+          <p:cNvPr id="9" name="文本框 8"/>
+          <p:cNvSpPr txBox="1"/>
+          <p:nvPr/>
+        </p:nvSpPr>
+        <p:spPr>
+          <a:xfrm>
+            <a:off x="10152185" y="2582349"/>
+            <a:ext cx="1787029" cy="460375"/>
+          </a:xfrm>
+          <a:prstGeom prst="rect">
+            <a:avLst/>
+          </a:prstGeom>
+          <a:noFill/>
+        </p:spPr>
+        <p:txBody>
+          <a:bodyPr wrap="square" rtlCol="0">
+            <a:spAutoFit/>
+          </a:bodyPr>
+          <a:lstStyle/>
+          <a:p>
+            <a:r>
+              <a:rPr lang="zh-CN" altLang="en-US" sz="2400" dirty="0">
+                <a:solidFill>
+                  <a:schemeClr val="bg1">
+                    <a:lumMod val="65000"/>
+                  </a:schemeClr>
+                </a:solidFill>
+                <a:latin typeface="微软雅黑" panose="020B0503020204020204" pitchFamily="34" charset="-122"/>
+                <a:ea typeface="微软雅黑" panose="020B0503020204020204" pitchFamily="34" charset="-122"/>
+              </a:rPr>
+              <a:t>设计思路</a:t>
+            </a:r>
+            <a:endParaRPr lang="zh-CN" altLang="en-US" sz="2400" dirty="0">
+              <a:solidFill>
+                <a:schemeClr val="bg1">
+                  <a:lumMod val="65000"/>
+                </a:schemeClr>
+              </a:solidFill>
+              <a:latin typeface="微软雅黑" panose="020B0503020204020204" pitchFamily="34" charset="-122"/>
+              <a:ea typeface="微软雅黑" panose="020B0503020204020204" pitchFamily="34" charset="-122"/>
+            </a:endParaRPr>
+          </a:p>
+        </p:txBody>
+      </p:sp>
+      <p:sp>
+        <p:nvSpPr>
+          <p:cNvPr id="10" name="文本框 9"/>
+          <p:cNvSpPr txBox="1"/>
+          <p:nvPr/>
+        </p:nvSpPr>
+        <p:spPr>
+          <a:xfrm>
+            <a:off x="10173628" y="3163215"/>
+            <a:ext cx="1787029" cy="460375"/>
+          </a:xfrm>
+          <a:prstGeom prst="rect">
+            <a:avLst/>
+          </a:prstGeom>
+          <a:noFill/>
+        </p:spPr>
+        <p:txBody>
+          <a:bodyPr wrap="square" rtlCol="0">
+            <a:spAutoFit/>
+          </a:bodyPr>
+          <a:lstStyle/>
+          <a:p>
+            <a:r>
+              <a:rPr lang="zh-CN" altLang="en-US" sz="2400" dirty="0">
+                <a:solidFill>
+                  <a:schemeClr val="bg1"/>
+                </a:solidFill>
+                <a:latin typeface="微软雅黑" panose="020B0503020204020204" pitchFamily="34" charset="-122"/>
+                <a:ea typeface="微软雅黑" panose="020B0503020204020204" pitchFamily="34" charset="-122"/>
+              </a:rPr>
+              <a:t>项目亮点</a:t>
+            </a:r>
+            <a:endParaRPr lang="zh-CN" altLang="en-US" sz="2400" dirty="0">
+              <a:solidFill>
+                <a:schemeClr val="bg1"/>
+              </a:solidFill>
+              <a:latin typeface="微软雅黑" panose="020B0503020204020204" pitchFamily="34" charset="-122"/>
+              <a:ea typeface="微软雅黑" panose="020B0503020204020204" pitchFamily="34" charset="-122"/>
+            </a:endParaRPr>
+          </a:p>
+        </p:txBody>
+      </p:sp>
+      <p:sp>
+        <p:nvSpPr>
+          <p:cNvPr id="11" name="文本框 10"/>
+          <p:cNvSpPr txBox="1"/>
+          <p:nvPr/>
+        </p:nvSpPr>
+        <p:spPr>
+          <a:xfrm>
+            <a:off x="10173628" y="3744081"/>
+            <a:ext cx="1787029" cy="460375"/>
+          </a:xfrm>
+          <a:prstGeom prst="rect">
+            <a:avLst/>
+          </a:prstGeom>
+          <a:noFill/>
+        </p:spPr>
+        <p:txBody>
+          <a:bodyPr wrap="square" rtlCol="0">
+            <a:spAutoFit/>
+          </a:bodyPr>
+          <a:lstStyle/>
+          <a:p>
+            <a:r>
+              <a:rPr lang="zh-CN" altLang="en-US" sz="2400" dirty="0">
+                <a:solidFill>
+                  <a:schemeClr val="bg1">
+                    <a:lumMod val="65000"/>
+                  </a:schemeClr>
+                </a:solidFill>
+                <a:latin typeface="微软雅黑" panose="020B0503020204020204" pitchFamily="34" charset="-122"/>
+                <a:ea typeface="微软雅黑" panose="020B0503020204020204" pitchFamily="34" charset="-122"/>
+              </a:rPr>
+              <a:t>项目</a:t>
+            </a:r>
+            <a:r>
+              <a:rPr lang="zh-CN" altLang="en-US" sz="2400" dirty="0">
+                <a:solidFill>
+                  <a:schemeClr val="bg1">
+                    <a:lumMod val="65000"/>
+                  </a:schemeClr>
+                </a:solidFill>
+                <a:latin typeface="微软雅黑" panose="020B0503020204020204" pitchFamily="34" charset="-122"/>
+                <a:ea typeface="微软雅黑" panose="020B0503020204020204" pitchFamily="34" charset="-122"/>
+              </a:rPr>
+              <a:t>难点</a:t>
+            </a:r>
+            <a:endParaRPr lang="zh-CN" altLang="en-US" sz="2400" dirty="0">
+              <a:solidFill>
+                <a:schemeClr val="bg1">
+                  <a:lumMod val="65000"/>
+                </a:schemeClr>
+              </a:solidFill>
+              <a:latin typeface="微软雅黑" panose="020B0503020204020204" pitchFamily="34" charset="-122"/>
+              <a:ea typeface="微软雅黑" panose="020B0503020204020204" pitchFamily="34" charset="-122"/>
+            </a:endParaRPr>
+          </a:p>
+        </p:txBody>
+      </p:sp>
+      <p:sp>
+        <p:nvSpPr>
+          <p:cNvPr id="12" name="文本框 11"/>
+          <p:cNvSpPr txBox="1"/>
+          <p:nvPr/>
+        </p:nvSpPr>
+        <p:spPr>
+          <a:xfrm>
+            <a:off x="10173628" y="4324947"/>
+            <a:ext cx="1787029" cy="460375"/>
+          </a:xfrm>
+          <a:prstGeom prst="rect">
+            <a:avLst/>
+          </a:prstGeom>
+          <a:noFill/>
+        </p:spPr>
+        <p:txBody>
+          <a:bodyPr wrap="square" rtlCol="0">
+            <a:spAutoFit/>
+          </a:bodyPr>
+          <a:lstStyle/>
+          <a:p>
+            <a:r>
+              <a:rPr lang="zh-CN" altLang="en-US" sz="2400" dirty="0">
+                <a:solidFill>
+                  <a:schemeClr val="bg1">
+                    <a:lumMod val="65000"/>
+                  </a:schemeClr>
+                </a:solidFill>
+                <a:latin typeface="微软雅黑" panose="020B0503020204020204" pitchFamily="34" charset="-122"/>
+                <a:ea typeface="微软雅黑" panose="020B0503020204020204" pitchFamily="34" charset="-122"/>
+              </a:rPr>
+              <a:t>心得体会</a:t>
+            </a:r>
+            <a:endParaRPr lang="zh-CN" altLang="en-US" sz="2400" dirty="0">
+              <a:solidFill>
+                <a:schemeClr val="bg1">
+                  <a:lumMod val="65000"/>
+                </a:schemeClr>
+              </a:solidFill>
+              <a:latin typeface="微软雅黑" panose="020B0503020204020204" pitchFamily="34" charset="-122"/>
+              <a:ea typeface="微软雅黑" panose="020B0503020204020204" pitchFamily="34" charset="-122"/>
+            </a:endParaRPr>
+          </a:p>
+        </p:txBody>
+      </p:sp>
+      <p:sp>
+        <p:nvSpPr>
+          <p:cNvPr id="13" name="文本框 12"/>
+          <p:cNvSpPr txBox="1"/>
+          <p:nvPr/>
+        </p:nvSpPr>
+        <p:spPr>
+          <a:xfrm>
+            <a:off x="968375" y="1308735"/>
+            <a:ext cx="4064000" cy="368300"/>
+          </a:xfrm>
+          <a:prstGeom prst="rect">
+            <a:avLst/>
+          </a:prstGeom>
+          <a:noFill/>
+        </p:spPr>
+        <p:txBody>
+          <a:bodyPr wrap="square" rtlCol="0">
+            <a:spAutoFit/>
+          </a:bodyPr>
+          <a:p>
+            <a:r>
+              <a:rPr lang="en-US" altLang="zh-CN" b="1"/>
+              <a:t>4.</a:t>
+            </a:r>
+            <a:r>
+              <a:rPr lang="zh-CN" altLang="en-US" b="1"/>
+              <a:t>使用锁和事务保证资金交易</a:t>
+            </a:r>
+            <a:r>
+              <a:rPr lang="zh-CN" altLang="en-US" b="1"/>
+              <a:t>安全</a:t>
+            </a:r>
+            <a:endParaRPr lang="zh-CN" altLang="en-US" b="1"/>
+          </a:p>
+        </p:txBody>
+      </p:sp>
+      <p:sp>
+        <p:nvSpPr>
+          <p:cNvPr id="15" name="文本框 14"/>
+          <p:cNvSpPr txBox="1"/>
+          <p:nvPr/>
+        </p:nvSpPr>
+        <p:spPr>
+          <a:xfrm>
+            <a:off x="968375" y="1852930"/>
+            <a:ext cx="8328025" cy="922020"/>
+          </a:xfrm>
+          <a:prstGeom prst="rect">
+            <a:avLst/>
+          </a:prstGeom>
+          <a:noFill/>
+        </p:spPr>
+        <p:txBody>
+          <a:bodyPr wrap="square" rtlCol="0">
+            <a:spAutoFit/>
+          </a:bodyPr>
+          <a:p>
+            <a:r>
+              <a:rPr lang="zh-CN" altLang="en-US"/>
+              <a:t>使用锁使交易过程中校验余额和扣款具备原子性，避免了多线程下的脏读问题导致扣款扣成负数，事务保证了扣款同时生成订单暂存金额，避免因服务器波动导致资金</a:t>
+            </a:r>
+            <a:r>
+              <a:rPr lang="zh-CN" altLang="en-US"/>
+              <a:t>丢失</a:t>
+            </a:r>
+            <a:endParaRPr lang="zh-CN" altLang="en-US"/>
+          </a:p>
+        </p:txBody>
+      </p:sp>
+      <p:cxnSp>
+        <p:nvCxnSpPr>
+          <p:cNvPr id="14" name="直接箭头连接符 13"/>
+          <p:cNvCxnSpPr/>
+          <p:nvPr/>
+        </p:nvCxnSpPr>
+        <p:spPr>
+          <a:xfrm>
+            <a:off x="968375" y="3530600"/>
+            <a:ext cx="1717675" cy="30480"/>
+          </a:xfrm>
+          <a:prstGeom prst="straightConnector1">
+            <a:avLst/>
+          </a:prstGeom>
+          <a:ln w="28575" cmpd="sng">
+            <a:solidFill>
+              <a:schemeClr val="accent1">
+                <a:shade val="50000"/>
+              </a:schemeClr>
+            </a:solidFill>
+            <a:prstDash val="solid"/>
+            <a:tailEnd type="arrow"/>
+          </a:ln>
+        </p:spPr>
+        <p:style>
+          <a:lnRef idx="2">
+            <a:schemeClr val="accent1"/>
+          </a:lnRef>
+          <a:fillRef idx="0">
+            <a:srgbClr val="FFFFFF"/>
+          </a:fillRef>
+          <a:effectRef idx="0">
+            <a:srgbClr val="FFFFFF"/>
+          </a:effectRef>
+          <a:fontRef idx="minor">
+            <a:schemeClr val="tx1"/>
+          </a:fontRef>
+        </p:style>
+      </p:cxnSp>
+      <p:cxnSp>
+        <p:nvCxnSpPr>
+          <p:cNvPr id="16" name="直接箭头连接符 15"/>
+          <p:cNvCxnSpPr/>
+          <p:nvPr/>
+        </p:nvCxnSpPr>
+        <p:spPr>
+          <a:xfrm>
+            <a:off x="968375" y="3721100"/>
+            <a:ext cx="1717675" cy="30480"/>
+          </a:xfrm>
+          <a:prstGeom prst="straightConnector1">
+            <a:avLst/>
+          </a:prstGeom>
+          <a:ln w="28575" cmpd="sng">
+            <a:solidFill>
+              <a:schemeClr val="accent1">
+                <a:shade val="50000"/>
+              </a:schemeClr>
+            </a:solidFill>
+            <a:prstDash val="solid"/>
+            <a:tailEnd type="arrow"/>
+          </a:ln>
+        </p:spPr>
+        <p:style>
+          <a:lnRef idx="2">
+            <a:schemeClr val="accent1"/>
+          </a:lnRef>
+          <a:fillRef idx="0">
+            <a:srgbClr val="FFFFFF"/>
+          </a:fillRef>
+          <a:effectRef idx="0">
+            <a:srgbClr val="FFFFFF"/>
+          </a:effectRef>
+          <a:fontRef idx="minor">
+            <a:schemeClr val="tx1"/>
+          </a:fontRef>
+        </p:style>
+      </p:cxnSp>
+      <p:cxnSp>
+        <p:nvCxnSpPr>
+          <p:cNvPr id="17" name="直接箭头连接符 16"/>
+          <p:cNvCxnSpPr/>
+          <p:nvPr/>
+        </p:nvCxnSpPr>
+        <p:spPr>
+          <a:xfrm>
+            <a:off x="968375" y="3911600"/>
+            <a:ext cx="1717675" cy="30480"/>
+          </a:xfrm>
+          <a:prstGeom prst="straightConnector1">
+            <a:avLst/>
+          </a:prstGeom>
+          <a:ln w="28575" cmpd="sng">
+            <a:solidFill>
+              <a:schemeClr val="accent1">
+                <a:shade val="50000"/>
+              </a:schemeClr>
+            </a:solidFill>
+            <a:prstDash val="solid"/>
+            <a:tailEnd type="arrow"/>
+          </a:ln>
+        </p:spPr>
+        <p:style>
+          <a:lnRef idx="2">
+            <a:schemeClr val="accent1"/>
+          </a:lnRef>
+          <a:fillRef idx="0">
+            <a:srgbClr val="FFFFFF"/>
+          </a:fillRef>
+          <a:effectRef idx="0">
+            <a:srgbClr val="FFFFFF"/>
+          </a:effectRef>
+          <a:fontRef idx="minor">
+            <a:schemeClr val="tx1"/>
+          </a:fontRef>
+        </p:style>
+      </p:cxnSp>
+      <p:cxnSp>
+        <p:nvCxnSpPr>
+          <p:cNvPr id="18" name="直接箭头连接符 17"/>
+          <p:cNvCxnSpPr/>
+          <p:nvPr/>
+        </p:nvCxnSpPr>
+        <p:spPr>
+          <a:xfrm>
+            <a:off x="968375" y="4102100"/>
+            <a:ext cx="1717675" cy="30480"/>
+          </a:xfrm>
+          <a:prstGeom prst="straightConnector1">
+            <a:avLst/>
+          </a:prstGeom>
+          <a:ln w="28575" cmpd="sng">
+            <a:solidFill>
+              <a:schemeClr val="accent1">
+                <a:shade val="50000"/>
+              </a:schemeClr>
+            </a:solidFill>
+            <a:prstDash val="solid"/>
+            <a:tailEnd type="arrow"/>
+          </a:ln>
+        </p:spPr>
+        <p:style>
+          <a:lnRef idx="2">
+            <a:schemeClr val="accent1"/>
+          </a:lnRef>
+          <a:fillRef idx="0">
+            <a:srgbClr val="FFFFFF"/>
+          </a:fillRef>
+          <a:effectRef idx="0">
+            <a:srgbClr val="FFFFFF"/>
+          </a:effectRef>
+          <a:fontRef idx="minor">
+            <a:schemeClr val="tx1"/>
+          </a:fontRef>
+        </p:style>
+      </p:cxnSp>
+      <p:cxnSp>
+        <p:nvCxnSpPr>
+          <p:cNvPr id="19" name="直接箭头连接符 18"/>
+          <p:cNvCxnSpPr/>
+          <p:nvPr/>
+        </p:nvCxnSpPr>
+        <p:spPr>
+          <a:xfrm>
+            <a:off x="968375" y="4292600"/>
+            <a:ext cx="1717675" cy="30480"/>
+          </a:xfrm>
+          <a:prstGeom prst="straightConnector1">
+            <a:avLst/>
+          </a:prstGeom>
+          <a:ln w="28575" cmpd="sng">
+            <a:solidFill>
+              <a:schemeClr val="accent1">
+                <a:shade val="50000"/>
+              </a:schemeClr>
+            </a:solidFill>
+            <a:prstDash val="solid"/>
+            <a:tailEnd type="arrow"/>
+          </a:ln>
+        </p:spPr>
+        <p:style>
+          <a:lnRef idx="2">
+            <a:schemeClr val="accent1"/>
+          </a:lnRef>
+          <a:fillRef idx="0">
+            <a:srgbClr val="FFFFFF"/>
+          </a:fillRef>
+          <a:effectRef idx="0">
+            <a:srgbClr val="FFFFFF"/>
+          </a:effectRef>
+          <a:fontRef idx="minor">
+            <a:schemeClr val="tx1"/>
+          </a:fontRef>
+        </p:style>
+      </p:cxnSp>
+      <p:sp>
+        <p:nvSpPr>
+          <p:cNvPr id="20" name="文本框 19"/>
+          <p:cNvSpPr txBox="1"/>
+          <p:nvPr/>
+        </p:nvSpPr>
+        <p:spPr>
+          <a:xfrm>
+            <a:off x="968375" y="3119120"/>
+            <a:ext cx="4064000" cy="368300"/>
+          </a:xfrm>
+          <a:prstGeom prst="rect">
+            <a:avLst/>
+          </a:prstGeom>
+          <a:noFill/>
+        </p:spPr>
+        <p:txBody>
+          <a:bodyPr wrap="square" rtlCol="0">
+            <a:spAutoFit/>
+          </a:bodyPr>
+          <a:p>
+            <a:r>
+              <a:rPr lang="zh-CN" altLang="en-US"/>
+              <a:t>校验</a:t>
+            </a:r>
+            <a:r>
+              <a:rPr lang="zh-CN" altLang="en-US"/>
+              <a:t>支付密码</a:t>
+            </a:r>
+            <a:endParaRPr lang="zh-CN" altLang="en-US"/>
+          </a:p>
+        </p:txBody>
+      </p:sp>
+      <p:cxnSp>
+        <p:nvCxnSpPr>
+          <p:cNvPr id="21" name="直接箭头连接符 20"/>
+          <p:cNvCxnSpPr/>
+          <p:nvPr/>
+        </p:nvCxnSpPr>
+        <p:spPr>
+          <a:xfrm>
+            <a:off x="2813050" y="3942080"/>
+            <a:ext cx="3648710" cy="0"/>
+          </a:xfrm>
+          <a:prstGeom prst="straightConnector1">
+            <a:avLst/>
+          </a:prstGeom>
+          <a:ln w="28575" cmpd="sng">
+            <a:solidFill>
+              <a:schemeClr val="accent1">
+                <a:shade val="50000"/>
+              </a:schemeClr>
+            </a:solidFill>
+            <a:prstDash val="solid"/>
+            <a:tailEnd type="arrow"/>
+          </a:ln>
+        </p:spPr>
+        <p:style>
+          <a:lnRef idx="2">
+            <a:schemeClr val="accent1"/>
+          </a:lnRef>
+          <a:fillRef idx="0">
+            <a:srgbClr val="FFFFFF"/>
+          </a:fillRef>
+          <a:effectRef idx="0">
+            <a:srgbClr val="FFFFFF"/>
+          </a:effectRef>
+          <a:fontRef idx="minor">
+            <a:schemeClr val="tx1"/>
+          </a:fontRef>
+        </p:style>
+      </p:cxnSp>
+      <p:sp>
+        <p:nvSpPr>
+          <p:cNvPr id="22" name="文本框 21"/>
+          <p:cNvSpPr txBox="1"/>
+          <p:nvPr/>
+        </p:nvSpPr>
+        <p:spPr>
+          <a:xfrm>
+            <a:off x="2813050" y="3530600"/>
+            <a:ext cx="4064000" cy="368300"/>
+          </a:xfrm>
+          <a:prstGeom prst="rect">
+            <a:avLst/>
+          </a:prstGeom>
+          <a:noFill/>
+        </p:spPr>
+        <p:txBody>
+          <a:bodyPr wrap="square" rtlCol="0">
+            <a:spAutoFit/>
+          </a:bodyPr>
+          <a:p>
+            <a:r>
+              <a:rPr lang="zh-CN" altLang="en-US"/>
+              <a:t>检查</a:t>
+            </a:r>
+            <a:r>
+              <a:rPr lang="zh-CN" altLang="en-US"/>
+              <a:t>余额</a:t>
+            </a:r>
+            <a:endParaRPr lang="zh-CN" altLang="en-US"/>
+          </a:p>
+        </p:txBody>
+      </p:sp>
+      <p:sp>
+        <p:nvSpPr>
+          <p:cNvPr id="24" name="文本框 23"/>
+          <p:cNvSpPr txBox="1"/>
+          <p:nvPr/>
+        </p:nvSpPr>
+        <p:spPr>
+          <a:xfrm>
+            <a:off x="3906520" y="3561080"/>
+            <a:ext cx="4064000" cy="368300"/>
+          </a:xfrm>
+          <a:prstGeom prst="rect">
+            <a:avLst/>
+          </a:prstGeom>
+          <a:noFill/>
+        </p:spPr>
+        <p:txBody>
+          <a:bodyPr wrap="square" rtlCol="0">
+            <a:spAutoFit/>
+          </a:bodyPr>
+          <a:p>
+            <a:r>
+              <a:rPr lang="zh-CN" altLang="en-US"/>
+              <a:t>冻结付款方</a:t>
+            </a:r>
+            <a:r>
+              <a:rPr lang="zh-CN" altLang="en-US"/>
+              <a:t>资金</a:t>
+            </a:r>
+            <a:endParaRPr lang="zh-CN" altLang="en-US"/>
+          </a:p>
+        </p:txBody>
+      </p:sp>
+      <p:sp>
+        <p:nvSpPr>
+          <p:cNvPr id="25" name="文本框 24"/>
+          <p:cNvSpPr txBox="1"/>
+          <p:nvPr/>
+        </p:nvSpPr>
+        <p:spPr>
+          <a:xfrm>
+            <a:off x="6656070" y="3530600"/>
+            <a:ext cx="4064000" cy="706755"/>
+          </a:xfrm>
+          <a:prstGeom prst="rect">
+            <a:avLst/>
+          </a:prstGeom>
+          <a:noFill/>
+        </p:spPr>
+        <p:txBody>
+          <a:bodyPr wrap="square" rtlCol="0">
+            <a:spAutoFit/>
+          </a:bodyPr>
+          <a:p>
+            <a:r>
+              <a:rPr lang="en-US" altLang="zh-CN" sz="4000" b="1"/>
+              <a:t>...</a:t>
+            </a:r>
+            <a:endParaRPr lang="en-US" altLang="zh-CN" sz="4000" b="1"/>
+          </a:p>
+        </p:txBody>
+      </p:sp>
+      <p:sp>
+        <p:nvSpPr>
+          <p:cNvPr id="27" name="文本框 26"/>
+          <p:cNvSpPr txBox="1"/>
+          <p:nvPr/>
+        </p:nvSpPr>
+        <p:spPr>
+          <a:xfrm>
+            <a:off x="968375" y="4483100"/>
+            <a:ext cx="4064000" cy="368300"/>
+          </a:xfrm>
+          <a:prstGeom prst="rect">
+            <a:avLst/>
+          </a:prstGeom>
+          <a:noFill/>
+        </p:spPr>
+        <p:txBody>
+          <a:bodyPr wrap="square" rtlCol="0">
+            <a:spAutoFit/>
+          </a:bodyPr>
+          <a:p>
+            <a:r>
+              <a:rPr lang="zh-CN" altLang="en-US"/>
+              <a:t>箭头代表</a:t>
+            </a:r>
+            <a:r>
+              <a:rPr lang="zh-CN" altLang="en-US"/>
+              <a:t>线程</a:t>
+            </a:r>
+            <a:endParaRPr lang="zh-CN" altLang="en-US"/>
+          </a:p>
+        </p:txBody>
+      </p:sp>
+      <p:sp>
+        <p:nvSpPr>
+          <p:cNvPr id="28" name="矩形 27"/>
+          <p:cNvSpPr/>
+          <p:nvPr/>
+        </p:nvSpPr>
+        <p:spPr>
+          <a:xfrm>
+            <a:off x="915035" y="3129915"/>
+            <a:ext cx="7130415" cy="1954530"/>
+          </a:xfrm>
+          <a:prstGeom prst="rect">
+            <a:avLst/>
+          </a:prstGeom>
+          <a:solidFill>
+            <a:schemeClr val="accent2">
+              <a:lumMod val="60000"/>
+              <a:lumOff val="40000"/>
+              <a:alpha val="30000"/>
+            </a:schemeClr>
+          </a:solidFill>
+        </p:spPr>
+        <p:style>
+          <a:lnRef idx="2">
+            <a:schemeClr val="accent1">
+              <a:lumMod val="75000"/>
+            </a:schemeClr>
+          </a:lnRef>
+          <a:fillRef idx="1">
+            <a:schemeClr val="accent1"/>
+          </a:fillRef>
+          <a:effectRef idx="0">
+            <a:srgbClr val="FFFFFF"/>
+          </a:effectRef>
+          <a:fontRef idx="minor">
+            <a:schemeClr val="lt1"/>
+          </a:fontRef>
+        </p:style>
+        <p:txBody>
+          <a:bodyPr rtlCol="0" anchor="ctr"/>
+          <a:p>
+            <a:pPr algn="ctr"/>
+            <a:endParaRPr lang="zh-CN" altLang="en-US"/>
+          </a:p>
+        </p:txBody>
+      </p:sp>
+      <p:sp>
+        <p:nvSpPr>
+          <p:cNvPr id="29" name="矩形 28"/>
+          <p:cNvSpPr/>
+          <p:nvPr/>
+        </p:nvSpPr>
+        <p:spPr>
+          <a:xfrm>
+            <a:off x="915035" y="5392420"/>
+            <a:ext cx="1898015" cy="1183005"/>
+          </a:xfrm>
+          <a:prstGeom prst="rect">
+            <a:avLst/>
+          </a:prstGeom>
+          <a:solidFill>
+            <a:schemeClr val="accent3">
+              <a:lumMod val="60000"/>
+              <a:lumOff val="40000"/>
+            </a:schemeClr>
+          </a:solidFill>
+        </p:spPr>
+        <p:style>
+          <a:lnRef idx="2">
+            <a:schemeClr val="accent1">
+              <a:lumMod val="75000"/>
+            </a:schemeClr>
+          </a:lnRef>
+          <a:fillRef idx="1">
+            <a:schemeClr val="accent1"/>
+          </a:fillRef>
+          <a:effectRef idx="0">
+            <a:srgbClr val="FFFFFF"/>
+          </a:effectRef>
+          <a:fontRef idx="minor">
+            <a:schemeClr val="lt1"/>
+          </a:fontRef>
+        </p:style>
+        <p:txBody>
+          <a:bodyPr rtlCol="0" anchor="ctr"/>
+          <a:p>
+            <a:pPr algn="ctr"/>
+            <a:r>
+              <a:rPr lang="zh-CN" altLang="en-US">
+                <a:solidFill>
+                  <a:schemeClr val="tx1"/>
+                </a:solidFill>
+              </a:rPr>
+              <a:t>扣除付款方</a:t>
+            </a:r>
+            <a:r>
+              <a:rPr lang="zh-CN" altLang="en-US">
+                <a:solidFill>
+                  <a:schemeClr val="tx1"/>
+                </a:solidFill>
+              </a:rPr>
+              <a:t>资金</a:t>
+            </a:r>
+            <a:endParaRPr lang="zh-CN" altLang="en-US">
+              <a:solidFill>
+                <a:schemeClr val="tx1"/>
+              </a:solidFill>
+            </a:endParaRPr>
+          </a:p>
+        </p:txBody>
+      </p:sp>
+      <p:sp>
+        <p:nvSpPr>
+          <p:cNvPr id="30" name="文本框 29"/>
+          <p:cNvSpPr txBox="1"/>
+          <p:nvPr/>
+        </p:nvSpPr>
+        <p:spPr>
+          <a:xfrm>
+            <a:off x="968375" y="2800350"/>
+            <a:ext cx="4064000" cy="368300"/>
+          </a:xfrm>
+          <a:prstGeom prst="rect">
+            <a:avLst/>
+          </a:prstGeom>
+          <a:noFill/>
+        </p:spPr>
+        <p:txBody>
+          <a:bodyPr wrap="square" rtlCol="0">
+            <a:spAutoFit/>
+          </a:bodyPr>
+          <a:p>
+            <a:r>
+              <a:rPr lang="zh-CN" altLang="en-US"/>
+              <a:t>锁</a:t>
+            </a:r>
+            <a:endParaRPr lang="zh-CN" altLang="en-US"/>
+          </a:p>
+        </p:txBody>
+      </p:sp>
+      <p:sp>
+        <p:nvSpPr>
+          <p:cNvPr id="31" name="文本框 30"/>
+          <p:cNvSpPr txBox="1"/>
+          <p:nvPr/>
+        </p:nvSpPr>
+        <p:spPr>
+          <a:xfrm>
+            <a:off x="915035" y="5054600"/>
+            <a:ext cx="4064000" cy="368300"/>
+          </a:xfrm>
+          <a:prstGeom prst="rect">
+            <a:avLst/>
+          </a:prstGeom>
+          <a:noFill/>
+        </p:spPr>
+        <p:txBody>
+          <a:bodyPr wrap="square" rtlCol="0">
+            <a:spAutoFit/>
+          </a:bodyPr>
+          <a:p>
+            <a:r>
+              <a:rPr lang="zh-CN" altLang="en-US"/>
+              <a:t>事务</a:t>
+            </a:r>
+            <a:endParaRPr lang="zh-CN" altLang="en-US"/>
+          </a:p>
+        </p:txBody>
+      </p:sp>
+      <p:sp>
+        <p:nvSpPr>
+          <p:cNvPr id="32" name="右箭头 31"/>
+          <p:cNvSpPr/>
+          <p:nvPr/>
+        </p:nvSpPr>
+        <p:spPr>
+          <a:xfrm>
+            <a:off x="2927350" y="5752465"/>
+            <a:ext cx="979170" cy="485775"/>
+          </a:xfrm>
+          <a:prstGeom prst="rightArrow">
+            <a:avLst/>
+          </a:prstGeom>
+        </p:spPr>
+        <p:style>
+          <a:lnRef idx="2">
+            <a:schemeClr val="accent1">
+              <a:lumMod val="75000"/>
+            </a:schemeClr>
+          </a:lnRef>
+          <a:fillRef idx="1">
+            <a:schemeClr val="accent1"/>
+          </a:fillRef>
+          <a:effectRef idx="0">
+            <a:srgbClr val="FFFFFF"/>
+          </a:effectRef>
+          <a:fontRef idx="minor">
+            <a:schemeClr val="lt1"/>
+          </a:fontRef>
+        </p:style>
+        <p:txBody>
+          <a:bodyPr rtlCol="0" anchor="ctr"/>
+          <a:p>
+            <a:pPr algn="ctr"/>
+            <a:endParaRPr lang="zh-CN" altLang="en-US"/>
+          </a:p>
+        </p:txBody>
+      </p:sp>
+      <p:sp>
+        <p:nvSpPr>
+          <p:cNvPr id="33" name="矩形 32"/>
+          <p:cNvSpPr/>
+          <p:nvPr/>
+        </p:nvSpPr>
+        <p:spPr>
+          <a:xfrm>
+            <a:off x="4020820" y="5439410"/>
+            <a:ext cx="1898015" cy="1183005"/>
+          </a:xfrm>
+          <a:prstGeom prst="rect">
+            <a:avLst/>
+          </a:prstGeom>
+          <a:solidFill>
+            <a:schemeClr val="accent3">
+              <a:lumMod val="60000"/>
+              <a:lumOff val="40000"/>
+            </a:schemeClr>
+          </a:solidFill>
+        </p:spPr>
+        <p:style>
+          <a:lnRef idx="2">
+            <a:schemeClr val="accent1">
+              <a:lumMod val="75000"/>
+            </a:schemeClr>
+          </a:lnRef>
+          <a:fillRef idx="1">
+            <a:schemeClr val="accent1"/>
+          </a:fillRef>
+          <a:effectRef idx="0">
+            <a:srgbClr val="FFFFFF"/>
+          </a:effectRef>
+          <a:fontRef idx="minor">
+            <a:schemeClr val="lt1"/>
+          </a:fontRef>
+        </p:style>
+        <p:txBody>
+          <a:bodyPr rtlCol="0" anchor="ctr"/>
+          <a:p>
+            <a:pPr algn="ctr"/>
+            <a:r>
+              <a:rPr lang="zh-CN" altLang="en-US">
+                <a:solidFill>
+                  <a:schemeClr val="tx1"/>
+                </a:solidFill>
+              </a:rPr>
+              <a:t>生成</a:t>
+            </a:r>
+            <a:r>
+              <a:rPr lang="zh-CN" altLang="en-US">
+                <a:solidFill>
+                  <a:schemeClr val="tx1"/>
+                </a:solidFill>
+              </a:rPr>
+              <a:t>订单信息</a:t>
+            </a:r>
+            <a:endParaRPr lang="zh-CN" altLang="en-US">
+              <a:solidFill>
+                <a:schemeClr val="tx1"/>
+              </a:solidFill>
+            </a:endParaRPr>
+          </a:p>
+        </p:txBody>
+      </p:sp>
+      <p:sp>
+        <p:nvSpPr>
+          <p:cNvPr id="34" name="右箭头 33"/>
+          <p:cNvSpPr/>
+          <p:nvPr/>
+        </p:nvSpPr>
+        <p:spPr>
+          <a:xfrm>
+            <a:off x="6033135" y="5752465"/>
+            <a:ext cx="979170" cy="485775"/>
+          </a:xfrm>
+          <a:prstGeom prst="rightArrow">
+            <a:avLst/>
+          </a:prstGeom>
+        </p:spPr>
+        <p:style>
+          <a:lnRef idx="2">
+            <a:schemeClr val="accent1">
+              <a:lumMod val="75000"/>
+            </a:schemeClr>
+          </a:lnRef>
+          <a:fillRef idx="1">
+            <a:schemeClr val="accent1"/>
+          </a:fillRef>
+          <a:effectRef idx="0">
+            <a:srgbClr val="FFFFFF"/>
+          </a:effectRef>
+          <a:fontRef idx="minor">
+            <a:schemeClr val="lt1"/>
+          </a:fontRef>
+        </p:style>
+        <p:txBody>
+          <a:bodyPr rtlCol="0" anchor="ctr"/>
+          <a:p>
+            <a:pPr algn="ctr"/>
+            <a:endParaRPr lang="zh-CN" altLang="en-US"/>
+          </a:p>
+        </p:txBody>
+      </p:sp>
+      <p:sp>
+        <p:nvSpPr>
+          <p:cNvPr id="35" name="矩形 34"/>
+          <p:cNvSpPr/>
+          <p:nvPr/>
+        </p:nvSpPr>
+        <p:spPr>
+          <a:xfrm>
+            <a:off x="7126605" y="5439410"/>
+            <a:ext cx="1898015" cy="1183005"/>
+          </a:xfrm>
+          <a:prstGeom prst="rect">
+            <a:avLst/>
+          </a:prstGeom>
+          <a:solidFill>
+            <a:schemeClr val="accent3">
+              <a:lumMod val="60000"/>
+              <a:lumOff val="40000"/>
+            </a:schemeClr>
+          </a:solidFill>
+        </p:spPr>
+        <p:style>
+          <a:lnRef idx="2">
+            <a:schemeClr val="accent1">
+              <a:lumMod val="75000"/>
+            </a:schemeClr>
+          </a:lnRef>
+          <a:fillRef idx="1">
+            <a:schemeClr val="accent1"/>
+          </a:fillRef>
+          <a:effectRef idx="0">
+            <a:srgbClr val="FFFFFF"/>
+          </a:effectRef>
+          <a:fontRef idx="minor">
+            <a:schemeClr val="lt1"/>
+          </a:fontRef>
+        </p:style>
+        <p:txBody>
+          <a:bodyPr rtlCol="0" anchor="ctr"/>
+          <a:p>
+            <a:pPr algn="ctr"/>
+            <a:r>
+              <a:rPr lang="zh-CN" altLang="en-US">
+                <a:solidFill>
+                  <a:schemeClr val="tx1"/>
+                </a:solidFill>
+              </a:rPr>
+              <a:t>提交</a:t>
+            </a:r>
+            <a:r>
+              <a:rPr lang="zh-CN" altLang="en-US">
+                <a:solidFill>
+                  <a:schemeClr val="tx1"/>
+                </a:solidFill>
+              </a:rPr>
+              <a:t>数据库</a:t>
+            </a:r>
+            <a:endParaRPr lang="zh-CN" altLang="en-US">
+              <a:solidFill>
+                <a:schemeClr val="tx1"/>
+              </a:solidFill>
+            </a:endParaRPr>
+          </a:p>
+        </p:txBody>
+      </p:sp>
+      <p:sp>
+        <p:nvSpPr>
+          <p:cNvPr id="36" name="文本框 35"/>
+          <p:cNvSpPr txBox="1"/>
+          <p:nvPr/>
+        </p:nvSpPr>
+        <p:spPr>
+          <a:xfrm>
+            <a:off x="2948305" y="5405120"/>
+            <a:ext cx="4064000" cy="368300"/>
+          </a:xfrm>
+          <a:prstGeom prst="rect">
+            <a:avLst/>
+          </a:prstGeom>
+          <a:noFill/>
+        </p:spPr>
+        <p:txBody>
+          <a:bodyPr wrap="square" rtlCol="0">
+            <a:spAutoFit/>
+          </a:bodyPr>
+          <a:p>
+            <a:r>
+              <a:rPr lang="zh-CN" altLang="en-US"/>
+              <a:t>成功</a:t>
+            </a:r>
+            <a:endParaRPr lang="zh-CN" altLang="en-US"/>
+          </a:p>
+        </p:txBody>
+      </p:sp>
+      <p:sp>
+        <p:nvSpPr>
+          <p:cNvPr id="37" name="文本框 36"/>
+          <p:cNvSpPr txBox="1"/>
+          <p:nvPr/>
+        </p:nvSpPr>
+        <p:spPr>
+          <a:xfrm>
+            <a:off x="6109335" y="5398135"/>
+            <a:ext cx="4064000" cy="368300"/>
+          </a:xfrm>
+          <a:prstGeom prst="rect">
+            <a:avLst/>
+          </a:prstGeom>
+          <a:noFill/>
+        </p:spPr>
+        <p:txBody>
+          <a:bodyPr wrap="square" rtlCol="0">
+            <a:spAutoFit/>
+          </a:bodyPr>
+          <a:p>
+            <a:r>
+              <a:rPr lang="zh-CN" altLang="en-US"/>
+              <a:t>成功</a:t>
+            </a:r>
+            <a:endParaRPr lang="zh-CN" altLang="en-US"/>
+          </a:p>
+        </p:txBody>
+      </p:sp>
+    </p:spTree>
+  </p:cSld>
+  <p:clrMapOvr>
+    <a:masterClrMapping/>
+  </p:clrMapOvr>
+</p:sld>
+</file>
+
+<file path=ppt/slides/slide13.xml><?xml version="1.0" encoding="utf-8"?>
 <p:sld xmlns:a="http://schemas.openxmlformats.org/drawingml/2006/main" xmlns:r="http://schemas.openxmlformats.org/officeDocument/2006/relationships" xmlns:p="http://schemas.openxmlformats.org/presentationml/2006/main">
   <p:cSld>
     <p:spTree>
@@ -4383,7 +7589,7 @@
 </p:sld>
 </file>
 
-<file path=ppt/slides/slide11.xml><?xml version="1.0" encoding="utf-8"?>
+<file path=ppt/slides/slide14.xml><?xml version="1.0" encoding="utf-8"?>
 <p:sld xmlns:a="http://schemas.openxmlformats.org/drawingml/2006/main" xmlns:r="http://schemas.openxmlformats.org/officeDocument/2006/relationships" xmlns:p="http://schemas.openxmlformats.org/presentationml/2006/main">
   <p:cSld>
     <p:spTree>
@@ -4829,13 +8035,13 @@
       </p:sp>
       <p:sp>
         <p:nvSpPr>
-          <p:cNvPr id="5" name="文本框 4"/>
+          <p:cNvPr id="7" name="文本框 6"/>
           <p:cNvSpPr txBox="1"/>
           <p:nvPr/>
         </p:nvSpPr>
         <p:spPr>
           <a:xfrm>
-            <a:off x="2032000" y="1905635"/>
+            <a:off x="968375" y="1154430"/>
             <a:ext cx="4064000" cy="368300"/>
           </a:xfrm>
           <a:prstGeom prst="rect">
@@ -4849,8 +8055,58 @@
           </a:bodyPr>
           <a:p>
             <a:r>
+              <a:rPr lang="zh-CN" altLang="en-US" b="1"/>
+              <a:t>上传头像</a:t>
+            </a:r>
+            <a:endParaRPr lang="zh-CN" altLang="en-US" b="1"/>
+          </a:p>
+        </p:txBody>
+      </p:sp>
+      <p:sp>
+        <p:nvSpPr>
+          <p:cNvPr id="19" name="文本框 18"/>
+          <p:cNvSpPr txBox="1"/>
+          <p:nvPr/>
+        </p:nvSpPr>
+        <p:spPr>
+          <a:xfrm>
+            <a:off x="968375" y="2206625"/>
+            <a:ext cx="2272665" cy="2168525"/>
+          </a:xfrm>
+          <a:prstGeom prst="rect">
+            <a:avLst/>
+          </a:prstGeom>
+          <a:noFill/>
+        </p:spPr>
+        <p:txBody>
+          <a:bodyPr wrap="square" rtlCol="0">
+            <a:spAutoFit/>
+          </a:bodyPr>
+          <a:p>
+            <a:pPr indent="0" fontAlgn="auto">
+              <a:lnSpc>
+                <a:spcPct val="150000"/>
+              </a:lnSpc>
+            </a:pPr>
+            <a:r>
               <a:rPr lang="zh-CN" altLang="en-US"/>
-              <a:t>上传</a:t>
+              <a:t>实现目标：</a:t>
+            </a:r>
+            <a:endParaRPr lang="zh-CN" altLang="en-US"/>
+          </a:p>
+          <a:p>
+            <a:pPr indent="0" fontAlgn="auto">
+              <a:lnSpc>
+                <a:spcPct val="150000"/>
+              </a:lnSpc>
+            </a:pPr>
+            <a:r>
+              <a:rPr lang="zh-CN" altLang="en-US"/>
+              <a:t>从前端上传图片到服务器保存，服务器返回图片</a:t>
+            </a:r>
+            <a:r>
+              <a:rPr lang="zh-CN" altLang="en-US"/>
+              <a:t>地址，前端实时显示上传的</a:t>
             </a:r>
             <a:r>
               <a:rPr lang="zh-CN" altLang="en-US"/>
@@ -4860,9 +8116,284 @@
           </a:p>
         </p:txBody>
       </p:sp>
+      <p:sp>
+        <p:nvSpPr>
+          <p:cNvPr id="20" name="文本框 19"/>
+          <p:cNvSpPr txBox="1"/>
+          <p:nvPr/>
+        </p:nvSpPr>
+        <p:spPr>
+          <a:xfrm>
+            <a:off x="3896995" y="2298065"/>
+            <a:ext cx="2798445" cy="2410460"/>
+          </a:xfrm>
+          <a:prstGeom prst="rect">
+            <a:avLst/>
+          </a:prstGeom>
+          <a:noFill/>
+        </p:spPr>
+        <p:txBody>
+          <a:bodyPr wrap="square" rtlCol="0">
+            <a:noAutofit/>
+          </a:bodyPr>
+          <a:p>
+            <a:r>
+              <a:rPr lang="zh-CN" altLang="en-US"/>
+              <a:t>难点：</a:t>
+            </a:r>
+            <a:endParaRPr lang="zh-CN" altLang="en-US"/>
+          </a:p>
+          <a:p>
+            <a:r>
+              <a:rPr lang="en-US" altLang="zh-CN"/>
+              <a:t>1.elementui</a:t>
+            </a:r>
+            <a:r>
+              <a:rPr lang="zh-CN" altLang="en-US"/>
+              <a:t>的响应形式与</a:t>
+            </a:r>
+            <a:r>
+              <a:rPr lang="en-US" altLang="zh-CN"/>
+              <a:t>axios</a:t>
+            </a:r>
+            <a:r>
+              <a:rPr lang="zh-CN" altLang="en-US"/>
+              <a:t>响应形式不同，导致无法正确访问图片；</a:t>
+            </a:r>
+            <a:endParaRPr lang="zh-CN" altLang="en-US"/>
+          </a:p>
+          <a:p>
+            <a:pPr indent="0" fontAlgn="auto">
+              <a:lnSpc>
+                <a:spcPct val="150000"/>
+              </a:lnSpc>
+            </a:pPr>
+            <a:r>
+              <a:rPr lang="en-US" altLang="zh-CN"/>
+              <a:t>2.</a:t>
+            </a:r>
+            <a:r>
+              <a:rPr lang="zh-CN" altLang="en-US"/>
+              <a:t>初次上传的图片，服务器没有分配访问网址，需要先</a:t>
+            </a:r>
+            <a:r>
+              <a:rPr lang="zh-CN" altLang="en-US"/>
+              <a:t>更新资源</a:t>
+            </a:r>
+            <a:endParaRPr lang="zh-CN" altLang="en-US"/>
+          </a:p>
+          <a:p>
+            <a:endParaRPr lang="zh-CN" altLang="en-US"/>
+          </a:p>
+        </p:txBody>
+      </p:sp>
+      <p:sp>
+        <p:nvSpPr>
+          <p:cNvPr id="28" name="矩形 27"/>
+          <p:cNvSpPr/>
+          <p:nvPr/>
+        </p:nvSpPr>
+        <p:spPr>
+          <a:xfrm>
+            <a:off x="683895" y="2298065"/>
+            <a:ext cx="2710815" cy="2621915"/>
+          </a:xfrm>
+          <a:prstGeom prst="rect">
+            <a:avLst/>
+          </a:prstGeom>
+          <a:solidFill>
+            <a:schemeClr val="accent2">
+              <a:lumMod val="60000"/>
+              <a:lumOff val="40000"/>
+              <a:alpha val="30000"/>
+            </a:schemeClr>
+          </a:solidFill>
+        </p:spPr>
+        <p:style>
+          <a:lnRef idx="2">
+            <a:schemeClr val="accent1">
+              <a:lumMod val="75000"/>
+            </a:schemeClr>
+          </a:lnRef>
+          <a:fillRef idx="1">
+            <a:schemeClr val="accent1"/>
+          </a:fillRef>
+          <a:effectRef idx="0">
+            <a:srgbClr val="FFFFFF"/>
+          </a:effectRef>
+          <a:fontRef idx="minor">
+            <a:schemeClr val="lt1"/>
+          </a:fontRef>
+        </p:style>
+        <p:txBody>
+          <a:bodyPr rtlCol="0" anchor="ctr"/>
+          <a:p>
+            <a:pPr algn="ctr"/>
+            <a:endParaRPr lang="zh-CN" altLang="en-US"/>
+          </a:p>
+        </p:txBody>
+      </p:sp>
+      <p:sp>
+        <p:nvSpPr>
+          <p:cNvPr id="21" name="矩形 20"/>
+          <p:cNvSpPr/>
+          <p:nvPr/>
+        </p:nvSpPr>
+        <p:spPr>
+          <a:xfrm>
+            <a:off x="3646170" y="2298065"/>
+            <a:ext cx="3006725" cy="2621280"/>
+          </a:xfrm>
+          <a:prstGeom prst="rect">
+            <a:avLst/>
+          </a:prstGeom>
+          <a:solidFill>
+            <a:schemeClr val="accent1">
+              <a:alpha val="31000"/>
+            </a:schemeClr>
+          </a:solidFill>
+        </p:spPr>
+        <p:style>
+          <a:lnRef idx="2">
+            <a:schemeClr val="accent1">
+              <a:lumMod val="75000"/>
+            </a:schemeClr>
+          </a:lnRef>
+          <a:fillRef idx="1">
+            <a:schemeClr val="accent1"/>
+          </a:fillRef>
+          <a:effectRef idx="0">
+            <a:srgbClr val="FFFFFF"/>
+          </a:effectRef>
+          <a:fontRef idx="minor">
+            <a:schemeClr val="lt1"/>
+          </a:fontRef>
+        </p:style>
+        <p:txBody>
+          <a:bodyPr rtlCol="0" anchor="ctr"/>
+          <a:p>
+            <a:pPr algn="ctr"/>
+            <a:endParaRPr lang="zh-CN" altLang="en-US"/>
+          </a:p>
+        </p:txBody>
+      </p:sp>
+      <p:sp>
+        <p:nvSpPr>
+          <p:cNvPr id="23" name="文本框 22"/>
+          <p:cNvSpPr txBox="1"/>
+          <p:nvPr/>
+        </p:nvSpPr>
+        <p:spPr>
+          <a:xfrm>
+            <a:off x="6993890" y="2352040"/>
+            <a:ext cx="3066415" cy="1337945"/>
+          </a:xfrm>
+          <a:prstGeom prst="rect">
+            <a:avLst/>
+          </a:prstGeom>
+          <a:noFill/>
+        </p:spPr>
+        <p:txBody>
+          <a:bodyPr wrap="square" rtlCol="0">
+            <a:spAutoFit/>
+          </a:bodyPr>
+          <a:p>
+            <a:r>
+              <a:rPr lang="zh-CN" altLang="en-US"/>
+              <a:t>解决</a:t>
+            </a:r>
+            <a:r>
+              <a:rPr lang="zh-CN" altLang="en-US"/>
+              <a:t>方法：</a:t>
+            </a:r>
+            <a:endParaRPr lang="zh-CN" altLang="en-US"/>
+          </a:p>
+          <a:p>
+            <a:pPr indent="0" fontAlgn="auto">
+              <a:lnSpc>
+                <a:spcPct val="150000"/>
+              </a:lnSpc>
+            </a:pPr>
+            <a:r>
+              <a:rPr lang="en-US" altLang="zh-CN"/>
+              <a:t>1.</a:t>
+            </a:r>
+            <a:r>
+              <a:rPr lang="zh-CN" altLang="en-US"/>
+              <a:t>改正响应信息的</a:t>
+            </a:r>
+            <a:r>
+              <a:rPr lang="zh-CN" altLang="en-US"/>
+              <a:t>获取</a:t>
+            </a:r>
+            <a:endParaRPr lang="zh-CN" altLang="en-US"/>
+          </a:p>
+          <a:p>
+            <a:r>
+              <a:rPr lang="en-US" altLang="zh-CN"/>
+              <a:t>2.</a:t>
+            </a:r>
+            <a:r>
+              <a:rPr lang="zh-CN" altLang="en-US"/>
+              <a:t>在前端给上传的图片分配临时</a:t>
+            </a:r>
+            <a:r>
+              <a:rPr lang="en-US" altLang="zh-CN"/>
+              <a:t>url</a:t>
+            </a:r>
+            <a:endParaRPr lang="zh-CN" altLang="en-US"/>
+          </a:p>
+        </p:txBody>
+      </p:sp>
+      <p:sp>
+        <p:nvSpPr>
+          <p:cNvPr id="24" name="矩形 23"/>
+          <p:cNvSpPr/>
+          <p:nvPr/>
+        </p:nvSpPr>
+        <p:spPr>
+          <a:xfrm>
+            <a:off x="6917690" y="2298700"/>
+            <a:ext cx="2927350" cy="2621280"/>
+          </a:xfrm>
+          <a:prstGeom prst="rect">
+            <a:avLst/>
+          </a:prstGeom>
+          <a:solidFill>
+            <a:schemeClr val="accent6">
+              <a:lumMod val="60000"/>
+              <a:lumOff val="40000"/>
+              <a:alpha val="33000"/>
+            </a:schemeClr>
+          </a:solidFill>
+        </p:spPr>
+        <p:style>
+          <a:lnRef idx="2">
+            <a:schemeClr val="accent1">
+              <a:lumMod val="75000"/>
+            </a:schemeClr>
+          </a:lnRef>
+          <a:fillRef idx="1">
+            <a:schemeClr val="accent1"/>
+          </a:fillRef>
+          <a:effectRef idx="0">
+            <a:srgbClr val="FFFFFF"/>
+          </a:effectRef>
+          <a:fontRef idx="minor">
+            <a:schemeClr val="lt1"/>
+          </a:fontRef>
+        </p:style>
+        <p:txBody>
+          <a:bodyPr rtlCol="0" anchor="ctr"/>
+          <a:p>
+            <a:pPr algn="ctr"/>
+            <a:endParaRPr lang="zh-CN" altLang="en-US"/>
+          </a:p>
+        </p:txBody>
+      </p:sp>
       <p:pic>
         <p:nvPicPr>
-          <p:cNvPr id="13" name="图片 12"/>
+          <p:cNvPr id="25" name="图片 24"/>
           <p:cNvPicPr>
             <a:picLocks noChangeAspect="1"/>
           </p:cNvPicPr>
@@ -4876,154 +8407,14 @@
         </p:blipFill>
         <p:spPr>
           <a:xfrm>
-            <a:off x="3373120" y="420370"/>
-            <a:ext cx="5273040" cy="4145280"/>
+            <a:off x="3646170" y="156210"/>
+            <a:ext cx="2964180" cy="2050415"/>
           </a:xfrm>
           <a:prstGeom prst="rect">
             <a:avLst/>
           </a:prstGeom>
         </p:spPr>
       </p:pic>
-      <p:sp>
-        <p:nvSpPr>
-          <p:cNvPr id="14" name="文本框 13"/>
-          <p:cNvSpPr txBox="1"/>
-          <p:nvPr/>
-        </p:nvSpPr>
-        <p:spPr>
-          <a:xfrm>
-            <a:off x="609600" y="2997200"/>
-            <a:ext cx="4064000" cy="368300"/>
-          </a:xfrm>
-          <a:prstGeom prst="rect">
-            <a:avLst/>
-          </a:prstGeom>
-          <a:noFill/>
-        </p:spPr>
-        <p:txBody>
-          <a:bodyPr wrap="square" rtlCol="0">
-            <a:spAutoFit/>
-          </a:bodyPr>
-          <a:p>
-            <a:r>
-              <a:rPr lang="zh-CN" altLang="en-US"/>
-              <a:t>上传至服务器</a:t>
-            </a:r>
-            <a:r>
-              <a:rPr lang="zh-CN" altLang="en-US"/>
-              <a:t>保存</a:t>
-            </a:r>
-            <a:endParaRPr lang="zh-CN" altLang="en-US"/>
-          </a:p>
-        </p:txBody>
-      </p:sp>
-      <p:sp>
-        <p:nvSpPr>
-          <p:cNvPr id="15" name="文本框 14"/>
-          <p:cNvSpPr txBox="1"/>
-          <p:nvPr/>
-        </p:nvSpPr>
-        <p:spPr>
-          <a:xfrm>
-            <a:off x="609600" y="3836035"/>
-            <a:ext cx="4064000" cy="368300"/>
-          </a:xfrm>
-          <a:prstGeom prst="rect">
-            <a:avLst/>
-          </a:prstGeom>
-          <a:noFill/>
-        </p:spPr>
-        <p:txBody>
-          <a:bodyPr wrap="square" rtlCol="0">
-            <a:spAutoFit/>
-          </a:bodyPr>
-          <a:p>
-            <a:r>
-              <a:rPr lang="zh-CN" altLang="en-US"/>
-              <a:t>返回地址到前端</a:t>
-            </a:r>
-            <a:r>
-              <a:rPr lang="zh-CN" altLang="en-US"/>
-              <a:t>显示</a:t>
-            </a:r>
-            <a:endParaRPr lang="zh-CN" altLang="en-US"/>
-          </a:p>
-        </p:txBody>
-      </p:sp>
-      <p:sp>
-        <p:nvSpPr>
-          <p:cNvPr id="16" name="文本框 15"/>
-          <p:cNvSpPr txBox="1"/>
-          <p:nvPr/>
-        </p:nvSpPr>
-        <p:spPr>
-          <a:xfrm>
-            <a:off x="753110" y="4778375"/>
-            <a:ext cx="4064000" cy="368300"/>
-          </a:xfrm>
-          <a:prstGeom prst="rect">
-            <a:avLst/>
-          </a:prstGeom>
-          <a:noFill/>
-        </p:spPr>
-        <p:txBody>
-          <a:bodyPr wrap="square" rtlCol="0">
-            <a:spAutoFit/>
-          </a:bodyPr>
-          <a:p>
-            <a:r>
-              <a:rPr lang="zh-CN" altLang="en-US"/>
-              <a:t>显示不成功，</a:t>
-            </a:r>
-            <a:r>
-              <a:rPr lang="zh-CN" altLang="en-US"/>
-              <a:t>排查原因</a:t>
-            </a:r>
-            <a:endParaRPr lang="zh-CN" altLang="en-US"/>
-          </a:p>
-        </p:txBody>
-      </p:sp>
-      <p:sp>
-        <p:nvSpPr>
-          <p:cNvPr id="17" name="文本框 16"/>
-          <p:cNvSpPr txBox="1"/>
-          <p:nvPr/>
-        </p:nvSpPr>
-        <p:spPr>
-          <a:xfrm>
-            <a:off x="887095" y="5861050"/>
-            <a:ext cx="6075045" cy="368300"/>
-          </a:xfrm>
-          <a:prstGeom prst="rect">
-            <a:avLst/>
-          </a:prstGeom>
-          <a:noFill/>
-        </p:spPr>
-        <p:txBody>
-          <a:bodyPr wrap="square" rtlCol="0">
-            <a:spAutoFit/>
-          </a:bodyPr>
-          <a:p>
-            <a:r>
-              <a:rPr lang="zh-CN" altLang="en-US"/>
-              <a:t>发现</a:t>
-            </a:r>
-            <a:r>
-              <a:rPr lang="en-US" altLang="zh-CN"/>
-              <a:t>elementui</a:t>
-            </a:r>
-            <a:r>
-              <a:rPr lang="zh-CN" altLang="en-US"/>
-              <a:t>组件有问题，以及服务器无法</a:t>
-            </a:r>
-            <a:r>
-              <a:rPr lang="zh-CN" altLang="en-US"/>
-              <a:t>实时更新资源</a:t>
-            </a:r>
-            <a:endParaRPr lang="zh-CN" altLang="en-US"/>
-          </a:p>
-        </p:txBody>
-      </p:sp>
     </p:spTree>
   </p:cSld>
   <p:clrMapOvr>
@@ -5032,7 +8423,7 @@
 </p:sld>
 </file>
 
-<file path=ppt/slides/slide12.xml><?xml version="1.0" encoding="utf-8"?>
+<file path=ppt/slides/slide15.xml><?xml version="1.0" encoding="utf-8"?>
 <p:sld xmlns:a="http://schemas.openxmlformats.org/drawingml/2006/main" xmlns:r="http://schemas.openxmlformats.org/officeDocument/2006/relationships" xmlns:p="http://schemas.openxmlformats.org/presentationml/2006/main">
   <p:cSld>
     <p:spTree>
@@ -5483,7 +8874,7 @@
 </p:sld>
 </file>
 
-<file path=ppt/slides/slide13.xml><?xml version="1.0" encoding="utf-8"?>
+<file path=ppt/slides/slide16.xml><?xml version="1.0" encoding="utf-8"?>
 <p:sld xmlns:a="http://schemas.openxmlformats.org/drawingml/2006/main" xmlns:r="http://schemas.openxmlformats.org/officeDocument/2006/relationships" xmlns:p="http://schemas.openxmlformats.org/presentationml/2006/main">
   <p:cSld>
     <p:spTree>
@@ -5946,7 +9337,7 @@
         </p:nvSpPr>
         <p:spPr>
           <a:xfrm>
-            <a:off x="1738630" y="1648460"/>
+            <a:off x="968375" y="2534920"/>
             <a:ext cx="5991860" cy="508000"/>
           </a:xfrm>
           <a:prstGeom prst="rect">
@@ -5959,14 +9350,6 @@
             <a:noAutofit/>
           </a:bodyPr>
           <a:p>
-            <a:r>
-              <a:rPr lang="zh-CN" altLang="en-US"/>
-              <a:t>学习一门技术</a:t>
-            </a:r>
-            <a:r>
-              <a:rPr lang="zh-CN" altLang="en-US"/>
-              <a:t>首先要一鼓作气从理论到实践一以贯之</a:t>
-            </a:r>
             <a:endParaRPr lang="zh-CN" altLang="en-US"/>
           </a:p>
         </p:txBody>
@@ -5979,8 +9362,8 @@
         </p:nvSpPr>
         <p:spPr>
           <a:xfrm>
-            <a:off x="1873885" y="3150235"/>
-            <a:ext cx="4064000" cy="368300"/>
+            <a:off x="968375" y="1383030"/>
+            <a:ext cx="6706870" cy="2584450"/>
           </a:xfrm>
           <a:prstGeom prst="rect">
             <a:avLst/>
@@ -5992,14 +9375,65 @@
             <a:spAutoFit/>
           </a:bodyPr>
           <a:p>
+            <a:pPr marL="285750" indent="-285750" fontAlgn="auto">
+              <a:lnSpc>
+                <a:spcPct val="150000"/>
+              </a:lnSpc>
+              <a:buFont typeface="Wingdings" panose="05000000000000000000" charset="0"/>
+              <a:buChar char="l"/>
+            </a:pPr>
             <a:r>
               <a:rPr lang="zh-CN" altLang="en-US"/>
-              <a:t>作息规律，保持学习</a:t>
+              <a:t>要学习，就要保持每天</a:t>
             </a:r>
             <a:r>
               <a:rPr lang="zh-CN" altLang="en-US"/>
-              <a:t>节奏</a:t>
-            </a:r>
+              <a:t>的规律作息，不一段时间猛学，然后萎靡一段时间，</a:t>
+            </a:r>
+            <a:endParaRPr lang="zh-CN" altLang="en-US"/>
+          </a:p>
+          <a:p>
+            <a:pPr marL="285750" indent="-285750" fontAlgn="auto">
+              <a:lnSpc>
+                <a:spcPct val="150000"/>
+              </a:lnSpc>
+              <a:buFont typeface="Wingdings" panose="05000000000000000000" charset="0"/>
+              <a:buChar char="l"/>
+            </a:pPr>
+            <a:r>
+              <a:rPr lang="zh-CN" altLang="en-US">
+                <a:sym typeface="+mn-ea"/>
+              </a:rPr>
+              <a:t>学习一门技术首要是一鼓作气从理论到实践一以贯之，不然不知道自己学了什么。</a:t>
+            </a:r>
+            <a:endParaRPr lang="zh-CN" altLang="en-US">
+              <a:sym typeface="+mn-ea"/>
+            </a:endParaRPr>
+          </a:p>
+          <a:p>
+            <a:pPr marL="285750" indent="-285750" fontAlgn="auto">
+              <a:lnSpc>
+                <a:spcPct val="150000"/>
+              </a:lnSpc>
+              <a:buFont typeface="Wingdings" panose="05000000000000000000" charset="0"/>
+              <a:buChar char="l"/>
+            </a:pPr>
+            <a:r>
+              <a:rPr lang="zh-CN" altLang="en-US">
+                <a:sym typeface="+mn-ea"/>
+              </a:rPr>
+              <a:t>要做好笔记，每天总结，每天复习</a:t>
+            </a:r>
+            <a:endParaRPr lang="zh-CN" altLang="en-US"/>
+          </a:p>
+          <a:p>
+            <a:pPr marL="285750" indent="-285750" fontAlgn="auto">
+              <a:lnSpc>
+                <a:spcPct val="150000"/>
+              </a:lnSpc>
+              <a:buFont typeface="Wingdings" panose="05000000000000000000" charset="0"/>
+              <a:buChar char="l"/>
+            </a:pPr>
             <a:endParaRPr lang="zh-CN" altLang="en-US"/>
           </a:p>
         </p:txBody>
@@ -6012,7 +9446,7 @@
 </p:sld>
 </file>
 
-<file path=ppt/slides/slide14.xml><?xml version="1.0" encoding="utf-8"?>
+<file path=ppt/slides/slide17.xml><?xml version="1.0" encoding="utf-8"?>
 <p:sld xmlns:a="http://schemas.openxmlformats.org/drawingml/2006/main" xmlns:r="http://schemas.openxmlformats.org/officeDocument/2006/relationships" xmlns:p="http://schemas.openxmlformats.org/presentationml/2006/main">
   <p:cSld>
     <p:spTree>
@@ -8781,7 +12215,7 @@
         </p:nvSpPr>
         <p:spPr>
           <a:xfrm>
-            <a:off x="3769995" y="970280"/>
+            <a:off x="968375" y="1219200"/>
             <a:ext cx="4064000" cy="583565"/>
           </a:xfrm>
           <a:prstGeom prst="rect">
@@ -8795,29 +12229,111 @@
           </a:bodyPr>
           <a:p>
             <a:r>
-              <a:rPr lang="zh-CN" altLang="en-US" sz="3200">
+              <a:rPr lang="zh-CN" altLang="en-US" sz="3200" b="1">
                 <a:latin typeface="微软雅黑" panose="020B0503020204020204" pitchFamily="34" charset="-122"/>
                 <a:ea typeface="微软雅黑" panose="020B0503020204020204" pitchFamily="34" charset="-122"/>
               </a:rPr>
-              <a:t>资金管理</a:t>
-            </a:r>
-            <a:r>
-              <a:rPr lang="zh-CN" altLang="en-US" sz="3200">
-                <a:latin typeface="微软雅黑" panose="020B0503020204020204" pitchFamily="34" charset="-122"/>
-                <a:ea typeface="微软雅黑" panose="020B0503020204020204" pitchFamily="34" charset="-122"/>
-              </a:rPr>
-              <a:t>系统</a:t>
-            </a:r>
-            <a:endParaRPr lang="zh-CN" altLang="en-US" sz="3200">
+              <a:t>资金管理系统</a:t>
+            </a:r>
+            <a:endParaRPr lang="zh-CN" altLang="en-US" sz="3200" b="1">
               <a:latin typeface="微软雅黑" panose="020B0503020204020204" pitchFamily="34" charset="-122"/>
               <a:ea typeface="微软雅黑" panose="020B0503020204020204" pitchFamily="34" charset="-122"/>
             </a:endParaRPr>
           </a:p>
         </p:txBody>
       </p:sp>
+      <p:sp>
+        <p:nvSpPr>
+          <p:cNvPr id="15" name="文本框 14"/>
+          <p:cNvSpPr txBox="1"/>
+          <p:nvPr/>
+        </p:nvSpPr>
+        <p:spPr>
+          <a:xfrm>
+            <a:off x="968375" y="2051685"/>
+            <a:ext cx="8343265" cy="749935"/>
+          </a:xfrm>
+          <a:prstGeom prst="rect">
+            <a:avLst/>
+          </a:prstGeom>
+          <a:noFill/>
+        </p:spPr>
+        <p:txBody>
+          <a:bodyPr wrap="square" rtlCol="0">
+            <a:noAutofit/>
+          </a:bodyPr>
+          <a:p>
+            <a:r>
+              <a:rPr lang="zh-CN" altLang="en-US" sz="2400"/>
+              <a:t>有</a:t>
+            </a:r>
+            <a:r>
+              <a:rPr lang="zh-CN" altLang="en-US" sz="2400" b="1"/>
+              <a:t>企业</a:t>
+            </a:r>
+            <a:r>
+              <a:rPr lang="zh-CN" altLang="en-US" sz="2400"/>
+              <a:t>和</a:t>
+            </a:r>
+            <a:r>
+              <a:rPr lang="zh-CN" altLang="en-US" sz="2400" b="1"/>
+              <a:t>用户主体</a:t>
+            </a:r>
+            <a:r>
+              <a:rPr lang="zh-CN" altLang="en-US" sz="2400"/>
+              <a:t>，可让</a:t>
+            </a:r>
+            <a:r>
+              <a:rPr lang="zh-CN" altLang="en-US" sz="2400" b="1"/>
+              <a:t>资金</a:t>
+            </a:r>
+            <a:r>
+              <a:rPr lang="zh-CN" altLang="en-US" sz="2400"/>
+              <a:t>在</a:t>
+            </a:r>
+            <a:r>
+              <a:rPr lang="zh-CN" altLang="en-US" sz="2400" b="1"/>
+              <a:t>企业与人，人与企业，人与人</a:t>
+            </a:r>
+            <a:r>
+              <a:rPr lang="zh-CN" altLang="en-US" sz="2400"/>
+              <a:t>之间</a:t>
+            </a:r>
+            <a:r>
+              <a:rPr lang="zh-CN" altLang="en-US" sz="2400" b="1"/>
+              <a:t>流动</a:t>
+            </a:r>
+            <a:r>
+              <a:rPr lang="zh-CN" altLang="en-US" sz="2400"/>
+              <a:t>满足个人在</a:t>
+            </a:r>
+            <a:r>
+              <a:rPr lang="zh-CN" altLang="en-US" sz="2400" b="1"/>
+              <a:t>工作</a:t>
+            </a:r>
+            <a:r>
+              <a:rPr lang="zh-CN" altLang="en-US" sz="2400"/>
+              <a:t>和</a:t>
+            </a:r>
+            <a:r>
+              <a:rPr lang="zh-CN" altLang="en-US" sz="2400" b="1"/>
+              <a:t>生活</a:t>
+            </a:r>
+            <a:r>
+              <a:rPr lang="zh-CN" altLang="en-US" sz="2400"/>
+              <a:t>上的资金流动</a:t>
+            </a:r>
+            <a:r>
+              <a:rPr lang="zh-CN" altLang="en-US" sz="2400" b="1"/>
+              <a:t>需求</a:t>
+            </a:r>
+            <a:endParaRPr lang="zh-CN" altLang="en-US" sz="2400" b="1"/>
+          </a:p>
+        </p:txBody>
+      </p:sp>
       <p:pic>
         <p:nvPicPr>
-          <p:cNvPr id="14" name="图片 13"/>
+          <p:cNvPr id="16" name="图片 15"/>
           <p:cNvPicPr>
             <a:picLocks noChangeAspect="1"/>
           </p:cNvPicPr>
@@ -8831,8 +12347,8 @@
         </p:blipFill>
         <p:spPr>
           <a:xfrm>
-            <a:off x="648335" y="1703705"/>
-            <a:ext cx="8435975" cy="4208780"/>
+            <a:off x="968375" y="2801620"/>
+            <a:ext cx="5836920" cy="3200400"/>
           </a:xfrm>
           <a:prstGeom prst="rect">
             <a:avLst/>
@@ -9764,16 +13280,40 @@
           </a:p>
         </p:txBody>
       </p:sp>
-      <p:sp>
-        <p:nvSpPr>
-          <p:cNvPr id="5" name="文本框 4"/>
+      <p:pic>
+        <p:nvPicPr>
+          <p:cNvPr id="7" name="图片 6"/>
+          <p:cNvPicPr>
+            <a:picLocks noChangeAspect="1"/>
+          </p:cNvPicPr>
+          <p:nvPr/>
+        </p:nvPicPr>
+        <p:blipFill>
+          <a:blip r:embed="rId3"/>
+          <a:stretch>
+            <a:fillRect/>
+          </a:stretch>
+        </p:blipFill>
+        <p:spPr>
+          <a:xfrm>
+            <a:off x="968375" y="2001520"/>
+            <a:ext cx="7526020" cy="4512310"/>
+          </a:xfrm>
+          <a:prstGeom prst="rect">
+            <a:avLst/>
+          </a:prstGeom>
+        </p:spPr>
+      </p:pic>
+      <p:sp>
+        <p:nvSpPr>
+          <p:cNvPr id="13" name="文本框 12"/>
           <p:cNvSpPr txBox="1"/>
           <p:nvPr/>
         </p:nvSpPr>
         <p:spPr>
           <a:xfrm>
-            <a:off x="968375" y="1339850"/>
-            <a:ext cx="4064000" cy="368300"/>
+            <a:off x="1419225" y="1535430"/>
+            <a:ext cx="5616575" cy="368300"/>
           </a:xfrm>
           <a:prstGeom prst="rect">
             <a:avLst/>
@@ -9787,188 +13327,16 @@
           <a:p>
             <a:r>
               <a:rPr lang="zh-CN" altLang="en-US"/>
-              <a:t>分为三个模块，个人，群组，</a:t>
+              <a:t>功能分为三块，用户中心，资金中心，企业</a:t>
             </a:r>
             <a:r>
               <a:rPr lang="zh-CN" altLang="en-US"/>
-              <a:t>资金</a:t>
-            </a:r>
-            <a:endParaRPr lang="zh-CN" altLang="en-US"/>
-          </a:p>
-        </p:txBody>
-      </p:sp>
-      <p:graphicFrame>
-        <p:nvGraphicFramePr>
-          <p:cNvPr id="13" name="对象 12">
-            <a:hlinkClick r:id="rId3" action="ppaction://hlinkfile"/>
-          </p:cNvPr>
-          <p:cNvGraphicFramePr>
-            <a:graphicFrameLocks noChangeAspect="1"/>
-          </p:cNvGraphicFramePr>
-          <p:nvPr/>
-        </p:nvGraphicFramePr>
-        <p:xfrm>
-          <a:off x="6080125" y="3242310"/>
-          <a:ext cx="1651000" cy="1360170"/>
-        </p:xfrm>
-        <a:graphic>
-          <a:graphicData uri="http://schemas.openxmlformats.org/presentationml/2006/ole">
-            <mc:AlternateContent xmlns:mc="http://schemas.openxmlformats.org/markup-compatibility/2006">
-              <mc:Choice xmlns:v="urn:schemas-microsoft-com:vml" Requires="v">
-                <p:oleObj spid="_x0000_s1026" name="" showAsIcon="1" r:id="rId4" imgW="971550" imgH="800100" progId="Package">
-                  <p:embed/>
-                </p:oleObj>
-              </mc:Choice>
-              <mc:Fallback>
-                <p:oleObj name="" showAsIcon="1" r:id="rId4" imgW="971550" imgH="800100" progId="Package">
-                  <p:embed/>
-                  <p:pic>
-                    <p:nvPicPr>
-                      <p:cNvPr id="0" name="图片 1025"/>
-                      <p:cNvPicPr/>
-                      <p:nvPr/>
-                    </p:nvPicPr>
-                    <p:blipFill>
-                      <a:blip r:embed="rId5"/>
-                      <a:stretch>
-                        <a:fillRect/>
-                      </a:stretch>
-                    </p:blipFill>
-                    <p:spPr>
-                      <a:xfrm>
-                        <a:off x="6080125" y="3242310"/>
-                        <a:ext cx="1651000" cy="1360170"/>
-                      </a:xfrm>
-                      <a:prstGeom prst="rect">
-                        <a:avLst/>
-                      </a:prstGeom>
-                    </p:spPr>
-                  </p:pic>
-                </p:oleObj>
-              </mc:Fallback>
-            </mc:AlternateContent>
-          </a:graphicData>
-        </a:graphic>
-      </p:graphicFrame>
-      <p:sp>
-        <p:nvSpPr>
-          <p:cNvPr id="14" name="文本框 13"/>
-          <p:cNvSpPr txBox="1"/>
-          <p:nvPr/>
-        </p:nvSpPr>
-        <p:spPr>
-          <a:xfrm>
-            <a:off x="1519555" y="2537460"/>
-            <a:ext cx="4064000" cy="368300"/>
-          </a:xfrm>
-          <a:prstGeom prst="rect">
-            <a:avLst/>
-          </a:prstGeom>
-          <a:noFill/>
-        </p:spPr>
-        <p:txBody>
-          <a:bodyPr wrap="square" rtlCol="0">
-            <a:spAutoFit/>
-          </a:bodyPr>
-          <a:p>
-            <a:r>
-              <a:rPr lang="zh-CN" altLang="en-US"/>
-              <a:t>功能</a:t>
-            </a:r>
-            <a:r>
-              <a:rPr lang="zh-CN" altLang="en-US"/>
-              <a:t>设计</a:t>
-            </a:r>
-            <a:endParaRPr lang="zh-CN" altLang="en-US"/>
-          </a:p>
-        </p:txBody>
-      </p:sp>
-      <p:sp>
-        <p:nvSpPr>
-          <p:cNvPr id="15" name="文本框 14"/>
-          <p:cNvSpPr txBox="1"/>
-          <p:nvPr/>
-        </p:nvSpPr>
-        <p:spPr>
-          <a:xfrm>
-            <a:off x="6241415" y="2719070"/>
-            <a:ext cx="4064000" cy="368300"/>
-          </a:xfrm>
-          <a:prstGeom prst="rect">
-            <a:avLst/>
-          </a:prstGeom>
-          <a:noFill/>
-        </p:spPr>
-        <p:txBody>
-          <a:bodyPr wrap="square" rtlCol="0">
-            <a:spAutoFit/>
-          </a:bodyPr>
-          <a:p>
-            <a:r>
-              <a:rPr lang="zh-CN" altLang="en-US"/>
-              <a:t>表</a:t>
-            </a:r>
-            <a:r>
-              <a:rPr lang="zh-CN" altLang="en-US"/>
-              <a:t>设计</a:t>
-            </a:r>
-            <a:endParaRPr lang="zh-CN" altLang="en-US"/>
-          </a:p>
-        </p:txBody>
-      </p:sp>
-      <p:graphicFrame>
-        <p:nvGraphicFramePr>
-          <p:cNvPr id="16" name="对象 15">
-            <a:hlinkClick r:id="" action="ppaction://ole?verb="/>
-          </p:cNvPr>
-          <p:cNvGraphicFramePr>
-            <a:graphicFrameLocks noChangeAspect="1"/>
-          </p:cNvGraphicFramePr>
-          <p:nvPr/>
-        </p:nvGraphicFramePr>
-        <p:xfrm>
-          <a:off x="1519555" y="3162935"/>
-          <a:ext cx="1383665" cy="1139825"/>
-        </p:xfrm>
-        <a:graphic>
-          <a:graphicData uri="http://schemas.openxmlformats.org/presentationml/2006/ole">
-            <mc:AlternateContent xmlns:mc="http://schemas.openxmlformats.org/markup-compatibility/2006">
-              <mc:Choice xmlns:v="urn:schemas-microsoft-com:vml" Requires="v">
-                <p:oleObj spid="_x0000_s1027" name="" showAsIcon="1" r:id="rId6" imgW="971550" imgH="800100" progId="Package">
-                  <p:embed/>
-                </p:oleObj>
-              </mc:Choice>
-              <mc:Fallback>
-                <p:oleObj name="" showAsIcon="1" r:id="rId6" imgW="971550" imgH="800100" progId="Package">
-                  <p:embed/>
-                  <p:pic>
-                    <p:nvPicPr>
-                      <p:cNvPr id="0" name="图片 1026"/>
-                      <p:cNvPicPr/>
-                      <p:nvPr/>
-                    </p:nvPicPr>
-                    <p:blipFill>
-                      <a:blip r:embed="rId7"/>
-                      <a:stretch>
-                        <a:fillRect/>
-                      </a:stretch>
-                    </p:blipFill>
-                    <p:spPr>
-                      <a:xfrm>
-                        <a:off x="1519555" y="3162935"/>
-                        <a:ext cx="1383665" cy="1139825"/>
-                      </a:xfrm>
-                      <a:prstGeom prst="rect">
-                        <a:avLst/>
-                      </a:prstGeom>
-                    </p:spPr>
-                  </p:pic>
-                </p:oleObj>
-              </mc:Fallback>
-            </mc:AlternateContent>
-          </a:graphicData>
-        </a:graphic>
-      </p:graphicFrame>
+              <a:t>中心</a:t>
+            </a:r>
+            <a:endParaRPr lang="zh-CN" altLang="en-US"/>
+          </a:p>
+        </p:txBody>
+      </p:sp>
     </p:spTree>
   </p:cSld>
   <p:clrMapOvr>
@@ -9978,6 +13346,527 @@
 </file>
 
 <file path=ppt/slides/slide7.xml><?xml version="1.0" encoding="utf-8"?>
+<p:sld xmlns:a="http://schemas.openxmlformats.org/drawingml/2006/main" xmlns:r="http://schemas.openxmlformats.org/officeDocument/2006/relationships" xmlns:p="http://schemas.openxmlformats.org/presentationml/2006/main">
+  <p:cSld>
+    <p:spTree>
+      <p:nvGrpSpPr>
+        <p:cNvPr id="1" name=""/>
+        <p:cNvGrpSpPr/>
+        <p:nvPr/>
+      </p:nvGrpSpPr>
+      <p:grpSpPr>
+        <a:xfrm>
+          <a:off x="0" y="0"/>
+          <a:ext cx="0" cy="0"/>
+          <a:chOff x="0" y="0"/>
+          <a:chExt cx="0" cy="0"/>
+        </a:xfrm>
+      </p:grpSpPr>
+      <p:sp>
+        <p:nvSpPr>
+          <p:cNvPr id="2" name="矩形 1"/>
+          <p:cNvSpPr/>
+          <p:nvPr/>
+        </p:nvSpPr>
+        <p:spPr>
+          <a:xfrm>
+            <a:off x="9942286" y="0"/>
+            <a:ext cx="2249715" cy="6858000"/>
+          </a:xfrm>
+          <a:prstGeom prst="rect">
+            <a:avLst/>
+          </a:prstGeom>
+          <a:solidFill>
+            <a:srgbClr val="3843B3"/>
+          </a:solidFill>
+          <a:ln>
+            <a:noFill/>
+          </a:ln>
+        </p:spPr>
+        <p:style>
+          <a:lnRef idx="2">
+            <a:schemeClr val="accent1">
+              <a:shade val="50000"/>
+            </a:schemeClr>
+          </a:lnRef>
+          <a:fillRef idx="1">
+            <a:schemeClr val="accent1"/>
+          </a:fillRef>
+          <a:effectRef idx="0">
+            <a:schemeClr val="accent1"/>
+          </a:effectRef>
+          <a:fontRef idx="minor">
+            <a:schemeClr val="lt1"/>
+          </a:fontRef>
+        </p:style>
+        <p:txBody>
+          <a:bodyPr rtlCol="0" anchor="ctr"/>
+          <a:lstStyle/>
+          <a:p>
+            <a:pPr algn="ctr"/>
+            <a:endParaRPr lang="zh-CN" altLang="en-US" dirty="0">
+              <a:latin typeface="微软雅黑" panose="020B0503020204020204" pitchFamily="34" charset="-122"/>
+              <a:ea typeface="微软雅黑" panose="020B0503020204020204" pitchFamily="34" charset="-122"/>
+            </a:endParaRPr>
+          </a:p>
+        </p:txBody>
+      </p:sp>
+      <p:sp>
+        <p:nvSpPr>
+          <p:cNvPr id="3" name="文本框 2"/>
+          <p:cNvSpPr txBox="1"/>
+          <p:nvPr/>
+        </p:nvSpPr>
+        <p:spPr>
+          <a:xfrm>
+            <a:off x="1425004" y="509861"/>
+            <a:ext cx="2656459" cy="460375"/>
+          </a:xfrm>
+          <a:prstGeom prst="rect">
+            <a:avLst/>
+          </a:prstGeom>
+          <a:noFill/>
+        </p:spPr>
+        <p:txBody>
+          <a:bodyPr wrap="square" rtlCol="0">
+            <a:spAutoFit/>
+          </a:bodyPr>
+          <a:lstStyle/>
+          <a:p>
+            <a:r>
+              <a:rPr lang="zh-CN" altLang="en-US" sz="2400" b="1" dirty="0">
+                <a:solidFill>
+                  <a:schemeClr val="bg2">
+                    <a:lumMod val="25000"/>
+                  </a:schemeClr>
+                </a:solidFill>
+                <a:latin typeface="微软雅黑" panose="020B0503020204020204" pitchFamily="34" charset="-122"/>
+                <a:ea typeface="微软雅黑" panose="020B0503020204020204" pitchFamily="34" charset="-122"/>
+              </a:rPr>
+              <a:t>设计</a:t>
+            </a:r>
+            <a:r>
+              <a:rPr lang="zh-CN" altLang="en-US" sz="2400" b="1" dirty="0">
+                <a:solidFill>
+                  <a:schemeClr val="bg2">
+                    <a:lumMod val="25000"/>
+                  </a:schemeClr>
+                </a:solidFill>
+                <a:latin typeface="微软雅黑" panose="020B0503020204020204" pitchFamily="34" charset="-122"/>
+                <a:ea typeface="微软雅黑" panose="020B0503020204020204" pitchFamily="34" charset="-122"/>
+              </a:rPr>
+              <a:t>思路</a:t>
+            </a:r>
+            <a:endParaRPr lang="zh-CN" altLang="en-US" sz="2400" b="1" dirty="0">
+              <a:solidFill>
+                <a:schemeClr val="bg2">
+                  <a:lumMod val="25000"/>
+                </a:schemeClr>
+              </a:solidFill>
+              <a:latin typeface="微软雅黑" panose="020B0503020204020204" pitchFamily="34" charset="-122"/>
+              <a:ea typeface="微软雅黑" panose="020B0503020204020204" pitchFamily="34" charset="-122"/>
+            </a:endParaRPr>
+          </a:p>
+        </p:txBody>
+      </p:sp>
+      <p:pic>
+        <p:nvPicPr>
+          <p:cNvPr id="4" name="图形 3"/>
+          <p:cNvPicPr>
+            <a:picLocks noChangeAspect="1"/>
+          </p:cNvPicPr>
+          <p:nvPr/>
+        </p:nvPicPr>
+        <p:blipFill>
+          <a:blip r:embed="rId1">
+            <a:extLst>
+              <a:ext uri="{28A0092B-C50C-407E-A947-70E740481C1C}">
+                <a14:useLocalDpi xmlns:a14="http://schemas.microsoft.com/office/drawing/2010/main" val="0"/>
+              </a:ext>
+              <a:ext uri="{96DAC541-7B7A-43D3-8B79-37D633B846F1}">
+                <asvg:svgBlip xmlns:asvg="http://schemas.microsoft.com/office/drawing/2016/SVG/main" r:embed="rId2"/>
+              </a:ext>
+            </a:extLst>
+          </a:blip>
+          <a:stretch>
+            <a:fillRect/>
+          </a:stretch>
+        </p:blipFill>
+        <p:spPr>
+          <a:xfrm>
+            <a:off x="10516998" y="420430"/>
+            <a:ext cx="1068278" cy="1102192"/>
+          </a:xfrm>
+          <a:prstGeom prst="rect">
+            <a:avLst/>
+          </a:prstGeom>
+        </p:spPr>
+      </p:pic>
+      <p:sp>
+        <p:nvSpPr>
+          <p:cNvPr id="6" name="椭圆 5"/>
+          <p:cNvSpPr/>
+          <p:nvPr/>
+        </p:nvSpPr>
+        <p:spPr>
+          <a:xfrm>
+            <a:off x="968457" y="577043"/>
+            <a:ext cx="327299" cy="327299"/>
+          </a:xfrm>
+          <a:prstGeom prst="ellipse">
+            <a:avLst/>
+          </a:prstGeom>
+          <a:solidFill>
+            <a:srgbClr val="3843B3"/>
+          </a:solidFill>
+          <a:ln w="53975">
+            <a:noFill/>
+          </a:ln>
+        </p:spPr>
+        <p:style>
+          <a:lnRef idx="2">
+            <a:schemeClr val="accent1">
+              <a:shade val="50000"/>
+            </a:schemeClr>
+          </a:lnRef>
+          <a:fillRef idx="1">
+            <a:schemeClr val="accent1"/>
+          </a:fillRef>
+          <a:effectRef idx="0">
+            <a:schemeClr val="accent1"/>
+          </a:effectRef>
+          <a:fontRef idx="minor">
+            <a:schemeClr val="lt1"/>
+          </a:fontRef>
+        </p:style>
+        <p:txBody>
+          <a:bodyPr rtlCol="0" anchor="ctr"/>
+          <a:lstStyle/>
+          <a:p>
+            <a:pPr algn="ctr"/>
+            <a:endParaRPr lang="zh-CN" altLang="en-US" sz="1400" b="1" dirty="0">
+              <a:latin typeface="微软雅黑" panose="020B0503020204020204" pitchFamily="34" charset="-122"/>
+              <a:ea typeface="微软雅黑" panose="020B0503020204020204" pitchFamily="34" charset="-122"/>
+            </a:endParaRPr>
+          </a:p>
+        </p:txBody>
+      </p:sp>
+      <p:sp>
+        <p:nvSpPr>
+          <p:cNvPr id="8" name="文本框 7"/>
+          <p:cNvSpPr txBox="1"/>
+          <p:nvPr/>
+        </p:nvSpPr>
+        <p:spPr>
+          <a:xfrm>
+            <a:off x="10152185" y="2001483"/>
+            <a:ext cx="1787029" cy="460375"/>
+          </a:xfrm>
+          <a:prstGeom prst="rect">
+            <a:avLst/>
+          </a:prstGeom>
+          <a:noFill/>
+        </p:spPr>
+        <p:txBody>
+          <a:bodyPr wrap="square" rtlCol="0">
+            <a:spAutoFit/>
+          </a:bodyPr>
+          <a:lstStyle/>
+          <a:p>
+            <a:r>
+              <a:rPr lang="zh-CN" altLang="en-US" sz="2400" dirty="0">
+                <a:solidFill>
+                  <a:schemeClr val="bg1">
+                    <a:lumMod val="65000"/>
+                  </a:schemeClr>
+                </a:solidFill>
+                <a:latin typeface="微软雅黑" panose="020B0503020204020204" pitchFamily="34" charset="-122"/>
+                <a:ea typeface="微软雅黑" panose="020B0503020204020204" pitchFamily="34" charset="-122"/>
+              </a:rPr>
+              <a:t>项目简介</a:t>
+            </a:r>
+            <a:endParaRPr lang="zh-CN" altLang="en-US" sz="2400" dirty="0">
+              <a:solidFill>
+                <a:schemeClr val="bg1">
+                  <a:lumMod val="65000"/>
+                </a:schemeClr>
+              </a:solidFill>
+              <a:latin typeface="微软雅黑" panose="020B0503020204020204" pitchFamily="34" charset="-122"/>
+              <a:ea typeface="微软雅黑" panose="020B0503020204020204" pitchFamily="34" charset="-122"/>
+            </a:endParaRPr>
+          </a:p>
+        </p:txBody>
+      </p:sp>
+      <p:sp>
+        <p:nvSpPr>
+          <p:cNvPr id="9" name="文本框 8"/>
+          <p:cNvSpPr txBox="1"/>
+          <p:nvPr/>
+        </p:nvSpPr>
+        <p:spPr>
+          <a:xfrm>
+            <a:off x="10152185" y="2582349"/>
+            <a:ext cx="1787029" cy="460375"/>
+          </a:xfrm>
+          <a:prstGeom prst="rect">
+            <a:avLst/>
+          </a:prstGeom>
+          <a:noFill/>
+        </p:spPr>
+        <p:txBody>
+          <a:bodyPr wrap="square" rtlCol="0">
+            <a:spAutoFit/>
+          </a:bodyPr>
+          <a:lstStyle/>
+          <a:p>
+            <a:r>
+              <a:rPr lang="zh-CN" altLang="en-US" sz="2400" dirty="0">
+                <a:solidFill>
+                  <a:schemeClr val="bg1"/>
+                </a:solidFill>
+                <a:latin typeface="微软雅黑" panose="020B0503020204020204" pitchFamily="34" charset="-122"/>
+                <a:ea typeface="微软雅黑" panose="020B0503020204020204" pitchFamily="34" charset="-122"/>
+              </a:rPr>
+              <a:t>设计思路</a:t>
+            </a:r>
+            <a:endParaRPr lang="zh-CN" altLang="en-US" sz="2400" dirty="0">
+              <a:solidFill>
+                <a:schemeClr val="bg1"/>
+              </a:solidFill>
+              <a:latin typeface="微软雅黑" panose="020B0503020204020204" pitchFamily="34" charset="-122"/>
+              <a:ea typeface="微软雅黑" panose="020B0503020204020204" pitchFamily="34" charset="-122"/>
+            </a:endParaRPr>
+          </a:p>
+        </p:txBody>
+      </p:sp>
+      <p:sp>
+        <p:nvSpPr>
+          <p:cNvPr id="10" name="文本框 9"/>
+          <p:cNvSpPr txBox="1"/>
+          <p:nvPr/>
+        </p:nvSpPr>
+        <p:spPr>
+          <a:xfrm>
+            <a:off x="10173628" y="3163215"/>
+            <a:ext cx="1787029" cy="460375"/>
+          </a:xfrm>
+          <a:prstGeom prst="rect">
+            <a:avLst/>
+          </a:prstGeom>
+          <a:noFill/>
+        </p:spPr>
+        <p:txBody>
+          <a:bodyPr wrap="square" rtlCol="0">
+            <a:spAutoFit/>
+          </a:bodyPr>
+          <a:lstStyle/>
+          <a:p>
+            <a:r>
+              <a:rPr lang="zh-CN" altLang="en-US" sz="2400" dirty="0">
+                <a:solidFill>
+                  <a:schemeClr val="bg1">
+                    <a:lumMod val="65000"/>
+                  </a:schemeClr>
+                </a:solidFill>
+                <a:latin typeface="微软雅黑" panose="020B0503020204020204" pitchFamily="34" charset="-122"/>
+                <a:ea typeface="微软雅黑" panose="020B0503020204020204" pitchFamily="34" charset="-122"/>
+              </a:rPr>
+              <a:t>项目</a:t>
+            </a:r>
+            <a:r>
+              <a:rPr lang="zh-CN" altLang="en-US" sz="2400" dirty="0">
+                <a:solidFill>
+                  <a:schemeClr val="bg1">
+                    <a:lumMod val="65000"/>
+                  </a:schemeClr>
+                </a:solidFill>
+                <a:latin typeface="微软雅黑" panose="020B0503020204020204" pitchFamily="34" charset="-122"/>
+                <a:ea typeface="微软雅黑" panose="020B0503020204020204" pitchFamily="34" charset="-122"/>
+              </a:rPr>
+              <a:t>亮点</a:t>
+            </a:r>
+            <a:endParaRPr lang="zh-CN" altLang="en-US" sz="2400" dirty="0">
+              <a:solidFill>
+                <a:schemeClr val="bg1">
+                  <a:lumMod val="65000"/>
+                </a:schemeClr>
+              </a:solidFill>
+              <a:latin typeface="微软雅黑" panose="020B0503020204020204" pitchFamily="34" charset="-122"/>
+              <a:ea typeface="微软雅黑" panose="020B0503020204020204" pitchFamily="34" charset="-122"/>
+            </a:endParaRPr>
+          </a:p>
+        </p:txBody>
+      </p:sp>
+      <p:sp>
+        <p:nvSpPr>
+          <p:cNvPr id="11" name="文本框 10"/>
+          <p:cNvSpPr txBox="1"/>
+          <p:nvPr/>
+        </p:nvSpPr>
+        <p:spPr>
+          <a:xfrm>
+            <a:off x="10173628" y="3744081"/>
+            <a:ext cx="1787029" cy="460375"/>
+          </a:xfrm>
+          <a:prstGeom prst="rect">
+            <a:avLst/>
+          </a:prstGeom>
+          <a:noFill/>
+        </p:spPr>
+        <p:txBody>
+          <a:bodyPr wrap="square" rtlCol="0">
+            <a:spAutoFit/>
+          </a:bodyPr>
+          <a:lstStyle/>
+          <a:p>
+            <a:r>
+              <a:rPr lang="zh-CN" altLang="en-US" sz="2400" dirty="0">
+                <a:solidFill>
+                  <a:schemeClr val="bg1">
+                    <a:lumMod val="65000"/>
+                  </a:schemeClr>
+                </a:solidFill>
+                <a:latin typeface="微软雅黑" panose="020B0503020204020204" pitchFamily="34" charset="-122"/>
+                <a:ea typeface="微软雅黑" panose="020B0503020204020204" pitchFamily="34" charset="-122"/>
+              </a:rPr>
+              <a:t>项目</a:t>
+            </a:r>
+            <a:r>
+              <a:rPr lang="zh-CN" altLang="en-US" sz="2400" dirty="0">
+                <a:solidFill>
+                  <a:schemeClr val="bg1">
+                    <a:lumMod val="65000"/>
+                  </a:schemeClr>
+                </a:solidFill>
+                <a:latin typeface="微软雅黑" panose="020B0503020204020204" pitchFamily="34" charset="-122"/>
+                <a:ea typeface="微软雅黑" panose="020B0503020204020204" pitchFamily="34" charset="-122"/>
+              </a:rPr>
+              <a:t>难点</a:t>
+            </a:r>
+            <a:endParaRPr lang="zh-CN" altLang="en-US" sz="2400" dirty="0">
+              <a:solidFill>
+                <a:schemeClr val="bg1">
+                  <a:lumMod val="65000"/>
+                </a:schemeClr>
+              </a:solidFill>
+              <a:latin typeface="微软雅黑" panose="020B0503020204020204" pitchFamily="34" charset="-122"/>
+              <a:ea typeface="微软雅黑" panose="020B0503020204020204" pitchFamily="34" charset="-122"/>
+            </a:endParaRPr>
+          </a:p>
+        </p:txBody>
+      </p:sp>
+      <p:sp>
+        <p:nvSpPr>
+          <p:cNvPr id="12" name="文本框 11"/>
+          <p:cNvSpPr txBox="1"/>
+          <p:nvPr/>
+        </p:nvSpPr>
+        <p:spPr>
+          <a:xfrm>
+            <a:off x="10173628" y="4324947"/>
+            <a:ext cx="1787029" cy="460375"/>
+          </a:xfrm>
+          <a:prstGeom prst="rect">
+            <a:avLst/>
+          </a:prstGeom>
+          <a:noFill/>
+        </p:spPr>
+        <p:txBody>
+          <a:bodyPr wrap="square" rtlCol="0">
+            <a:spAutoFit/>
+          </a:bodyPr>
+          <a:lstStyle/>
+          <a:p>
+            <a:r>
+              <a:rPr lang="zh-CN" altLang="en-US" sz="2400" dirty="0">
+                <a:solidFill>
+                  <a:schemeClr val="bg1">
+                    <a:lumMod val="65000"/>
+                  </a:schemeClr>
+                </a:solidFill>
+                <a:latin typeface="微软雅黑" panose="020B0503020204020204" pitchFamily="34" charset="-122"/>
+                <a:ea typeface="微软雅黑" panose="020B0503020204020204" pitchFamily="34" charset="-122"/>
+              </a:rPr>
+              <a:t>心得体会</a:t>
+            </a:r>
+            <a:endParaRPr lang="zh-CN" altLang="en-US" sz="2400" dirty="0">
+              <a:solidFill>
+                <a:schemeClr val="bg1">
+                  <a:lumMod val="65000"/>
+                </a:schemeClr>
+              </a:solidFill>
+              <a:latin typeface="微软雅黑" panose="020B0503020204020204" pitchFamily="34" charset="-122"/>
+              <a:ea typeface="微软雅黑" panose="020B0503020204020204" pitchFamily="34" charset="-122"/>
+            </a:endParaRPr>
+          </a:p>
+        </p:txBody>
+      </p:sp>
+      <p:sp>
+        <p:nvSpPr>
+          <p:cNvPr id="7" name="文本框 6"/>
+          <p:cNvSpPr txBox="1"/>
+          <p:nvPr/>
+        </p:nvSpPr>
+        <p:spPr>
+          <a:xfrm>
+            <a:off x="968375" y="1421765"/>
+            <a:ext cx="5165090" cy="368300"/>
+          </a:xfrm>
+          <a:prstGeom prst="rect">
+            <a:avLst/>
+          </a:prstGeom>
+          <a:noFill/>
+        </p:spPr>
+        <p:txBody>
+          <a:bodyPr wrap="square" rtlCol="0">
+            <a:spAutoFit/>
+          </a:bodyPr>
+          <a:p>
+            <a:r>
+              <a:rPr lang="zh-CN" altLang="en-US"/>
+              <a:t>表设计包括两类，需求的信息集，对象的</a:t>
+            </a:r>
+            <a:r>
+              <a:rPr lang="zh-CN" altLang="en-US"/>
+              <a:t>表</a:t>
+            </a:r>
+            <a:endParaRPr lang="zh-CN" altLang="en-US"/>
+          </a:p>
+        </p:txBody>
+      </p:sp>
+      <p:pic>
+        <p:nvPicPr>
+          <p:cNvPr id="13" name="图片 12"/>
+          <p:cNvPicPr>
+            <a:picLocks noChangeAspect="1"/>
+          </p:cNvPicPr>
+          <p:nvPr/>
+        </p:nvPicPr>
+        <p:blipFill>
+          <a:blip r:embed="rId3"/>
+          <a:stretch>
+            <a:fillRect/>
+          </a:stretch>
+        </p:blipFill>
+        <p:spPr>
+          <a:xfrm>
+            <a:off x="968375" y="1790065"/>
+            <a:ext cx="6748780" cy="4836795"/>
+          </a:xfrm>
+          <a:prstGeom prst="rect">
+            <a:avLst/>
+          </a:prstGeom>
+        </p:spPr>
+      </p:pic>
+    </p:spTree>
+  </p:cSld>
+  <p:clrMapOvr>
+    <a:masterClrMapping/>
+  </p:clrMapOvr>
+</p:sld>
+</file>
+
+<file path=ppt/slides/slide8.xml><?xml version="1.0" encoding="utf-8"?>
 <p:sld xmlns:a="http://schemas.openxmlformats.org/drawingml/2006/main" xmlns:r="http://schemas.openxmlformats.org/officeDocument/2006/relationships" xmlns:p="http://schemas.openxmlformats.org/presentationml/2006/main">
   <p:cSld>
     <p:spTree>
@@ -10438,617 +14327,6 @@
 </p:sld>
 </file>
 
-<file path=ppt/slides/slide8.xml><?xml version="1.0" encoding="utf-8"?>
-<p:sld xmlns:a="http://schemas.openxmlformats.org/drawingml/2006/main" xmlns:r="http://schemas.openxmlformats.org/officeDocument/2006/relationships" xmlns:p="http://schemas.openxmlformats.org/presentationml/2006/main">
-  <p:cSld>
-    <p:spTree>
-      <p:nvGrpSpPr>
-        <p:cNvPr id="1" name=""/>
-        <p:cNvGrpSpPr/>
-        <p:nvPr/>
-      </p:nvGrpSpPr>
-      <p:grpSpPr>
-        <a:xfrm>
-          <a:off x="0" y="0"/>
-          <a:ext cx="0" cy="0"/>
-          <a:chOff x="0" y="0"/>
-          <a:chExt cx="0" cy="0"/>
-        </a:xfrm>
-      </p:grpSpPr>
-      <p:sp>
-        <p:nvSpPr>
-          <p:cNvPr id="2" name="矩形 1"/>
-          <p:cNvSpPr/>
-          <p:nvPr/>
-        </p:nvSpPr>
-        <p:spPr>
-          <a:xfrm>
-            <a:off x="9942286" y="0"/>
-            <a:ext cx="2249715" cy="6858000"/>
-          </a:xfrm>
-          <a:prstGeom prst="rect">
-            <a:avLst/>
-          </a:prstGeom>
-          <a:solidFill>
-            <a:srgbClr val="3843B3"/>
-          </a:solidFill>
-          <a:ln>
-            <a:noFill/>
-          </a:ln>
-        </p:spPr>
-        <p:style>
-          <a:lnRef idx="2">
-            <a:schemeClr val="accent1">
-              <a:shade val="50000"/>
-            </a:schemeClr>
-          </a:lnRef>
-          <a:fillRef idx="1">
-            <a:schemeClr val="accent1"/>
-          </a:fillRef>
-          <a:effectRef idx="0">
-            <a:schemeClr val="accent1"/>
-          </a:effectRef>
-          <a:fontRef idx="minor">
-            <a:schemeClr val="lt1"/>
-          </a:fontRef>
-        </p:style>
-        <p:txBody>
-          <a:bodyPr rtlCol="0" anchor="ctr"/>
-          <a:lstStyle/>
-          <a:p>
-            <a:pPr algn="ctr"/>
-            <a:endParaRPr lang="zh-CN" altLang="en-US" dirty="0">
-              <a:latin typeface="微软雅黑" panose="020B0503020204020204" pitchFamily="34" charset="-122"/>
-              <a:ea typeface="微软雅黑" panose="020B0503020204020204" pitchFamily="34" charset="-122"/>
-            </a:endParaRPr>
-          </a:p>
-        </p:txBody>
-      </p:sp>
-      <p:sp>
-        <p:nvSpPr>
-          <p:cNvPr id="3" name="文本框 2"/>
-          <p:cNvSpPr txBox="1"/>
-          <p:nvPr/>
-        </p:nvSpPr>
-        <p:spPr>
-          <a:xfrm>
-            <a:off x="1425004" y="509861"/>
-            <a:ext cx="2656459" cy="460375"/>
-          </a:xfrm>
-          <a:prstGeom prst="rect">
-            <a:avLst/>
-          </a:prstGeom>
-          <a:noFill/>
-        </p:spPr>
-        <p:txBody>
-          <a:bodyPr wrap="square" rtlCol="0">
-            <a:spAutoFit/>
-          </a:bodyPr>
-          <a:lstStyle/>
-          <a:p>
-            <a:r>
-              <a:rPr lang="zh-CN" altLang="en-US" sz="2400" b="1" dirty="0">
-                <a:solidFill>
-                  <a:schemeClr val="bg2">
-                    <a:lumMod val="25000"/>
-                  </a:schemeClr>
-                </a:solidFill>
-                <a:latin typeface="微软雅黑" panose="020B0503020204020204" pitchFamily="34" charset="-122"/>
-                <a:ea typeface="微软雅黑" panose="020B0503020204020204" pitchFamily="34" charset="-122"/>
-              </a:rPr>
-              <a:t>项目</a:t>
-            </a:r>
-            <a:r>
-              <a:rPr lang="zh-CN" altLang="en-US" sz="2400" b="1" dirty="0">
-                <a:solidFill>
-                  <a:schemeClr val="bg2">
-                    <a:lumMod val="25000"/>
-                  </a:schemeClr>
-                </a:solidFill>
-                <a:latin typeface="微软雅黑" panose="020B0503020204020204" pitchFamily="34" charset="-122"/>
-                <a:ea typeface="微软雅黑" panose="020B0503020204020204" pitchFamily="34" charset="-122"/>
-              </a:rPr>
-              <a:t>亮点</a:t>
-            </a:r>
-            <a:endParaRPr lang="zh-CN" altLang="en-US" sz="2400" b="1" dirty="0">
-              <a:solidFill>
-                <a:schemeClr val="bg2">
-                  <a:lumMod val="25000"/>
-                </a:schemeClr>
-              </a:solidFill>
-              <a:latin typeface="微软雅黑" panose="020B0503020204020204" pitchFamily="34" charset="-122"/>
-              <a:ea typeface="微软雅黑" panose="020B0503020204020204" pitchFamily="34" charset="-122"/>
-            </a:endParaRPr>
-          </a:p>
-        </p:txBody>
-      </p:sp>
-      <p:pic>
-        <p:nvPicPr>
-          <p:cNvPr id="4" name="图形 3"/>
-          <p:cNvPicPr>
-            <a:picLocks noChangeAspect="1"/>
-          </p:cNvPicPr>
-          <p:nvPr/>
-        </p:nvPicPr>
-        <p:blipFill>
-          <a:blip r:embed="rId1">
-            <a:extLst>
-              <a:ext uri="{28A0092B-C50C-407E-A947-70E740481C1C}">
-                <a14:useLocalDpi xmlns:a14="http://schemas.microsoft.com/office/drawing/2010/main" val="0"/>
-              </a:ext>
-              <a:ext uri="{96DAC541-7B7A-43D3-8B79-37D633B846F1}">
-                <asvg:svgBlip xmlns:asvg="http://schemas.microsoft.com/office/drawing/2016/SVG/main" r:embed="rId2"/>
-              </a:ext>
-            </a:extLst>
-          </a:blip>
-          <a:stretch>
-            <a:fillRect/>
-          </a:stretch>
-        </p:blipFill>
-        <p:spPr>
-          <a:xfrm>
-            <a:off x="10516998" y="420430"/>
-            <a:ext cx="1068278" cy="1102192"/>
-          </a:xfrm>
-          <a:prstGeom prst="rect">
-            <a:avLst/>
-          </a:prstGeom>
-        </p:spPr>
-      </p:pic>
-      <p:sp>
-        <p:nvSpPr>
-          <p:cNvPr id="6" name="椭圆 5"/>
-          <p:cNvSpPr/>
-          <p:nvPr/>
-        </p:nvSpPr>
-        <p:spPr>
-          <a:xfrm>
-            <a:off x="968457" y="577043"/>
-            <a:ext cx="327299" cy="327299"/>
-          </a:xfrm>
-          <a:prstGeom prst="ellipse">
-            <a:avLst/>
-          </a:prstGeom>
-          <a:solidFill>
-            <a:srgbClr val="3843B3"/>
-          </a:solidFill>
-          <a:ln w="53975">
-            <a:noFill/>
-          </a:ln>
-        </p:spPr>
-        <p:style>
-          <a:lnRef idx="2">
-            <a:schemeClr val="accent1">
-              <a:shade val="50000"/>
-            </a:schemeClr>
-          </a:lnRef>
-          <a:fillRef idx="1">
-            <a:schemeClr val="accent1"/>
-          </a:fillRef>
-          <a:effectRef idx="0">
-            <a:schemeClr val="accent1"/>
-          </a:effectRef>
-          <a:fontRef idx="minor">
-            <a:schemeClr val="lt1"/>
-          </a:fontRef>
-        </p:style>
-        <p:txBody>
-          <a:bodyPr rtlCol="0" anchor="ctr"/>
-          <a:lstStyle/>
-          <a:p>
-            <a:pPr algn="ctr"/>
-            <a:endParaRPr lang="zh-CN" altLang="en-US" sz="1400" b="1" dirty="0">
-              <a:latin typeface="微软雅黑" panose="020B0503020204020204" pitchFamily="34" charset="-122"/>
-              <a:ea typeface="微软雅黑" panose="020B0503020204020204" pitchFamily="34" charset="-122"/>
-            </a:endParaRPr>
-          </a:p>
-        </p:txBody>
-      </p:sp>
-      <p:sp>
-        <p:nvSpPr>
-          <p:cNvPr id="8" name="文本框 7"/>
-          <p:cNvSpPr txBox="1"/>
-          <p:nvPr/>
-        </p:nvSpPr>
-        <p:spPr>
-          <a:xfrm>
-            <a:off x="10152185" y="2001483"/>
-            <a:ext cx="1787029" cy="460375"/>
-          </a:xfrm>
-          <a:prstGeom prst="rect">
-            <a:avLst/>
-          </a:prstGeom>
-          <a:noFill/>
-        </p:spPr>
-        <p:txBody>
-          <a:bodyPr wrap="square" rtlCol="0">
-            <a:spAutoFit/>
-          </a:bodyPr>
-          <a:lstStyle/>
-          <a:p>
-            <a:r>
-              <a:rPr lang="zh-CN" altLang="en-US" sz="2400" dirty="0">
-                <a:solidFill>
-                  <a:schemeClr val="bg1">
-                    <a:lumMod val="65000"/>
-                  </a:schemeClr>
-                </a:solidFill>
-                <a:latin typeface="微软雅黑" panose="020B0503020204020204" pitchFamily="34" charset="-122"/>
-                <a:ea typeface="微软雅黑" panose="020B0503020204020204" pitchFamily="34" charset="-122"/>
-              </a:rPr>
-              <a:t>项目简介</a:t>
-            </a:r>
-            <a:endParaRPr lang="zh-CN" altLang="en-US" sz="2400" dirty="0">
-              <a:solidFill>
-                <a:schemeClr val="bg1">
-                  <a:lumMod val="65000"/>
-                </a:schemeClr>
-              </a:solidFill>
-              <a:latin typeface="微软雅黑" panose="020B0503020204020204" pitchFamily="34" charset="-122"/>
-              <a:ea typeface="微软雅黑" panose="020B0503020204020204" pitchFamily="34" charset="-122"/>
-            </a:endParaRPr>
-          </a:p>
-        </p:txBody>
-      </p:sp>
-      <p:sp>
-        <p:nvSpPr>
-          <p:cNvPr id="9" name="文本框 8"/>
-          <p:cNvSpPr txBox="1"/>
-          <p:nvPr/>
-        </p:nvSpPr>
-        <p:spPr>
-          <a:xfrm>
-            <a:off x="10152185" y="2582349"/>
-            <a:ext cx="1787029" cy="460375"/>
-          </a:xfrm>
-          <a:prstGeom prst="rect">
-            <a:avLst/>
-          </a:prstGeom>
-          <a:noFill/>
-        </p:spPr>
-        <p:txBody>
-          <a:bodyPr wrap="square" rtlCol="0">
-            <a:spAutoFit/>
-          </a:bodyPr>
-          <a:lstStyle/>
-          <a:p>
-            <a:r>
-              <a:rPr lang="zh-CN" altLang="en-US" sz="2400" dirty="0">
-                <a:solidFill>
-                  <a:schemeClr val="bg1">
-                    <a:lumMod val="65000"/>
-                  </a:schemeClr>
-                </a:solidFill>
-                <a:latin typeface="微软雅黑" panose="020B0503020204020204" pitchFamily="34" charset="-122"/>
-                <a:ea typeface="微软雅黑" panose="020B0503020204020204" pitchFamily="34" charset="-122"/>
-              </a:rPr>
-              <a:t>设计思路</a:t>
-            </a:r>
-            <a:endParaRPr lang="zh-CN" altLang="en-US" sz="2400" dirty="0">
-              <a:solidFill>
-                <a:schemeClr val="bg1">
-                  <a:lumMod val="65000"/>
-                </a:schemeClr>
-              </a:solidFill>
-              <a:latin typeface="微软雅黑" panose="020B0503020204020204" pitchFamily="34" charset="-122"/>
-              <a:ea typeface="微软雅黑" panose="020B0503020204020204" pitchFamily="34" charset="-122"/>
-            </a:endParaRPr>
-          </a:p>
-        </p:txBody>
-      </p:sp>
-      <p:sp>
-        <p:nvSpPr>
-          <p:cNvPr id="10" name="文本框 9"/>
-          <p:cNvSpPr txBox="1"/>
-          <p:nvPr/>
-        </p:nvSpPr>
-        <p:spPr>
-          <a:xfrm>
-            <a:off x="10173628" y="3163215"/>
-            <a:ext cx="1787029" cy="460375"/>
-          </a:xfrm>
-          <a:prstGeom prst="rect">
-            <a:avLst/>
-          </a:prstGeom>
-          <a:noFill/>
-        </p:spPr>
-        <p:txBody>
-          <a:bodyPr wrap="square" rtlCol="0">
-            <a:spAutoFit/>
-          </a:bodyPr>
-          <a:lstStyle/>
-          <a:p>
-            <a:r>
-              <a:rPr lang="zh-CN" altLang="en-US" sz="2400" dirty="0">
-                <a:solidFill>
-                  <a:schemeClr val="bg1"/>
-                </a:solidFill>
-                <a:latin typeface="微软雅黑" panose="020B0503020204020204" pitchFamily="34" charset="-122"/>
-                <a:ea typeface="微软雅黑" panose="020B0503020204020204" pitchFamily="34" charset="-122"/>
-              </a:rPr>
-              <a:t>项目亮点</a:t>
-            </a:r>
-            <a:endParaRPr lang="zh-CN" altLang="en-US" sz="2400" dirty="0">
-              <a:solidFill>
-                <a:schemeClr val="bg1"/>
-              </a:solidFill>
-              <a:latin typeface="微软雅黑" panose="020B0503020204020204" pitchFamily="34" charset="-122"/>
-              <a:ea typeface="微软雅黑" panose="020B0503020204020204" pitchFamily="34" charset="-122"/>
-            </a:endParaRPr>
-          </a:p>
-        </p:txBody>
-      </p:sp>
-      <p:sp>
-        <p:nvSpPr>
-          <p:cNvPr id="11" name="文本框 10"/>
-          <p:cNvSpPr txBox="1"/>
-          <p:nvPr/>
-        </p:nvSpPr>
-        <p:spPr>
-          <a:xfrm>
-            <a:off x="10173628" y="3744081"/>
-            <a:ext cx="1787029" cy="460375"/>
-          </a:xfrm>
-          <a:prstGeom prst="rect">
-            <a:avLst/>
-          </a:prstGeom>
-          <a:noFill/>
-        </p:spPr>
-        <p:txBody>
-          <a:bodyPr wrap="square" rtlCol="0">
-            <a:spAutoFit/>
-          </a:bodyPr>
-          <a:lstStyle/>
-          <a:p>
-            <a:r>
-              <a:rPr lang="zh-CN" altLang="en-US" sz="2400" dirty="0">
-                <a:solidFill>
-                  <a:schemeClr val="bg1">
-                    <a:lumMod val="65000"/>
-                  </a:schemeClr>
-                </a:solidFill>
-                <a:latin typeface="微软雅黑" panose="020B0503020204020204" pitchFamily="34" charset="-122"/>
-                <a:ea typeface="微软雅黑" panose="020B0503020204020204" pitchFamily="34" charset="-122"/>
-              </a:rPr>
-              <a:t>项目</a:t>
-            </a:r>
-            <a:r>
-              <a:rPr lang="zh-CN" altLang="en-US" sz="2400" dirty="0">
-                <a:solidFill>
-                  <a:schemeClr val="bg1">
-                    <a:lumMod val="65000"/>
-                  </a:schemeClr>
-                </a:solidFill>
-                <a:latin typeface="微软雅黑" panose="020B0503020204020204" pitchFamily="34" charset="-122"/>
-                <a:ea typeface="微软雅黑" panose="020B0503020204020204" pitchFamily="34" charset="-122"/>
-              </a:rPr>
-              <a:t>难点</a:t>
-            </a:r>
-            <a:endParaRPr lang="zh-CN" altLang="en-US" sz="2400" dirty="0">
-              <a:solidFill>
-                <a:schemeClr val="bg1">
-                  <a:lumMod val="65000"/>
-                </a:schemeClr>
-              </a:solidFill>
-              <a:latin typeface="微软雅黑" panose="020B0503020204020204" pitchFamily="34" charset="-122"/>
-              <a:ea typeface="微软雅黑" panose="020B0503020204020204" pitchFamily="34" charset="-122"/>
-            </a:endParaRPr>
-          </a:p>
-        </p:txBody>
-      </p:sp>
-      <p:sp>
-        <p:nvSpPr>
-          <p:cNvPr id="12" name="文本框 11"/>
-          <p:cNvSpPr txBox="1"/>
-          <p:nvPr/>
-        </p:nvSpPr>
-        <p:spPr>
-          <a:xfrm>
-            <a:off x="10173628" y="4324947"/>
-            <a:ext cx="1787029" cy="460375"/>
-          </a:xfrm>
-          <a:prstGeom prst="rect">
-            <a:avLst/>
-          </a:prstGeom>
-          <a:noFill/>
-        </p:spPr>
-        <p:txBody>
-          <a:bodyPr wrap="square" rtlCol="0">
-            <a:spAutoFit/>
-          </a:bodyPr>
-          <a:lstStyle/>
-          <a:p>
-            <a:r>
-              <a:rPr lang="zh-CN" altLang="en-US" sz="2400" dirty="0">
-                <a:solidFill>
-                  <a:schemeClr val="bg1">
-                    <a:lumMod val="65000"/>
-                  </a:schemeClr>
-                </a:solidFill>
-                <a:latin typeface="微软雅黑" panose="020B0503020204020204" pitchFamily="34" charset="-122"/>
-                <a:ea typeface="微软雅黑" panose="020B0503020204020204" pitchFamily="34" charset="-122"/>
-              </a:rPr>
-              <a:t>心得体会</a:t>
-            </a:r>
-            <a:endParaRPr lang="zh-CN" altLang="en-US" sz="2400" dirty="0">
-              <a:solidFill>
-                <a:schemeClr val="bg1">
-                  <a:lumMod val="65000"/>
-                </a:schemeClr>
-              </a:solidFill>
-              <a:latin typeface="微软雅黑" panose="020B0503020204020204" pitchFamily="34" charset="-122"/>
-              <a:ea typeface="微软雅黑" panose="020B0503020204020204" pitchFamily="34" charset="-122"/>
-            </a:endParaRPr>
-          </a:p>
-        </p:txBody>
-      </p:sp>
-      <p:sp>
-        <p:nvSpPr>
-          <p:cNvPr id="5" name="文本框 4"/>
-          <p:cNvSpPr txBox="1"/>
-          <p:nvPr/>
-        </p:nvSpPr>
-        <p:spPr>
-          <a:xfrm>
-            <a:off x="1424940" y="1263650"/>
-            <a:ext cx="4064000" cy="368300"/>
-          </a:xfrm>
-          <a:prstGeom prst="rect">
-            <a:avLst/>
-          </a:prstGeom>
-          <a:noFill/>
-        </p:spPr>
-        <p:txBody>
-          <a:bodyPr wrap="square" rtlCol="0">
-            <a:spAutoFit/>
-          </a:bodyPr>
-          <a:p>
-            <a:r>
-              <a:rPr lang="zh-CN" altLang="en-US"/>
-              <a:t>使用数据库</a:t>
-            </a:r>
-            <a:r>
-              <a:rPr lang="zh-CN" altLang="en-US"/>
-              <a:t>连接池</a:t>
-            </a:r>
-            <a:endParaRPr lang="zh-CN" altLang="en-US"/>
-          </a:p>
-        </p:txBody>
-      </p:sp>
-      <p:sp>
-        <p:nvSpPr>
-          <p:cNvPr id="7" name="文本框 6"/>
-          <p:cNvSpPr txBox="1"/>
-          <p:nvPr/>
-        </p:nvSpPr>
-        <p:spPr>
-          <a:xfrm>
-            <a:off x="1083310" y="1816735"/>
-            <a:ext cx="5605780" cy="645160"/>
-          </a:xfrm>
-          <a:prstGeom prst="rect">
-            <a:avLst/>
-          </a:prstGeom>
-          <a:noFill/>
-        </p:spPr>
-        <p:txBody>
-          <a:bodyPr wrap="square" rtlCol="0">
-            <a:spAutoFit/>
-          </a:bodyPr>
-          <a:p>
-            <a:r>
-              <a:rPr lang="zh-CN" altLang="en-US"/>
-              <a:t>通过复用数据库连接，</a:t>
-            </a:r>
-            <a:r>
-              <a:rPr lang="zh-CN" altLang="en-US"/>
-              <a:t>避免了资源频繁创建销毁，提高了资源利用率和数据库</a:t>
-            </a:r>
-            <a:r>
-              <a:rPr lang="zh-CN" altLang="en-US"/>
-              <a:t>交互性能</a:t>
-            </a:r>
-            <a:endParaRPr lang="zh-CN" altLang="en-US"/>
-          </a:p>
-        </p:txBody>
-      </p:sp>
-      <p:grpSp>
-        <p:nvGrpSpPr>
-          <p:cNvPr id="17" name="组合 16"/>
-          <p:cNvGrpSpPr/>
-          <p:nvPr/>
-        </p:nvGrpSpPr>
-        <p:grpSpPr>
-          <a:xfrm>
-            <a:off x="1083310" y="4113530"/>
-            <a:ext cx="5720080" cy="1131570"/>
-            <a:chOff x="1706" y="6478"/>
-            <a:chExt cx="9008" cy="1782"/>
-          </a:xfrm>
-        </p:grpSpPr>
-        <p:sp>
-          <p:nvSpPr>
-            <p:cNvPr id="14" name="文本框 13"/>
-            <p:cNvSpPr txBox="1"/>
-            <p:nvPr/>
-          </p:nvSpPr>
-          <p:spPr>
-            <a:xfrm>
-              <a:off x="1895" y="6478"/>
-              <a:ext cx="6400" cy="580"/>
-            </a:xfrm>
-            <a:prstGeom prst="rect">
-              <a:avLst/>
-            </a:prstGeom>
-            <a:noFill/>
-          </p:spPr>
-          <p:txBody>
-            <a:bodyPr wrap="square" rtlCol="0">
-              <a:spAutoFit/>
-            </a:bodyPr>
-            <a:p>
-              <a:r>
-                <a:rPr lang="zh-CN" altLang="en-US"/>
-                <a:t>单例模式</a:t>
-              </a:r>
-              <a:endParaRPr lang="zh-CN" altLang="en-US"/>
-            </a:p>
-          </p:txBody>
-        </p:sp>
-        <p:sp>
-          <p:nvSpPr>
-            <p:cNvPr id="15" name="文本框 14"/>
-            <p:cNvSpPr txBox="1"/>
-            <p:nvPr/>
-          </p:nvSpPr>
-          <p:spPr>
-            <a:xfrm>
-              <a:off x="1706" y="7244"/>
-              <a:ext cx="9009" cy="1016"/>
-            </a:xfrm>
-            <a:prstGeom prst="rect">
-              <a:avLst/>
-            </a:prstGeom>
-            <a:noFill/>
-          </p:spPr>
-          <p:txBody>
-            <a:bodyPr wrap="square" rtlCol="0">
-              <a:spAutoFit/>
-            </a:bodyPr>
-            <a:p>
-              <a:r>
-                <a:rPr lang="zh-CN" altLang="en-US"/>
-                <a:t>为</a:t>
-              </a:r>
-              <a:r>
-                <a:rPr lang="en-US" altLang="zh-CN"/>
-                <a:t>service</a:t>
-              </a:r>
-              <a:r>
-                <a:rPr lang="zh-CN" altLang="en-US"/>
-                <a:t>类和</a:t>
-              </a:r>
-              <a:r>
-                <a:rPr lang="en-US" altLang="zh-CN"/>
-                <a:t>dao</a:t>
-              </a:r>
-              <a:r>
-                <a:rPr lang="zh-CN" altLang="en-US"/>
-                <a:t>类创建了唯一实例以及全局访问点，提高了资源利用率</a:t>
-              </a:r>
-              <a:endParaRPr lang="zh-CN" altLang="en-US"/>
-            </a:p>
-          </p:txBody>
-        </p:sp>
-      </p:grpSp>
-    </p:spTree>
-  </p:cSld>
-  <p:clrMapOvr>
-    <a:masterClrMapping/>
-  </p:clrMapOvr>
-</p:sld>
-</file>
-
 <file path=ppt/slides/slide9.xml><?xml version="1.0" encoding="utf-8"?>
 <p:sld xmlns:a="http://schemas.openxmlformats.org/drawingml/2006/main" xmlns:r="http://schemas.openxmlformats.org/officeDocument/2006/relationships" xmlns:p="http://schemas.openxmlformats.org/presentationml/2006/main">
   <p:cSld>
@@ -11501,7 +14779,7 @@
         </p:nvSpPr>
         <p:spPr>
           <a:xfrm>
-            <a:off x="1615440" y="1656080"/>
+            <a:off x="968375" y="1263650"/>
             <a:ext cx="4064000" cy="368300"/>
           </a:xfrm>
           <a:prstGeom prst="rect">
@@ -11515,18 +14793,18 @@
           </a:bodyPr>
           <a:p>
             <a:r>
-              <a:rPr lang="zh-CN" altLang="en-US"/>
-              <a:t>使用自定义的</a:t>
-            </a:r>
-            <a:r>
-              <a:rPr lang="en-US" altLang="zh-CN"/>
-              <a:t>Servlet</a:t>
-            </a:r>
-            <a:r>
-              <a:rPr lang="zh-CN" altLang="en-US"/>
-              <a:t>基类</a:t>
-            </a:r>
-            <a:endParaRPr lang="zh-CN" altLang="en-US"/>
+              <a:rPr lang="en-US" altLang="zh-CN" b="1"/>
+              <a:t>1.</a:t>
+            </a:r>
+            <a:r>
+              <a:rPr lang="zh-CN" altLang="en-US" b="1"/>
+              <a:t>使用数据库</a:t>
+            </a:r>
+            <a:r>
+              <a:rPr lang="zh-CN" altLang="en-US" b="1"/>
+              <a:t>连接池：</a:t>
+            </a:r>
+            <a:endParaRPr lang="zh-CN" altLang="en-US" b="1"/>
           </a:p>
         </p:txBody>
       </p:sp>
@@ -11538,8 +14816,8 @@
         </p:nvSpPr>
         <p:spPr>
           <a:xfrm>
-            <a:off x="1318260" y="2383790"/>
-            <a:ext cx="6553200" cy="922020"/>
+            <a:off x="968375" y="1816735"/>
+            <a:ext cx="8383905" cy="645160"/>
           </a:xfrm>
           <a:prstGeom prst="rect">
             <a:avLst/>
@@ -11553,102 +14831,44 @@
           <a:p>
             <a:r>
               <a:rPr lang="zh-CN" altLang="en-US"/>
-              <a:t>基类接受了所有前端的请求，解析后将</a:t>
+              <a:t>通过复用数据库连接，</a:t>
             </a:r>
             <a:r>
               <a:rPr lang="zh-CN" altLang="en-US"/>
-              <a:t>请求导航到相应</a:t>
-            </a:r>
-            <a:r>
-              <a:rPr lang="en-US" altLang="zh-CN"/>
-              <a:t>Servlet</a:t>
+              <a:t>避免了资源频繁创建销毁，提高了资源利用率和数据库</a:t>
             </a:r>
             <a:r>
               <a:rPr lang="zh-CN" altLang="en-US"/>
-              <a:t>类的相应方法中，避免了创建过多的</a:t>
-            </a:r>
-            <a:r>
-              <a:rPr lang="en-US" altLang="zh-CN"/>
-              <a:t>Servlet</a:t>
-            </a:r>
-            <a:r>
-              <a:rPr lang="zh-CN" altLang="en-US"/>
-              <a:t>类，增加了代码的可维护性和</a:t>
-            </a:r>
-            <a:r>
-              <a:rPr lang="zh-CN" altLang="en-US"/>
-              <a:t>可读性</a:t>
-            </a:r>
-            <a:endParaRPr lang="zh-CN" altLang="en-US"/>
-          </a:p>
-        </p:txBody>
-      </p:sp>
-      <p:sp>
-        <p:nvSpPr>
-          <p:cNvPr id="13" name="文本框 12"/>
-          <p:cNvSpPr txBox="1"/>
-          <p:nvPr/>
-        </p:nvSpPr>
-        <p:spPr>
-          <a:xfrm>
-            <a:off x="1615440" y="4138295"/>
-            <a:ext cx="4064000" cy="368300"/>
-          </a:xfrm>
-          <a:prstGeom prst="rect">
-            <a:avLst/>
-          </a:prstGeom>
-          <a:noFill/>
-        </p:spPr>
-        <p:txBody>
-          <a:bodyPr wrap="square" rtlCol="0">
-            <a:spAutoFit/>
-          </a:bodyPr>
-          <a:p>
-            <a:r>
-              <a:rPr lang="zh-CN" altLang="en-US"/>
-              <a:t>使用锁和事务保证资金交易</a:t>
-            </a:r>
-            <a:r>
-              <a:rPr lang="zh-CN" altLang="en-US"/>
-              <a:t>安全</a:t>
-            </a:r>
-            <a:endParaRPr lang="zh-CN" altLang="en-US"/>
-          </a:p>
-        </p:txBody>
-      </p:sp>
-      <p:sp>
-        <p:nvSpPr>
-          <p:cNvPr id="15" name="文本框 14"/>
-          <p:cNvSpPr txBox="1"/>
-          <p:nvPr/>
-        </p:nvSpPr>
-        <p:spPr>
-          <a:xfrm>
-            <a:off x="968375" y="4785360"/>
-            <a:ext cx="7700010" cy="922020"/>
-          </a:xfrm>
-          <a:prstGeom prst="rect">
-            <a:avLst/>
-          </a:prstGeom>
-          <a:noFill/>
-        </p:spPr>
-        <p:txBody>
-          <a:bodyPr wrap="square" rtlCol="0">
-            <a:spAutoFit/>
-          </a:bodyPr>
-          <a:p>
-            <a:r>
-              <a:rPr lang="zh-CN" altLang="en-US"/>
-              <a:t>使用锁使交易过程中校验余额和扣款具备原子性，避免了多线程下的脏读问题导致扣款扣成负数，事务保证了扣款同时生成订单暂存金额，避免因服务器波动导致资金</a:t>
-            </a:r>
-            <a:r>
-              <a:rPr lang="zh-CN" altLang="en-US"/>
-              <a:t>丢失</a:t>
-            </a:r>
-            <a:endParaRPr lang="zh-CN" altLang="en-US"/>
-          </a:p>
-        </p:txBody>
-      </p:sp>
+              <a:t>交互性能</a:t>
+            </a:r>
+            <a:endParaRPr lang="zh-CN" altLang="en-US"/>
+          </a:p>
+        </p:txBody>
+      </p:sp>
+      <p:pic>
+        <p:nvPicPr>
+          <p:cNvPr id="13" name="图片 12"/>
+          <p:cNvPicPr>
+            <a:picLocks noChangeAspect="1"/>
+          </p:cNvPicPr>
+          <p:nvPr/>
+        </p:nvPicPr>
+        <p:blipFill>
+          <a:blip r:embed="rId3"/>
+          <a:stretch>
+            <a:fillRect/>
+          </a:stretch>
+        </p:blipFill>
+        <p:spPr>
+          <a:xfrm>
+            <a:off x="968375" y="2422525"/>
+            <a:ext cx="8101965" cy="4352290"/>
+          </a:xfrm>
+          <a:prstGeom prst="rect">
+            <a:avLst/>
+          </a:prstGeom>
+        </p:spPr>
+      </p:pic>
     </p:spTree>
   </p:cSld>
   <p:clrMapOvr>

--- a/document/document/ppt/QG答辩汇报.pptx
+++ b/document/document/ppt/QG答辩汇报.pptx
@@ -3742,7 +3742,7 @@
                 <a:latin typeface="微软雅黑" panose="020B0503020204020204" pitchFamily="34" charset="-122"/>
                 <a:ea typeface="微软雅黑" panose="020B0503020204020204" pitchFamily="34" charset="-122"/>
               </a:rPr>
-              <a:t>5</a:t>
+              <a:t>7</a:t>
             </a:r>
             <a:r>
               <a:rPr lang="zh-CN" altLang="en-US" sz="2400" dirty="0">
@@ -5553,6 +5553,30 @@
               </a:solidFill>
             </a:endParaRPr>
           </a:p>
+          <a:p>
+            <a:pPr algn="ctr"/>
+            <a:r>
+              <a:rPr lang="zh-CN" altLang="en-US">
+                <a:solidFill>
+                  <a:schemeClr val="tx1"/>
+                </a:solidFill>
+              </a:rPr>
+              <a:t>解析</a:t>
+            </a:r>
+            <a:r>
+              <a:rPr lang="en-US" altLang="zh-CN">
+                <a:solidFill>
+                  <a:schemeClr val="tx1"/>
+                </a:solidFill>
+              </a:rPr>
+              <a:t>url</a:t>
+            </a:r>
+            <a:endParaRPr lang="en-US" altLang="zh-CN">
+              <a:solidFill>
+                <a:schemeClr val="tx1"/>
+              </a:solidFill>
+            </a:endParaRPr>
+          </a:p>
         </p:txBody>
       </p:sp>
       <p:sp>
@@ -5763,6 +5787,72 @@
             <a:r>
               <a:rPr lang="zh-CN" altLang="en-US"/>
               <a:t>请求</a:t>
+            </a:r>
+            <a:endParaRPr lang="zh-CN" altLang="en-US"/>
+          </a:p>
+        </p:txBody>
+      </p:sp>
+      <p:cxnSp>
+        <p:nvCxnSpPr>
+          <p:cNvPr id="13" name="直接箭头连接符 12"/>
+          <p:cNvCxnSpPr/>
+          <p:nvPr/>
+        </p:nvCxnSpPr>
+        <p:spPr>
+          <a:xfrm flipH="1">
+            <a:off x="6174740" y="5066030"/>
+            <a:ext cx="1024890" cy="0"/>
+          </a:xfrm>
+          <a:prstGeom prst="straightConnector1">
+            <a:avLst/>
+          </a:prstGeom>
+          <a:ln w="31750" cap="rnd">
+            <a:solidFill>
+              <a:schemeClr val="accent1"/>
+            </a:solidFill>
+            <a:round/>
+            <a:tailEnd type="arrow" w="med" len="med"/>
+          </a:ln>
+        </p:spPr>
+        <p:style>
+          <a:lnRef idx="0">
+            <a:srgbClr val="FFFFFF"/>
+          </a:lnRef>
+          <a:fillRef idx="0">
+            <a:srgbClr val="FFFFFF"/>
+          </a:fillRef>
+          <a:effectRef idx="0">
+            <a:srgbClr val="FFFFFF"/>
+          </a:effectRef>
+          <a:fontRef idx="minor">
+            <a:schemeClr val="tx1"/>
+          </a:fontRef>
+        </p:style>
+      </p:cxnSp>
+      <p:sp>
+        <p:nvSpPr>
+          <p:cNvPr id="22" name="文本框 21"/>
+          <p:cNvSpPr txBox="1"/>
+          <p:nvPr/>
+        </p:nvSpPr>
+        <p:spPr>
+          <a:xfrm>
+            <a:off x="6327775" y="5137785"/>
+            <a:ext cx="4064000" cy="368300"/>
+          </a:xfrm>
+          <a:prstGeom prst="rect">
+            <a:avLst/>
+          </a:prstGeom>
+          <a:noFill/>
+        </p:spPr>
+        <p:txBody>
+          <a:bodyPr wrap="square" rtlCol="0">
+            <a:spAutoFit/>
+          </a:bodyPr>
+          <a:p>
+            <a:r>
+              <a:rPr lang="zh-CN" altLang="en-US"/>
+              <a:t>继承</a:t>
             </a:r>
             <a:endParaRPr lang="zh-CN" altLang="en-US"/>
           </a:p>
@@ -9363,7 +9453,7 @@
         <p:spPr>
           <a:xfrm>
             <a:off x="968375" y="1383030"/>
-            <a:ext cx="6706870" cy="2584450"/>
+            <a:ext cx="6706870" cy="2999740"/>
           </a:xfrm>
           <a:prstGeom prst="rect">
             <a:avLst/>
@@ -9388,7 +9478,7 @@
             </a:r>
             <a:r>
               <a:rPr lang="zh-CN" altLang="en-US"/>
-              <a:t>的规律作息，不一段时间猛学，然后萎靡一段时间，</a:t>
+              <a:t>的规律作息，不一段时间猛学，然后萎靡一段时间。</a:t>
             </a:r>
             <a:endParaRPr lang="zh-CN" altLang="en-US"/>
           </a:p>
@@ -9422,7 +9512,27 @@
               <a:rPr lang="zh-CN" altLang="en-US">
                 <a:sym typeface="+mn-ea"/>
               </a:rPr>
-              <a:t>要做好笔记，每天总结，每天复习</a:t>
+              <a:t>要做好笔记，每天总结，每天复习。</a:t>
+            </a:r>
+            <a:endParaRPr lang="zh-CN" altLang="en-US">
+              <a:sym typeface="+mn-ea"/>
+            </a:endParaRPr>
+          </a:p>
+          <a:p>
+            <a:pPr marL="285750" indent="-285750" fontAlgn="auto">
+              <a:lnSpc>
+                <a:spcPct val="150000"/>
+              </a:lnSpc>
+              <a:buFont typeface="Wingdings" panose="05000000000000000000" charset="0"/>
+              <a:buChar char="l"/>
+            </a:pPr>
+            <a:r>
+              <a:rPr lang="zh-CN" altLang="en-US"/>
+              <a:t>做好一段时间的规划，每天学习时查看上面的任务有无</a:t>
+            </a:r>
+            <a:r>
+              <a:rPr lang="zh-CN" altLang="en-US"/>
+              <a:t>做完。</a:t>
             </a:r>
             <a:endParaRPr lang="zh-CN" altLang="en-US"/>
           </a:p>
@@ -12215,7 +12325,7 @@
         </p:nvSpPr>
         <p:spPr>
           <a:xfrm>
-            <a:off x="968375" y="1219200"/>
+            <a:off x="968375" y="1089025"/>
             <a:ext cx="4064000" cy="583565"/>
           </a:xfrm>
           <a:prstGeom prst="rect">
@@ -12250,7 +12360,7 @@
         </p:nvSpPr>
         <p:spPr>
           <a:xfrm>
-            <a:off x="968375" y="2051685"/>
+            <a:off x="1142365" y="1791335"/>
             <a:ext cx="8343265" cy="749935"/>
           </a:xfrm>
           <a:prstGeom prst="rect">
@@ -12347,7 +12457,7 @@
         </p:blipFill>
         <p:spPr>
           <a:xfrm>
-            <a:off x="968375" y="2801620"/>
+            <a:off x="1296035" y="2726055"/>
             <a:ext cx="5836920" cy="3200400"/>
           </a:xfrm>
           <a:prstGeom prst="rect">
@@ -13313,7 +13423,7 @@
         <p:spPr>
           <a:xfrm>
             <a:off x="1419225" y="1535430"/>
-            <a:ext cx="5616575" cy="368300"/>
+            <a:ext cx="6160135" cy="368300"/>
           </a:xfrm>
           <a:prstGeom prst="rect">
             <a:avLst/>
@@ -13327,13 +13437,50 @@
           <a:p>
             <a:r>
               <a:rPr lang="zh-CN" altLang="en-US"/>
-              <a:t>功能分为三块，用户中心，资金中心，企业</a:t>
+              <a:t>功能分为三个</a:t>
+            </a:r>
+            <a:r>
+              <a:rPr lang="zh-CN" altLang="en-US"/>
+              <a:t>模块：用户中心，资金中心，企业</a:t>
             </a:r>
             <a:r>
               <a:rPr lang="zh-CN" altLang="en-US"/>
               <a:t>中心</a:t>
             </a:r>
             <a:endParaRPr lang="zh-CN" altLang="en-US"/>
+          </a:p>
+        </p:txBody>
+      </p:sp>
+      <p:sp>
+        <p:nvSpPr>
+          <p:cNvPr id="5" name="文本框 4"/>
+          <p:cNvSpPr txBox="1"/>
+          <p:nvPr/>
+        </p:nvSpPr>
+        <p:spPr>
+          <a:xfrm>
+            <a:off x="968375" y="1069340"/>
+            <a:ext cx="4064000" cy="368300"/>
+          </a:xfrm>
+          <a:prstGeom prst="rect">
+            <a:avLst/>
+          </a:prstGeom>
+          <a:noFill/>
+        </p:spPr>
+        <p:txBody>
+          <a:bodyPr wrap="square" rtlCol="0">
+            <a:spAutoFit/>
+          </a:bodyPr>
+          <a:p>
+            <a:r>
+              <a:rPr lang="en-US" altLang="zh-CN" b="1"/>
+              <a:t>1.</a:t>
+            </a:r>
+            <a:r>
+              <a:rPr lang="zh-CN" altLang="en-US" b="1"/>
+              <a:t>功能设计</a:t>
+            </a:r>
+            <a:endParaRPr lang="zh-CN" altLang="en-US" b="1"/>
           </a:p>
         </p:txBody>
       </p:sp>
@@ -13809,7 +13956,7 @@
         </p:nvSpPr>
         <p:spPr>
           <a:xfrm>
-            <a:off x="968375" y="1421765"/>
+            <a:off x="1296035" y="1421765"/>
             <a:ext cx="5165090" cy="368300"/>
           </a:xfrm>
           <a:prstGeom prst="rect">
@@ -13824,7 +13971,11 @@
           <a:p>
             <a:r>
               <a:rPr lang="zh-CN" altLang="en-US"/>
-              <a:t>表设计包括两类，需求的信息集，对象的</a:t>
+              <a:t>表设计包括两类表，需求的</a:t>
+            </a:r>
+            <a:r>
+              <a:rPr lang="zh-CN" altLang="en-US"/>
+              <a:t>表，对象的</a:t>
             </a:r>
             <a:r>
               <a:rPr lang="zh-CN" altLang="en-US"/>
@@ -13858,6 +14009,39 @@
           </a:prstGeom>
         </p:spPr>
       </p:pic>
+      <p:sp>
+        <p:nvSpPr>
+          <p:cNvPr id="5" name="文本框 4"/>
+          <p:cNvSpPr txBox="1"/>
+          <p:nvPr/>
+        </p:nvSpPr>
+        <p:spPr>
+          <a:xfrm>
+            <a:off x="968375" y="1059815"/>
+            <a:ext cx="4064000" cy="368300"/>
+          </a:xfrm>
+          <a:prstGeom prst="rect">
+            <a:avLst/>
+          </a:prstGeom>
+          <a:noFill/>
+        </p:spPr>
+        <p:txBody>
+          <a:bodyPr wrap="square" rtlCol="0">
+            <a:spAutoFit/>
+          </a:bodyPr>
+          <a:p>
+            <a:r>
+              <a:rPr lang="en-US" altLang="zh-CN" b="1"/>
+              <a:t>2.</a:t>
+            </a:r>
+            <a:r>
+              <a:rPr lang="zh-CN" altLang="en-US" b="1"/>
+              <a:t>表设计</a:t>
+            </a:r>
+            <a:endParaRPr lang="zh-CN" altLang="en-US" b="1"/>
+          </a:p>
+        </p:txBody>
+      </p:sp>
     </p:spTree>
   </p:cSld>
   <p:clrMapOvr>
